--- a/SoutenancePARM.pptx
+++ b/SoutenancePARM.pptx
@@ -17273,7 +17273,7 @@
         </p:nvSpPr>
         <p:spPr>
           <a:xfrm>
-            <a:off x="341850" y="2232821"/>
+            <a:off x="335635" y="3657068"/>
             <a:ext cx="4236365" cy="1036679"/>
           </a:xfrm>
           <a:prstGeom prst="rect">
@@ -17430,7 +17430,7 @@
         </p:nvSpPr>
         <p:spPr>
           <a:xfrm>
-            <a:off x="341850" y="1762368"/>
+            <a:off x="225472" y="3219866"/>
             <a:ext cx="3792077" cy="289900"/>
           </a:xfrm>
           <a:prstGeom prst="rect">
@@ -17445,8 +17445,14 @@
           <a:p>
             <a:pPr lvl="0"/>
             <a:r>
+              <a:rPr lang="fr-FR" dirty="0">
+                <a:hlinkClick r:id="rId3" action="ppaction://hlinkfile"/>
+              </a:rPr>
+              <a:t>CPU</a:t>
+            </a:r>
+            <a:r>
               <a:rPr lang="fr-FR" dirty="0"/>
-              <a:t>CPU = </a:t>
+              <a:t> = </a:t>
             </a:r>
             <a:r>
               <a:rPr lang="fr-FR" dirty="0" err="1"/>
@@ -17460,114 +17466,36 @@
           </a:p>
         </p:txBody>
       </p:sp>
-      <p:sp>
-        <p:nvSpPr>
-          <p:cNvPr id="10" name="TextBox 9">
+      <p:pic>
+        <p:nvPicPr>
+          <p:cNvPr id="3" name="Picture 2">
             <a:extLst>
               <a:ext uri="{FF2B5EF4-FFF2-40B4-BE49-F238E27FC236}">
-                <a16:creationId xmlns:a16="http://schemas.microsoft.com/office/drawing/2014/main" id="{683F836E-5610-241E-68EB-F46AF7471D81}"/>
+                <a16:creationId xmlns:a16="http://schemas.microsoft.com/office/drawing/2014/main" id="{7AA4A214-27D4-F50B-513D-2A39F5D68E6D}"/>
               </a:ext>
             </a:extLst>
           </p:cNvPr>
-          <p:cNvSpPr txBox="1"/>
+          <p:cNvPicPr>
+            <a:picLocks noChangeAspect="1"/>
+          </p:cNvPicPr>
           <p:nvPr/>
-        </p:nvSpPr>
+        </p:nvPicPr>
+        <p:blipFill>
+          <a:blip r:embed="rId4"/>
+          <a:stretch>
+            <a:fillRect/>
+          </a:stretch>
+        </p:blipFill>
         <p:spPr>
           <a:xfrm>
-            <a:off x="5080000" y="2052268"/>
-            <a:ext cx="3611417" cy="1815882"/>
+            <a:off x="3619768" y="1413163"/>
+            <a:ext cx="5086428" cy="2140425"/>
           </a:xfrm>
           <a:prstGeom prst="rect">
             <a:avLst/>
           </a:prstGeom>
-          <a:noFill/>
         </p:spPr>
-        <p:txBody>
-          <a:bodyPr wrap="square" rtlCol="0">
-            <a:spAutoFit/>
-          </a:bodyPr>
-          <a:lstStyle/>
-          <a:p>
-            <a:r>
-              <a:rPr lang="fr-FR" dirty="0">
-                <a:solidFill>
-                  <a:srgbClr val="C00000"/>
-                </a:solidFill>
-              </a:rPr>
-              <a:t>SCREEN : Dans </a:t>
-            </a:r>
-            <a:r>
-              <a:rPr lang="fr-FR" dirty="0" err="1">
-                <a:solidFill>
-                  <a:srgbClr val="C00000"/>
-                </a:solidFill>
-              </a:rPr>
-              <a:t>Logisim</a:t>
-            </a:r>
-            <a:r>
-              <a:rPr lang="fr-FR" dirty="0">
-                <a:solidFill>
-                  <a:srgbClr val="C00000"/>
-                </a:solidFill>
-              </a:rPr>
-              <a:t> : </a:t>
-            </a:r>
-            <a:r>
-              <a:rPr lang="fr-FR" b="1" dirty="0">
-                <a:solidFill>
-                  <a:srgbClr val="C00000"/>
-                </a:solidFill>
-              </a:rPr>
-              <a:t>le circuit top-</a:t>
-            </a:r>
-            <a:r>
-              <a:rPr lang="fr-FR" b="1" dirty="0" err="1">
-                <a:solidFill>
-                  <a:srgbClr val="C00000"/>
-                </a:solidFill>
-              </a:rPr>
-              <a:t>level</a:t>
-            </a:r>
-            <a:r>
-              <a:rPr lang="fr-FR" dirty="0">
-                <a:solidFill>
-                  <a:srgbClr val="C00000"/>
-                </a:solidFill>
-              </a:rPr>
-              <a:t> où on voit </a:t>
-            </a:r>
-            <a:r>
-              <a:rPr lang="fr-FR" b="1" dirty="0">
-                <a:solidFill>
-                  <a:srgbClr val="C00000"/>
-                </a:solidFill>
-              </a:rPr>
-              <a:t>CPU + ROM + RAM</a:t>
-            </a:r>
-            <a:r>
-              <a:rPr lang="fr-FR" dirty="0">
-                <a:solidFill>
-                  <a:srgbClr val="C00000"/>
-                </a:solidFill>
-              </a:rPr>
-              <a:t> connectés (avec labels visibles : PC, ROM, RAM, Flags)</a:t>
-            </a:r>
-          </a:p>
-          <a:p>
-            <a:r>
-              <a:rPr lang="fr-FR" dirty="0">
-                <a:solidFill>
-                  <a:srgbClr val="C00000"/>
-                </a:solidFill>
-              </a:rPr>
-              <a:t>👉 Astuce : active l’affichage des noms de composants / nets si possible, et zoom pour que ça reste lisible.</a:t>
-            </a:r>
-          </a:p>
-          <a:p>
-            <a:endParaRPr lang="fr-FR" dirty="0"/>
-          </a:p>
-        </p:txBody>
-      </p:sp>
+      </p:pic>
     </p:spTree>
     <p:extLst>
       <p:ext uri="{BB962C8B-B14F-4D97-AF65-F5344CB8AC3E}">
@@ -19275,190 +19203,6 @@
               <a:t>: utilisée uniquement pour charger / stocker</a:t>
             </a:r>
             <a:endParaRPr dirty="0"/>
-          </a:p>
-        </p:txBody>
-      </p:sp>
-      <p:sp>
-        <p:nvSpPr>
-          <p:cNvPr id="8" name="TextBox 7">
-            <a:extLst>
-              <a:ext uri="{FF2B5EF4-FFF2-40B4-BE49-F238E27FC236}">
-                <a16:creationId xmlns:a16="http://schemas.microsoft.com/office/drawing/2014/main" id="{83BA9579-C844-C424-4FF0-540629A82C4C}"/>
-              </a:ext>
-            </a:extLst>
-          </p:cNvPr>
-          <p:cNvSpPr txBox="1"/>
-          <p:nvPr/>
-        </p:nvSpPr>
-        <p:spPr>
-          <a:xfrm>
-            <a:off x="388032" y="1674801"/>
-            <a:ext cx="5198792" cy="1815882"/>
-          </a:xfrm>
-          <a:prstGeom prst="rect">
-            <a:avLst/>
-          </a:prstGeom>
-          <a:noFill/>
-        </p:spPr>
-        <p:txBody>
-          <a:bodyPr wrap="square" rtlCol="0">
-            <a:spAutoFit/>
-          </a:bodyPr>
-          <a:lstStyle/>
-          <a:p>
-            <a:r>
-              <a:rPr lang="fr-FR" b="1" dirty="0">
-                <a:solidFill>
-                  <a:srgbClr val="C00000"/>
-                </a:solidFill>
-              </a:rPr>
-              <a:t>Prends un </a:t>
-            </a:r>
-            <a:r>
-              <a:rPr lang="fr-FR" b="1" dirty="0" err="1">
-                <a:solidFill>
-                  <a:srgbClr val="C00000"/>
-                </a:solidFill>
-              </a:rPr>
-              <a:t>screenshot</a:t>
-            </a:r>
-            <a:r>
-              <a:rPr lang="fr-FR" b="1" dirty="0">
-                <a:solidFill>
-                  <a:srgbClr val="C00000"/>
-                </a:solidFill>
-              </a:rPr>
-              <a:t> de ton top-</a:t>
-            </a:r>
-            <a:r>
-              <a:rPr lang="fr-FR" b="1" dirty="0" err="1">
-                <a:solidFill>
-                  <a:srgbClr val="C00000"/>
-                </a:solidFill>
-              </a:rPr>
-              <a:t>level</a:t>
-            </a:r>
-            <a:r>
-              <a:rPr lang="fr-FR" b="1" dirty="0">
-                <a:solidFill>
-                  <a:srgbClr val="C00000"/>
-                </a:solidFill>
-              </a:rPr>
-              <a:t> </a:t>
-            </a:r>
-            <a:r>
-              <a:rPr lang="fr-FR" b="1" dirty="0" err="1">
-                <a:solidFill>
-                  <a:srgbClr val="C00000"/>
-                </a:solidFill>
-              </a:rPr>
-              <a:t>Logisim</a:t>
-            </a:r>
-            <a:r>
-              <a:rPr lang="fr-FR" dirty="0">
-                <a:solidFill>
-                  <a:srgbClr val="C00000"/>
-                </a:solidFill>
-              </a:rPr>
-              <a:t> où on voit clairement :</a:t>
-            </a:r>
-          </a:p>
-          <a:p>
-            <a:r>
-              <a:rPr lang="fr-FR" b="1" dirty="0">
-                <a:solidFill>
-                  <a:srgbClr val="C00000"/>
-                </a:solidFill>
-              </a:rPr>
-              <a:t>CPU</a:t>
-            </a:r>
-            <a:endParaRPr lang="fr-FR" dirty="0">
-              <a:solidFill>
-                <a:srgbClr val="C00000"/>
-              </a:solidFill>
-            </a:endParaRPr>
-          </a:p>
-          <a:p>
-            <a:r>
-              <a:rPr lang="fr-FR" b="1" dirty="0">
-                <a:solidFill>
-                  <a:srgbClr val="C00000"/>
-                </a:solidFill>
-              </a:rPr>
-              <a:t>ROM (programme)</a:t>
-            </a:r>
-            <a:endParaRPr lang="fr-FR" dirty="0">
-              <a:solidFill>
-                <a:srgbClr val="C00000"/>
-              </a:solidFill>
-            </a:endParaRPr>
-          </a:p>
-          <a:p>
-            <a:r>
-              <a:rPr lang="fr-FR" b="1" dirty="0">
-                <a:solidFill>
-                  <a:srgbClr val="C00000"/>
-                </a:solidFill>
-              </a:rPr>
-              <a:t>RAM (données)</a:t>
-            </a:r>
-            <a:endParaRPr lang="fr-FR" dirty="0">
-              <a:solidFill>
-                <a:srgbClr val="C00000"/>
-              </a:solidFill>
-            </a:endParaRPr>
-          </a:p>
-          <a:p>
-            <a:r>
-              <a:rPr lang="fr-FR" b="1" dirty="0" err="1">
-                <a:solidFill>
-                  <a:srgbClr val="C00000"/>
-                </a:solidFill>
-              </a:rPr>
-              <a:t>Clock</a:t>
-            </a:r>
-            <a:r>
-              <a:rPr lang="fr-FR" b="1" dirty="0">
-                <a:solidFill>
-                  <a:srgbClr val="C00000"/>
-                </a:solidFill>
-              </a:rPr>
-              <a:t> / Reset</a:t>
-            </a:r>
-            <a:endParaRPr lang="fr-FR" dirty="0">
-              <a:solidFill>
-                <a:srgbClr val="C00000"/>
-              </a:solidFill>
-            </a:endParaRPr>
-          </a:p>
-          <a:p>
-            <a:r>
-              <a:rPr lang="fr-FR" dirty="0">
-                <a:solidFill>
-                  <a:srgbClr val="C00000"/>
-                </a:solidFill>
-              </a:rPr>
-              <a:t>(si possible) les bus/sorties nommées (</a:t>
-            </a:r>
-            <a:r>
-              <a:rPr lang="fr-FR" dirty="0" err="1">
-                <a:solidFill>
-                  <a:srgbClr val="C00000"/>
-                </a:solidFill>
-              </a:rPr>
-              <a:t>Addr</a:t>
-            </a:r>
-            <a:r>
-              <a:rPr lang="fr-FR" dirty="0">
-                <a:solidFill>
-                  <a:srgbClr val="C00000"/>
-                </a:solidFill>
-              </a:rPr>
-              <a:t>/Data/WE)</a:t>
-            </a:r>
-          </a:p>
-          <a:p>
-            <a:endParaRPr lang="fr-FR" dirty="0"/>
           </a:p>
         </p:txBody>
       </p:sp>
@@ -20220,6 +19964,96 @@
           </a:graphicData>
         </a:graphic>
       </p:graphicFrame>
+      <p:pic>
+        <p:nvPicPr>
+          <p:cNvPr id="3" name="Picture 2">
+            <a:extLst>
+              <a:ext uri="{FF2B5EF4-FFF2-40B4-BE49-F238E27FC236}">
+                <a16:creationId xmlns:a16="http://schemas.microsoft.com/office/drawing/2014/main" id="{EF157C99-48DE-C0D1-14FA-53E15A80BCE4}"/>
+              </a:ext>
+            </a:extLst>
+          </p:cNvPr>
+          <p:cNvPicPr>
+            <a:picLocks noChangeAspect="1"/>
+          </p:cNvPicPr>
+          <p:nvPr/>
+        </p:nvPicPr>
+        <p:blipFill>
+          <a:blip r:embed="rId3"/>
+          <a:stretch>
+            <a:fillRect/>
+          </a:stretch>
+        </p:blipFill>
+        <p:spPr>
+          <a:xfrm>
+            <a:off x="4527666" y="2565272"/>
+            <a:ext cx="2589330" cy="996276"/>
+          </a:xfrm>
+          <a:prstGeom prst="rect">
+            <a:avLst/>
+          </a:prstGeom>
+        </p:spPr>
+      </p:pic>
+      <p:pic>
+        <p:nvPicPr>
+          <p:cNvPr id="5" name="Picture 4">
+            <a:extLst>
+              <a:ext uri="{FF2B5EF4-FFF2-40B4-BE49-F238E27FC236}">
+                <a16:creationId xmlns:a16="http://schemas.microsoft.com/office/drawing/2014/main" id="{376DC4A8-BDC7-601F-1C4D-298AB15F569E}"/>
+              </a:ext>
+            </a:extLst>
+          </p:cNvPr>
+          <p:cNvPicPr>
+            <a:picLocks noChangeAspect="1"/>
+          </p:cNvPicPr>
+          <p:nvPr/>
+        </p:nvPicPr>
+        <p:blipFill>
+          <a:blip r:embed="rId4"/>
+          <a:stretch>
+            <a:fillRect/>
+          </a:stretch>
+        </p:blipFill>
+        <p:spPr>
+          <a:xfrm>
+            <a:off x="3145904" y="1770861"/>
+            <a:ext cx="2011654" cy="676099"/>
+          </a:xfrm>
+          <a:prstGeom prst="rect">
+            <a:avLst/>
+          </a:prstGeom>
+        </p:spPr>
+      </p:pic>
+      <p:pic>
+        <p:nvPicPr>
+          <p:cNvPr id="7" name="Picture 6">
+            <a:extLst>
+              <a:ext uri="{FF2B5EF4-FFF2-40B4-BE49-F238E27FC236}">
+                <a16:creationId xmlns:a16="http://schemas.microsoft.com/office/drawing/2014/main" id="{06F9828A-72E3-6ACF-48CE-08F4882E8710}"/>
+              </a:ext>
+            </a:extLst>
+          </p:cNvPr>
+          <p:cNvPicPr>
+            <a:picLocks noChangeAspect="1"/>
+          </p:cNvPicPr>
+          <p:nvPr/>
+        </p:nvPicPr>
+        <p:blipFill>
+          <a:blip r:embed="rId5"/>
+          <a:stretch>
+            <a:fillRect/>
+          </a:stretch>
+        </p:blipFill>
+        <p:spPr>
+          <a:xfrm>
+            <a:off x="957433" y="1295442"/>
+            <a:ext cx="1726624" cy="2346177"/>
+          </a:xfrm>
+          <a:prstGeom prst="rect">
+            <a:avLst/>
+          </a:prstGeom>
+        </p:spPr>
+      </p:pic>
     </p:spTree>
   </p:cSld>
   <p:clrMapOvr>

--- a/SoutenancePARM.pptx
+++ b/SoutenancePARM.pptx
@@ -5,64 +5,67 @@
     <p:sldMasterId id="2147483673" r:id="rId1"/>
   </p:sldMasterIdLst>
   <p:notesMasterIdLst>
-    <p:notesMasterId r:id="rId15"/>
+    <p:notesMasterId r:id="rId18"/>
   </p:notesMasterIdLst>
   <p:sldIdLst>
     <p:sldId id="256" r:id="rId2"/>
     <p:sldId id="257" r:id="rId3"/>
-    <p:sldId id="263" r:id="rId4"/>
-    <p:sldId id="289" r:id="rId5"/>
-    <p:sldId id="290" r:id="rId6"/>
-    <p:sldId id="262" r:id="rId7"/>
-    <p:sldId id="258" r:id="rId8"/>
-    <p:sldId id="259" r:id="rId9"/>
-    <p:sldId id="261" r:id="rId10"/>
-    <p:sldId id="291" r:id="rId11"/>
-    <p:sldId id="267" r:id="rId12"/>
-    <p:sldId id="260" r:id="rId13"/>
-    <p:sldId id="268" r:id="rId14"/>
+    <p:sldId id="293" r:id="rId4"/>
+    <p:sldId id="263" r:id="rId5"/>
+    <p:sldId id="289" r:id="rId6"/>
+    <p:sldId id="290" r:id="rId7"/>
+    <p:sldId id="294" r:id="rId8"/>
+    <p:sldId id="262" r:id="rId9"/>
+    <p:sldId id="258" r:id="rId10"/>
+    <p:sldId id="259" r:id="rId11"/>
+    <p:sldId id="261" r:id="rId12"/>
+    <p:sldId id="291" r:id="rId13"/>
+    <p:sldId id="267" r:id="rId14"/>
+    <p:sldId id="260" r:id="rId15"/>
+    <p:sldId id="292" r:id="rId16"/>
+    <p:sldId id="268" r:id="rId17"/>
   </p:sldIdLst>
   <p:sldSz cx="9144000" cy="5143500" type="screen16x9"/>
   <p:notesSz cx="6858000" cy="9144000"/>
   <p:embeddedFontLst>
     <p:embeddedFont>
       <p:font typeface="Hanken Grotesk" panose="020B0604020202020204" charset="0"/>
-      <p:regular r:id="rId16"/>
-      <p:bold r:id="rId17"/>
-      <p:italic r:id="rId18"/>
-      <p:boldItalic r:id="rId19"/>
+      <p:regular r:id="rId19"/>
+      <p:bold r:id="rId20"/>
+      <p:italic r:id="rId21"/>
+      <p:boldItalic r:id="rId22"/>
     </p:embeddedFont>
     <p:embeddedFont>
       <p:font typeface="Inter" panose="020B0604020202020204" charset="0"/>
-      <p:regular r:id="rId20"/>
-      <p:bold r:id="rId21"/>
-      <p:italic r:id="rId22"/>
-      <p:boldItalic r:id="rId23"/>
+      <p:regular r:id="rId23"/>
+      <p:bold r:id="rId24"/>
+      <p:italic r:id="rId25"/>
+      <p:boldItalic r:id="rId26"/>
     </p:embeddedFont>
     <p:embeddedFont>
       <p:font typeface="Open Sans" panose="020B0606030504020204" pitchFamily="34" charset="0"/>
-      <p:regular r:id="rId24"/>
-      <p:bold r:id="rId25"/>
-      <p:italic r:id="rId26"/>
-      <p:boldItalic r:id="rId27"/>
+      <p:regular r:id="rId27"/>
+      <p:bold r:id="rId28"/>
+      <p:italic r:id="rId29"/>
+      <p:boldItalic r:id="rId30"/>
     </p:embeddedFont>
     <p:embeddedFont>
       <p:font typeface="Raleway" pitchFamily="2" charset="0"/>
-      <p:regular r:id="rId28"/>
-      <p:bold r:id="rId29"/>
-      <p:italic r:id="rId30"/>
-      <p:boldItalic r:id="rId31"/>
+      <p:regular r:id="rId31"/>
+      <p:bold r:id="rId32"/>
+      <p:italic r:id="rId33"/>
+      <p:boldItalic r:id="rId34"/>
     </p:embeddedFont>
     <p:embeddedFont>
       <p:font typeface="Roboto Mono" panose="00000009000000000000" pitchFamily="49" charset="0"/>
-      <p:regular r:id="rId32"/>
-      <p:bold r:id="rId33"/>
-      <p:italic r:id="rId34"/>
-      <p:boldItalic r:id="rId35"/>
+      <p:regular r:id="rId35"/>
+      <p:bold r:id="rId36"/>
+      <p:italic r:id="rId37"/>
+      <p:boldItalic r:id="rId38"/>
     </p:embeddedFont>
     <p:embeddedFont>
       <p:font typeface="VT323" panose="020B0604020202020204" charset="0"/>
-      <p:regular r:id="rId36"/>
+      <p:regular r:id="rId39"/>
     </p:embeddedFont>
   </p:embeddedFontLst>
   <p:defaultTextStyle>
@@ -852,6 +855,298 @@
   <p:cSld>
     <p:spTree>
       <p:nvGrpSpPr>
+        <p:cNvPr id="1" name="Shape 245"/>
+        <p:cNvGrpSpPr/>
+        <p:nvPr/>
+      </p:nvGrpSpPr>
+      <p:grpSpPr>
+        <a:xfrm>
+          <a:off x="0" y="0"/>
+          <a:ext cx="0" cy="0"/>
+          <a:chOff x="0" y="0"/>
+          <a:chExt cx="0" cy="0"/>
+        </a:xfrm>
+      </p:grpSpPr>
+      <p:sp>
+        <p:nvSpPr>
+          <p:cNvPr id="246" name="Google Shape;246;ge1d838b627_4_19:notes"/>
+          <p:cNvSpPr>
+            <a:spLocks noGrp="1" noRot="1" noChangeAspect="1"/>
+          </p:cNvSpPr>
+          <p:nvPr>
+            <p:ph type="sldImg" idx="2"/>
+          </p:nvPr>
+        </p:nvSpPr>
+        <p:spPr>
+          <a:xfrm>
+            <a:off x="381000" y="685800"/>
+            <a:ext cx="6096000" cy="3429000"/>
+          </a:xfrm>
+          <a:custGeom>
+            <a:avLst/>
+            <a:gdLst/>
+            <a:ahLst/>
+            <a:cxnLst/>
+            <a:rect l="l" t="t" r="r" b="b"/>
+            <a:pathLst>
+              <a:path w="120000" h="120000" extrusionOk="0">
+                <a:moveTo>
+                  <a:pt x="0" y="0"/>
+                </a:moveTo>
+                <a:lnTo>
+                  <a:pt x="120000" y="0"/>
+                </a:lnTo>
+                <a:lnTo>
+                  <a:pt x="120000" y="120000"/>
+                </a:lnTo>
+                <a:lnTo>
+                  <a:pt x="0" y="120000"/>
+                </a:lnTo>
+                <a:close/>
+              </a:path>
+            </a:pathLst>
+          </a:custGeom>
+        </p:spPr>
+      </p:sp>
+      <p:sp>
+        <p:nvSpPr>
+          <p:cNvPr id="247" name="Google Shape;247;ge1d838b627_4_19:notes"/>
+          <p:cNvSpPr txBox="1">
+            <a:spLocks noGrp="1"/>
+          </p:cNvSpPr>
+          <p:nvPr>
+            <p:ph type="body" idx="1"/>
+          </p:nvPr>
+        </p:nvSpPr>
+        <p:spPr>
+          <a:xfrm>
+            <a:off x="685800" y="4343400"/>
+            <a:ext cx="5486400" cy="4114800"/>
+          </a:xfrm>
+          <a:prstGeom prst="rect">
+            <a:avLst/>
+          </a:prstGeom>
+        </p:spPr>
+        <p:txBody>
+          <a:bodyPr spcFirstLastPara="1" wrap="square" lIns="91425" tIns="91425" rIns="91425" bIns="91425" anchor="t" anchorCtr="0">
+            <a:noAutofit/>
+          </a:bodyPr>
+          <a:lstStyle/>
+          <a:p>
+            <a:pPr marL="158750" indent="0">
+              <a:buNone/>
+            </a:pPr>
+            <a:r>
+              <a:rPr lang="fr-FR" b="1" dirty="0"/>
+              <a:t>Supporté </a:t>
+            </a:r>
+          </a:p>
+          <a:p>
+            <a:r>
+              <a:rPr lang="fr-FR" dirty="0"/>
+              <a:t>Sous-ensemble d’instructions (celles de notre CPU)</a:t>
+            </a:r>
+          </a:p>
+          <a:p>
+            <a:r>
+              <a:rPr lang="fr-FR" b="1" dirty="0"/>
+              <a:t>Immédiats / offsets</a:t>
+            </a:r>
+            <a:r>
+              <a:rPr lang="fr-FR" dirty="0"/>
+              <a:t> dans les limites</a:t>
+            </a:r>
+          </a:p>
+          <a:p>
+            <a:r>
+              <a:rPr lang="fr-FR" b="1" dirty="0"/>
+              <a:t>Commentaires</a:t>
+            </a:r>
+            <a:r>
+              <a:rPr lang="fr-FR" dirty="0"/>
+              <a:t> ignorés</a:t>
+            </a:r>
+          </a:p>
+          <a:p>
+            <a:r>
+              <a:rPr lang="fr-FR" b="1" dirty="0"/>
+              <a:t>Labels + branches</a:t>
+            </a:r>
+            <a:r>
+              <a:rPr lang="fr-FR" dirty="0"/>
+              <a:t> (sauts)</a:t>
+            </a:r>
+          </a:p>
+          <a:p>
+            <a:pPr marL="158750" indent="0">
+              <a:buNone/>
+            </a:pPr>
+            <a:endParaRPr lang="fr-FR" dirty="0"/>
+          </a:p>
+          <a:p>
+            <a:pPr marL="158750" indent="0">
+              <a:buNone/>
+            </a:pPr>
+            <a:r>
+              <a:rPr lang="fr-FR" b="1" dirty="0"/>
+              <a:t>Vérifications </a:t>
+            </a:r>
+          </a:p>
+          <a:p>
+            <a:r>
+              <a:rPr lang="fr-FR" dirty="0"/>
+              <a:t>format d’instruction invalide</a:t>
+            </a:r>
+          </a:p>
+          <a:p>
+            <a:r>
+              <a:rPr lang="fr-FR" dirty="0"/>
+              <a:t>registre invalide</a:t>
+            </a:r>
+          </a:p>
+          <a:p>
+            <a:r>
+              <a:rPr lang="fr-FR" dirty="0"/>
+              <a:t>immédiat/offset trop grand</a:t>
+            </a:r>
+          </a:p>
+          <a:p>
+            <a:r>
+              <a:rPr lang="fr-FR" dirty="0"/>
+              <a:t>label inconnu</a:t>
+            </a:r>
+          </a:p>
+          <a:p>
+            <a:pPr marL="0" lvl="0" indent="0" algn="l" rtl="0">
+              <a:spcBef>
+                <a:spcPts val="0"/>
+              </a:spcBef>
+              <a:spcAft>
+                <a:spcPts val="0"/>
+              </a:spcAft>
+              <a:buNone/>
+            </a:pPr>
+            <a:endParaRPr dirty="0"/>
+          </a:p>
+        </p:txBody>
+      </p:sp>
+    </p:spTree>
+  </p:cSld>
+  <p:clrMapOvr>
+    <a:masterClrMapping/>
+  </p:clrMapOvr>
+</p:notes>
+</file>
+
+<file path=ppt/notesSlides/notesSlide11.xml><?xml version="1.0" encoding="utf-8"?>
+<p:notes xmlns:a="http://schemas.openxmlformats.org/drawingml/2006/main" xmlns:r="http://schemas.openxmlformats.org/officeDocument/2006/relationships" xmlns:p="http://schemas.openxmlformats.org/presentationml/2006/main" showMasterSp="0" showMasterPhAnim="0">
+  <p:cSld>
+    <p:spTree>
+      <p:nvGrpSpPr>
+        <p:cNvPr id="1" name="Shape 266"/>
+        <p:cNvGrpSpPr/>
+        <p:nvPr/>
+      </p:nvGrpSpPr>
+      <p:grpSpPr>
+        <a:xfrm>
+          <a:off x="0" y="0"/>
+          <a:ext cx="0" cy="0"/>
+          <a:chOff x="0" y="0"/>
+          <a:chExt cx="0" cy="0"/>
+        </a:xfrm>
+      </p:grpSpPr>
+      <p:sp>
+        <p:nvSpPr>
+          <p:cNvPr id="267" name="Google Shape;267;g33fb61485ab_0_110:notes"/>
+          <p:cNvSpPr>
+            <a:spLocks noGrp="1" noRot="1" noChangeAspect="1"/>
+          </p:cNvSpPr>
+          <p:nvPr>
+            <p:ph type="sldImg" idx="2"/>
+          </p:nvPr>
+        </p:nvSpPr>
+        <p:spPr>
+          <a:xfrm>
+            <a:off x="381000" y="685800"/>
+            <a:ext cx="6096000" cy="3429000"/>
+          </a:xfrm>
+          <a:custGeom>
+            <a:avLst/>
+            <a:gdLst/>
+            <a:ahLst/>
+            <a:cxnLst/>
+            <a:rect l="l" t="t" r="r" b="b"/>
+            <a:pathLst>
+              <a:path w="120000" h="120000" extrusionOk="0">
+                <a:moveTo>
+                  <a:pt x="0" y="0"/>
+                </a:moveTo>
+                <a:lnTo>
+                  <a:pt x="120000" y="0"/>
+                </a:lnTo>
+                <a:lnTo>
+                  <a:pt x="120000" y="120000"/>
+                </a:lnTo>
+                <a:lnTo>
+                  <a:pt x="0" y="120000"/>
+                </a:lnTo>
+                <a:close/>
+              </a:path>
+            </a:pathLst>
+          </a:custGeom>
+        </p:spPr>
+      </p:sp>
+      <p:sp>
+        <p:nvSpPr>
+          <p:cNvPr id="268" name="Google Shape;268;g33fb61485ab_0_110:notes"/>
+          <p:cNvSpPr txBox="1">
+            <a:spLocks noGrp="1"/>
+          </p:cNvSpPr>
+          <p:nvPr>
+            <p:ph type="body" idx="1"/>
+          </p:nvPr>
+        </p:nvSpPr>
+        <p:spPr>
+          <a:xfrm>
+            <a:off x="685800" y="4343400"/>
+            <a:ext cx="5486400" cy="4114800"/>
+          </a:xfrm>
+          <a:prstGeom prst="rect">
+            <a:avLst/>
+          </a:prstGeom>
+        </p:spPr>
+        <p:txBody>
+          <a:bodyPr spcFirstLastPara="1" wrap="square" lIns="91425" tIns="91425" rIns="91425" bIns="91425" anchor="t" anchorCtr="0">
+            <a:noAutofit/>
+          </a:bodyPr>
+          <a:lstStyle/>
+          <a:p>
+            <a:pPr marL="0" lvl="0" indent="0" algn="l" rtl="0">
+              <a:spcBef>
+                <a:spcPts val="0"/>
+              </a:spcBef>
+              <a:spcAft>
+                <a:spcPts val="0"/>
+              </a:spcAft>
+              <a:buNone/>
+            </a:pPr>
+            <a:endParaRPr/>
+          </a:p>
+        </p:txBody>
+      </p:sp>
+    </p:spTree>
+  </p:cSld>
+  <p:clrMapOvr>
+    <a:masterClrMapping/>
+  </p:clrMapOvr>
+</p:notes>
+</file>
+
+<file path=ppt/notesSlides/notesSlide12.xml><?xml version="1.0" encoding="utf-8"?>
+<p:notes xmlns:a="http://schemas.openxmlformats.org/drawingml/2006/main" xmlns:r="http://schemas.openxmlformats.org/officeDocument/2006/relationships" xmlns:p="http://schemas.openxmlformats.org/presentationml/2006/main" showMasterSp="0" showMasterPhAnim="0">
+  <p:cSld>
+    <p:spTree>
+      <p:nvGrpSpPr>
         <p:cNvPr id="1" name="Shape 266">
           <a:extLst>
             <a:ext uri="{FF2B5EF4-FFF2-40B4-BE49-F238E27FC236}">
@@ -1032,7 +1327,7 @@
 </p:notes>
 </file>
 
-<file path=ppt/notesSlides/notesSlide11.xml><?xml version="1.0" encoding="utf-8"?>
+<file path=ppt/notesSlides/notesSlide13.xml><?xml version="1.0" encoding="utf-8"?>
 <p:notes xmlns:a="http://schemas.openxmlformats.org/drawingml/2006/main" xmlns:r="http://schemas.openxmlformats.org/officeDocument/2006/relationships" xmlns:p="http://schemas.openxmlformats.org/presentationml/2006/main" showMasterSp="0" showMasterPhAnim="0">
   <p:cSld>
     <p:spTree>
@@ -1212,7 +1507,7 @@
 </p:notes>
 </file>
 
-<file path=ppt/notesSlides/notesSlide12.xml><?xml version="1.0" encoding="utf-8"?>
+<file path=ppt/notesSlides/notesSlide14.xml><?xml version="1.0" encoding="utf-8"?>
 <p:notes xmlns:a="http://schemas.openxmlformats.org/drawingml/2006/main" xmlns:r="http://schemas.openxmlformats.org/officeDocument/2006/relationships" xmlns:p="http://schemas.openxmlformats.org/presentationml/2006/main" showMasterSp="0" showMasterPhAnim="0">
   <p:cSld>
     <p:spTree>
@@ -1316,7 +1611,192 @@
 </p:notes>
 </file>
 
-<file path=ppt/notesSlides/notesSlide13.xml><?xml version="1.0" encoding="utf-8"?>
+<file path=ppt/notesSlides/notesSlide15.xml><?xml version="1.0" encoding="utf-8"?>
+<p:notes xmlns:a="http://schemas.openxmlformats.org/drawingml/2006/main" xmlns:r="http://schemas.openxmlformats.org/officeDocument/2006/relationships" xmlns:p="http://schemas.openxmlformats.org/presentationml/2006/main" showMasterSp="0" showMasterPhAnim="0">
+  <p:cSld>
+    <p:spTree>
+      <p:nvGrpSpPr>
+        <p:cNvPr id="1" name="Shape 266">
+          <a:extLst>
+            <a:ext uri="{FF2B5EF4-FFF2-40B4-BE49-F238E27FC236}">
+              <a16:creationId xmlns:a16="http://schemas.microsoft.com/office/drawing/2014/main" id="{0B78C025-7CE2-DC20-2CB9-3A878782DC1A}"/>
+            </a:ext>
+          </a:extLst>
+        </p:cNvPr>
+        <p:cNvGrpSpPr/>
+        <p:nvPr/>
+      </p:nvGrpSpPr>
+      <p:grpSpPr>
+        <a:xfrm>
+          <a:off x="0" y="0"/>
+          <a:ext cx="0" cy="0"/>
+          <a:chOff x="0" y="0"/>
+          <a:chExt cx="0" cy="0"/>
+        </a:xfrm>
+      </p:grpSpPr>
+      <p:sp>
+        <p:nvSpPr>
+          <p:cNvPr id="267" name="Google Shape;267;g33fb61485ab_0_110:notes">
+            <a:extLst>
+              <a:ext uri="{FF2B5EF4-FFF2-40B4-BE49-F238E27FC236}">
+                <a16:creationId xmlns:a16="http://schemas.microsoft.com/office/drawing/2014/main" id="{D3BE5198-DFC0-EBE7-5DB6-3421989614D7}"/>
+              </a:ext>
+            </a:extLst>
+          </p:cNvPr>
+          <p:cNvSpPr>
+            <a:spLocks noGrp="1" noRot="1" noChangeAspect="1"/>
+          </p:cNvSpPr>
+          <p:nvPr>
+            <p:ph type="sldImg" idx="2"/>
+          </p:nvPr>
+        </p:nvSpPr>
+        <p:spPr>
+          <a:xfrm>
+            <a:off x="381000" y="685800"/>
+            <a:ext cx="6096000" cy="3429000"/>
+          </a:xfrm>
+          <a:custGeom>
+            <a:avLst/>
+            <a:gdLst/>
+            <a:ahLst/>
+            <a:cxnLst/>
+            <a:rect l="l" t="t" r="r" b="b"/>
+            <a:pathLst>
+              <a:path w="120000" h="120000" extrusionOk="0">
+                <a:moveTo>
+                  <a:pt x="0" y="0"/>
+                </a:moveTo>
+                <a:lnTo>
+                  <a:pt x="120000" y="0"/>
+                </a:lnTo>
+                <a:lnTo>
+                  <a:pt x="120000" y="120000"/>
+                </a:lnTo>
+                <a:lnTo>
+                  <a:pt x="0" y="120000"/>
+                </a:lnTo>
+                <a:close/>
+              </a:path>
+            </a:pathLst>
+          </a:custGeom>
+        </p:spPr>
+      </p:sp>
+      <p:sp>
+        <p:nvSpPr>
+          <p:cNvPr id="268" name="Google Shape;268;g33fb61485ab_0_110:notes">
+            <a:extLst>
+              <a:ext uri="{FF2B5EF4-FFF2-40B4-BE49-F238E27FC236}">
+                <a16:creationId xmlns:a16="http://schemas.microsoft.com/office/drawing/2014/main" id="{E6C84B54-228B-764D-A11A-93B5A05773CC}"/>
+              </a:ext>
+            </a:extLst>
+          </p:cNvPr>
+          <p:cNvSpPr txBox="1">
+            <a:spLocks noGrp="1"/>
+          </p:cNvSpPr>
+          <p:nvPr>
+            <p:ph type="body" idx="1"/>
+          </p:nvPr>
+        </p:nvSpPr>
+        <p:spPr>
+          <a:xfrm>
+            <a:off x="685800" y="4343400"/>
+            <a:ext cx="5486400" cy="4114800"/>
+          </a:xfrm>
+          <a:prstGeom prst="rect">
+            <a:avLst/>
+          </a:prstGeom>
+        </p:spPr>
+        <p:txBody>
+          <a:bodyPr spcFirstLastPara="1" wrap="square" lIns="91425" tIns="91425" rIns="91425" bIns="91425" anchor="t" anchorCtr="0">
+            <a:noAutofit/>
+          </a:bodyPr>
+          <a:lstStyle/>
+          <a:p>
+            <a:pPr marL="158750" indent="0">
+              <a:buNone/>
+            </a:pPr>
+            <a:r>
+              <a:rPr lang="fr-FR" b="1" dirty="0"/>
+              <a:t>Indicateurs NZCV</a:t>
+            </a:r>
+            <a:endParaRPr lang="fr-FR" dirty="0"/>
+          </a:p>
+          <a:p>
+            <a:r>
+              <a:rPr lang="fr-FR" b="1" dirty="0"/>
+              <a:t>N</a:t>
+            </a:r>
+            <a:r>
+              <a:rPr lang="fr-FR" dirty="0"/>
+              <a:t> : résultat négatif</a:t>
+            </a:r>
+          </a:p>
+          <a:p>
+            <a:r>
+              <a:rPr lang="fr-FR" b="1" dirty="0"/>
+              <a:t>Z</a:t>
+            </a:r>
+            <a:r>
+              <a:rPr lang="fr-FR" dirty="0"/>
+              <a:t> : résultat = 0</a:t>
+            </a:r>
+          </a:p>
+          <a:p>
+            <a:r>
+              <a:rPr lang="fr-FR" b="1" dirty="0"/>
+              <a:t>C</a:t>
+            </a:r>
+            <a:r>
+              <a:rPr lang="fr-FR" dirty="0"/>
+              <a:t> : retenue (carry)</a:t>
+            </a:r>
+          </a:p>
+          <a:p>
+            <a:r>
+              <a:rPr lang="fr-FR" b="1" dirty="0"/>
+              <a:t>V</a:t>
+            </a:r>
+            <a:r>
+              <a:rPr lang="fr-FR" dirty="0"/>
+              <a:t> : dépassement (</a:t>
+            </a:r>
+            <a:r>
+              <a:rPr lang="fr-FR" dirty="0" err="1"/>
+              <a:t>overflow</a:t>
+            </a:r>
+            <a:r>
+              <a:rPr lang="fr-FR" dirty="0"/>
+              <a:t>)</a:t>
+            </a:r>
+          </a:p>
+          <a:p>
+            <a:pPr marL="0" lvl="0" indent="0" algn="l" rtl="0">
+              <a:spcBef>
+                <a:spcPts val="0"/>
+              </a:spcBef>
+              <a:spcAft>
+                <a:spcPts val="0"/>
+              </a:spcAft>
+              <a:buNone/>
+            </a:pPr>
+            <a:endParaRPr dirty="0"/>
+          </a:p>
+        </p:txBody>
+      </p:sp>
+    </p:spTree>
+    <p:extLst>
+      <p:ext uri="{BB962C8B-B14F-4D97-AF65-F5344CB8AC3E}">
+        <p14:creationId xmlns:p14="http://schemas.microsoft.com/office/powerpoint/2010/main" val="379984288"/>
+      </p:ext>
+    </p:extLst>
+  </p:cSld>
+  <p:clrMapOvr>
+    <a:masterClrMapping/>
+  </p:clrMapOvr>
+</p:notes>
+</file>
+
+<file path=ppt/notesSlides/notesSlide16.xml><?xml version="1.0" encoding="utf-8"?>
 <p:notes xmlns:a="http://schemas.openxmlformats.org/drawingml/2006/main" xmlns:r="http://schemas.openxmlformats.org/officeDocument/2006/relationships" xmlns:p="http://schemas.openxmlformats.org/presentationml/2006/main" showMasterSp="0" showMasterPhAnim="0">
   <p:cSld>
     <p:spTree>
@@ -1595,6 +2075,199 @@
   <p:cSld>
     <p:spTree>
       <p:nvGrpSpPr>
+        <p:cNvPr id="1" name="Shape 183">
+          <a:extLst>
+            <a:ext uri="{FF2B5EF4-FFF2-40B4-BE49-F238E27FC236}">
+              <a16:creationId xmlns:a16="http://schemas.microsoft.com/office/drawing/2014/main" id="{4AEDC488-D816-B273-2D39-81AE064FCE0D}"/>
+            </a:ext>
+          </a:extLst>
+        </p:cNvPr>
+        <p:cNvGrpSpPr/>
+        <p:nvPr/>
+      </p:nvGrpSpPr>
+      <p:grpSpPr>
+        <a:xfrm>
+          <a:off x="0" y="0"/>
+          <a:ext cx="0" cy="0"/>
+          <a:chOff x="0" y="0"/>
+          <a:chExt cx="0" cy="0"/>
+        </a:xfrm>
+      </p:grpSpPr>
+      <p:sp>
+        <p:nvSpPr>
+          <p:cNvPr id="184" name="Google Shape;184;g366dfe6d782_0_138:notes">
+            <a:extLst>
+              <a:ext uri="{FF2B5EF4-FFF2-40B4-BE49-F238E27FC236}">
+                <a16:creationId xmlns:a16="http://schemas.microsoft.com/office/drawing/2014/main" id="{435D8D60-BD9F-4432-8D3E-2E65014BED8B}"/>
+              </a:ext>
+            </a:extLst>
+          </p:cNvPr>
+          <p:cNvSpPr>
+            <a:spLocks noGrp="1" noRot="1" noChangeAspect="1"/>
+          </p:cNvSpPr>
+          <p:nvPr>
+            <p:ph type="sldImg" idx="2"/>
+          </p:nvPr>
+        </p:nvSpPr>
+        <p:spPr>
+          <a:xfrm>
+            <a:off x="381000" y="685800"/>
+            <a:ext cx="6096000" cy="3429000"/>
+          </a:xfrm>
+          <a:custGeom>
+            <a:avLst/>
+            <a:gdLst/>
+            <a:ahLst/>
+            <a:cxnLst/>
+            <a:rect l="l" t="t" r="r" b="b"/>
+            <a:pathLst>
+              <a:path w="120000" h="120000" extrusionOk="0">
+                <a:moveTo>
+                  <a:pt x="0" y="0"/>
+                </a:moveTo>
+                <a:lnTo>
+                  <a:pt x="120000" y="0"/>
+                </a:lnTo>
+                <a:lnTo>
+                  <a:pt x="120000" y="120000"/>
+                </a:lnTo>
+                <a:lnTo>
+                  <a:pt x="0" y="120000"/>
+                </a:lnTo>
+                <a:close/>
+              </a:path>
+            </a:pathLst>
+          </a:custGeom>
+        </p:spPr>
+      </p:sp>
+      <p:sp>
+        <p:nvSpPr>
+          <p:cNvPr id="185" name="Google Shape;185;g366dfe6d782_0_138:notes">
+            <a:extLst>
+              <a:ext uri="{FF2B5EF4-FFF2-40B4-BE49-F238E27FC236}">
+                <a16:creationId xmlns:a16="http://schemas.microsoft.com/office/drawing/2014/main" id="{2447CC99-621B-E4DA-9F0E-C7F2D972161A}"/>
+              </a:ext>
+            </a:extLst>
+          </p:cNvPr>
+          <p:cNvSpPr txBox="1">
+            <a:spLocks noGrp="1"/>
+          </p:cNvSpPr>
+          <p:nvPr>
+            <p:ph type="body" idx="1"/>
+          </p:nvPr>
+        </p:nvSpPr>
+        <p:spPr>
+          <a:xfrm>
+            <a:off x="685800" y="4343400"/>
+            <a:ext cx="5486400" cy="4114800"/>
+          </a:xfrm>
+          <a:prstGeom prst="rect">
+            <a:avLst/>
+          </a:prstGeom>
+        </p:spPr>
+        <p:txBody>
+          <a:bodyPr spcFirstLastPara="1" wrap="square" lIns="91425" tIns="91425" rIns="91425" bIns="91425" anchor="t" anchorCtr="0">
+            <a:noAutofit/>
+          </a:bodyPr>
+          <a:lstStyle/>
+          <a:p>
+            <a:pPr marL="0" lvl="0" indent="0" algn="l" rtl="0">
+              <a:spcBef>
+                <a:spcPts val="0"/>
+              </a:spcBef>
+              <a:spcAft>
+                <a:spcPts val="0"/>
+              </a:spcAft>
+              <a:buNone/>
+            </a:pPr>
+            <a:r>
+              <a:rPr lang="fr-FR" b="1" dirty="0"/>
+              <a:t>ISA</a:t>
+            </a:r>
+            <a:r>
+              <a:rPr lang="fr-FR" dirty="0"/>
+              <a:t> = le “langage” du processeur : la liste des instructions qu’il comprend (ADD, SUB, LDR, STR, B…)</a:t>
+            </a:r>
+          </a:p>
+          <a:p>
+            <a:r>
+              <a:rPr lang="fr-FR" b="1" dirty="0" err="1"/>
+              <a:t>Thumb</a:t>
+            </a:r>
+            <a:r>
+              <a:rPr lang="fr-FR" b="1" dirty="0"/>
+              <a:t> 16 bits</a:t>
+            </a:r>
+            <a:r>
+              <a:rPr lang="fr-FR" dirty="0"/>
+              <a:t> = dans votre projet, </a:t>
+            </a:r>
+            <a:r>
+              <a:rPr lang="fr-FR" b="1" dirty="0"/>
+              <a:t>chaque instruction est codée sur 16 bits</a:t>
+            </a:r>
+            <a:r>
+              <a:rPr lang="fr-FR" dirty="0"/>
+              <a:t> (2 octets).</a:t>
+            </a:r>
+            <a:br>
+              <a:rPr lang="fr-FR" dirty="0"/>
+            </a:br>
+            <a:r>
+              <a:rPr lang="fr-FR" dirty="0"/>
+              <a:t>Donc en ROM, le programme est une suite de “mots” de 16 bits.</a:t>
+            </a:r>
+          </a:p>
+          <a:p>
+            <a:r>
+              <a:rPr lang="fr-FR" b="1" dirty="0"/>
+              <a:t>Données 32 bits</a:t>
+            </a:r>
+            <a:r>
+              <a:rPr lang="fr-FR" dirty="0"/>
+              <a:t> = les valeurs manipulées par le CPU (registres, ALU, résultats) sont sur </a:t>
+            </a:r>
+            <a:r>
+              <a:rPr lang="fr-FR" b="1" dirty="0"/>
+              <a:t>32 bits</a:t>
+            </a:r>
+            <a:r>
+              <a:rPr lang="fr-FR" dirty="0"/>
+              <a:t> (4 octets</a:t>
+            </a:r>
+          </a:p>
+          <a:p>
+            <a:pPr marL="0" lvl="0" indent="0" algn="l" rtl="0">
+              <a:spcBef>
+                <a:spcPts val="0"/>
+              </a:spcBef>
+              <a:spcAft>
+                <a:spcPts val="0"/>
+              </a:spcAft>
+              <a:buNone/>
+            </a:pPr>
+            <a:endParaRPr dirty="0"/>
+          </a:p>
+        </p:txBody>
+      </p:sp>
+    </p:spTree>
+    <p:extLst>
+      <p:ext uri="{BB962C8B-B14F-4D97-AF65-F5344CB8AC3E}">
+        <p14:creationId xmlns:p14="http://schemas.microsoft.com/office/powerpoint/2010/main" val="2832907376"/>
+      </p:ext>
+    </p:extLst>
+  </p:cSld>
+  <p:clrMapOvr>
+    <a:masterClrMapping/>
+  </p:clrMapOvr>
+</p:notes>
+</file>
+
+<file path=ppt/notesSlides/notesSlide4.xml><?xml version="1.0" encoding="utf-8"?>
+<p:notes xmlns:a="http://schemas.openxmlformats.org/drawingml/2006/main" xmlns:r="http://schemas.openxmlformats.org/officeDocument/2006/relationships" xmlns:p="http://schemas.openxmlformats.org/presentationml/2006/main" showMasterSp="0" showMasterPhAnim="0">
+  <p:cSld>
+    <p:spTree>
+      <p:nvGrpSpPr>
         <p:cNvPr id="1" name="Shape 281"/>
         <p:cNvGrpSpPr/>
         <p:nvPr/>
@@ -1694,7 +2367,7 @@
 </p:notes>
 </file>
 
-<file path=ppt/notesSlides/notesSlide4.xml><?xml version="1.0" encoding="utf-8"?>
+<file path=ppt/notesSlides/notesSlide5.xml><?xml version="1.0" encoding="utf-8"?>
 <p:notes xmlns:a="http://schemas.openxmlformats.org/drawingml/2006/main" xmlns:r="http://schemas.openxmlformats.org/officeDocument/2006/relationships" xmlns:p="http://schemas.openxmlformats.org/presentationml/2006/main" showMasterSp="0" showMasterPhAnim="0">
   <p:cSld>
     <p:spTree>
@@ -1821,7 +2494,7 @@
 </p:notes>
 </file>
 
-<file path=ppt/notesSlides/notesSlide5.xml><?xml version="1.0" encoding="utf-8"?>
+<file path=ppt/notesSlides/notesSlide6.xml><?xml version="1.0" encoding="utf-8"?>
 <p:notes xmlns:a="http://schemas.openxmlformats.org/drawingml/2006/main" xmlns:r="http://schemas.openxmlformats.org/officeDocument/2006/relationships" xmlns:p="http://schemas.openxmlformats.org/presentationml/2006/main" showMasterSp="0" showMasterPhAnim="0">
   <p:cSld>
     <p:spTree>
@@ -1948,7 +2621,134 @@
 </p:notes>
 </file>
 
-<file path=ppt/notesSlides/notesSlide6.xml><?xml version="1.0" encoding="utf-8"?>
+<file path=ppt/notesSlides/notesSlide7.xml><?xml version="1.0" encoding="utf-8"?>
+<p:notes xmlns:a="http://schemas.openxmlformats.org/drawingml/2006/main" xmlns:r="http://schemas.openxmlformats.org/officeDocument/2006/relationships" xmlns:p="http://schemas.openxmlformats.org/presentationml/2006/main" showMasterSp="0" showMasterPhAnim="0">
+  <p:cSld>
+    <p:spTree>
+      <p:nvGrpSpPr>
+        <p:cNvPr id="1" name="Shape 281">
+          <a:extLst>
+            <a:ext uri="{FF2B5EF4-FFF2-40B4-BE49-F238E27FC236}">
+              <a16:creationId xmlns:a16="http://schemas.microsoft.com/office/drawing/2014/main" id="{D3464359-98B3-43AC-C204-7C85DAF38A14}"/>
+            </a:ext>
+          </a:extLst>
+        </p:cNvPr>
+        <p:cNvGrpSpPr/>
+        <p:nvPr/>
+      </p:nvGrpSpPr>
+      <p:grpSpPr>
+        <a:xfrm>
+          <a:off x="0" y="0"/>
+          <a:ext cx="0" cy="0"/>
+          <a:chOff x="0" y="0"/>
+          <a:chExt cx="0" cy="0"/>
+        </a:xfrm>
+      </p:grpSpPr>
+      <p:sp>
+        <p:nvSpPr>
+          <p:cNvPr id="282" name="Google Shape;282;ge1d838b627_4_100:notes">
+            <a:extLst>
+              <a:ext uri="{FF2B5EF4-FFF2-40B4-BE49-F238E27FC236}">
+                <a16:creationId xmlns:a16="http://schemas.microsoft.com/office/drawing/2014/main" id="{559945D6-E07B-7291-9A0E-0980320E9D67}"/>
+              </a:ext>
+            </a:extLst>
+          </p:cNvPr>
+          <p:cNvSpPr>
+            <a:spLocks noGrp="1" noRot="1" noChangeAspect="1"/>
+          </p:cNvSpPr>
+          <p:nvPr>
+            <p:ph type="sldImg" idx="2"/>
+          </p:nvPr>
+        </p:nvSpPr>
+        <p:spPr>
+          <a:xfrm>
+            <a:off x="381000" y="685800"/>
+            <a:ext cx="6096000" cy="3429000"/>
+          </a:xfrm>
+          <a:custGeom>
+            <a:avLst/>
+            <a:gdLst/>
+            <a:ahLst/>
+            <a:cxnLst/>
+            <a:rect l="l" t="t" r="r" b="b"/>
+            <a:pathLst>
+              <a:path w="120000" h="120000" extrusionOk="0">
+                <a:moveTo>
+                  <a:pt x="0" y="0"/>
+                </a:moveTo>
+                <a:lnTo>
+                  <a:pt x="120000" y="0"/>
+                </a:lnTo>
+                <a:lnTo>
+                  <a:pt x="120000" y="120000"/>
+                </a:lnTo>
+                <a:lnTo>
+                  <a:pt x="0" y="120000"/>
+                </a:lnTo>
+                <a:close/>
+              </a:path>
+            </a:pathLst>
+          </a:custGeom>
+        </p:spPr>
+      </p:sp>
+      <p:sp>
+        <p:nvSpPr>
+          <p:cNvPr id="283" name="Google Shape;283;ge1d838b627_4_100:notes">
+            <a:extLst>
+              <a:ext uri="{FF2B5EF4-FFF2-40B4-BE49-F238E27FC236}">
+                <a16:creationId xmlns:a16="http://schemas.microsoft.com/office/drawing/2014/main" id="{370E82F1-0EE8-D17F-F469-ABDF8B73A272}"/>
+              </a:ext>
+            </a:extLst>
+          </p:cNvPr>
+          <p:cNvSpPr txBox="1">
+            <a:spLocks noGrp="1"/>
+          </p:cNvSpPr>
+          <p:nvPr>
+            <p:ph type="body" idx="1"/>
+          </p:nvPr>
+        </p:nvSpPr>
+        <p:spPr>
+          <a:xfrm>
+            <a:off x="685800" y="4343400"/>
+            <a:ext cx="5486400" cy="4114800"/>
+          </a:xfrm>
+          <a:prstGeom prst="rect">
+            <a:avLst/>
+          </a:prstGeom>
+        </p:spPr>
+        <p:txBody>
+          <a:bodyPr spcFirstLastPara="1" wrap="square" lIns="91425" tIns="91425" rIns="91425" bIns="91425" anchor="t" anchorCtr="0">
+            <a:noAutofit/>
+          </a:bodyPr>
+          <a:lstStyle/>
+          <a:p>
+            <a:pPr marL="0" lvl="0" indent="0" algn="l" rtl="0">
+              <a:spcBef>
+                <a:spcPts val="0"/>
+              </a:spcBef>
+              <a:spcAft>
+                <a:spcPts val="0"/>
+              </a:spcAft>
+              <a:buNone/>
+            </a:pPr>
+            <a:endParaRPr/>
+          </a:p>
+        </p:txBody>
+      </p:sp>
+    </p:spTree>
+    <p:extLst>
+      <p:ext uri="{BB962C8B-B14F-4D97-AF65-F5344CB8AC3E}">
+        <p14:creationId xmlns:p14="http://schemas.microsoft.com/office/powerpoint/2010/main" val="428167012"/>
+      </p:ext>
+    </p:extLst>
+  </p:cSld>
+  <p:clrMapOvr>
+    <a:masterClrMapping/>
+  </p:clrMapOvr>
+</p:notes>
+</file>
+
+<file path=ppt/notesSlides/notesSlide8.xml><?xml version="1.0" encoding="utf-8"?>
 <p:notes xmlns:a="http://schemas.openxmlformats.org/drawingml/2006/main" xmlns:r="http://schemas.openxmlformats.org/officeDocument/2006/relationships" xmlns:p="http://schemas.openxmlformats.org/presentationml/2006/main" showMasterSp="0" showMasterPhAnim="0">
   <p:cSld>
     <p:spTree>
@@ -2052,7 +2852,7 @@
 </p:notes>
 </file>
 
-<file path=ppt/notesSlides/notesSlide7.xml><?xml version="1.0" encoding="utf-8"?>
+<file path=ppt/notesSlides/notesSlide9.xml><?xml version="1.0" encoding="utf-8"?>
 <p:notes xmlns:a="http://schemas.openxmlformats.org/drawingml/2006/main" xmlns:r="http://schemas.openxmlformats.org/officeDocument/2006/relationships" xmlns:p="http://schemas.openxmlformats.org/presentationml/2006/main" showMasterSp="0" showMasterPhAnim="0">
   <p:cSld>
     <p:spTree>
@@ -2193,298 +2993,6 @@
               <a:buNone/>
             </a:pPr>
             <a:endParaRPr dirty="0"/>
-          </a:p>
-        </p:txBody>
-      </p:sp>
-    </p:spTree>
-  </p:cSld>
-  <p:clrMapOvr>
-    <a:masterClrMapping/>
-  </p:clrMapOvr>
-</p:notes>
-</file>
-
-<file path=ppt/notesSlides/notesSlide8.xml><?xml version="1.0" encoding="utf-8"?>
-<p:notes xmlns:a="http://schemas.openxmlformats.org/drawingml/2006/main" xmlns:r="http://schemas.openxmlformats.org/officeDocument/2006/relationships" xmlns:p="http://schemas.openxmlformats.org/presentationml/2006/main" showMasterSp="0" showMasterPhAnim="0">
-  <p:cSld>
-    <p:spTree>
-      <p:nvGrpSpPr>
-        <p:cNvPr id="1" name="Shape 245"/>
-        <p:cNvGrpSpPr/>
-        <p:nvPr/>
-      </p:nvGrpSpPr>
-      <p:grpSpPr>
-        <a:xfrm>
-          <a:off x="0" y="0"/>
-          <a:ext cx="0" cy="0"/>
-          <a:chOff x="0" y="0"/>
-          <a:chExt cx="0" cy="0"/>
-        </a:xfrm>
-      </p:grpSpPr>
-      <p:sp>
-        <p:nvSpPr>
-          <p:cNvPr id="246" name="Google Shape;246;ge1d838b627_4_19:notes"/>
-          <p:cNvSpPr>
-            <a:spLocks noGrp="1" noRot="1" noChangeAspect="1"/>
-          </p:cNvSpPr>
-          <p:nvPr>
-            <p:ph type="sldImg" idx="2"/>
-          </p:nvPr>
-        </p:nvSpPr>
-        <p:spPr>
-          <a:xfrm>
-            <a:off x="381000" y="685800"/>
-            <a:ext cx="6096000" cy="3429000"/>
-          </a:xfrm>
-          <a:custGeom>
-            <a:avLst/>
-            <a:gdLst/>
-            <a:ahLst/>
-            <a:cxnLst/>
-            <a:rect l="l" t="t" r="r" b="b"/>
-            <a:pathLst>
-              <a:path w="120000" h="120000" extrusionOk="0">
-                <a:moveTo>
-                  <a:pt x="0" y="0"/>
-                </a:moveTo>
-                <a:lnTo>
-                  <a:pt x="120000" y="0"/>
-                </a:lnTo>
-                <a:lnTo>
-                  <a:pt x="120000" y="120000"/>
-                </a:lnTo>
-                <a:lnTo>
-                  <a:pt x="0" y="120000"/>
-                </a:lnTo>
-                <a:close/>
-              </a:path>
-            </a:pathLst>
-          </a:custGeom>
-        </p:spPr>
-      </p:sp>
-      <p:sp>
-        <p:nvSpPr>
-          <p:cNvPr id="247" name="Google Shape;247;ge1d838b627_4_19:notes"/>
-          <p:cNvSpPr txBox="1">
-            <a:spLocks noGrp="1"/>
-          </p:cNvSpPr>
-          <p:nvPr>
-            <p:ph type="body" idx="1"/>
-          </p:nvPr>
-        </p:nvSpPr>
-        <p:spPr>
-          <a:xfrm>
-            <a:off x="685800" y="4343400"/>
-            <a:ext cx="5486400" cy="4114800"/>
-          </a:xfrm>
-          <a:prstGeom prst="rect">
-            <a:avLst/>
-          </a:prstGeom>
-        </p:spPr>
-        <p:txBody>
-          <a:bodyPr spcFirstLastPara="1" wrap="square" lIns="91425" tIns="91425" rIns="91425" bIns="91425" anchor="t" anchorCtr="0">
-            <a:noAutofit/>
-          </a:bodyPr>
-          <a:lstStyle/>
-          <a:p>
-            <a:pPr marL="158750" indent="0">
-              <a:buNone/>
-            </a:pPr>
-            <a:r>
-              <a:rPr lang="fr-FR" b="1" dirty="0"/>
-              <a:t>Supporté </a:t>
-            </a:r>
-          </a:p>
-          <a:p>
-            <a:r>
-              <a:rPr lang="fr-FR" dirty="0"/>
-              <a:t>Sous-ensemble d’instructions (celles de notre CPU)</a:t>
-            </a:r>
-          </a:p>
-          <a:p>
-            <a:r>
-              <a:rPr lang="fr-FR" b="1" dirty="0"/>
-              <a:t>Immédiats / offsets</a:t>
-            </a:r>
-            <a:r>
-              <a:rPr lang="fr-FR" dirty="0"/>
-              <a:t> dans les limites</a:t>
-            </a:r>
-          </a:p>
-          <a:p>
-            <a:r>
-              <a:rPr lang="fr-FR" b="1" dirty="0"/>
-              <a:t>Commentaires</a:t>
-            </a:r>
-            <a:r>
-              <a:rPr lang="fr-FR" dirty="0"/>
-              <a:t> ignorés</a:t>
-            </a:r>
-          </a:p>
-          <a:p>
-            <a:r>
-              <a:rPr lang="fr-FR" b="1" dirty="0"/>
-              <a:t>Labels + branches</a:t>
-            </a:r>
-            <a:r>
-              <a:rPr lang="fr-FR" dirty="0"/>
-              <a:t> (sauts)</a:t>
-            </a:r>
-          </a:p>
-          <a:p>
-            <a:pPr marL="158750" indent="0">
-              <a:buNone/>
-            </a:pPr>
-            <a:endParaRPr lang="fr-FR" dirty="0"/>
-          </a:p>
-          <a:p>
-            <a:pPr marL="158750" indent="0">
-              <a:buNone/>
-            </a:pPr>
-            <a:r>
-              <a:rPr lang="fr-FR" b="1" dirty="0"/>
-              <a:t>Vérifications </a:t>
-            </a:r>
-          </a:p>
-          <a:p>
-            <a:r>
-              <a:rPr lang="fr-FR" dirty="0"/>
-              <a:t>format d’instruction invalide</a:t>
-            </a:r>
-          </a:p>
-          <a:p>
-            <a:r>
-              <a:rPr lang="fr-FR" dirty="0"/>
-              <a:t>registre invalide</a:t>
-            </a:r>
-          </a:p>
-          <a:p>
-            <a:r>
-              <a:rPr lang="fr-FR" dirty="0"/>
-              <a:t>immédiat/offset trop grand</a:t>
-            </a:r>
-          </a:p>
-          <a:p>
-            <a:r>
-              <a:rPr lang="fr-FR" dirty="0"/>
-              <a:t>label inconnu</a:t>
-            </a:r>
-          </a:p>
-          <a:p>
-            <a:pPr marL="0" lvl="0" indent="0" algn="l" rtl="0">
-              <a:spcBef>
-                <a:spcPts val="0"/>
-              </a:spcBef>
-              <a:spcAft>
-                <a:spcPts val="0"/>
-              </a:spcAft>
-              <a:buNone/>
-            </a:pPr>
-            <a:endParaRPr dirty="0"/>
-          </a:p>
-        </p:txBody>
-      </p:sp>
-    </p:spTree>
-  </p:cSld>
-  <p:clrMapOvr>
-    <a:masterClrMapping/>
-  </p:clrMapOvr>
-</p:notes>
-</file>
-
-<file path=ppt/notesSlides/notesSlide9.xml><?xml version="1.0" encoding="utf-8"?>
-<p:notes xmlns:a="http://schemas.openxmlformats.org/drawingml/2006/main" xmlns:r="http://schemas.openxmlformats.org/officeDocument/2006/relationships" xmlns:p="http://schemas.openxmlformats.org/presentationml/2006/main" showMasterSp="0" showMasterPhAnim="0">
-  <p:cSld>
-    <p:spTree>
-      <p:nvGrpSpPr>
-        <p:cNvPr id="1" name="Shape 266"/>
-        <p:cNvGrpSpPr/>
-        <p:nvPr/>
-      </p:nvGrpSpPr>
-      <p:grpSpPr>
-        <a:xfrm>
-          <a:off x="0" y="0"/>
-          <a:ext cx="0" cy="0"/>
-          <a:chOff x="0" y="0"/>
-          <a:chExt cx="0" cy="0"/>
-        </a:xfrm>
-      </p:grpSpPr>
-      <p:sp>
-        <p:nvSpPr>
-          <p:cNvPr id="267" name="Google Shape;267;g33fb61485ab_0_110:notes"/>
-          <p:cNvSpPr>
-            <a:spLocks noGrp="1" noRot="1" noChangeAspect="1"/>
-          </p:cNvSpPr>
-          <p:nvPr>
-            <p:ph type="sldImg" idx="2"/>
-          </p:nvPr>
-        </p:nvSpPr>
-        <p:spPr>
-          <a:xfrm>
-            <a:off x="381000" y="685800"/>
-            <a:ext cx="6096000" cy="3429000"/>
-          </a:xfrm>
-          <a:custGeom>
-            <a:avLst/>
-            <a:gdLst/>
-            <a:ahLst/>
-            <a:cxnLst/>
-            <a:rect l="l" t="t" r="r" b="b"/>
-            <a:pathLst>
-              <a:path w="120000" h="120000" extrusionOk="0">
-                <a:moveTo>
-                  <a:pt x="0" y="0"/>
-                </a:moveTo>
-                <a:lnTo>
-                  <a:pt x="120000" y="0"/>
-                </a:lnTo>
-                <a:lnTo>
-                  <a:pt x="120000" y="120000"/>
-                </a:lnTo>
-                <a:lnTo>
-                  <a:pt x="0" y="120000"/>
-                </a:lnTo>
-                <a:close/>
-              </a:path>
-            </a:pathLst>
-          </a:custGeom>
-        </p:spPr>
-      </p:sp>
-      <p:sp>
-        <p:nvSpPr>
-          <p:cNvPr id="268" name="Google Shape;268;g33fb61485ab_0_110:notes"/>
-          <p:cNvSpPr txBox="1">
-            <a:spLocks noGrp="1"/>
-          </p:cNvSpPr>
-          <p:nvPr>
-            <p:ph type="body" idx="1"/>
-          </p:nvPr>
-        </p:nvSpPr>
-        <p:spPr>
-          <a:xfrm>
-            <a:off x="685800" y="4343400"/>
-            <a:ext cx="5486400" cy="4114800"/>
-          </a:xfrm>
-          <a:prstGeom prst="rect">
-            <a:avLst/>
-          </a:prstGeom>
-        </p:spPr>
-        <p:txBody>
-          <a:bodyPr spcFirstLastPara="1" wrap="square" lIns="91425" tIns="91425" rIns="91425" bIns="91425" anchor="t" anchorCtr="0">
-            <a:noAutofit/>
-          </a:bodyPr>
-          <a:lstStyle/>
-          <a:p>
-            <a:pPr marL="0" lvl="0" indent="0" algn="l" rtl="0">
-              <a:spcBef>
-                <a:spcPts val="0"/>
-              </a:spcBef>
-              <a:spcAft>
-                <a:spcPts val="0"/>
-              </a:spcAft>
-              <a:buNone/>
-            </a:pPr>
-            <a:endParaRPr/>
           </a:p>
         </p:txBody>
       </p:sp>
@@ -14131,7 +14639,7 @@
               <a:buNone/>
             </a:pPr>
             <a:r>
-              <a:rPr lang="fr-FR" sz="1600" dirty="0" err="1">
+              <a:rPr lang="fr-FR" sz="1600" dirty="0">
                 <a:solidFill>
                   <a:schemeClr val="dk1"/>
                 </a:solidFill>
@@ -14140,19 +14648,7 @@
                 <a:cs typeface="VT323"/>
                 <a:sym typeface="VT323"/>
               </a:rPr>
-              <a:t>Ezedin</a:t>
-            </a:r>
-            <a:r>
-              <a:rPr lang="fr-FR" sz="1600" dirty="0">
-                <a:solidFill>
-                  <a:schemeClr val="dk1"/>
-                </a:solidFill>
-                <a:latin typeface="VT323"/>
-                <a:ea typeface="VT323"/>
-                <a:cs typeface="VT323"/>
-                <a:sym typeface="VT323"/>
-              </a:rPr>
-              <a:t> / Samy / Othman / Eliot</a:t>
+              <a:t>Ezedine / Samy / Othman / Eliot</a:t>
             </a:r>
             <a:endParaRPr sz="1600" dirty="0">
               <a:solidFill>
@@ -14175,6 +14671,1061 @@
 </file>
 
 <file path=ppt/slides/slide10.xml><?xml version="1.0" encoding="utf-8"?>
+<p:sld xmlns:a="http://schemas.openxmlformats.org/drawingml/2006/main" xmlns:r="http://schemas.openxmlformats.org/officeDocument/2006/relationships" xmlns:p="http://schemas.openxmlformats.org/presentationml/2006/main">
+  <p:cSld>
+    <p:spTree>
+      <p:nvGrpSpPr>
+        <p:cNvPr id="1" name="Shape 248"/>
+        <p:cNvGrpSpPr/>
+        <p:nvPr/>
+      </p:nvGrpSpPr>
+      <p:grpSpPr>
+        <a:xfrm>
+          <a:off x="0" y="0"/>
+          <a:ext cx="0" cy="0"/>
+          <a:chOff x="0" y="0"/>
+          <a:chExt cx="0" cy="0"/>
+        </a:xfrm>
+      </p:grpSpPr>
+      <p:sp>
+        <p:nvSpPr>
+          <p:cNvPr id="250" name="Google Shape;250;p31"/>
+          <p:cNvSpPr txBox="1">
+            <a:spLocks noGrp="1"/>
+          </p:cNvSpPr>
+          <p:nvPr>
+            <p:ph type="title"/>
+          </p:nvPr>
+        </p:nvSpPr>
+        <p:spPr>
+          <a:xfrm>
+            <a:off x="3789425" y="795800"/>
+            <a:ext cx="4547700" cy="1255500"/>
+          </a:xfrm>
+          <a:prstGeom prst="rect">
+            <a:avLst/>
+          </a:prstGeom>
+        </p:spPr>
+        <p:txBody>
+          <a:bodyPr spcFirstLastPara="1" wrap="square" lIns="91425" tIns="91425" rIns="91425" bIns="91425" anchor="t" anchorCtr="0">
+            <a:noAutofit/>
+          </a:bodyPr>
+          <a:lstStyle/>
+          <a:p>
+            <a:pPr lvl="0"/>
+            <a:r>
+              <a:rPr lang="fr-FR" dirty="0">
+                <a:hlinkClick r:id="rId3" action="ppaction://hlinkfile"/>
+              </a:rPr>
+              <a:t>Assembleur / Parseur</a:t>
+            </a:r>
+            <a:endParaRPr dirty="0"/>
+          </a:p>
+        </p:txBody>
+      </p:sp>
+      <p:sp>
+        <p:nvSpPr>
+          <p:cNvPr id="251" name="Google Shape;251;p31"/>
+          <p:cNvSpPr txBox="1">
+            <a:spLocks noGrp="1"/>
+          </p:cNvSpPr>
+          <p:nvPr>
+            <p:ph type="body" idx="1"/>
+          </p:nvPr>
+        </p:nvSpPr>
+        <p:spPr>
+          <a:xfrm>
+            <a:off x="3681375" y="1423550"/>
+            <a:ext cx="4940100" cy="2532600"/>
+          </a:xfrm>
+          <a:prstGeom prst="rect">
+            <a:avLst/>
+          </a:prstGeom>
+        </p:spPr>
+        <p:txBody>
+          <a:bodyPr spcFirstLastPara="1" wrap="square" lIns="91425" tIns="91425" rIns="91425" bIns="91425" anchor="t" anchorCtr="0">
+            <a:noAutofit/>
+          </a:bodyPr>
+          <a:lstStyle/>
+          <a:p>
+            <a:pPr marL="0" lvl="0" indent="0">
+              <a:buClr>
+                <a:srgbClr val="273D40"/>
+              </a:buClr>
+              <a:buSzPts val="600"/>
+              <a:buNone/>
+            </a:pPr>
+            <a:r>
+              <a:rPr lang="fr-FR" dirty="0"/>
+              <a:t>Transformer un programme assembleur en fichier ROM compatible </a:t>
+            </a:r>
+            <a:r>
+              <a:rPr lang="fr-FR" dirty="0" err="1"/>
+              <a:t>Logisim</a:t>
+            </a:r>
+            <a:r>
+              <a:rPr lang="fr-FR" dirty="0"/>
+              <a:t> pour exécuter sur notre CPU.</a:t>
+            </a:r>
+          </a:p>
+          <a:p>
+            <a:pPr marL="0" lvl="0" indent="0">
+              <a:buClr>
+                <a:srgbClr val="273D40"/>
+              </a:buClr>
+              <a:buSzPts val="600"/>
+              <a:buNone/>
+            </a:pPr>
+            <a:endParaRPr lang="fr-FR" dirty="0"/>
+          </a:p>
+          <a:p>
+            <a:r>
+              <a:rPr lang="fr-FR" dirty="0"/>
+              <a:t>Entrée : fichier .s (code assembleur)</a:t>
+            </a:r>
+          </a:p>
+          <a:p>
+            <a:r>
+              <a:rPr lang="fr-FR" dirty="0"/>
+              <a:t>Analyse : lecture ligne par ligne, découpage en </a:t>
+            </a:r>
+            <a:r>
+              <a:rPr lang="fr-FR" dirty="0" err="1"/>
+              <a:t>tokens</a:t>
+            </a:r>
+            <a:r>
+              <a:rPr lang="fr-FR" dirty="0"/>
+              <a:t>, gestion labels</a:t>
+            </a:r>
+          </a:p>
+          <a:p>
+            <a:r>
+              <a:rPr lang="fr-FR" dirty="0"/>
+              <a:t>Encodage : conversion en instructions 16 bits (et gestion des erreurs)</a:t>
+            </a:r>
+          </a:p>
+          <a:p>
+            <a:r>
+              <a:rPr lang="fr-FR" dirty="0"/>
+              <a:t>Sortie : fichier .</a:t>
+            </a:r>
+            <a:r>
+              <a:rPr lang="fr-FR" dirty="0" err="1"/>
+              <a:t>hex</a:t>
+            </a:r>
+            <a:r>
+              <a:rPr lang="fr-FR" dirty="0"/>
+              <a:t> </a:t>
+            </a:r>
+            <a:r>
+              <a:rPr lang="fr-FR" dirty="0" err="1"/>
+              <a:t>Logisim</a:t>
+            </a:r>
+            <a:endParaRPr lang="fr-FR" dirty="0"/>
+          </a:p>
+          <a:p>
+            <a:pPr marL="0" lvl="0" indent="0">
+              <a:buClr>
+                <a:srgbClr val="273D40"/>
+              </a:buClr>
+              <a:buSzPts val="600"/>
+              <a:buNone/>
+            </a:pPr>
+            <a:endParaRPr dirty="0"/>
+          </a:p>
+        </p:txBody>
+      </p:sp>
+      <p:grpSp>
+        <p:nvGrpSpPr>
+          <p:cNvPr id="252" name="Google Shape;252;p31"/>
+          <p:cNvGrpSpPr/>
+          <p:nvPr/>
+        </p:nvGrpSpPr>
+        <p:grpSpPr>
+          <a:xfrm>
+            <a:off x="511225" y="947025"/>
+            <a:ext cx="2971350" cy="265500"/>
+            <a:chOff x="511225" y="947025"/>
+            <a:chExt cx="2971350" cy="265500"/>
+          </a:xfrm>
+        </p:grpSpPr>
+        <p:pic>
+          <p:nvPicPr>
+            <p:cNvPr id="253" name="Google Shape;253;p31" title="Sin título-2.png"/>
+            <p:cNvPicPr preferRelativeResize="0"/>
+            <p:nvPr/>
+          </p:nvPicPr>
+          <p:blipFill rotWithShape="1">
+            <a:blip r:embed="rId4">
+              <a:alphaModFix/>
+            </a:blip>
+            <a:srcRect l="60127"/>
+            <a:stretch/>
+          </p:blipFill>
+          <p:spPr>
+            <a:xfrm>
+              <a:off x="512775" y="947025"/>
+              <a:ext cx="2969800" cy="265500"/>
+            </a:xfrm>
+            <a:prstGeom prst="rect">
+              <a:avLst/>
+            </a:prstGeom>
+            <a:noFill/>
+            <a:ln>
+              <a:noFill/>
+            </a:ln>
+          </p:spPr>
+        </p:pic>
+        <p:pic>
+          <p:nvPicPr>
+            <p:cNvPr id="254" name="Google Shape;254;p31" title="Sin título-2.png"/>
+            <p:cNvPicPr preferRelativeResize="0"/>
+            <p:nvPr/>
+          </p:nvPicPr>
+          <p:blipFill rotWithShape="1">
+            <a:blip r:embed="rId4">
+              <a:alphaModFix/>
+            </a:blip>
+            <a:srcRect l="60127"/>
+            <a:stretch/>
+          </p:blipFill>
+          <p:spPr>
+            <a:xfrm>
+              <a:off x="511225" y="947025"/>
+              <a:ext cx="2969800" cy="265500"/>
+            </a:xfrm>
+            <a:prstGeom prst="rect">
+              <a:avLst/>
+            </a:prstGeom>
+            <a:noFill/>
+            <a:ln>
+              <a:noFill/>
+            </a:ln>
+          </p:spPr>
+        </p:pic>
+      </p:grpSp>
+      <p:pic>
+        <p:nvPicPr>
+          <p:cNvPr id="7" name="Picture Placeholder 6">
+            <a:extLst>
+              <a:ext uri="{FF2B5EF4-FFF2-40B4-BE49-F238E27FC236}">
+                <a16:creationId xmlns:a16="http://schemas.microsoft.com/office/drawing/2014/main" id="{6B570875-A4C8-1D88-0204-82A4C3AC787D}"/>
+              </a:ext>
+            </a:extLst>
+          </p:cNvPr>
+          <p:cNvPicPr>
+            <a:picLocks noGrp="1" noChangeAspect="1"/>
+          </p:cNvPicPr>
+          <p:nvPr>
+            <p:ph type="pic" idx="2"/>
+          </p:nvPr>
+        </p:nvPicPr>
+        <p:blipFill>
+          <a:blip r:embed="rId5"/>
+          <a:srcRect l="187" r="187"/>
+          <a:stretch/>
+        </p:blipFill>
+        <p:spPr>
+          <a:prstGeom prst="rect">
+            <a:avLst/>
+          </a:prstGeom>
+          <a:noFill/>
+          <a:ln w="9525" cap="flat" cmpd="sng">
+            <a:solidFill>
+              <a:srgbClr val="707070"/>
+            </a:solidFill>
+            <a:prstDash val="solid"/>
+            <a:round/>
+            <a:headEnd type="none" w="sm" len="sm"/>
+            <a:tailEnd type="none" w="sm" len="sm"/>
+          </a:ln>
+        </p:spPr>
+      </p:pic>
+    </p:spTree>
+  </p:cSld>
+  <p:clrMapOvr>
+    <a:masterClrMapping/>
+  </p:clrMapOvr>
+</p:sld>
+</file>
+
+<file path=ppt/slides/slide11.xml><?xml version="1.0" encoding="utf-8"?>
+<p:sld xmlns:a="http://schemas.openxmlformats.org/drawingml/2006/main" xmlns:r="http://schemas.openxmlformats.org/officeDocument/2006/relationships" xmlns:p="http://schemas.openxmlformats.org/presentationml/2006/main">
+  <p:cSld>
+    <p:spTree>
+      <p:nvGrpSpPr>
+        <p:cNvPr id="1" name="Shape 269"/>
+        <p:cNvGrpSpPr/>
+        <p:nvPr/>
+      </p:nvGrpSpPr>
+      <p:grpSpPr>
+        <a:xfrm>
+          <a:off x="0" y="0"/>
+          <a:ext cx="0" cy="0"/>
+          <a:chOff x="0" y="0"/>
+          <a:chExt cx="0" cy="0"/>
+        </a:xfrm>
+      </p:grpSpPr>
+      <p:sp>
+        <p:nvSpPr>
+          <p:cNvPr id="270" name="Google Shape;270;p33"/>
+          <p:cNvSpPr txBox="1">
+            <a:spLocks noGrp="1"/>
+          </p:cNvSpPr>
+          <p:nvPr>
+            <p:ph type="title"/>
+          </p:nvPr>
+        </p:nvSpPr>
+        <p:spPr>
+          <a:xfrm>
+            <a:off x="679225" y="794675"/>
+            <a:ext cx="7866600" cy="698400"/>
+          </a:xfrm>
+          <a:prstGeom prst="rect">
+            <a:avLst/>
+          </a:prstGeom>
+        </p:spPr>
+        <p:txBody>
+          <a:bodyPr spcFirstLastPara="1" wrap="square" lIns="91425" tIns="91425" rIns="91425" bIns="91425" anchor="t" anchorCtr="0">
+            <a:noAutofit/>
+          </a:bodyPr>
+          <a:lstStyle/>
+          <a:p>
+            <a:pPr lvl="0"/>
+            <a:r>
+              <a:rPr lang="fr-FR" dirty="0"/>
+              <a:t>ALU + Indicateurs (NZCV)</a:t>
+            </a:r>
+            <a:endParaRPr dirty="0"/>
+          </a:p>
+        </p:txBody>
+      </p:sp>
+      <p:sp>
+        <p:nvSpPr>
+          <p:cNvPr id="271" name="Google Shape;271;p33"/>
+          <p:cNvSpPr txBox="1">
+            <a:spLocks noGrp="1"/>
+          </p:cNvSpPr>
+          <p:nvPr>
+            <p:ph type="subTitle" idx="1"/>
+          </p:nvPr>
+        </p:nvSpPr>
+        <p:spPr>
+          <a:xfrm>
+            <a:off x="1338122" y="1576805"/>
+            <a:ext cx="6688278" cy="602977"/>
+          </a:xfrm>
+          <a:prstGeom prst="rect">
+            <a:avLst/>
+          </a:prstGeom>
+        </p:spPr>
+        <p:txBody>
+          <a:bodyPr spcFirstLastPara="1" wrap="square" lIns="91425" tIns="91425" rIns="91425" bIns="91425" anchor="t" anchorCtr="0">
+            <a:noAutofit/>
+          </a:bodyPr>
+          <a:lstStyle/>
+          <a:p>
+            <a:pPr marL="0" lvl="0" indent="0"/>
+            <a:r>
+              <a:rPr lang="fr-FR" dirty="0"/>
+              <a:t>L’ALU fait les calculs (arithmétique, logique, décalages) et met à jour les indicateurs.</a:t>
+            </a:r>
+          </a:p>
+          <a:p>
+            <a:pPr marL="0" lvl="0" indent="0"/>
+            <a:endParaRPr lang="fr-FR" dirty="0"/>
+          </a:p>
+          <a:p>
+            <a:pPr marL="0" lvl="0" indent="0"/>
+            <a:endParaRPr dirty="0"/>
+          </a:p>
+        </p:txBody>
+      </p:sp>
+      <p:sp>
+        <p:nvSpPr>
+          <p:cNvPr id="2" name="Google Shape;271;p33">
+            <a:extLst>
+              <a:ext uri="{FF2B5EF4-FFF2-40B4-BE49-F238E27FC236}">
+                <a16:creationId xmlns:a16="http://schemas.microsoft.com/office/drawing/2014/main" id="{B5EFA36F-1575-04DF-E09D-2D35FDA5DA60}"/>
+              </a:ext>
+            </a:extLst>
+          </p:cNvPr>
+          <p:cNvSpPr txBox="1">
+            <a:spLocks/>
+          </p:cNvSpPr>
+          <p:nvPr/>
+        </p:nvSpPr>
+        <p:spPr>
+          <a:xfrm>
+            <a:off x="455474" y="2642203"/>
+            <a:ext cx="4226787" cy="1218597"/>
+          </a:xfrm>
+          <a:prstGeom prst="rect">
+            <a:avLst/>
+          </a:prstGeom>
+          <a:noFill/>
+          <a:ln>
+            <a:noFill/>
+          </a:ln>
+        </p:spPr>
+        <p:txBody>
+          <a:bodyPr spcFirstLastPara="1" wrap="square" lIns="91425" tIns="91425" rIns="91425" bIns="91425" anchor="t" anchorCtr="0">
+            <a:noAutofit/>
+          </a:bodyPr>
+          <a:lstStyle>
+            <a:defPPr marR="0" lvl="0" algn="l" rtl="0">
+              <a:lnSpc>
+                <a:spcPct val="100000"/>
+              </a:lnSpc>
+              <a:spcBef>
+                <a:spcPts val="0"/>
+              </a:spcBef>
+              <a:spcAft>
+                <a:spcPts val="0"/>
+              </a:spcAft>
+            </a:defPPr>
+            <a:lvl1pPr marL="457200" marR="0" lvl="0" indent="-317500" algn="l" rtl="0">
+              <a:lnSpc>
+                <a:spcPct val="100000"/>
+              </a:lnSpc>
+              <a:spcBef>
+                <a:spcPts val="0"/>
+              </a:spcBef>
+              <a:spcAft>
+                <a:spcPts val="0"/>
+              </a:spcAft>
+              <a:buClr>
+                <a:schemeClr val="dk1"/>
+              </a:buClr>
+              <a:buSzPts val="1400"/>
+              <a:buFont typeface="Roboto Mono"/>
+              <a:buNone/>
+              <a:defRPr sz="1400" b="0" i="0" u="none" strike="noStrike" cap="none">
+                <a:solidFill>
+                  <a:schemeClr val="dk1"/>
+                </a:solidFill>
+                <a:latin typeface="Roboto Mono"/>
+                <a:ea typeface="Roboto Mono"/>
+                <a:cs typeface="Roboto Mono"/>
+                <a:sym typeface="Roboto Mono"/>
+              </a:defRPr>
+            </a:lvl1pPr>
+            <a:lvl2pPr marL="914400" marR="0" lvl="1" indent="-317500" algn="l" rtl="0">
+              <a:lnSpc>
+                <a:spcPct val="100000"/>
+              </a:lnSpc>
+              <a:spcBef>
+                <a:spcPts val="0"/>
+              </a:spcBef>
+              <a:spcAft>
+                <a:spcPts val="0"/>
+              </a:spcAft>
+              <a:buClr>
+                <a:schemeClr val="dk1"/>
+              </a:buClr>
+              <a:buSzPts val="1400"/>
+              <a:buFont typeface="Roboto Mono"/>
+              <a:buNone/>
+              <a:defRPr sz="1400" b="0" i="0" u="none" strike="noStrike" cap="none">
+                <a:solidFill>
+                  <a:schemeClr val="dk1"/>
+                </a:solidFill>
+                <a:latin typeface="Roboto Mono"/>
+                <a:ea typeface="Roboto Mono"/>
+                <a:cs typeface="Roboto Mono"/>
+                <a:sym typeface="Roboto Mono"/>
+              </a:defRPr>
+            </a:lvl2pPr>
+            <a:lvl3pPr marL="1371600" marR="0" lvl="2" indent="-317500" algn="l" rtl="0">
+              <a:lnSpc>
+                <a:spcPct val="100000"/>
+              </a:lnSpc>
+              <a:spcBef>
+                <a:spcPts val="0"/>
+              </a:spcBef>
+              <a:spcAft>
+                <a:spcPts val="0"/>
+              </a:spcAft>
+              <a:buClr>
+                <a:schemeClr val="dk1"/>
+              </a:buClr>
+              <a:buSzPts val="1400"/>
+              <a:buFont typeface="Roboto Mono"/>
+              <a:buNone/>
+              <a:defRPr sz="1400" b="0" i="0" u="none" strike="noStrike" cap="none">
+                <a:solidFill>
+                  <a:schemeClr val="dk1"/>
+                </a:solidFill>
+                <a:latin typeface="Roboto Mono"/>
+                <a:ea typeface="Roboto Mono"/>
+                <a:cs typeface="Roboto Mono"/>
+                <a:sym typeface="Roboto Mono"/>
+              </a:defRPr>
+            </a:lvl3pPr>
+            <a:lvl4pPr marL="1828800" marR="0" lvl="3" indent="-317500" algn="l" rtl="0">
+              <a:lnSpc>
+                <a:spcPct val="100000"/>
+              </a:lnSpc>
+              <a:spcBef>
+                <a:spcPts val="0"/>
+              </a:spcBef>
+              <a:spcAft>
+                <a:spcPts val="0"/>
+              </a:spcAft>
+              <a:buClr>
+                <a:schemeClr val="dk1"/>
+              </a:buClr>
+              <a:buSzPts val="1400"/>
+              <a:buFont typeface="Roboto Mono"/>
+              <a:buNone/>
+              <a:defRPr sz="1400" b="0" i="0" u="none" strike="noStrike" cap="none">
+                <a:solidFill>
+                  <a:schemeClr val="dk1"/>
+                </a:solidFill>
+                <a:latin typeface="Roboto Mono"/>
+                <a:ea typeface="Roboto Mono"/>
+                <a:cs typeface="Roboto Mono"/>
+                <a:sym typeface="Roboto Mono"/>
+              </a:defRPr>
+            </a:lvl4pPr>
+            <a:lvl5pPr marL="2286000" marR="0" lvl="4" indent="-317500" algn="l" rtl="0">
+              <a:lnSpc>
+                <a:spcPct val="100000"/>
+              </a:lnSpc>
+              <a:spcBef>
+                <a:spcPts val="0"/>
+              </a:spcBef>
+              <a:spcAft>
+                <a:spcPts val="0"/>
+              </a:spcAft>
+              <a:buClr>
+                <a:schemeClr val="dk1"/>
+              </a:buClr>
+              <a:buSzPts val="1400"/>
+              <a:buFont typeface="Roboto Mono"/>
+              <a:buNone/>
+              <a:defRPr sz="1400" b="0" i="0" u="none" strike="noStrike" cap="none">
+                <a:solidFill>
+                  <a:schemeClr val="dk1"/>
+                </a:solidFill>
+                <a:latin typeface="Roboto Mono"/>
+                <a:ea typeface="Roboto Mono"/>
+                <a:cs typeface="Roboto Mono"/>
+                <a:sym typeface="Roboto Mono"/>
+              </a:defRPr>
+            </a:lvl5pPr>
+            <a:lvl6pPr marL="2743200" marR="0" lvl="5" indent="-317500" algn="l" rtl="0">
+              <a:lnSpc>
+                <a:spcPct val="100000"/>
+              </a:lnSpc>
+              <a:spcBef>
+                <a:spcPts val="0"/>
+              </a:spcBef>
+              <a:spcAft>
+                <a:spcPts val="0"/>
+              </a:spcAft>
+              <a:buClr>
+                <a:schemeClr val="dk1"/>
+              </a:buClr>
+              <a:buSzPts val="1400"/>
+              <a:buFont typeface="Roboto Mono"/>
+              <a:buNone/>
+              <a:defRPr sz="1400" b="0" i="0" u="none" strike="noStrike" cap="none">
+                <a:solidFill>
+                  <a:schemeClr val="dk1"/>
+                </a:solidFill>
+                <a:latin typeface="Roboto Mono"/>
+                <a:ea typeface="Roboto Mono"/>
+                <a:cs typeface="Roboto Mono"/>
+                <a:sym typeface="Roboto Mono"/>
+              </a:defRPr>
+            </a:lvl6pPr>
+            <a:lvl7pPr marL="3200400" marR="0" lvl="6" indent="-317500" algn="l" rtl="0">
+              <a:lnSpc>
+                <a:spcPct val="100000"/>
+              </a:lnSpc>
+              <a:spcBef>
+                <a:spcPts val="0"/>
+              </a:spcBef>
+              <a:spcAft>
+                <a:spcPts val="0"/>
+              </a:spcAft>
+              <a:buClr>
+                <a:schemeClr val="dk1"/>
+              </a:buClr>
+              <a:buSzPts val="1400"/>
+              <a:buFont typeface="Roboto Mono"/>
+              <a:buNone/>
+              <a:defRPr sz="1400" b="0" i="0" u="none" strike="noStrike" cap="none">
+                <a:solidFill>
+                  <a:schemeClr val="dk1"/>
+                </a:solidFill>
+                <a:latin typeface="Roboto Mono"/>
+                <a:ea typeface="Roboto Mono"/>
+                <a:cs typeface="Roboto Mono"/>
+                <a:sym typeface="Roboto Mono"/>
+              </a:defRPr>
+            </a:lvl7pPr>
+            <a:lvl8pPr marL="3657600" marR="0" lvl="7" indent="-317500" algn="l" rtl="0">
+              <a:lnSpc>
+                <a:spcPct val="100000"/>
+              </a:lnSpc>
+              <a:spcBef>
+                <a:spcPts val="0"/>
+              </a:spcBef>
+              <a:spcAft>
+                <a:spcPts val="0"/>
+              </a:spcAft>
+              <a:buClr>
+                <a:schemeClr val="dk1"/>
+              </a:buClr>
+              <a:buSzPts val="1400"/>
+              <a:buFont typeface="Roboto Mono"/>
+              <a:buNone/>
+              <a:defRPr sz="1400" b="0" i="0" u="none" strike="noStrike" cap="none">
+                <a:solidFill>
+                  <a:schemeClr val="dk1"/>
+                </a:solidFill>
+                <a:latin typeface="Roboto Mono"/>
+                <a:ea typeface="Roboto Mono"/>
+                <a:cs typeface="Roboto Mono"/>
+                <a:sym typeface="Roboto Mono"/>
+              </a:defRPr>
+            </a:lvl8pPr>
+            <a:lvl9pPr marL="4114800" marR="0" lvl="8" indent="-317500" algn="l" rtl="0">
+              <a:lnSpc>
+                <a:spcPct val="100000"/>
+              </a:lnSpc>
+              <a:spcBef>
+                <a:spcPts val="0"/>
+              </a:spcBef>
+              <a:spcAft>
+                <a:spcPts val="0"/>
+              </a:spcAft>
+              <a:buClr>
+                <a:schemeClr val="dk1"/>
+              </a:buClr>
+              <a:buSzPts val="1400"/>
+              <a:buFont typeface="Roboto Mono"/>
+              <a:buNone/>
+              <a:defRPr sz="1400" b="0" i="0" u="none" strike="noStrike" cap="none">
+                <a:solidFill>
+                  <a:schemeClr val="dk1"/>
+                </a:solidFill>
+                <a:latin typeface="Roboto Mono"/>
+                <a:ea typeface="Roboto Mono"/>
+                <a:cs typeface="Roboto Mono"/>
+                <a:sym typeface="Roboto Mono"/>
+              </a:defRPr>
+            </a:lvl9pPr>
+          </a:lstStyle>
+          <a:p>
+            <a:r>
+              <a:rPr lang="fr-FR" sz="1800" b="1" dirty="0"/>
+              <a:t>Entrées : </a:t>
+            </a:r>
+          </a:p>
+          <a:p>
+            <a:r>
+              <a:rPr lang="fr-FR" b="1" dirty="0"/>
+              <a:t>A (32 bits)</a:t>
+            </a:r>
+            <a:r>
+              <a:rPr lang="fr-FR" dirty="0"/>
+              <a:t> : valeur venant d’un registre</a:t>
+            </a:r>
+          </a:p>
+          <a:p>
+            <a:r>
+              <a:rPr lang="fr-FR" b="1" dirty="0"/>
+              <a:t>B (32 bits)</a:t>
+            </a:r>
+            <a:r>
+              <a:rPr lang="fr-FR" dirty="0"/>
+              <a:t> : valeur venant d’un registre / immédiat</a:t>
+            </a:r>
+          </a:p>
+          <a:p>
+            <a:r>
+              <a:rPr lang="fr-FR" b="1" dirty="0"/>
+              <a:t>Paramètres</a:t>
+            </a:r>
+            <a:r>
+              <a:rPr lang="fr-FR" dirty="0"/>
+              <a:t> : type d’opération + décalage + retenue (si besoin)</a:t>
+            </a:r>
+          </a:p>
+          <a:p>
+            <a:pPr marL="0" indent="0"/>
+            <a:endParaRPr lang="fr-FR" dirty="0"/>
+          </a:p>
+          <a:p>
+            <a:pPr marL="0" indent="0"/>
+            <a:endParaRPr lang="fr-FR" dirty="0"/>
+          </a:p>
+        </p:txBody>
+      </p:sp>
+      <p:sp>
+        <p:nvSpPr>
+          <p:cNvPr id="3" name="Google Shape;271;p33">
+            <a:extLst>
+              <a:ext uri="{FF2B5EF4-FFF2-40B4-BE49-F238E27FC236}">
+                <a16:creationId xmlns:a16="http://schemas.microsoft.com/office/drawing/2014/main" id="{D32F9B50-898D-C48C-F30D-98CF679DFC2C}"/>
+              </a:ext>
+            </a:extLst>
+          </p:cNvPr>
+          <p:cNvSpPr txBox="1">
+            <a:spLocks/>
+          </p:cNvSpPr>
+          <p:nvPr/>
+        </p:nvSpPr>
+        <p:spPr>
+          <a:xfrm>
+            <a:off x="5111631" y="2743501"/>
+            <a:ext cx="6591296" cy="1218597"/>
+          </a:xfrm>
+          <a:prstGeom prst="rect">
+            <a:avLst/>
+          </a:prstGeom>
+          <a:noFill/>
+          <a:ln>
+            <a:noFill/>
+          </a:ln>
+        </p:spPr>
+        <p:txBody>
+          <a:bodyPr spcFirstLastPara="1" wrap="square" lIns="91425" tIns="91425" rIns="91425" bIns="91425" anchor="t" anchorCtr="0">
+            <a:noAutofit/>
+          </a:bodyPr>
+          <a:lstStyle>
+            <a:defPPr marR="0" lvl="0" algn="l" rtl="0">
+              <a:lnSpc>
+                <a:spcPct val="100000"/>
+              </a:lnSpc>
+              <a:spcBef>
+                <a:spcPts val="0"/>
+              </a:spcBef>
+              <a:spcAft>
+                <a:spcPts val="0"/>
+              </a:spcAft>
+            </a:defPPr>
+            <a:lvl1pPr marL="457200" marR="0" lvl="0" indent="-317500" algn="l" rtl="0">
+              <a:lnSpc>
+                <a:spcPct val="100000"/>
+              </a:lnSpc>
+              <a:spcBef>
+                <a:spcPts val="0"/>
+              </a:spcBef>
+              <a:spcAft>
+                <a:spcPts val="0"/>
+              </a:spcAft>
+              <a:buClr>
+                <a:schemeClr val="dk1"/>
+              </a:buClr>
+              <a:buSzPts val="1400"/>
+              <a:buFont typeface="Roboto Mono"/>
+              <a:buNone/>
+              <a:defRPr sz="1400" b="0" i="0" u="none" strike="noStrike" cap="none">
+                <a:solidFill>
+                  <a:schemeClr val="dk1"/>
+                </a:solidFill>
+                <a:latin typeface="Roboto Mono"/>
+                <a:ea typeface="Roboto Mono"/>
+                <a:cs typeface="Roboto Mono"/>
+                <a:sym typeface="Roboto Mono"/>
+              </a:defRPr>
+            </a:lvl1pPr>
+            <a:lvl2pPr marL="914400" marR="0" lvl="1" indent="-317500" algn="l" rtl="0">
+              <a:lnSpc>
+                <a:spcPct val="100000"/>
+              </a:lnSpc>
+              <a:spcBef>
+                <a:spcPts val="0"/>
+              </a:spcBef>
+              <a:spcAft>
+                <a:spcPts val="0"/>
+              </a:spcAft>
+              <a:buClr>
+                <a:schemeClr val="dk1"/>
+              </a:buClr>
+              <a:buSzPts val="1400"/>
+              <a:buFont typeface="Roboto Mono"/>
+              <a:buNone/>
+              <a:defRPr sz="1400" b="0" i="0" u="none" strike="noStrike" cap="none">
+                <a:solidFill>
+                  <a:schemeClr val="dk1"/>
+                </a:solidFill>
+                <a:latin typeface="Roboto Mono"/>
+                <a:ea typeface="Roboto Mono"/>
+                <a:cs typeface="Roboto Mono"/>
+                <a:sym typeface="Roboto Mono"/>
+              </a:defRPr>
+            </a:lvl2pPr>
+            <a:lvl3pPr marL="1371600" marR="0" lvl="2" indent="-317500" algn="l" rtl="0">
+              <a:lnSpc>
+                <a:spcPct val="100000"/>
+              </a:lnSpc>
+              <a:spcBef>
+                <a:spcPts val="0"/>
+              </a:spcBef>
+              <a:spcAft>
+                <a:spcPts val="0"/>
+              </a:spcAft>
+              <a:buClr>
+                <a:schemeClr val="dk1"/>
+              </a:buClr>
+              <a:buSzPts val="1400"/>
+              <a:buFont typeface="Roboto Mono"/>
+              <a:buNone/>
+              <a:defRPr sz="1400" b="0" i="0" u="none" strike="noStrike" cap="none">
+                <a:solidFill>
+                  <a:schemeClr val="dk1"/>
+                </a:solidFill>
+                <a:latin typeface="Roboto Mono"/>
+                <a:ea typeface="Roboto Mono"/>
+                <a:cs typeface="Roboto Mono"/>
+                <a:sym typeface="Roboto Mono"/>
+              </a:defRPr>
+            </a:lvl3pPr>
+            <a:lvl4pPr marL="1828800" marR="0" lvl="3" indent="-317500" algn="l" rtl="0">
+              <a:lnSpc>
+                <a:spcPct val="100000"/>
+              </a:lnSpc>
+              <a:spcBef>
+                <a:spcPts val="0"/>
+              </a:spcBef>
+              <a:spcAft>
+                <a:spcPts val="0"/>
+              </a:spcAft>
+              <a:buClr>
+                <a:schemeClr val="dk1"/>
+              </a:buClr>
+              <a:buSzPts val="1400"/>
+              <a:buFont typeface="Roboto Mono"/>
+              <a:buNone/>
+              <a:defRPr sz="1400" b="0" i="0" u="none" strike="noStrike" cap="none">
+                <a:solidFill>
+                  <a:schemeClr val="dk1"/>
+                </a:solidFill>
+                <a:latin typeface="Roboto Mono"/>
+                <a:ea typeface="Roboto Mono"/>
+                <a:cs typeface="Roboto Mono"/>
+                <a:sym typeface="Roboto Mono"/>
+              </a:defRPr>
+            </a:lvl4pPr>
+            <a:lvl5pPr marL="2286000" marR="0" lvl="4" indent="-317500" algn="l" rtl="0">
+              <a:lnSpc>
+                <a:spcPct val="100000"/>
+              </a:lnSpc>
+              <a:spcBef>
+                <a:spcPts val="0"/>
+              </a:spcBef>
+              <a:spcAft>
+                <a:spcPts val="0"/>
+              </a:spcAft>
+              <a:buClr>
+                <a:schemeClr val="dk1"/>
+              </a:buClr>
+              <a:buSzPts val="1400"/>
+              <a:buFont typeface="Roboto Mono"/>
+              <a:buNone/>
+              <a:defRPr sz="1400" b="0" i="0" u="none" strike="noStrike" cap="none">
+                <a:solidFill>
+                  <a:schemeClr val="dk1"/>
+                </a:solidFill>
+                <a:latin typeface="Roboto Mono"/>
+                <a:ea typeface="Roboto Mono"/>
+                <a:cs typeface="Roboto Mono"/>
+                <a:sym typeface="Roboto Mono"/>
+              </a:defRPr>
+            </a:lvl5pPr>
+            <a:lvl6pPr marL="2743200" marR="0" lvl="5" indent="-317500" algn="l" rtl="0">
+              <a:lnSpc>
+                <a:spcPct val="100000"/>
+              </a:lnSpc>
+              <a:spcBef>
+                <a:spcPts val="0"/>
+              </a:spcBef>
+              <a:spcAft>
+                <a:spcPts val="0"/>
+              </a:spcAft>
+              <a:buClr>
+                <a:schemeClr val="dk1"/>
+              </a:buClr>
+              <a:buSzPts val="1400"/>
+              <a:buFont typeface="Roboto Mono"/>
+              <a:buNone/>
+              <a:defRPr sz="1400" b="0" i="0" u="none" strike="noStrike" cap="none">
+                <a:solidFill>
+                  <a:schemeClr val="dk1"/>
+                </a:solidFill>
+                <a:latin typeface="Roboto Mono"/>
+                <a:ea typeface="Roboto Mono"/>
+                <a:cs typeface="Roboto Mono"/>
+                <a:sym typeface="Roboto Mono"/>
+              </a:defRPr>
+            </a:lvl6pPr>
+            <a:lvl7pPr marL="3200400" marR="0" lvl="6" indent="-317500" algn="l" rtl="0">
+              <a:lnSpc>
+                <a:spcPct val="100000"/>
+              </a:lnSpc>
+              <a:spcBef>
+                <a:spcPts val="0"/>
+              </a:spcBef>
+              <a:spcAft>
+                <a:spcPts val="0"/>
+              </a:spcAft>
+              <a:buClr>
+                <a:schemeClr val="dk1"/>
+              </a:buClr>
+              <a:buSzPts val="1400"/>
+              <a:buFont typeface="Roboto Mono"/>
+              <a:buNone/>
+              <a:defRPr sz="1400" b="0" i="0" u="none" strike="noStrike" cap="none">
+                <a:solidFill>
+                  <a:schemeClr val="dk1"/>
+                </a:solidFill>
+                <a:latin typeface="Roboto Mono"/>
+                <a:ea typeface="Roboto Mono"/>
+                <a:cs typeface="Roboto Mono"/>
+                <a:sym typeface="Roboto Mono"/>
+              </a:defRPr>
+            </a:lvl7pPr>
+            <a:lvl8pPr marL="3657600" marR="0" lvl="7" indent="-317500" algn="l" rtl="0">
+              <a:lnSpc>
+                <a:spcPct val="100000"/>
+              </a:lnSpc>
+              <a:spcBef>
+                <a:spcPts val="0"/>
+              </a:spcBef>
+              <a:spcAft>
+                <a:spcPts val="0"/>
+              </a:spcAft>
+              <a:buClr>
+                <a:schemeClr val="dk1"/>
+              </a:buClr>
+              <a:buSzPts val="1400"/>
+              <a:buFont typeface="Roboto Mono"/>
+              <a:buNone/>
+              <a:defRPr sz="1400" b="0" i="0" u="none" strike="noStrike" cap="none">
+                <a:solidFill>
+                  <a:schemeClr val="dk1"/>
+                </a:solidFill>
+                <a:latin typeface="Roboto Mono"/>
+                <a:ea typeface="Roboto Mono"/>
+                <a:cs typeface="Roboto Mono"/>
+                <a:sym typeface="Roboto Mono"/>
+              </a:defRPr>
+            </a:lvl8pPr>
+            <a:lvl9pPr marL="4114800" marR="0" lvl="8" indent="-317500" algn="l" rtl="0">
+              <a:lnSpc>
+                <a:spcPct val="100000"/>
+              </a:lnSpc>
+              <a:spcBef>
+                <a:spcPts val="0"/>
+              </a:spcBef>
+              <a:spcAft>
+                <a:spcPts val="0"/>
+              </a:spcAft>
+              <a:buClr>
+                <a:schemeClr val="dk1"/>
+              </a:buClr>
+              <a:buSzPts val="1400"/>
+              <a:buFont typeface="Roboto Mono"/>
+              <a:buNone/>
+              <a:defRPr sz="1400" b="0" i="0" u="none" strike="noStrike" cap="none">
+                <a:solidFill>
+                  <a:schemeClr val="dk1"/>
+                </a:solidFill>
+                <a:latin typeface="Roboto Mono"/>
+                <a:ea typeface="Roboto Mono"/>
+                <a:cs typeface="Roboto Mono"/>
+                <a:sym typeface="Roboto Mono"/>
+              </a:defRPr>
+            </a:lvl9pPr>
+          </a:lstStyle>
+          <a:p>
+            <a:r>
+              <a:rPr lang="fr-FR" sz="1800" b="1" dirty="0"/>
+              <a:t>Sorties : </a:t>
+            </a:r>
+          </a:p>
+          <a:p>
+            <a:r>
+              <a:rPr lang="fr-FR" b="1" dirty="0"/>
+              <a:t>Résultat (32 bits)</a:t>
+            </a:r>
+            <a:endParaRPr lang="fr-FR" dirty="0"/>
+          </a:p>
+          <a:p>
+            <a:r>
+              <a:rPr lang="fr-FR" b="1" dirty="0"/>
+              <a:t>Indicateurs NZCV</a:t>
+            </a:r>
+            <a:endParaRPr lang="fr-FR" dirty="0"/>
+          </a:p>
+          <a:p>
+            <a:pPr lvl="1"/>
+            <a:r>
+              <a:rPr lang="fr-FR" b="1" dirty="0"/>
+              <a:t>N</a:t>
+            </a:r>
+            <a:r>
+              <a:rPr lang="fr-FR" dirty="0"/>
+              <a:t> : résultat négatif</a:t>
+            </a:r>
+          </a:p>
+          <a:p>
+            <a:pPr lvl="1"/>
+            <a:r>
+              <a:rPr lang="fr-FR" b="1" dirty="0"/>
+              <a:t>Z</a:t>
+            </a:r>
+            <a:r>
+              <a:rPr lang="fr-FR" dirty="0"/>
+              <a:t> : résultat = 0</a:t>
+            </a:r>
+          </a:p>
+          <a:p>
+            <a:pPr lvl="1"/>
+            <a:r>
+              <a:rPr lang="fr-FR" b="1" dirty="0"/>
+              <a:t>C</a:t>
+            </a:r>
+            <a:r>
+              <a:rPr lang="fr-FR" dirty="0"/>
+              <a:t> : retenue (carry)</a:t>
+            </a:r>
+          </a:p>
+          <a:p>
+            <a:pPr lvl="1"/>
+            <a:r>
+              <a:rPr lang="fr-FR" b="1" dirty="0"/>
+              <a:t>V</a:t>
+            </a:r>
+            <a:r>
+              <a:rPr lang="fr-FR" dirty="0"/>
+              <a:t> : dépassement (</a:t>
+            </a:r>
+            <a:r>
+              <a:rPr lang="fr-FR" dirty="0" err="1"/>
+              <a:t>overflow</a:t>
+            </a:r>
+            <a:r>
+              <a:rPr lang="fr-FR" dirty="0"/>
+              <a:t>)</a:t>
+            </a:r>
+          </a:p>
+        </p:txBody>
+      </p:sp>
+    </p:spTree>
+  </p:cSld>
+  <p:clrMapOvr>
+    <a:masterClrMapping/>
+  </p:clrMapOvr>
+</p:sld>
+</file>
+
+<file path=ppt/slides/slide12.xml><?xml version="1.0" encoding="utf-8"?>
 <p:sld xmlns:a="http://schemas.openxmlformats.org/drawingml/2006/main" xmlns:r="http://schemas.openxmlformats.org/officeDocument/2006/relationships" xmlns:p="http://schemas.openxmlformats.org/presentationml/2006/main">
   <p:cSld>
     <p:spTree>
@@ -14417,7 +15968,7 @@
 </p:sld>
 </file>
 
-<file path=ppt/slides/slide11.xml><?xml version="1.0" encoding="utf-8"?>
+<file path=ppt/slides/slide13.xml><?xml version="1.0" encoding="utf-8"?>
 <p:sld xmlns:a="http://schemas.openxmlformats.org/drawingml/2006/main" xmlns:r="http://schemas.openxmlformats.org/officeDocument/2006/relationships" xmlns:p="http://schemas.openxmlformats.org/presentationml/2006/main">
   <p:cSld>
     <p:spTree>
@@ -14999,7 +16550,7 @@
 </p:sld>
 </file>
 
-<file path=ppt/slides/slide12.xml><?xml version="1.0" encoding="utf-8"?>
+<file path=ppt/slides/slide14.xml><?xml version="1.0" encoding="utf-8"?>
 <p:sld xmlns:a="http://schemas.openxmlformats.org/drawingml/2006/main" xmlns:r="http://schemas.openxmlformats.org/officeDocument/2006/relationships" xmlns:p="http://schemas.openxmlformats.org/presentationml/2006/main">
   <p:cSld>
     <p:spTree>
@@ -15198,7 +16749,744 @@
 </p:sld>
 </file>
 
-<file path=ppt/slides/slide13.xml><?xml version="1.0" encoding="utf-8"?>
+<file path=ppt/slides/slide15.xml><?xml version="1.0" encoding="utf-8"?>
+<p:sld xmlns:a="http://schemas.openxmlformats.org/drawingml/2006/main" xmlns:r="http://schemas.openxmlformats.org/officeDocument/2006/relationships" xmlns:p="http://schemas.openxmlformats.org/presentationml/2006/main">
+  <p:cSld>
+    <p:spTree>
+      <p:nvGrpSpPr>
+        <p:cNvPr id="1" name="Shape 269">
+          <a:extLst>
+            <a:ext uri="{FF2B5EF4-FFF2-40B4-BE49-F238E27FC236}">
+              <a16:creationId xmlns:a16="http://schemas.microsoft.com/office/drawing/2014/main" id="{E14D5BA0-B525-88CB-DB21-2DA0E7EE531D}"/>
+            </a:ext>
+          </a:extLst>
+        </p:cNvPr>
+        <p:cNvGrpSpPr/>
+        <p:nvPr/>
+      </p:nvGrpSpPr>
+      <p:grpSpPr>
+        <a:xfrm>
+          <a:off x="0" y="0"/>
+          <a:ext cx="0" cy="0"/>
+          <a:chOff x="0" y="0"/>
+          <a:chExt cx="0" cy="0"/>
+        </a:xfrm>
+      </p:grpSpPr>
+      <p:sp>
+        <p:nvSpPr>
+          <p:cNvPr id="270" name="Google Shape;270;p33">
+            <a:extLst>
+              <a:ext uri="{FF2B5EF4-FFF2-40B4-BE49-F238E27FC236}">
+                <a16:creationId xmlns:a16="http://schemas.microsoft.com/office/drawing/2014/main" id="{5663E228-51E2-D814-4DDB-10C764A34E74}"/>
+              </a:ext>
+            </a:extLst>
+          </p:cNvPr>
+          <p:cNvSpPr txBox="1">
+            <a:spLocks noGrp="1"/>
+          </p:cNvSpPr>
+          <p:nvPr>
+            <p:ph type="title"/>
+          </p:nvPr>
+        </p:nvSpPr>
+        <p:spPr>
+          <a:xfrm>
+            <a:off x="679225" y="794675"/>
+            <a:ext cx="7866600" cy="698400"/>
+          </a:xfrm>
+          <a:prstGeom prst="rect">
+            <a:avLst/>
+          </a:prstGeom>
+        </p:spPr>
+        <p:txBody>
+          <a:bodyPr spcFirstLastPara="1" wrap="square" lIns="91425" tIns="91425" rIns="91425" bIns="91425" anchor="t" anchorCtr="0">
+            <a:noAutofit/>
+          </a:bodyPr>
+          <a:lstStyle/>
+          <a:p>
+            <a:pPr lvl="0"/>
+            <a:r>
+              <a:rPr lang="fr-FR" dirty="0"/>
+              <a:t>Axes d’amélioration</a:t>
+            </a:r>
+          </a:p>
+        </p:txBody>
+      </p:sp>
+      <p:sp>
+        <p:nvSpPr>
+          <p:cNvPr id="271" name="Google Shape;271;p33">
+            <a:extLst>
+              <a:ext uri="{FF2B5EF4-FFF2-40B4-BE49-F238E27FC236}">
+                <a16:creationId xmlns:a16="http://schemas.microsoft.com/office/drawing/2014/main" id="{8C324620-FBE9-838E-8EA1-C3B726F76355}"/>
+              </a:ext>
+            </a:extLst>
+          </p:cNvPr>
+          <p:cNvSpPr txBox="1">
+            <a:spLocks noGrp="1"/>
+          </p:cNvSpPr>
+          <p:nvPr>
+            <p:ph type="subTitle" idx="1"/>
+          </p:nvPr>
+        </p:nvSpPr>
+        <p:spPr>
+          <a:xfrm>
+            <a:off x="1268386" y="1493075"/>
+            <a:ext cx="6688278" cy="602977"/>
+          </a:xfrm>
+          <a:prstGeom prst="rect">
+            <a:avLst/>
+          </a:prstGeom>
+        </p:spPr>
+        <p:txBody>
+          <a:bodyPr spcFirstLastPara="1" wrap="square" lIns="91425" tIns="91425" rIns="91425" bIns="91425" anchor="t" anchorCtr="0">
+            <a:noAutofit/>
+          </a:bodyPr>
+          <a:lstStyle/>
+          <a:p>
+            <a:pPr marL="0" lvl="0" indent="0"/>
+            <a:r>
+              <a:rPr lang="fr-FR" b="1" dirty="0"/>
+              <a:t>Architecture / Contrôleurs </a:t>
+            </a:r>
+            <a:r>
+              <a:rPr lang="fr-FR" dirty="0"/>
+              <a:t>: Faire dès le début une table de contrôle et un ordre d’implémentation des contrôleurs pour limiter les dépendances et les recâblages</a:t>
+            </a:r>
+          </a:p>
+          <a:p>
+            <a:pPr marL="0" lvl="0" indent="0"/>
+            <a:endParaRPr lang="fr-FR" dirty="0"/>
+          </a:p>
+          <a:p>
+            <a:pPr marL="0" lvl="0" indent="0"/>
+            <a:endParaRPr lang="fr-FR" dirty="0"/>
+          </a:p>
+        </p:txBody>
+      </p:sp>
+      <p:sp>
+        <p:nvSpPr>
+          <p:cNvPr id="4" name="Google Shape;271;p33">
+            <a:extLst>
+              <a:ext uri="{FF2B5EF4-FFF2-40B4-BE49-F238E27FC236}">
+                <a16:creationId xmlns:a16="http://schemas.microsoft.com/office/drawing/2014/main" id="{9D650A9D-16B6-22C2-3173-AD05CA541EF1}"/>
+              </a:ext>
+            </a:extLst>
+          </p:cNvPr>
+          <p:cNvSpPr txBox="1">
+            <a:spLocks/>
+          </p:cNvSpPr>
+          <p:nvPr/>
+        </p:nvSpPr>
+        <p:spPr>
+          <a:xfrm>
+            <a:off x="1227861" y="2444472"/>
+            <a:ext cx="6688278" cy="602977"/>
+          </a:xfrm>
+          <a:prstGeom prst="rect">
+            <a:avLst/>
+          </a:prstGeom>
+          <a:noFill/>
+          <a:ln>
+            <a:noFill/>
+          </a:ln>
+        </p:spPr>
+        <p:txBody>
+          <a:bodyPr spcFirstLastPara="1" wrap="square" lIns="91425" tIns="91425" rIns="91425" bIns="91425" anchor="t" anchorCtr="0">
+            <a:noAutofit/>
+          </a:bodyPr>
+          <a:lstStyle>
+            <a:defPPr marR="0" lvl="0" algn="l" rtl="0">
+              <a:lnSpc>
+                <a:spcPct val="100000"/>
+              </a:lnSpc>
+              <a:spcBef>
+                <a:spcPts val="0"/>
+              </a:spcBef>
+              <a:spcAft>
+                <a:spcPts val="0"/>
+              </a:spcAft>
+            </a:defPPr>
+            <a:lvl1pPr marL="457200" marR="0" lvl="0" indent="-317500" algn="l" rtl="0">
+              <a:lnSpc>
+                <a:spcPct val="100000"/>
+              </a:lnSpc>
+              <a:spcBef>
+                <a:spcPts val="0"/>
+              </a:spcBef>
+              <a:spcAft>
+                <a:spcPts val="0"/>
+              </a:spcAft>
+              <a:buClr>
+                <a:schemeClr val="dk1"/>
+              </a:buClr>
+              <a:buSzPts val="1400"/>
+              <a:buFont typeface="Roboto Mono"/>
+              <a:buNone/>
+              <a:defRPr sz="1400" b="0" i="0" u="none" strike="noStrike" cap="none">
+                <a:solidFill>
+                  <a:schemeClr val="dk1"/>
+                </a:solidFill>
+                <a:latin typeface="Roboto Mono"/>
+                <a:ea typeface="Roboto Mono"/>
+                <a:cs typeface="Roboto Mono"/>
+                <a:sym typeface="Roboto Mono"/>
+              </a:defRPr>
+            </a:lvl1pPr>
+            <a:lvl2pPr marL="914400" marR="0" lvl="1" indent="-317500" algn="l" rtl="0">
+              <a:lnSpc>
+                <a:spcPct val="100000"/>
+              </a:lnSpc>
+              <a:spcBef>
+                <a:spcPts val="0"/>
+              </a:spcBef>
+              <a:spcAft>
+                <a:spcPts val="0"/>
+              </a:spcAft>
+              <a:buClr>
+                <a:schemeClr val="dk1"/>
+              </a:buClr>
+              <a:buSzPts val="1400"/>
+              <a:buFont typeface="Roboto Mono"/>
+              <a:buNone/>
+              <a:defRPr sz="1400" b="0" i="0" u="none" strike="noStrike" cap="none">
+                <a:solidFill>
+                  <a:schemeClr val="dk1"/>
+                </a:solidFill>
+                <a:latin typeface="Roboto Mono"/>
+                <a:ea typeface="Roboto Mono"/>
+                <a:cs typeface="Roboto Mono"/>
+                <a:sym typeface="Roboto Mono"/>
+              </a:defRPr>
+            </a:lvl2pPr>
+            <a:lvl3pPr marL="1371600" marR="0" lvl="2" indent="-317500" algn="l" rtl="0">
+              <a:lnSpc>
+                <a:spcPct val="100000"/>
+              </a:lnSpc>
+              <a:spcBef>
+                <a:spcPts val="0"/>
+              </a:spcBef>
+              <a:spcAft>
+                <a:spcPts val="0"/>
+              </a:spcAft>
+              <a:buClr>
+                <a:schemeClr val="dk1"/>
+              </a:buClr>
+              <a:buSzPts val="1400"/>
+              <a:buFont typeface="Roboto Mono"/>
+              <a:buNone/>
+              <a:defRPr sz="1400" b="0" i="0" u="none" strike="noStrike" cap="none">
+                <a:solidFill>
+                  <a:schemeClr val="dk1"/>
+                </a:solidFill>
+                <a:latin typeface="Roboto Mono"/>
+                <a:ea typeface="Roboto Mono"/>
+                <a:cs typeface="Roboto Mono"/>
+                <a:sym typeface="Roboto Mono"/>
+              </a:defRPr>
+            </a:lvl3pPr>
+            <a:lvl4pPr marL="1828800" marR="0" lvl="3" indent="-317500" algn="l" rtl="0">
+              <a:lnSpc>
+                <a:spcPct val="100000"/>
+              </a:lnSpc>
+              <a:spcBef>
+                <a:spcPts val="0"/>
+              </a:spcBef>
+              <a:spcAft>
+                <a:spcPts val="0"/>
+              </a:spcAft>
+              <a:buClr>
+                <a:schemeClr val="dk1"/>
+              </a:buClr>
+              <a:buSzPts val="1400"/>
+              <a:buFont typeface="Roboto Mono"/>
+              <a:buNone/>
+              <a:defRPr sz="1400" b="0" i="0" u="none" strike="noStrike" cap="none">
+                <a:solidFill>
+                  <a:schemeClr val="dk1"/>
+                </a:solidFill>
+                <a:latin typeface="Roboto Mono"/>
+                <a:ea typeface="Roboto Mono"/>
+                <a:cs typeface="Roboto Mono"/>
+                <a:sym typeface="Roboto Mono"/>
+              </a:defRPr>
+            </a:lvl4pPr>
+            <a:lvl5pPr marL="2286000" marR="0" lvl="4" indent="-317500" algn="l" rtl="0">
+              <a:lnSpc>
+                <a:spcPct val="100000"/>
+              </a:lnSpc>
+              <a:spcBef>
+                <a:spcPts val="0"/>
+              </a:spcBef>
+              <a:spcAft>
+                <a:spcPts val="0"/>
+              </a:spcAft>
+              <a:buClr>
+                <a:schemeClr val="dk1"/>
+              </a:buClr>
+              <a:buSzPts val="1400"/>
+              <a:buFont typeface="Roboto Mono"/>
+              <a:buNone/>
+              <a:defRPr sz="1400" b="0" i="0" u="none" strike="noStrike" cap="none">
+                <a:solidFill>
+                  <a:schemeClr val="dk1"/>
+                </a:solidFill>
+                <a:latin typeface="Roboto Mono"/>
+                <a:ea typeface="Roboto Mono"/>
+                <a:cs typeface="Roboto Mono"/>
+                <a:sym typeface="Roboto Mono"/>
+              </a:defRPr>
+            </a:lvl5pPr>
+            <a:lvl6pPr marL="2743200" marR="0" lvl="5" indent="-317500" algn="l" rtl="0">
+              <a:lnSpc>
+                <a:spcPct val="100000"/>
+              </a:lnSpc>
+              <a:spcBef>
+                <a:spcPts val="0"/>
+              </a:spcBef>
+              <a:spcAft>
+                <a:spcPts val="0"/>
+              </a:spcAft>
+              <a:buClr>
+                <a:schemeClr val="dk1"/>
+              </a:buClr>
+              <a:buSzPts val="1400"/>
+              <a:buFont typeface="Roboto Mono"/>
+              <a:buNone/>
+              <a:defRPr sz="1400" b="0" i="0" u="none" strike="noStrike" cap="none">
+                <a:solidFill>
+                  <a:schemeClr val="dk1"/>
+                </a:solidFill>
+                <a:latin typeface="Roboto Mono"/>
+                <a:ea typeface="Roboto Mono"/>
+                <a:cs typeface="Roboto Mono"/>
+                <a:sym typeface="Roboto Mono"/>
+              </a:defRPr>
+            </a:lvl6pPr>
+            <a:lvl7pPr marL="3200400" marR="0" lvl="6" indent="-317500" algn="l" rtl="0">
+              <a:lnSpc>
+                <a:spcPct val="100000"/>
+              </a:lnSpc>
+              <a:spcBef>
+                <a:spcPts val="0"/>
+              </a:spcBef>
+              <a:spcAft>
+                <a:spcPts val="0"/>
+              </a:spcAft>
+              <a:buClr>
+                <a:schemeClr val="dk1"/>
+              </a:buClr>
+              <a:buSzPts val="1400"/>
+              <a:buFont typeface="Roboto Mono"/>
+              <a:buNone/>
+              <a:defRPr sz="1400" b="0" i="0" u="none" strike="noStrike" cap="none">
+                <a:solidFill>
+                  <a:schemeClr val="dk1"/>
+                </a:solidFill>
+                <a:latin typeface="Roboto Mono"/>
+                <a:ea typeface="Roboto Mono"/>
+                <a:cs typeface="Roboto Mono"/>
+                <a:sym typeface="Roboto Mono"/>
+              </a:defRPr>
+            </a:lvl7pPr>
+            <a:lvl8pPr marL="3657600" marR="0" lvl="7" indent="-317500" algn="l" rtl="0">
+              <a:lnSpc>
+                <a:spcPct val="100000"/>
+              </a:lnSpc>
+              <a:spcBef>
+                <a:spcPts val="0"/>
+              </a:spcBef>
+              <a:spcAft>
+                <a:spcPts val="0"/>
+              </a:spcAft>
+              <a:buClr>
+                <a:schemeClr val="dk1"/>
+              </a:buClr>
+              <a:buSzPts val="1400"/>
+              <a:buFont typeface="Roboto Mono"/>
+              <a:buNone/>
+              <a:defRPr sz="1400" b="0" i="0" u="none" strike="noStrike" cap="none">
+                <a:solidFill>
+                  <a:schemeClr val="dk1"/>
+                </a:solidFill>
+                <a:latin typeface="Roboto Mono"/>
+                <a:ea typeface="Roboto Mono"/>
+                <a:cs typeface="Roboto Mono"/>
+                <a:sym typeface="Roboto Mono"/>
+              </a:defRPr>
+            </a:lvl8pPr>
+            <a:lvl9pPr marL="4114800" marR="0" lvl="8" indent="-317500" algn="l" rtl="0">
+              <a:lnSpc>
+                <a:spcPct val="100000"/>
+              </a:lnSpc>
+              <a:spcBef>
+                <a:spcPts val="0"/>
+              </a:spcBef>
+              <a:spcAft>
+                <a:spcPts val="0"/>
+              </a:spcAft>
+              <a:buClr>
+                <a:schemeClr val="dk1"/>
+              </a:buClr>
+              <a:buSzPts val="1400"/>
+              <a:buFont typeface="Roboto Mono"/>
+              <a:buNone/>
+              <a:defRPr sz="1400" b="0" i="0" u="none" strike="noStrike" cap="none">
+                <a:solidFill>
+                  <a:schemeClr val="dk1"/>
+                </a:solidFill>
+                <a:latin typeface="Roboto Mono"/>
+                <a:ea typeface="Roboto Mono"/>
+                <a:cs typeface="Roboto Mono"/>
+                <a:sym typeface="Roboto Mono"/>
+              </a:defRPr>
+            </a:lvl9pPr>
+          </a:lstStyle>
+          <a:p>
+            <a:pPr marL="0" indent="0"/>
+            <a:r>
+              <a:rPr lang="fr-FR" b="1" dirty="0"/>
+              <a:t>Tests et vérification </a:t>
+            </a:r>
+            <a:r>
+              <a:rPr lang="fr-FR" dirty="0"/>
+              <a:t>: Augmenter la couverture avec une suite de non-régression (programmes courts) + tests de cas limites (flags, </a:t>
+            </a:r>
+            <a:r>
+              <a:rPr lang="fr-FR" dirty="0" err="1"/>
+              <a:t>overflow</a:t>
+            </a:r>
+            <a:r>
+              <a:rPr lang="fr-FR" dirty="0"/>
+              <a:t>, mémoire) et métriques de </a:t>
+            </a:r>
+            <a:r>
+              <a:rPr lang="fr-FR" dirty="0" err="1"/>
+              <a:t>coverage</a:t>
+            </a:r>
+            <a:endParaRPr lang="fr-FR" dirty="0"/>
+          </a:p>
+          <a:p>
+            <a:pPr marL="0" indent="0"/>
+            <a:endParaRPr lang="fr-FR" dirty="0"/>
+          </a:p>
+          <a:p>
+            <a:pPr marL="0" indent="0"/>
+            <a:endParaRPr lang="fr-FR" dirty="0"/>
+          </a:p>
+        </p:txBody>
+      </p:sp>
+      <p:sp>
+        <p:nvSpPr>
+          <p:cNvPr id="5" name="Google Shape;271;p33">
+            <a:extLst>
+              <a:ext uri="{FF2B5EF4-FFF2-40B4-BE49-F238E27FC236}">
+                <a16:creationId xmlns:a16="http://schemas.microsoft.com/office/drawing/2014/main" id="{979D5A1B-5AA2-22F6-6D71-C5979ECE18D8}"/>
+              </a:ext>
+            </a:extLst>
+          </p:cNvPr>
+          <p:cNvSpPr txBox="1">
+            <a:spLocks/>
+          </p:cNvSpPr>
+          <p:nvPr/>
+        </p:nvSpPr>
+        <p:spPr>
+          <a:xfrm>
+            <a:off x="1268386" y="3444359"/>
+            <a:ext cx="6688278" cy="602977"/>
+          </a:xfrm>
+          <a:prstGeom prst="rect">
+            <a:avLst/>
+          </a:prstGeom>
+          <a:noFill/>
+          <a:ln>
+            <a:noFill/>
+          </a:ln>
+        </p:spPr>
+        <p:txBody>
+          <a:bodyPr spcFirstLastPara="1" wrap="square" lIns="91425" tIns="91425" rIns="91425" bIns="91425" anchor="t" anchorCtr="0">
+            <a:noAutofit/>
+          </a:bodyPr>
+          <a:lstStyle>
+            <a:defPPr marR="0" lvl="0" algn="l" rtl="0">
+              <a:lnSpc>
+                <a:spcPct val="100000"/>
+              </a:lnSpc>
+              <a:spcBef>
+                <a:spcPts val="0"/>
+              </a:spcBef>
+              <a:spcAft>
+                <a:spcPts val="0"/>
+              </a:spcAft>
+            </a:defPPr>
+            <a:lvl1pPr marL="457200" marR="0" lvl="0" indent="-317500" algn="l" rtl="0">
+              <a:lnSpc>
+                <a:spcPct val="100000"/>
+              </a:lnSpc>
+              <a:spcBef>
+                <a:spcPts val="0"/>
+              </a:spcBef>
+              <a:spcAft>
+                <a:spcPts val="0"/>
+              </a:spcAft>
+              <a:buClr>
+                <a:schemeClr val="dk1"/>
+              </a:buClr>
+              <a:buSzPts val="1400"/>
+              <a:buFont typeface="Roboto Mono"/>
+              <a:buNone/>
+              <a:defRPr sz="1400" b="0" i="0" u="none" strike="noStrike" cap="none">
+                <a:solidFill>
+                  <a:schemeClr val="dk1"/>
+                </a:solidFill>
+                <a:latin typeface="Roboto Mono"/>
+                <a:ea typeface="Roboto Mono"/>
+                <a:cs typeface="Roboto Mono"/>
+                <a:sym typeface="Roboto Mono"/>
+              </a:defRPr>
+            </a:lvl1pPr>
+            <a:lvl2pPr marL="914400" marR="0" lvl="1" indent="-317500" algn="l" rtl="0">
+              <a:lnSpc>
+                <a:spcPct val="100000"/>
+              </a:lnSpc>
+              <a:spcBef>
+                <a:spcPts val="0"/>
+              </a:spcBef>
+              <a:spcAft>
+                <a:spcPts val="0"/>
+              </a:spcAft>
+              <a:buClr>
+                <a:schemeClr val="dk1"/>
+              </a:buClr>
+              <a:buSzPts val="1400"/>
+              <a:buFont typeface="Roboto Mono"/>
+              <a:buNone/>
+              <a:defRPr sz="1400" b="0" i="0" u="none" strike="noStrike" cap="none">
+                <a:solidFill>
+                  <a:schemeClr val="dk1"/>
+                </a:solidFill>
+                <a:latin typeface="Roboto Mono"/>
+                <a:ea typeface="Roboto Mono"/>
+                <a:cs typeface="Roboto Mono"/>
+                <a:sym typeface="Roboto Mono"/>
+              </a:defRPr>
+            </a:lvl2pPr>
+            <a:lvl3pPr marL="1371600" marR="0" lvl="2" indent="-317500" algn="l" rtl="0">
+              <a:lnSpc>
+                <a:spcPct val="100000"/>
+              </a:lnSpc>
+              <a:spcBef>
+                <a:spcPts val="0"/>
+              </a:spcBef>
+              <a:spcAft>
+                <a:spcPts val="0"/>
+              </a:spcAft>
+              <a:buClr>
+                <a:schemeClr val="dk1"/>
+              </a:buClr>
+              <a:buSzPts val="1400"/>
+              <a:buFont typeface="Roboto Mono"/>
+              <a:buNone/>
+              <a:defRPr sz="1400" b="0" i="0" u="none" strike="noStrike" cap="none">
+                <a:solidFill>
+                  <a:schemeClr val="dk1"/>
+                </a:solidFill>
+                <a:latin typeface="Roboto Mono"/>
+                <a:ea typeface="Roboto Mono"/>
+                <a:cs typeface="Roboto Mono"/>
+                <a:sym typeface="Roboto Mono"/>
+              </a:defRPr>
+            </a:lvl3pPr>
+            <a:lvl4pPr marL="1828800" marR="0" lvl="3" indent="-317500" algn="l" rtl="0">
+              <a:lnSpc>
+                <a:spcPct val="100000"/>
+              </a:lnSpc>
+              <a:spcBef>
+                <a:spcPts val="0"/>
+              </a:spcBef>
+              <a:spcAft>
+                <a:spcPts val="0"/>
+              </a:spcAft>
+              <a:buClr>
+                <a:schemeClr val="dk1"/>
+              </a:buClr>
+              <a:buSzPts val="1400"/>
+              <a:buFont typeface="Roboto Mono"/>
+              <a:buNone/>
+              <a:defRPr sz="1400" b="0" i="0" u="none" strike="noStrike" cap="none">
+                <a:solidFill>
+                  <a:schemeClr val="dk1"/>
+                </a:solidFill>
+                <a:latin typeface="Roboto Mono"/>
+                <a:ea typeface="Roboto Mono"/>
+                <a:cs typeface="Roboto Mono"/>
+                <a:sym typeface="Roboto Mono"/>
+              </a:defRPr>
+            </a:lvl4pPr>
+            <a:lvl5pPr marL="2286000" marR="0" lvl="4" indent="-317500" algn="l" rtl="0">
+              <a:lnSpc>
+                <a:spcPct val="100000"/>
+              </a:lnSpc>
+              <a:spcBef>
+                <a:spcPts val="0"/>
+              </a:spcBef>
+              <a:spcAft>
+                <a:spcPts val="0"/>
+              </a:spcAft>
+              <a:buClr>
+                <a:schemeClr val="dk1"/>
+              </a:buClr>
+              <a:buSzPts val="1400"/>
+              <a:buFont typeface="Roboto Mono"/>
+              <a:buNone/>
+              <a:defRPr sz="1400" b="0" i="0" u="none" strike="noStrike" cap="none">
+                <a:solidFill>
+                  <a:schemeClr val="dk1"/>
+                </a:solidFill>
+                <a:latin typeface="Roboto Mono"/>
+                <a:ea typeface="Roboto Mono"/>
+                <a:cs typeface="Roboto Mono"/>
+                <a:sym typeface="Roboto Mono"/>
+              </a:defRPr>
+            </a:lvl5pPr>
+            <a:lvl6pPr marL="2743200" marR="0" lvl="5" indent="-317500" algn="l" rtl="0">
+              <a:lnSpc>
+                <a:spcPct val="100000"/>
+              </a:lnSpc>
+              <a:spcBef>
+                <a:spcPts val="0"/>
+              </a:spcBef>
+              <a:spcAft>
+                <a:spcPts val="0"/>
+              </a:spcAft>
+              <a:buClr>
+                <a:schemeClr val="dk1"/>
+              </a:buClr>
+              <a:buSzPts val="1400"/>
+              <a:buFont typeface="Roboto Mono"/>
+              <a:buNone/>
+              <a:defRPr sz="1400" b="0" i="0" u="none" strike="noStrike" cap="none">
+                <a:solidFill>
+                  <a:schemeClr val="dk1"/>
+                </a:solidFill>
+                <a:latin typeface="Roboto Mono"/>
+                <a:ea typeface="Roboto Mono"/>
+                <a:cs typeface="Roboto Mono"/>
+                <a:sym typeface="Roboto Mono"/>
+              </a:defRPr>
+            </a:lvl6pPr>
+            <a:lvl7pPr marL="3200400" marR="0" lvl="6" indent="-317500" algn="l" rtl="0">
+              <a:lnSpc>
+                <a:spcPct val="100000"/>
+              </a:lnSpc>
+              <a:spcBef>
+                <a:spcPts val="0"/>
+              </a:spcBef>
+              <a:spcAft>
+                <a:spcPts val="0"/>
+              </a:spcAft>
+              <a:buClr>
+                <a:schemeClr val="dk1"/>
+              </a:buClr>
+              <a:buSzPts val="1400"/>
+              <a:buFont typeface="Roboto Mono"/>
+              <a:buNone/>
+              <a:defRPr sz="1400" b="0" i="0" u="none" strike="noStrike" cap="none">
+                <a:solidFill>
+                  <a:schemeClr val="dk1"/>
+                </a:solidFill>
+                <a:latin typeface="Roboto Mono"/>
+                <a:ea typeface="Roboto Mono"/>
+                <a:cs typeface="Roboto Mono"/>
+                <a:sym typeface="Roboto Mono"/>
+              </a:defRPr>
+            </a:lvl7pPr>
+            <a:lvl8pPr marL="3657600" marR="0" lvl="7" indent="-317500" algn="l" rtl="0">
+              <a:lnSpc>
+                <a:spcPct val="100000"/>
+              </a:lnSpc>
+              <a:spcBef>
+                <a:spcPts val="0"/>
+              </a:spcBef>
+              <a:spcAft>
+                <a:spcPts val="0"/>
+              </a:spcAft>
+              <a:buClr>
+                <a:schemeClr val="dk1"/>
+              </a:buClr>
+              <a:buSzPts val="1400"/>
+              <a:buFont typeface="Roboto Mono"/>
+              <a:buNone/>
+              <a:defRPr sz="1400" b="0" i="0" u="none" strike="noStrike" cap="none">
+                <a:solidFill>
+                  <a:schemeClr val="dk1"/>
+                </a:solidFill>
+                <a:latin typeface="Roboto Mono"/>
+                <a:ea typeface="Roboto Mono"/>
+                <a:cs typeface="Roboto Mono"/>
+                <a:sym typeface="Roboto Mono"/>
+              </a:defRPr>
+            </a:lvl8pPr>
+            <a:lvl9pPr marL="4114800" marR="0" lvl="8" indent="-317500" algn="l" rtl="0">
+              <a:lnSpc>
+                <a:spcPct val="100000"/>
+              </a:lnSpc>
+              <a:spcBef>
+                <a:spcPts val="0"/>
+              </a:spcBef>
+              <a:spcAft>
+                <a:spcPts val="0"/>
+              </a:spcAft>
+              <a:buClr>
+                <a:schemeClr val="dk1"/>
+              </a:buClr>
+              <a:buSzPts val="1400"/>
+              <a:buFont typeface="Roboto Mono"/>
+              <a:buNone/>
+              <a:defRPr sz="1400" b="0" i="0" u="none" strike="noStrike" cap="none">
+                <a:solidFill>
+                  <a:schemeClr val="dk1"/>
+                </a:solidFill>
+                <a:latin typeface="Roboto Mono"/>
+                <a:ea typeface="Roboto Mono"/>
+                <a:cs typeface="Roboto Mono"/>
+                <a:sym typeface="Roboto Mono"/>
+              </a:defRPr>
+            </a:lvl9pPr>
+          </a:lstStyle>
+          <a:p>
+            <a:pPr marL="0" indent="0"/>
+            <a:r>
+              <a:rPr lang="fr-FR" b="1" dirty="0"/>
+              <a:t>Organisation de groupe </a:t>
+            </a:r>
+            <a:r>
+              <a:rPr lang="fr-FR" dirty="0"/>
+              <a:t>: Mettre en place des sprints avec livrables, revues d’intégration régulières et conventions d’interface (nom/largeurs/timing) pour sécuriser la collaboration</a:t>
+            </a:r>
+          </a:p>
+          <a:p>
+            <a:pPr marL="0" indent="0"/>
+            <a:endParaRPr lang="fr-FR" dirty="0"/>
+          </a:p>
+          <a:p>
+            <a:pPr marL="0" indent="0"/>
+            <a:endParaRPr lang="fr-FR" dirty="0"/>
+          </a:p>
+        </p:txBody>
+      </p:sp>
+    </p:spTree>
+    <p:extLst>
+      <p:ext uri="{BB962C8B-B14F-4D97-AF65-F5344CB8AC3E}">
+        <p14:creationId xmlns:p14="http://schemas.microsoft.com/office/powerpoint/2010/main" val="3754973190"/>
+      </p:ext>
+    </p:extLst>
+  </p:cSld>
+  <p:clrMapOvr>
+    <a:masterClrMapping/>
+  </p:clrMapOvr>
+</p:sld>
+</file>
+
+<file path=ppt/slides/slide16.xml><?xml version="1.0" encoding="utf-8"?>
 <p:sld xmlns:a="http://schemas.openxmlformats.org/drawingml/2006/main" xmlns:r="http://schemas.openxmlformats.org/officeDocument/2006/relationships" xmlns:p="http://schemas.openxmlformats.org/presentationml/2006/main">
   <p:cSld>
     <p:spTree>
@@ -15304,7 +17592,7 @@
           <a:p>
             <a:pPr lvl="0"/>
             <a:r>
-              <a:rPr lang="fr-FR" sz="1600" dirty="0" err="1">
+              <a:rPr lang="fr-FR" sz="1600">
                 <a:solidFill>
                   <a:schemeClr val="dk1"/>
                 </a:solidFill>
@@ -15313,7 +17601,7 @@
                 <a:cs typeface="VT323"/>
                 <a:sym typeface="VT323"/>
               </a:rPr>
-              <a:t>Ezdin</a:t>
+              <a:t>Ezedine </a:t>
             </a:r>
             <a:r>
               <a:rPr lang="fr-FR" sz="1600" dirty="0">
@@ -15325,7 +17613,7 @@
                 <a:cs typeface="VT323"/>
                 <a:sym typeface="VT323"/>
               </a:rPr>
-              <a:t> / Samy / Othman / Eliot</a:t>
+              <a:t>/ Samy / Othman / Eliot</a:t>
             </a:r>
           </a:p>
         </p:txBody>
@@ -16889,6 +19177,936 @@
   <p:cSld>
     <p:spTree>
       <p:nvGrpSpPr>
+        <p:cNvPr id="1" name="Shape 186">
+          <a:extLst>
+            <a:ext uri="{FF2B5EF4-FFF2-40B4-BE49-F238E27FC236}">
+              <a16:creationId xmlns:a16="http://schemas.microsoft.com/office/drawing/2014/main" id="{C853D26B-47EC-C10B-1A4F-1BB75CD0F972}"/>
+            </a:ext>
+          </a:extLst>
+        </p:cNvPr>
+        <p:cNvGrpSpPr/>
+        <p:nvPr/>
+      </p:nvGrpSpPr>
+      <p:grpSpPr>
+        <a:xfrm>
+          <a:off x="0" y="0"/>
+          <a:ext cx="0" cy="0"/>
+          <a:chOff x="0" y="0"/>
+          <a:chExt cx="0" cy="0"/>
+        </a:xfrm>
+      </p:grpSpPr>
+      <p:sp>
+        <p:nvSpPr>
+          <p:cNvPr id="187" name="Google Shape;187;p29">
+            <a:extLst>
+              <a:ext uri="{FF2B5EF4-FFF2-40B4-BE49-F238E27FC236}">
+                <a16:creationId xmlns:a16="http://schemas.microsoft.com/office/drawing/2014/main" id="{E337FDBA-9C6D-7BBB-2074-B9EFC392BE10}"/>
+              </a:ext>
+            </a:extLst>
+          </p:cNvPr>
+          <p:cNvSpPr txBox="1">
+            <a:spLocks noGrp="1"/>
+          </p:cNvSpPr>
+          <p:nvPr>
+            <p:ph type="title"/>
+          </p:nvPr>
+        </p:nvSpPr>
+        <p:spPr>
+          <a:xfrm>
+            <a:off x="341850" y="654800"/>
+            <a:ext cx="8460300" cy="602400"/>
+          </a:xfrm>
+          <a:prstGeom prst="rect">
+            <a:avLst/>
+          </a:prstGeom>
+        </p:spPr>
+        <p:txBody>
+          <a:bodyPr spcFirstLastPara="1" wrap="square" lIns="91425" tIns="91425" rIns="91425" bIns="91425" anchor="t" anchorCtr="0">
+            <a:noAutofit/>
+          </a:bodyPr>
+          <a:lstStyle/>
+          <a:p>
+            <a:pPr lvl="0"/>
+            <a:r>
+              <a:rPr lang="fr-FR" dirty="0"/>
+              <a:t>Répartition des tâches</a:t>
+            </a:r>
+            <a:endParaRPr dirty="0"/>
+          </a:p>
+        </p:txBody>
+      </p:sp>
+      <p:sp>
+        <p:nvSpPr>
+          <p:cNvPr id="189" name="Google Shape;189;p29">
+            <a:extLst>
+              <a:ext uri="{FF2B5EF4-FFF2-40B4-BE49-F238E27FC236}">
+                <a16:creationId xmlns:a16="http://schemas.microsoft.com/office/drawing/2014/main" id="{18AB3CFB-4632-20FC-EB5E-BDEE6512423B}"/>
+              </a:ext>
+            </a:extLst>
+          </p:cNvPr>
+          <p:cNvSpPr/>
+          <p:nvPr/>
+        </p:nvSpPr>
+        <p:spPr>
+          <a:xfrm>
+            <a:off x="680984" y="1830088"/>
+            <a:ext cx="1371900" cy="405900"/>
+          </a:xfrm>
+          <a:prstGeom prst="roundRect">
+            <a:avLst>
+              <a:gd name="adj" fmla="val 50000"/>
+            </a:avLst>
+          </a:prstGeom>
+          <a:solidFill>
+            <a:srgbClr val="D9D9D9"/>
+          </a:solidFill>
+          <a:ln>
+            <a:noFill/>
+          </a:ln>
+        </p:spPr>
+        <p:txBody>
+          <a:bodyPr spcFirstLastPara="1" wrap="square" lIns="91425" tIns="91425" rIns="91425" bIns="91425" anchor="ctr" anchorCtr="0">
+            <a:noAutofit/>
+          </a:bodyPr>
+          <a:lstStyle/>
+          <a:p>
+            <a:pPr marL="0" lvl="0" indent="0" algn="ctr" rtl="0">
+              <a:spcBef>
+                <a:spcPts val="0"/>
+              </a:spcBef>
+              <a:spcAft>
+                <a:spcPts val="0"/>
+              </a:spcAft>
+              <a:buNone/>
+            </a:pPr>
+            <a:r>
+              <a:rPr lang="fr-FR" sz="1100" b="1" dirty="0">
+                <a:solidFill>
+                  <a:schemeClr val="hlink"/>
+                </a:solidFill>
+                <a:latin typeface="Inter"/>
+                <a:ea typeface="Inter"/>
+                <a:cs typeface="Inter"/>
+                <a:sym typeface="Inter"/>
+              </a:rPr>
+              <a:t>Othman</a:t>
+            </a:r>
+            <a:endParaRPr sz="1100" b="1" dirty="0">
+              <a:solidFill>
+                <a:srgbClr val="000000"/>
+              </a:solidFill>
+              <a:latin typeface="Inter"/>
+              <a:ea typeface="Inter"/>
+              <a:cs typeface="Inter"/>
+              <a:sym typeface="Inter"/>
+            </a:endParaRPr>
+          </a:p>
+        </p:txBody>
+      </p:sp>
+      <p:sp>
+        <p:nvSpPr>
+          <p:cNvPr id="190" name="Google Shape;190;p29">
+            <a:extLst>
+              <a:ext uri="{FF2B5EF4-FFF2-40B4-BE49-F238E27FC236}">
+                <a16:creationId xmlns:a16="http://schemas.microsoft.com/office/drawing/2014/main" id="{ECEE4551-002D-B9F2-32A2-3D53B12CAD4E}"/>
+              </a:ext>
+            </a:extLst>
+          </p:cNvPr>
+          <p:cNvSpPr txBox="1"/>
+          <p:nvPr/>
+        </p:nvSpPr>
+        <p:spPr>
+          <a:xfrm>
+            <a:off x="341850" y="2367138"/>
+            <a:ext cx="2376752" cy="2111507"/>
+          </a:xfrm>
+          <a:prstGeom prst="rect">
+            <a:avLst/>
+          </a:prstGeom>
+          <a:noFill/>
+          <a:ln>
+            <a:noFill/>
+          </a:ln>
+        </p:spPr>
+        <p:txBody>
+          <a:bodyPr spcFirstLastPara="1" wrap="square" lIns="91425" tIns="91425" rIns="91425" bIns="91425" anchor="t" anchorCtr="0">
+            <a:noAutofit/>
+          </a:bodyPr>
+          <a:lstStyle/>
+          <a:p>
+            <a:pPr marL="171450" lvl="0" indent="-171450" rtl="0">
+              <a:spcBef>
+                <a:spcPts val="0"/>
+              </a:spcBef>
+              <a:spcAft>
+                <a:spcPts val="1600"/>
+              </a:spcAft>
+              <a:buFont typeface="Arial" panose="020B0604020202020204" pitchFamily="34" charset="0"/>
+              <a:buChar char="•"/>
+            </a:pPr>
+            <a:r>
+              <a:rPr lang="en-US" sz="1000" dirty="0">
+                <a:solidFill>
+                  <a:srgbClr val="191919"/>
+                </a:solidFill>
+                <a:latin typeface="Inter"/>
+                <a:ea typeface="Inter"/>
+                <a:cs typeface="Inter"/>
+                <a:sym typeface="Inter"/>
+              </a:rPr>
+              <a:t>ALU</a:t>
+            </a:r>
+          </a:p>
+          <a:p>
+            <a:pPr marL="171450" lvl="0" indent="-171450" rtl="0">
+              <a:spcBef>
+                <a:spcPts val="0"/>
+              </a:spcBef>
+              <a:spcAft>
+                <a:spcPts val="1600"/>
+              </a:spcAft>
+              <a:buFont typeface="Arial" panose="020B0604020202020204" pitchFamily="34" charset="0"/>
+              <a:buChar char="•"/>
+            </a:pPr>
+            <a:r>
+              <a:rPr lang="en-US" sz="1000" dirty="0">
+                <a:solidFill>
+                  <a:srgbClr val="191919"/>
+                </a:solidFill>
+                <a:latin typeface="Inter"/>
+                <a:ea typeface="Inter"/>
+                <a:cs typeface="Inter"/>
+                <a:sym typeface="Inter"/>
+              </a:rPr>
+              <a:t>Shift, add, sub, mov</a:t>
+            </a:r>
+          </a:p>
+          <a:p>
+            <a:pPr marL="171450" lvl="0" indent="-171450" rtl="0">
+              <a:spcBef>
+                <a:spcPts val="0"/>
+              </a:spcBef>
+              <a:spcAft>
+                <a:spcPts val="1600"/>
+              </a:spcAft>
+              <a:buFont typeface="Arial" panose="020B0604020202020204" pitchFamily="34" charset="0"/>
+              <a:buChar char="•"/>
+            </a:pPr>
+            <a:r>
+              <a:rPr lang="en-US" sz="1000" dirty="0">
+                <a:solidFill>
+                  <a:srgbClr val="191919"/>
+                </a:solidFill>
+                <a:latin typeface="Inter"/>
+                <a:ea typeface="Inter"/>
+                <a:cs typeface="Inter"/>
+                <a:sym typeface="Inter"/>
+              </a:rPr>
+              <a:t>Conditional</a:t>
+            </a:r>
+          </a:p>
+          <a:p>
+            <a:pPr marL="171450" lvl="0" indent="-171450" rtl="0">
+              <a:spcBef>
+                <a:spcPts val="0"/>
+              </a:spcBef>
+              <a:spcAft>
+                <a:spcPts val="1600"/>
+              </a:spcAft>
+              <a:buFont typeface="Arial" panose="020B0604020202020204" pitchFamily="34" charset="0"/>
+              <a:buChar char="•"/>
+            </a:pPr>
+            <a:endParaRPr lang="en-US" sz="1000" dirty="0">
+              <a:solidFill>
+                <a:srgbClr val="191919"/>
+              </a:solidFill>
+              <a:latin typeface="Inter"/>
+              <a:ea typeface="Inter"/>
+              <a:cs typeface="Inter"/>
+              <a:sym typeface="Inter"/>
+            </a:endParaRPr>
+          </a:p>
+        </p:txBody>
+      </p:sp>
+      <p:sp>
+        <p:nvSpPr>
+          <p:cNvPr id="191" name="Google Shape;191;p29">
+            <a:extLst>
+              <a:ext uri="{FF2B5EF4-FFF2-40B4-BE49-F238E27FC236}">
+                <a16:creationId xmlns:a16="http://schemas.microsoft.com/office/drawing/2014/main" id="{2FF1F0DC-3B3E-2430-CEA9-CF6843786174}"/>
+              </a:ext>
+            </a:extLst>
+          </p:cNvPr>
+          <p:cNvSpPr/>
+          <p:nvPr/>
+        </p:nvSpPr>
+        <p:spPr>
+          <a:xfrm>
+            <a:off x="0" y="4801425"/>
+            <a:ext cx="9144000" cy="342000"/>
+          </a:xfrm>
+          <a:prstGeom prst="rect">
+            <a:avLst/>
+          </a:prstGeom>
+          <a:solidFill>
+            <a:srgbClr val="D9D9D9"/>
+          </a:solidFill>
+          <a:ln>
+            <a:noFill/>
+          </a:ln>
+        </p:spPr>
+        <p:txBody>
+          <a:bodyPr spcFirstLastPara="1" wrap="square" lIns="91425" tIns="91425" rIns="91425" bIns="91425" anchor="ctr" anchorCtr="0">
+            <a:noAutofit/>
+          </a:bodyPr>
+          <a:lstStyle/>
+          <a:p>
+            <a:pPr marL="0" lvl="0" indent="0" algn="ctr" rtl="0">
+              <a:spcBef>
+                <a:spcPts val="0"/>
+              </a:spcBef>
+              <a:spcAft>
+                <a:spcPts val="0"/>
+              </a:spcAft>
+              <a:buNone/>
+            </a:pPr>
+            <a:endParaRPr>
+              <a:latin typeface="Hanken Grotesk"/>
+              <a:ea typeface="Hanken Grotesk"/>
+              <a:cs typeface="Hanken Grotesk"/>
+              <a:sym typeface="Hanken Grotesk"/>
+            </a:endParaRPr>
+          </a:p>
+        </p:txBody>
+      </p:sp>
+      <p:pic>
+        <p:nvPicPr>
+          <p:cNvPr id="192" name="Google Shape;192;p29">
+            <a:extLst>
+              <a:ext uri="{FF2B5EF4-FFF2-40B4-BE49-F238E27FC236}">
+                <a16:creationId xmlns:a16="http://schemas.microsoft.com/office/drawing/2014/main" id="{359DD5E6-4A5C-6B78-7BDD-D87F15B5B281}"/>
+              </a:ext>
+            </a:extLst>
+          </p:cNvPr>
+          <p:cNvPicPr preferRelativeResize="0"/>
+          <p:nvPr/>
+        </p:nvPicPr>
+        <p:blipFill>
+          <a:blip r:embed="rId3">
+            <a:alphaModFix/>
+          </a:blip>
+          <a:stretch>
+            <a:fillRect/>
+          </a:stretch>
+        </p:blipFill>
+        <p:spPr>
+          <a:xfrm>
+            <a:off x="8106800" y="4906625"/>
+            <a:ext cx="861701" cy="131600"/>
+          </a:xfrm>
+          <a:prstGeom prst="rect">
+            <a:avLst/>
+          </a:prstGeom>
+          <a:noFill/>
+          <a:ln>
+            <a:noFill/>
+          </a:ln>
+        </p:spPr>
+      </p:pic>
+      <p:sp>
+        <p:nvSpPr>
+          <p:cNvPr id="193" name="Google Shape;193;p29">
+            <a:extLst>
+              <a:ext uri="{FF2B5EF4-FFF2-40B4-BE49-F238E27FC236}">
+                <a16:creationId xmlns:a16="http://schemas.microsoft.com/office/drawing/2014/main" id="{0C2DC45E-5F05-0D32-2989-3288636F1FA9}"/>
+              </a:ext>
+            </a:extLst>
+          </p:cNvPr>
+          <p:cNvSpPr/>
+          <p:nvPr/>
+        </p:nvSpPr>
+        <p:spPr>
+          <a:xfrm>
+            <a:off x="2481992" y="1840817"/>
+            <a:ext cx="1704450" cy="405900"/>
+          </a:xfrm>
+          <a:prstGeom prst="roundRect">
+            <a:avLst>
+              <a:gd name="adj" fmla="val 50000"/>
+            </a:avLst>
+          </a:prstGeom>
+          <a:solidFill>
+            <a:srgbClr val="D9D9D9"/>
+          </a:solidFill>
+          <a:ln>
+            <a:noFill/>
+          </a:ln>
+        </p:spPr>
+        <p:txBody>
+          <a:bodyPr spcFirstLastPara="1" wrap="square" lIns="91425" tIns="91425" rIns="91425" bIns="91425" anchor="ctr" anchorCtr="0">
+            <a:noAutofit/>
+          </a:bodyPr>
+          <a:lstStyle/>
+          <a:p>
+            <a:pPr marL="0" lvl="0" indent="0" algn="ctr" rtl="0">
+              <a:spcBef>
+                <a:spcPts val="0"/>
+              </a:spcBef>
+              <a:spcAft>
+                <a:spcPts val="0"/>
+              </a:spcAft>
+              <a:buNone/>
+            </a:pPr>
+            <a:r>
+              <a:rPr lang="fr-FR" sz="1100" b="1" dirty="0">
+                <a:solidFill>
+                  <a:schemeClr val="hlink"/>
+                </a:solidFill>
+                <a:latin typeface="Inter"/>
+                <a:ea typeface="Inter"/>
+                <a:cs typeface="Inter"/>
+                <a:sym typeface="Inter"/>
+              </a:rPr>
+              <a:t>Eliot</a:t>
+            </a:r>
+            <a:endParaRPr sz="1100" b="1" dirty="0">
+              <a:solidFill>
+                <a:srgbClr val="000000"/>
+              </a:solidFill>
+              <a:latin typeface="Inter"/>
+              <a:ea typeface="Inter"/>
+              <a:cs typeface="Inter"/>
+              <a:sym typeface="Inter"/>
+            </a:endParaRPr>
+          </a:p>
+        </p:txBody>
+      </p:sp>
+      <p:sp>
+        <p:nvSpPr>
+          <p:cNvPr id="194" name="Google Shape;194;p29">
+            <a:extLst>
+              <a:ext uri="{FF2B5EF4-FFF2-40B4-BE49-F238E27FC236}">
+                <a16:creationId xmlns:a16="http://schemas.microsoft.com/office/drawing/2014/main" id="{2A7B966A-64A0-78F8-01DE-0D94BC4C925E}"/>
+              </a:ext>
+            </a:extLst>
+          </p:cNvPr>
+          <p:cNvSpPr txBox="1"/>
+          <p:nvPr/>
+        </p:nvSpPr>
+        <p:spPr>
+          <a:xfrm>
+            <a:off x="2366147" y="2356409"/>
+            <a:ext cx="2810871" cy="2322640"/>
+          </a:xfrm>
+          <a:prstGeom prst="rect">
+            <a:avLst/>
+          </a:prstGeom>
+          <a:noFill/>
+          <a:ln>
+            <a:noFill/>
+          </a:ln>
+        </p:spPr>
+        <p:txBody>
+          <a:bodyPr spcFirstLastPara="1" wrap="square" lIns="91425" tIns="91425" rIns="91425" bIns="91425" anchor="t" anchorCtr="0">
+            <a:noAutofit/>
+          </a:bodyPr>
+          <a:lstStyle/>
+          <a:p>
+            <a:pPr marL="171450" lvl="0" indent="-171450" rtl="0">
+              <a:spcBef>
+                <a:spcPts val="0"/>
+              </a:spcBef>
+              <a:spcAft>
+                <a:spcPts val="1600"/>
+              </a:spcAft>
+              <a:buFont typeface="Arial" panose="020B0604020202020204" pitchFamily="34" charset="0"/>
+              <a:buChar char="•"/>
+            </a:pPr>
+            <a:r>
+              <a:rPr lang="fr-FR" sz="1000" dirty="0">
+                <a:solidFill>
+                  <a:srgbClr val="191919"/>
+                </a:solidFill>
+                <a:latin typeface="Inter"/>
+                <a:ea typeface="Inter"/>
+                <a:cs typeface="Inter"/>
+                <a:sym typeface="Inter"/>
+              </a:rPr>
+              <a:t>Flags APSR</a:t>
+            </a:r>
+          </a:p>
+          <a:p>
+            <a:pPr marL="171450" lvl="0" indent="-171450" rtl="0">
+              <a:spcBef>
+                <a:spcPts val="0"/>
+              </a:spcBef>
+              <a:spcAft>
+                <a:spcPts val="1600"/>
+              </a:spcAft>
+              <a:buFont typeface="Arial" panose="020B0604020202020204" pitchFamily="34" charset="0"/>
+              <a:buChar char="•"/>
+            </a:pPr>
+            <a:r>
+              <a:rPr lang="fr-FR" sz="1000" dirty="0">
+                <a:solidFill>
+                  <a:srgbClr val="191919"/>
+                </a:solidFill>
+                <a:latin typeface="Inter"/>
+                <a:ea typeface="Inter"/>
+                <a:cs typeface="Inter"/>
+                <a:sym typeface="Inter"/>
+              </a:rPr>
+              <a:t>Assembleur</a:t>
+            </a:r>
+            <a:endParaRPr sz="1000" dirty="0">
+              <a:solidFill>
+                <a:srgbClr val="191919"/>
+              </a:solidFill>
+              <a:latin typeface="Inter"/>
+              <a:ea typeface="Inter"/>
+              <a:cs typeface="Inter"/>
+              <a:sym typeface="Inter"/>
+            </a:endParaRPr>
+          </a:p>
+        </p:txBody>
+      </p:sp>
+      <p:sp>
+        <p:nvSpPr>
+          <p:cNvPr id="195" name="Google Shape;195;p29">
+            <a:extLst>
+              <a:ext uri="{FF2B5EF4-FFF2-40B4-BE49-F238E27FC236}">
+                <a16:creationId xmlns:a16="http://schemas.microsoft.com/office/drawing/2014/main" id="{5524801C-A86A-9B06-75F3-EA8E9039B71C}"/>
+              </a:ext>
+            </a:extLst>
+          </p:cNvPr>
+          <p:cNvSpPr/>
+          <p:nvPr/>
+        </p:nvSpPr>
+        <p:spPr>
+          <a:xfrm>
+            <a:off x="4745883" y="1830088"/>
+            <a:ext cx="1704450" cy="405900"/>
+          </a:xfrm>
+          <a:prstGeom prst="roundRect">
+            <a:avLst>
+              <a:gd name="adj" fmla="val 50000"/>
+            </a:avLst>
+          </a:prstGeom>
+          <a:solidFill>
+            <a:srgbClr val="D9D9D9"/>
+          </a:solidFill>
+          <a:ln>
+            <a:noFill/>
+          </a:ln>
+        </p:spPr>
+        <p:txBody>
+          <a:bodyPr spcFirstLastPara="1" wrap="square" lIns="91425" tIns="91425" rIns="91425" bIns="91425" anchor="ctr" anchorCtr="0">
+            <a:noAutofit/>
+          </a:bodyPr>
+          <a:lstStyle/>
+          <a:p>
+            <a:pPr marL="0" lvl="0" indent="0" algn="ctr" rtl="0">
+              <a:spcBef>
+                <a:spcPts val="0"/>
+              </a:spcBef>
+              <a:spcAft>
+                <a:spcPts val="0"/>
+              </a:spcAft>
+              <a:buNone/>
+            </a:pPr>
+            <a:r>
+              <a:rPr lang="fr-FR" sz="1100" b="1" dirty="0">
+                <a:solidFill>
+                  <a:schemeClr val="hlink"/>
+                </a:solidFill>
+                <a:latin typeface="Inter"/>
+                <a:ea typeface="Inter"/>
+                <a:cs typeface="Inter"/>
+                <a:sym typeface="Inter"/>
+              </a:rPr>
+              <a:t>Samy</a:t>
+            </a:r>
+          </a:p>
+        </p:txBody>
+      </p:sp>
+      <p:sp>
+        <p:nvSpPr>
+          <p:cNvPr id="196" name="Google Shape;196;p29">
+            <a:extLst>
+              <a:ext uri="{FF2B5EF4-FFF2-40B4-BE49-F238E27FC236}">
+                <a16:creationId xmlns:a16="http://schemas.microsoft.com/office/drawing/2014/main" id="{87C511E9-BB0B-7719-58F2-77DA42683B10}"/>
+              </a:ext>
+            </a:extLst>
+          </p:cNvPr>
+          <p:cNvSpPr txBox="1"/>
+          <p:nvPr/>
+        </p:nvSpPr>
+        <p:spPr>
+          <a:xfrm>
+            <a:off x="4745883" y="2360839"/>
+            <a:ext cx="1982722" cy="1100895"/>
+          </a:xfrm>
+          <a:prstGeom prst="rect">
+            <a:avLst/>
+          </a:prstGeom>
+          <a:noFill/>
+          <a:ln>
+            <a:noFill/>
+          </a:ln>
+        </p:spPr>
+        <p:txBody>
+          <a:bodyPr spcFirstLastPara="1" wrap="square" lIns="91425" tIns="91425" rIns="91425" bIns="91425" anchor="t" anchorCtr="0">
+            <a:noAutofit/>
+          </a:bodyPr>
+          <a:lstStyle/>
+          <a:p>
+            <a:pPr marL="171450" lvl="0" indent="-171450" rtl="0">
+              <a:lnSpc>
+                <a:spcPct val="115000"/>
+              </a:lnSpc>
+              <a:spcBef>
+                <a:spcPts val="0"/>
+              </a:spcBef>
+              <a:spcAft>
+                <a:spcPts val="1600"/>
+              </a:spcAft>
+              <a:buFont typeface="Arial" panose="020B0604020202020204" pitchFamily="34" charset="0"/>
+              <a:buChar char="•"/>
+            </a:pPr>
+            <a:r>
+              <a:rPr lang="fr-FR" sz="1000" dirty="0">
+                <a:solidFill>
+                  <a:srgbClr val="191919"/>
+                </a:solidFill>
+                <a:latin typeface="Inter"/>
+                <a:ea typeface="Inter"/>
+                <a:cs typeface="Inter"/>
+                <a:sym typeface="Inter"/>
+              </a:rPr>
+              <a:t>Data </a:t>
+            </a:r>
+            <a:r>
+              <a:rPr lang="fr-FR" sz="1000" dirty="0" err="1">
+                <a:solidFill>
+                  <a:srgbClr val="191919"/>
+                </a:solidFill>
+                <a:latin typeface="Inter"/>
+                <a:ea typeface="Inter"/>
+                <a:cs typeface="Inter"/>
+                <a:sym typeface="Inter"/>
+              </a:rPr>
+              <a:t>Processing</a:t>
+            </a:r>
+            <a:endParaRPr lang="fr-FR" sz="1000" dirty="0">
+              <a:solidFill>
+                <a:srgbClr val="191919"/>
+              </a:solidFill>
+              <a:latin typeface="Inter"/>
+              <a:ea typeface="Inter"/>
+              <a:cs typeface="Inter"/>
+              <a:sym typeface="Inter"/>
+            </a:endParaRPr>
+          </a:p>
+          <a:p>
+            <a:pPr marL="171450" lvl="0" indent="-171450" rtl="0">
+              <a:lnSpc>
+                <a:spcPct val="115000"/>
+              </a:lnSpc>
+              <a:spcBef>
+                <a:spcPts val="0"/>
+              </a:spcBef>
+              <a:spcAft>
+                <a:spcPts val="1600"/>
+              </a:spcAft>
+              <a:buFont typeface="Arial" panose="020B0604020202020204" pitchFamily="34" charset="0"/>
+              <a:buChar char="•"/>
+            </a:pPr>
+            <a:r>
+              <a:rPr lang="fr-FR" sz="1000" dirty="0">
+                <a:solidFill>
+                  <a:srgbClr val="191919"/>
+                </a:solidFill>
+                <a:latin typeface="Inter"/>
+                <a:ea typeface="Inter"/>
+                <a:cs typeface="Inter"/>
+                <a:sym typeface="Inter"/>
+              </a:rPr>
+              <a:t>SP </a:t>
+            </a:r>
+            <a:r>
+              <a:rPr lang="fr-FR" sz="1000" dirty="0" err="1">
+                <a:solidFill>
+                  <a:srgbClr val="191919"/>
+                </a:solidFill>
+                <a:latin typeface="Inter"/>
+                <a:ea typeface="Inter"/>
+                <a:cs typeface="Inter"/>
+                <a:sym typeface="Inter"/>
+              </a:rPr>
+              <a:t>Address</a:t>
+            </a:r>
+            <a:endParaRPr lang="fr-FR" sz="1000" dirty="0">
+              <a:solidFill>
+                <a:srgbClr val="191919"/>
+              </a:solidFill>
+              <a:latin typeface="Inter"/>
+              <a:ea typeface="Inter"/>
+              <a:cs typeface="Inter"/>
+              <a:sym typeface="Inter"/>
+            </a:endParaRPr>
+          </a:p>
+          <a:p>
+            <a:pPr marL="171450" lvl="0" indent="-171450" rtl="0">
+              <a:lnSpc>
+                <a:spcPct val="115000"/>
+              </a:lnSpc>
+              <a:spcBef>
+                <a:spcPts val="0"/>
+              </a:spcBef>
+              <a:spcAft>
+                <a:spcPts val="1600"/>
+              </a:spcAft>
+              <a:buFont typeface="Arial" panose="020B0604020202020204" pitchFamily="34" charset="0"/>
+              <a:buChar char="•"/>
+            </a:pPr>
+            <a:endParaRPr sz="1000" dirty="0">
+              <a:solidFill>
+                <a:srgbClr val="191919"/>
+              </a:solidFill>
+              <a:latin typeface="Inter"/>
+              <a:ea typeface="Inter"/>
+              <a:cs typeface="Inter"/>
+              <a:sym typeface="Inter"/>
+            </a:endParaRPr>
+          </a:p>
+        </p:txBody>
+      </p:sp>
+      <p:sp>
+        <p:nvSpPr>
+          <p:cNvPr id="2" name="Google Shape;195;p29">
+            <a:extLst>
+              <a:ext uri="{FF2B5EF4-FFF2-40B4-BE49-F238E27FC236}">
+                <a16:creationId xmlns:a16="http://schemas.microsoft.com/office/drawing/2014/main" id="{79864CF6-27DD-AD1E-FFAA-669FD0BB8B3C}"/>
+              </a:ext>
+            </a:extLst>
+          </p:cNvPr>
+          <p:cNvSpPr/>
+          <p:nvPr/>
+        </p:nvSpPr>
+        <p:spPr>
+          <a:xfrm>
+            <a:off x="6988196" y="1840817"/>
+            <a:ext cx="1704450" cy="405900"/>
+          </a:xfrm>
+          <a:prstGeom prst="roundRect">
+            <a:avLst>
+              <a:gd name="adj" fmla="val 50000"/>
+            </a:avLst>
+          </a:prstGeom>
+          <a:solidFill>
+            <a:srgbClr val="D9D9D9"/>
+          </a:solidFill>
+          <a:ln>
+            <a:noFill/>
+          </a:ln>
+        </p:spPr>
+        <p:txBody>
+          <a:bodyPr spcFirstLastPara="1" wrap="square" lIns="91425" tIns="91425" rIns="91425" bIns="91425" anchor="ctr" anchorCtr="0">
+            <a:noAutofit/>
+          </a:bodyPr>
+          <a:lstStyle/>
+          <a:p>
+            <a:pPr marL="0" lvl="0" indent="0" algn="ctr" rtl="0">
+              <a:spcBef>
+                <a:spcPts val="0"/>
+              </a:spcBef>
+              <a:spcAft>
+                <a:spcPts val="0"/>
+              </a:spcAft>
+              <a:buNone/>
+            </a:pPr>
+            <a:r>
+              <a:rPr lang="fr-FR" sz="1100" b="1" dirty="0">
+                <a:solidFill>
+                  <a:schemeClr val="hlink"/>
+                </a:solidFill>
+                <a:latin typeface="Inter"/>
+                <a:ea typeface="Inter"/>
+                <a:cs typeface="Inter"/>
+                <a:sym typeface="Inter"/>
+              </a:rPr>
+              <a:t>Ezedine</a:t>
+            </a:r>
+          </a:p>
+        </p:txBody>
+      </p:sp>
+      <p:sp>
+        <p:nvSpPr>
+          <p:cNvPr id="3" name="Google Shape;196;p29">
+            <a:extLst>
+              <a:ext uri="{FF2B5EF4-FFF2-40B4-BE49-F238E27FC236}">
+                <a16:creationId xmlns:a16="http://schemas.microsoft.com/office/drawing/2014/main" id="{F715E374-0A3A-C804-2F00-1A90088ED24F}"/>
+              </a:ext>
+            </a:extLst>
+          </p:cNvPr>
+          <p:cNvSpPr txBox="1"/>
+          <p:nvPr/>
+        </p:nvSpPr>
+        <p:spPr>
+          <a:xfrm>
+            <a:off x="6988196" y="2360838"/>
+            <a:ext cx="1982722" cy="1100895"/>
+          </a:xfrm>
+          <a:prstGeom prst="rect">
+            <a:avLst/>
+          </a:prstGeom>
+          <a:noFill/>
+          <a:ln>
+            <a:noFill/>
+          </a:ln>
+        </p:spPr>
+        <p:txBody>
+          <a:bodyPr spcFirstLastPara="1" wrap="square" lIns="91425" tIns="91425" rIns="91425" bIns="91425" anchor="t" anchorCtr="0">
+            <a:noAutofit/>
+          </a:bodyPr>
+          <a:lstStyle/>
+          <a:p>
+            <a:pPr marL="171450" lvl="0" indent="-171450" rtl="0">
+              <a:lnSpc>
+                <a:spcPct val="115000"/>
+              </a:lnSpc>
+              <a:spcBef>
+                <a:spcPts val="0"/>
+              </a:spcBef>
+              <a:spcAft>
+                <a:spcPts val="1600"/>
+              </a:spcAft>
+              <a:buFont typeface="Arial" panose="020B0604020202020204" pitchFamily="34" charset="0"/>
+              <a:buChar char="•"/>
+            </a:pPr>
+            <a:r>
+              <a:rPr lang="fr-FR" sz="1000" dirty="0">
+                <a:solidFill>
+                  <a:srgbClr val="191919"/>
+                </a:solidFill>
+                <a:latin typeface="Inter"/>
+                <a:ea typeface="Inter"/>
+                <a:cs typeface="Inter"/>
+                <a:sym typeface="Inter"/>
+              </a:rPr>
+              <a:t>Banc de Registres</a:t>
+            </a:r>
+          </a:p>
+          <a:p>
+            <a:pPr marL="171450" lvl="0" indent="-171450" rtl="0">
+              <a:lnSpc>
+                <a:spcPct val="115000"/>
+              </a:lnSpc>
+              <a:spcBef>
+                <a:spcPts val="0"/>
+              </a:spcBef>
+              <a:spcAft>
+                <a:spcPts val="1600"/>
+              </a:spcAft>
+              <a:buFont typeface="Arial" panose="020B0604020202020204" pitchFamily="34" charset="0"/>
+              <a:buChar char="•"/>
+            </a:pPr>
+            <a:r>
+              <a:rPr lang="fr-FR" sz="1000" dirty="0" err="1">
+                <a:solidFill>
+                  <a:srgbClr val="191919"/>
+                </a:solidFill>
+                <a:latin typeface="Inter"/>
+                <a:ea typeface="Inter"/>
+                <a:cs typeface="Inter"/>
+                <a:sym typeface="Inter"/>
+              </a:rPr>
+              <a:t>Load</a:t>
+            </a:r>
+            <a:r>
+              <a:rPr lang="fr-FR" sz="1000" dirty="0">
+                <a:solidFill>
+                  <a:srgbClr val="191919"/>
+                </a:solidFill>
+                <a:latin typeface="Inter"/>
+                <a:ea typeface="Inter"/>
+                <a:cs typeface="Inter"/>
+                <a:sym typeface="Inter"/>
+              </a:rPr>
+              <a:t> Store</a:t>
+            </a:r>
+          </a:p>
+          <a:p>
+            <a:pPr marL="171450" lvl="0" indent="-171450" rtl="0">
+              <a:lnSpc>
+                <a:spcPct val="115000"/>
+              </a:lnSpc>
+              <a:spcBef>
+                <a:spcPts val="0"/>
+              </a:spcBef>
+              <a:spcAft>
+                <a:spcPts val="1600"/>
+              </a:spcAft>
+              <a:buFont typeface="Arial" panose="020B0604020202020204" pitchFamily="34" charset="0"/>
+              <a:buChar char="•"/>
+            </a:pPr>
+            <a:r>
+              <a:rPr lang="fr-FR" sz="1000" dirty="0">
+                <a:solidFill>
+                  <a:srgbClr val="191919"/>
+                </a:solidFill>
+                <a:latin typeface="Inter"/>
+                <a:ea typeface="Inter"/>
+                <a:cs typeface="Inter"/>
+                <a:sym typeface="Inter"/>
+              </a:rPr>
+              <a:t>Décodeur</a:t>
+            </a:r>
+          </a:p>
+          <a:p>
+            <a:pPr marL="171450" lvl="0" indent="-171450" rtl="0">
+              <a:lnSpc>
+                <a:spcPct val="115000"/>
+              </a:lnSpc>
+              <a:spcBef>
+                <a:spcPts val="0"/>
+              </a:spcBef>
+              <a:spcAft>
+                <a:spcPts val="1600"/>
+              </a:spcAft>
+              <a:buFont typeface="Arial" panose="020B0604020202020204" pitchFamily="34" charset="0"/>
+              <a:buChar char="•"/>
+            </a:pPr>
+            <a:endParaRPr sz="1000" dirty="0">
+              <a:solidFill>
+                <a:srgbClr val="191919"/>
+              </a:solidFill>
+              <a:latin typeface="Inter"/>
+              <a:ea typeface="Inter"/>
+              <a:cs typeface="Inter"/>
+              <a:sym typeface="Inter"/>
+            </a:endParaRPr>
+          </a:p>
+        </p:txBody>
+      </p:sp>
+    </p:spTree>
+    <p:extLst>
+      <p:ext uri="{BB962C8B-B14F-4D97-AF65-F5344CB8AC3E}">
+        <p14:creationId xmlns:p14="http://schemas.microsoft.com/office/powerpoint/2010/main" val="1640866315"/>
+      </p:ext>
+    </p:extLst>
+  </p:cSld>
+  <p:clrMapOvr>
+    <a:masterClrMapping/>
+  </p:clrMapOvr>
+</p:sld>
+</file>
+
+<file path=ppt/slides/slide4.xml><?xml version="1.0" encoding="utf-8"?>
+<p:sld xmlns:a="http://schemas.openxmlformats.org/drawingml/2006/main" xmlns:r="http://schemas.openxmlformats.org/officeDocument/2006/relationships" xmlns:p="http://schemas.openxmlformats.org/presentationml/2006/main">
+  <p:cSld>
+    <p:spTree>
+      <p:nvGrpSpPr>
         <p:cNvPr id="1" name="Shape 284"/>
         <p:cNvGrpSpPr/>
         <p:nvPr/>
@@ -17193,7 +20411,7 @@
 </p:sld>
 </file>
 
-<file path=ppt/slides/slide4.xml><?xml version="1.0" encoding="utf-8"?>
+<file path=ppt/slides/slide5.xml><?xml version="1.0" encoding="utf-8"?>
 <p:sld xmlns:a="http://schemas.openxmlformats.org/drawingml/2006/main" xmlns:r="http://schemas.openxmlformats.org/officeDocument/2006/relationships" xmlns:p="http://schemas.openxmlformats.org/presentationml/2006/main">
   <p:cSld>
     <p:spTree>
@@ -17509,7 +20727,7 @@
 </p:sld>
 </file>
 
-<file path=ppt/slides/slide5.xml><?xml version="1.0" encoding="utf-8"?>
+<file path=ppt/slides/slide6.xml><?xml version="1.0" encoding="utf-8"?>
 <p:sld xmlns:a="http://schemas.openxmlformats.org/drawingml/2006/main" xmlns:r="http://schemas.openxmlformats.org/officeDocument/2006/relationships" xmlns:p="http://schemas.openxmlformats.org/presentationml/2006/main">
   <p:cSld>
     <p:spTree>
@@ -19020,7 +22238,138 @@
 </p:sld>
 </file>
 
-<file path=ppt/slides/slide6.xml><?xml version="1.0" encoding="utf-8"?>
+<file path=ppt/slides/slide7.xml><?xml version="1.0" encoding="utf-8"?>
+<p:sld xmlns:a="http://schemas.openxmlformats.org/drawingml/2006/main" xmlns:r="http://schemas.openxmlformats.org/officeDocument/2006/relationships" xmlns:p="http://schemas.openxmlformats.org/presentationml/2006/main">
+  <p:cSld>
+    <p:spTree>
+      <p:nvGrpSpPr>
+        <p:cNvPr id="1" name="Shape 284">
+          <a:extLst>
+            <a:ext uri="{FF2B5EF4-FFF2-40B4-BE49-F238E27FC236}">
+              <a16:creationId xmlns:a16="http://schemas.microsoft.com/office/drawing/2014/main" id="{EF0C759D-D405-5DB0-1B23-4E19D11D4A65}"/>
+            </a:ext>
+          </a:extLst>
+        </p:cNvPr>
+        <p:cNvGrpSpPr/>
+        <p:nvPr/>
+      </p:nvGrpSpPr>
+      <p:grpSpPr>
+        <a:xfrm>
+          <a:off x="0" y="0"/>
+          <a:ext cx="0" cy="0"/>
+          <a:chOff x="0" y="0"/>
+          <a:chExt cx="0" cy="0"/>
+        </a:xfrm>
+      </p:grpSpPr>
+      <p:sp>
+        <p:nvSpPr>
+          <p:cNvPr id="285" name="Google Shape;285;p35">
+            <a:extLst>
+              <a:ext uri="{FF2B5EF4-FFF2-40B4-BE49-F238E27FC236}">
+                <a16:creationId xmlns:a16="http://schemas.microsoft.com/office/drawing/2014/main" id="{170E08E6-33DF-1372-6701-E5C0ACD72A26}"/>
+              </a:ext>
+            </a:extLst>
+          </p:cNvPr>
+          <p:cNvSpPr txBox="1">
+            <a:spLocks noGrp="1"/>
+          </p:cNvSpPr>
+          <p:nvPr>
+            <p:ph type="title" idx="6"/>
+          </p:nvPr>
+        </p:nvSpPr>
+        <p:spPr>
+          <a:xfrm>
+            <a:off x="341850" y="654800"/>
+            <a:ext cx="8249700" cy="602700"/>
+          </a:xfrm>
+          <a:prstGeom prst="rect">
+            <a:avLst/>
+          </a:prstGeom>
+        </p:spPr>
+        <p:txBody>
+          <a:bodyPr spcFirstLastPara="1" wrap="square" lIns="91425" tIns="91425" rIns="91425" bIns="91425" anchor="t" anchorCtr="0">
+            <a:noAutofit/>
+          </a:bodyPr>
+          <a:lstStyle/>
+          <a:p>
+            <a:r>
+              <a:rPr lang="fr-FR" b="1" dirty="0"/>
+              <a:t>Tableau jeu d’instructions</a:t>
+            </a:r>
+            <a:endParaRPr lang="fr-FR" dirty="0"/>
+          </a:p>
+        </p:txBody>
+      </p:sp>
+      <p:sp>
+        <p:nvSpPr>
+          <p:cNvPr id="6" name="Titre 5">
+            <a:extLst>
+              <a:ext uri="{FF2B5EF4-FFF2-40B4-BE49-F238E27FC236}">
+                <a16:creationId xmlns:a16="http://schemas.microsoft.com/office/drawing/2014/main" id="{0DD89F3E-0DEB-8B58-E35D-0597186C4C49}"/>
+              </a:ext>
+            </a:extLst>
+          </p:cNvPr>
+          <p:cNvSpPr>
+            <a:spLocks noGrp="1"/>
+          </p:cNvSpPr>
+          <p:nvPr>
+            <p:ph type="title"/>
+          </p:nvPr>
+        </p:nvSpPr>
+        <p:spPr/>
+        <p:txBody>
+          <a:bodyPr/>
+          <a:lstStyle/>
+          <a:p>
+            <a:endParaRPr lang="fr-FR"/>
+          </a:p>
+        </p:txBody>
+      </p:sp>
+      <p:pic>
+        <p:nvPicPr>
+          <p:cNvPr id="7" name="Image 6">
+            <a:extLst>
+              <a:ext uri="{FF2B5EF4-FFF2-40B4-BE49-F238E27FC236}">
+                <a16:creationId xmlns:a16="http://schemas.microsoft.com/office/drawing/2014/main" id="{772C78F2-D108-75B5-8D62-643A891F1446}"/>
+              </a:ext>
+            </a:extLst>
+          </p:cNvPr>
+          <p:cNvPicPr>
+            <a:picLocks noChangeAspect="1"/>
+          </p:cNvPicPr>
+          <p:nvPr/>
+        </p:nvPicPr>
+        <p:blipFill>
+          <a:blip r:embed="rId3"/>
+          <a:srcRect l="11527" t="8670" r="11349" b="9052"/>
+          <a:stretch>
+            <a:fillRect/>
+          </a:stretch>
+        </p:blipFill>
+        <p:spPr>
+          <a:xfrm>
+            <a:off x="2521069" y="1257500"/>
+            <a:ext cx="4101861" cy="3382113"/>
+          </a:xfrm>
+          <a:prstGeom prst="rect">
+            <a:avLst/>
+          </a:prstGeom>
+        </p:spPr>
+      </p:pic>
+    </p:spTree>
+    <p:extLst>
+      <p:ext uri="{BB962C8B-B14F-4D97-AF65-F5344CB8AC3E}">
+        <p14:creationId xmlns:p14="http://schemas.microsoft.com/office/powerpoint/2010/main" val="1463930151"/>
+      </p:ext>
+    </p:extLst>
+  </p:cSld>
+  <p:clrMapOvr>
+    <a:masterClrMapping/>
+  </p:clrMapOvr>
+</p:sld>
+</file>
+
+<file path=ppt/slides/slide8.xml><?xml version="1.0" encoding="utf-8"?>
 <p:sld xmlns:a="http://schemas.openxmlformats.org/drawingml/2006/main" xmlns:r="http://schemas.openxmlformats.org/officeDocument/2006/relationships" xmlns:p="http://schemas.openxmlformats.org/presentationml/2006/main">
   <p:cSld>
     <p:spTree>
@@ -20062,7 +23411,7 @@
 </p:sld>
 </file>
 
-<file path=ppt/slides/slide7.xml><?xml version="1.0" encoding="utf-8"?>
+<file path=ppt/slides/slide9.xml><?xml version="1.0" encoding="utf-8"?>
 <p:sld xmlns:a="http://schemas.openxmlformats.org/drawingml/2006/main" xmlns:r="http://schemas.openxmlformats.org/officeDocument/2006/relationships" xmlns:p="http://schemas.openxmlformats.org/presentationml/2006/main">
   <p:cSld>
     <p:spTree>
@@ -20838,1061 +24187,6 @@
                 <a:ea typeface="Roboto Mono" panose="00000009000000000000" pitchFamily="49" charset="0"/>
               </a:rPr>
               <a:t>.)</a:t>
-            </a:r>
-          </a:p>
-        </p:txBody>
-      </p:sp>
-    </p:spTree>
-  </p:cSld>
-  <p:clrMapOvr>
-    <a:masterClrMapping/>
-  </p:clrMapOvr>
-</p:sld>
-</file>
-
-<file path=ppt/slides/slide8.xml><?xml version="1.0" encoding="utf-8"?>
-<p:sld xmlns:a="http://schemas.openxmlformats.org/drawingml/2006/main" xmlns:r="http://schemas.openxmlformats.org/officeDocument/2006/relationships" xmlns:p="http://schemas.openxmlformats.org/presentationml/2006/main">
-  <p:cSld>
-    <p:spTree>
-      <p:nvGrpSpPr>
-        <p:cNvPr id="1" name="Shape 248"/>
-        <p:cNvGrpSpPr/>
-        <p:nvPr/>
-      </p:nvGrpSpPr>
-      <p:grpSpPr>
-        <a:xfrm>
-          <a:off x="0" y="0"/>
-          <a:ext cx="0" cy="0"/>
-          <a:chOff x="0" y="0"/>
-          <a:chExt cx="0" cy="0"/>
-        </a:xfrm>
-      </p:grpSpPr>
-      <p:sp>
-        <p:nvSpPr>
-          <p:cNvPr id="250" name="Google Shape;250;p31"/>
-          <p:cNvSpPr txBox="1">
-            <a:spLocks noGrp="1"/>
-          </p:cNvSpPr>
-          <p:nvPr>
-            <p:ph type="title"/>
-          </p:nvPr>
-        </p:nvSpPr>
-        <p:spPr>
-          <a:xfrm>
-            <a:off x="3789425" y="795800"/>
-            <a:ext cx="4547700" cy="1255500"/>
-          </a:xfrm>
-          <a:prstGeom prst="rect">
-            <a:avLst/>
-          </a:prstGeom>
-        </p:spPr>
-        <p:txBody>
-          <a:bodyPr spcFirstLastPara="1" wrap="square" lIns="91425" tIns="91425" rIns="91425" bIns="91425" anchor="t" anchorCtr="0">
-            <a:noAutofit/>
-          </a:bodyPr>
-          <a:lstStyle/>
-          <a:p>
-            <a:pPr lvl="0"/>
-            <a:r>
-              <a:rPr lang="fr-FR" dirty="0">
-                <a:hlinkClick r:id="rId3" action="ppaction://hlinkfile"/>
-              </a:rPr>
-              <a:t>Assembleur / Parseur</a:t>
-            </a:r>
-            <a:endParaRPr dirty="0"/>
-          </a:p>
-        </p:txBody>
-      </p:sp>
-      <p:sp>
-        <p:nvSpPr>
-          <p:cNvPr id="251" name="Google Shape;251;p31"/>
-          <p:cNvSpPr txBox="1">
-            <a:spLocks noGrp="1"/>
-          </p:cNvSpPr>
-          <p:nvPr>
-            <p:ph type="body" idx="1"/>
-          </p:nvPr>
-        </p:nvSpPr>
-        <p:spPr>
-          <a:xfrm>
-            <a:off x="3681375" y="1423550"/>
-            <a:ext cx="4940100" cy="2532600"/>
-          </a:xfrm>
-          <a:prstGeom prst="rect">
-            <a:avLst/>
-          </a:prstGeom>
-        </p:spPr>
-        <p:txBody>
-          <a:bodyPr spcFirstLastPara="1" wrap="square" lIns="91425" tIns="91425" rIns="91425" bIns="91425" anchor="t" anchorCtr="0">
-            <a:noAutofit/>
-          </a:bodyPr>
-          <a:lstStyle/>
-          <a:p>
-            <a:pPr marL="0" lvl="0" indent="0">
-              <a:buClr>
-                <a:srgbClr val="273D40"/>
-              </a:buClr>
-              <a:buSzPts val="600"/>
-              <a:buNone/>
-            </a:pPr>
-            <a:r>
-              <a:rPr lang="fr-FR" dirty="0"/>
-              <a:t>Transformer un programme assembleur en fichier ROM compatible </a:t>
-            </a:r>
-            <a:r>
-              <a:rPr lang="fr-FR" dirty="0" err="1"/>
-              <a:t>Logisim</a:t>
-            </a:r>
-            <a:r>
-              <a:rPr lang="fr-FR" dirty="0"/>
-              <a:t> pour exécuter sur notre CPU.</a:t>
-            </a:r>
-          </a:p>
-          <a:p>
-            <a:pPr marL="0" lvl="0" indent="0">
-              <a:buClr>
-                <a:srgbClr val="273D40"/>
-              </a:buClr>
-              <a:buSzPts val="600"/>
-              <a:buNone/>
-            </a:pPr>
-            <a:endParaRPr lang="fr-FR" dirty="0"/>
-          </a:p>
-          <a:p>
-            <a:r>
-              <a:rPr lang="fr-FR" dirty="0"/>
-              <a:t>Entrée : fichier .s (code assembleur)</a:t>
-            </a:r>
-          </a:p>
-          <a:p>
-            <a:r>
-              <a:rPr lang="fr-FR" dirty="0"/>
-              <a:t>Analyse : lecture ligne par ligne, découpage en </a:t>
-            </a:r>
-            <a:r>
-              <a:rPr lang="fr-FR" dirty="0" err="1"/>
-              <a:t>tokens</a:t>
-            </a:r>
-            <a:r>
-              <a:rPr lang="fr-FR" dirty="0"/>
-              <a:t>, gestion labels</a:t>
-            </a:r>
-          </a:p>
-          <a:p>
-            <a:r>
-              <a:rPr lang="fr-FR" dirty="0"/>
-              <a:t>Encodage : conversion en instructions 16 bits (et gestion des erreurs)</a:t>
-            </a:r>
-          </a:p>
-          <a:p>
-            <a:r>
-              <a:rPr lang="fr-FR" dirty="0"/>
-              <a:t>Sortie : fichier .</a:t>
-            </a:r>
-            <a:r>
-              <a:rPr lang="fr-FR" dirty="0" err="1"/>
-              <a:t>hex</a:t>
-            </a:r>
-            <a:r>
-              <a:rPr lang="fr-FR" dirty="0"/>
-              <a:t> </a:t>
-            </a:r>
-            <a:r>
-              <a:rPr lang="fr-FR" dirty="0" err="1"/>
-              <a:t>Logisim</a:t>
-            </a:r>
-            <a:endParaRPr lang="fr-FR" dirty="0"/>
-          </a:p>
-          <a:p>
-            <a:pPr marL="0" lvl="0" indent="0">
-              <a:buClr>
-                <a:srgbClr val="273D40"/>
-              </a:buClr>
-              <a:buSzPts val="600"/>
-              <a:buNone/>
-            </a:pPr>
-            <a:endParaRPr dirty="0"/>
-          </a:p>
-        </p:txBody>
-      </p:sp>
-      <p:grpSp>
-        <p:nvGrpSpPr>
-          <p:cNvPr id="252" name="Google Shape;252;p31"/>
-          <p:cNvGrpSpPr/>
-          <p:nvPr/>
-        </p:nvGrpSpPr>
-        <p:grpSpPr>
-          <a:xfrm>
-            <a:off x="511225" y="947025"/>
-            <a:ext cx="2971350" cy="265500"/>
-            <a:chOff x="511225" y="947025"/>
-            <a:chExt cx="2971350" cy="265500"/>
-          </a:xfrm>
-        </p:grpSpPr>
-        <p:pic>
-          <p:nvPicPr>
-            <p:cNvPr id="253" name="Google Shape;253;p31" title="Sin título-2.png"/>
-            <p:cNvPicPr preferRelativeResize="0"/>
-            <p:nvPr/>
-          </p:nvPicPr>
-          <p:blipFill rotWithShape="1">
-            <a:blip r:embed="rId4">
-              <a:alphaModFix/>
-            </a:blip>
-            <a:srcRect l="60127"/>
-            <a:stretch/>
-          </p:blipFill>
-          <p:spPr>
-            <a:xfrm>
-              <a:off x="512775" y="947025"/>
-              <a:ext cx="2969800" cy="265500"/>
-            </a:xfrm>
-            <a:prstGeom prst="rect">
-              <a:avLst/>
-            </a:prstGeom>
-            <a:noFill/>
-            <a:ln>
-              <a:noFill/>
-            </a:ln>
-          </p:spPr>
-        </p:pic>
-        <p:pic>
-          <p:nvPicPr>
-            <p:cNvPr id="254" name="Google Shape;254;p31" title="Sin título-2.png"/>
-            <p:cNvPicPr preferRelativeResize="0"/>
-            <p:nvPr/>
-          </p:nvPicPr>
-          <p:blipFill rotWithShape="1">
-            <a:blip r:embed="rId4">
-              <a:alphaModFix/>
-            </a:blip>
-            <a:srcRect l="60127"/>
-            <a:stretch/>
-          </p:blipFill>
-          <p:spPr>
-            <a:xfrm>
-              <a:off x="511225" y="947025"/>
-              <a:ext cx="2969800" cy="265500"/>
-            </a:xfrm>
-            <a:prstGeom prst="rect">
-              <a:avLst/>
-            </a:prstGeom>
-            <a:noFill/>
-            <a:ln>
-              <a:noFill/>
-            </a:ln>
-          </p:spPr>
-        </p:pic>
-      </p:grpSp>
-      <p:pic>
-        <p:nvPicPr>
-          <p:cNvPr id="7" name="Picture Placeholder 6">
-            <a:extLst>
-              <a:ext uri="{FF2B5EF4-FFF2-40B4-BE49-F238E27FC236}">
-                <a16:creationId xmlns:a16="http://schemas.microsoft.com/office/drawing/2014/main" id="{6B570875-A4C8-1D88-0204-82A4C3AC787D}"/>
-              </a:ext>
-            </a:extLst>
-          </p:cNvPr>
-          <p:cNvPicPr>
-            <a:picLocks noGrp="1" noChangeAspect="1"/>
-          </p:cNvPicPr>
-          <p:nvPr>
-            <p:ph type="pic" idx="2"/>
-          </p:nvPr>
-        </p:nvPicPr>
-        <p:blipFill>
-          <a:blip r:embed="rId5"/>
-          <a:srcRect l="187" r="187"/>
-          <a:stretch/>
-        </p:blipFill>
-        <p:spPr>
-          <a:prstGeom prst="rect">
-            <a:avLst/>
-          </a:prstGeom>
-          <a:noFill/>
-          <a:ln w="9525" cap="flat" cmpd="sng">
-            <a:solidFill>
-              <a:srgbClr val="707070"/>
-            </a:solidFill>
-            <a:prstDash val="solid"/>
-            <a:round/>
-            <a:headEnd type="none" w="sm" len="sm"/>
-            <a:tailEnd type="none" w="sm" len="sm"/>
-          </a:ln>
-        </p:spPr>
-      </p:pic>
-    </p:spTree>
-  </p:cSld>
-  <p:clrMapOvr>
-    <a:masterClrMapping/>
-  </p:clrMapOvr>
-</p:sld>
-</file>
-
-<file path=ppt/slides/slide9.xml><?xml version="1.0" encoding="utf-8"?>
-<p:sld xmlns:a="http://schemas.openxmlformats.org/drawingml/2006/main" xmlns:r="http://schemas.openxmlformats.org/officeDocument/2006/relationships" xmlns:p="http://schemas.openxmlformats.org/presentationml/2006/main">
-  <p:cSld>
-    <p:spTree>
-      <p:nvGrpSpPr>
-        <p:cNvPr id="1" name="Shape 269"/>
-        <p:cNvGrpSpPr/>
-        <p:nvPr/>
-      </p:nvGrpSpPr>
-      <p:grpSpPr>
-        <a:xfrm>
-          <a:off x="0" y="0"/>
-          <a:ext cx="0" cy="0"/>
-          <a:chOff x="0" y="0"/>
-          <a:chExt cx="0" cy="0"/>
-        </a:xfrm>
-      </p:grpSpPr>
-      <p:sp>
-        <p:nvSpPr>
-          <p:cNvPr id="270" name="Google Shape;270;p33"/>
-          <p:cNvSpPr txBox="1">
-            <a:spLocks noGrp="1"/>
-          </p:cNvSpPr>
-          <p:nvPr>
-            <p:ph type="title"/>
-          </p:nvPr>
-        </p:nvSpPr>
-        <p:spPr>
-          <a:xfrm>
-            <a:off x="679225" y="794675"/>
-            <a:ext cx="7866600" cy="698400"/>
-          </a:xfrm>
-          <a:prstGeom prst="rect">
-            <a:avLst/>
-          </a:prstGeom>
-        </p:spPr>
-        <p:txBody>
-          <a:bodyPr spcFirstLastPara="1" wrap="square" lIns="91425" tIns="91425" rIns="91425" bIns="91425" anchor="t" anchorCtr="0">
-            <a:noAutofit/>
-          </a:bodyPr>
-          <a:lstStyle/>
-          <a:p>
-            <a:pPr lvl="0"/>
-            <a:r>
-              <a:rPr lang="fr-FR" dirty="0"/>
-              <a:t>ALU + Indicateurs (NZCV)</a:t>
-            </a:r>
-            <a:endParaRPr dirty="0"/>
-          </a:p>
-        </p:txBody>
-      </p:sp>
-      <p:sp>
-        <p:nvSpPr>
-          <p:cNvPr id="271" name="Google Shape;271;p33"/>
-          <p:cNvSpPr txBox="1">
-            <a:spLocks noGrp="1"/>
-          </p:cNvSpPr>
-          <p:nvPr>
-            <p:ph type="subTitle" idx="1"/>
-          </p:nvPr>
-        </p:nvSpPr>
-        <p:spPr>
-          <a:xfrm>
-            <a:off x="1338122" y="1576805"/>
-            <a:ext cx="6688278" cy="602977"/>
-          </a:xfrm>
-          <a:prstGeom prst="rect">
-            <a:avLst/>
-          </a:prstGeom>
-        </p:spPr>
-        <p:txBody>
-          <a:bodyPr spcFirstLastPara="1" wrap="square" lIns="91425" tIns="91425" rIns="91425" bIns="91425" anchor="t" anchorCtr="0">
-            <a:noAutofit/>
-          </a:bodyPr>
-          <a:lstStyle/>
-          <a:p>
-            <a:pPr marL="0" lvl="0" indent="0"/>
-            <a:r>
-              <a:rPr lang="fr-FR" dirty="0"/>
-              <a:t>L’ALU fait les calculs (arithmétique, logique, décalages) et met à jour les indicateurs.</a:t>
-            </a:r>
-          </a:p>
-          <a:p>
-            <a:pPr marL="0" lvl="0" indent="0"/>
-            <a:endParaRPr lang="fr-FR" dirty="0"/>
-          </a:p>
-          <a:p>
-            <a:pPr marL="0" lvl="0" indent="0"/>
-            <a:endParaRPr dirty="0"/>
-          </a:p>
-        </p:txBody>
-      </p:sp>
-      <p:sp>
-        <p:nvSpPr>
-          <p:cNvPr id="2" name="Google Shape;271;p33">
-            <a:extLst>
-              <a:ext uri="{FF2B5EF4-FFF2-40B4-BE49-F238E27FC236}">
-                <a16:creationId xmlns:a16="http://schemas.microsoft.com/office/drawing/2014/main" id="{B5EFA36F-1575-04DF-E09D-2D35FDA5DA60}"/>
-              </a:ext>
-            </a:extLst>
-          </p:cNvPr>
-          <p:cNvSpPr txBox="1">
-            <a:spLocks/>
-          </p:cNvSpPr>
-          <p:nvPr/>
-        </p:nvSpPr>
-        <p:spPr>
-          <a:xfrm>
-            <a:off x="455474" y="2642203"/>
-            <a:ext cx="4226787" cy="1218597"/>
-          </a:xfrm>
-          <a:prstGeom prst="rect">
-            <a:avLst/>
-          </a:prstGeom>
-          <a:noFill/>
-          <a:ln>
-            <a:noFill/>
-          </a:ln>
-        </p:spPr>
-        <p:txBody>
-          <a:bodyPr spcFirstLastPara="1" wrap="square" lIns="91425" tIns="91425" rIns="91425" bIns="91425" anchor="t" anchorCtr="0">
-            <a:noAutofit/>
-          </a:bodyPr>
-          <a:lstStyle>
-            <a:defPPr marR="0" lvl="0" algn="l" rtl="0">
-              <a:lnSpc>
-                <a:spcPct val="100000"/>
-              </a:lnSpc>
-              <a:spcBef>
-                <a:spcPts val="0"/>
-              </a:spcBef>
-              <a:spcAft>
-                <a:spcPts val="0"/>
-              </a:spcAft>
-            </a:defPPr>
-            <a:lvl1pPr marL="457200" marR="0" lvl="0" indent="-317500" algn="l" rtl="0">
-              <a:lnSpc>
-                <a:spcPct val="100000"/>
-              </a:lnSpc>
-              <a:spcBef>
-                <a:spcPts val="0"/>
-              </a:spcBef>
-              <a:spcAft>
-                <a:spcPts val="0"/>
-              </a:spcAft>
-              <a:buClr>
-                <a:schemeClr val="dk1"/>
-              </a:buClr>
-              <a:buSzPts val="1400"/>
-              <a:buFont typeface="Roboto Mono"/>
-              <a:buNone/>
-              <a:defRPr sz="1400" b="0" i="0" u="none" strike="noStrike" cap="none">
-                <a:solidFill>
-                  <a:schemeClr val="dk1"/>
-                </a:solidFill>
-                <a:latin typeface="Roboto Mono"/>
-                <a:ea typeface="Roboto Mono"/>
-                <a:cs typeface="Roboto Mono"/>
-                <a:sym typeface="Roboto Mono"/>
-              </a:defRPr>
-            </a:lvl1pPr>
-            <a:lvl2pPr marL="914400" marR="0" lvl="1" indent="-317500" algn="l" rtl="0">
-              <a:lnSpc>
-                <a:spcPct val="100000"/>
-              </a:lnSpc>
-              <a:spcBef>
-                <a:spcPts val="0"/>
-              </a:spcBef>
-              <a:spcAft>
-                <a:spcPts val="0"/>
-              </a:spcAft>
-              <a:buClr>
-                <a:schemeClr val="dk1"/>
-              </a:buClr>
-              <a:buSzPts val="1400"/>
-              <a:buFont typeface="Roboto Mono"/>
-              <a:buNone/>
-              <a:defRPr sz="1400" b="0" i="0" u="none" strike="noStrike" cap="none">
-                <a:solidFill>
-                  <a:schemeClr val="dk1"/>
-                </a:solidFill>
-                <a:latin typeface="Roboto Mono"/>
-                <a:ea typeface="Roboto Mono"/>
-                <a:cs typeface="Roboto Mono"/>
-                <a:sym typeface="Roboto Mono"/>
-              </a:defRPr>
-            </a:lvl2pPr>
-            <a:lvl3pPr marL="1371600" marR="0" lvl="2" indent="-317500" algn="l" rtl="0">
-              <a:lnSpc>
-                <a:spcPct val="100000"/>
-              </a:lnSpc>
-              <a:spcBef>
-                <a:spcPts val="0"/>
-              </a:spcBef>
-              <a:spcAft>
-                <a:spcPts val="0"/>
-              </a:spcAft>
-              <a:buClr>
-                <a:schemeClr val="dk1"/>
-              </a:buClr>
-              <a:buSzPts val="1400"/>
-              <a:buFont typeface="Roboto Mono"/>
-              <a:buNone/>
-              <a:defRPr sz="1400" b="0" i="0" u="none" strike="noStrike" cap="none">
-                <a:solidFill>
-                  <a:schemeClr val="dk1"/>
-                </a:solidFill>
-                <a:latin typeface="Roboto Mono"/>
-                <a:ea typeface="Roboto Mono"/>
-                <a:cs typeface="Roboto Mono"/>
-                <a:sym typeface="Roboto Mono"/>
-              </a:defRPr>
-            </a:lvl3pPr>
-            <a:lvl4pPr marL="1828800" marR="0" lvl="3" indent="-317500" algn="l" rtl="0">
-              <a:lnSpc>
-                <a:spcPct val="100000"/>
-              </a:lnSpc>
-              <a:spcBef>
-                <a:spcPts val="0"/>
-              </a:spcBef>
-              <a:spcAft>
-                <a:spcPts val="0"/>
-              </a:spcAft>
-              <a:buClr>
-                <a:schemeClr val="dk1"/>
-              </a:buClr>
-              <a:buSzPts val="1400"/>
-              <a:buFont typeface="Roboto Mono"/>
-              <a:buNone/>
-              <a:defRPr sz="1400" b="0" i="0" u="none" strike="noStrike" cap="none">
-                <a:solidFill>
-                  <a:schemeClr val="dk1"/>
-                </a:solidFill>
-                <a:latin typeface="Roboto Mono"/>
-                <a:ea typeface="Roboto Mono"/>
-                <a:cs typeface="Roboto Mono"/>
-                <a:sym typeface="Roboto Mono"/>
-              </a:defRPr>
-            </a:lvl4pPr>
-            <a:lvl5pPr marL="2286000" marR="0" lvl="4" indent="-317500" algn="l" rtl="0">
-              <a:lnSpc>
-                <a:spcPct val="100000"/>
-              </a:lnSpc>
-              <a:spcBef>
-                <a:spcPts val="0"/>
-              </a:spcBef>
-              <a:spcAft>
-                <a:spcPts val="0"/>
-              </a:spcAft>
-              <a:buClr>
-                <a:schemeClr val="dk1"/>
-              </a:buClr>
-              <a:buSzPts val="1400"/>
-              <a:buFont typeface="Roboto Mono"/>
-              <a:buNone/>
-              <a:defRPr sz="1400" b="0" i="0" u="none" strike="noStrike" cap="none">
-                <a:solidFill>
-                  <a:schemeClr val="dk1"/>
-                </a:solidFill>
-                <a:latin typeface="Roboto Mono"/>
-                <a:ea typeface="Roboto Mono"/>
-                <a:cs typeface="Roboto Mono"/>
-                <a:sym typeface="Roboto Mono"/>
-              </a:defRPr>
-            </a:lvl5pPr>
-            <a:lvl6pPr marL="2743200" marR="0" lvl="5" indent="-317500" algn="l" rtl="0">
-              <a:lnSpc>
-                <a:spcPct val="100000"/>
-              </a:lnSpc>
-              <a:spcBef>
-                <a:spcPts val="0"/>
-              </a:spcBef>
-              <a:spcAft>
-                <a:spcPts val="0"/>
-              </a:spcAft>
-              <a:buClr>
-                <a:schemeClr val="dk1"/>
-              </a:buClr>
-              <a:buSzPts val="1400"/>
-              <a:buFont typeface="Roboto Mono"/>
-              <a:buNone/>
-              <a:defRPr sz="1400" b="0" i="0" u="none" strike="noStrike" cap="none">
-                <a:solidFill>
-                  <a:schemeClr val="dk1"/>
-                </a:solidFill>
-                <a:latin typeface="Roboto Mono"/>
-                <a:ea typeface="Roboto Mono"/>
-                <a:cs typeface="Roboto Mono"/>
-                <a:sym typeface="Roboto Mono"/>
-              </a:defRPr>
-            </a:lvl6pPr>
-            <a:lvl7pPr marL="3200400" marR="0" lvl="6" indent="-317500" algn="l" rtl="0">
-              <a:lnSpc>
-                <a:spcPct val="100000"/>
-              </a:lnSpc>
-              <a:spcBef>
-                <a:spcPts val="0"/>
-              </a:spcBef>
-              <a:spcAft>
-                <a:spcPts val="0"/>
-              </a:spcAft>
-              <a:buClr>
-                <a:schemeClr val="dk1"/>
-              </a:buClr>
-              <a:buSzPts val="1400"/>
-              <a:buFont typeface="Roboto Mono"/>
-              <a:buNone/>
-              <a:defRPr sz="1400" b="0" i="0" u="none" strike="noStrike" cap="none">
-                <a:solidFill>
-                  <a:schemeClr val="dk1"/>
-                </a:solidFill>
-                <a:latin typeface="Roboto Mono"/>
-                <a:ea typeface="Roboto Mono"/>
-                <a:cs typeface="Roboto Mono"/>
-                <a:sym typeface="Roboto Mono"/>
-              </a:defRPr>
-            </a:lvl7pPr>
-            <a:lvl8pPr marL="3657600" marR="0" lvl="7" indent="-317500" algn="l" rtl="0">
-              <a:lnSpc>
-                <a:spcPct val="100000"/>
-              </a:lnSpc>
-              <a:spcBef>
-                <a:spcPts val="0"/>
-              </a:spcBef>
-              <a:spcAft>
-                <a:spcPts val="0"/>
-              </a:spcAft>
-              <a:buClr>
-                <a:schemeClr val="dk1"/>
-              </a:buClr>
-              <a:buSzPts val="1400"/>
-              <a:buFont typeface="Roboto Mono"/>
-              <a:buNone/>
-              <a:defRPr sz="1400" b="0" i="0" u="none" strike="noStrike" cap="none">
-                <a:solidFill>
-                  <a:schemeClr val="dk1"/>
-                </a:solidFill>
-                <a:latin typeface="Roboto Mono"/>
-                <a:ea typeface="Roboto Mono"/>
-                <a:cs typeface="Roboto Mono"/>
-                <a:sym typeface="Roboto Mono"/>
-              </a:defRPr>
-            </a:lvl8pPr>
-            <a:lvl9pPr marL="4114800" marR="0" lvl="8" indent="-317500" algn="l" rtl="0">
-              <a:lnSpc>
-                <a:spcPct val="100000"/>
-              </a:lnSpc>
-              <a:spcBef>
-                <a:spcPts val="0"/>
-              </a:spcBef>
-              <a:spcAft>
-                <a:spcPts val="0"/>
-              </a:spcAft>
-              <a:buClr>
-                <a:schemeClr val="dk1"/>
-              </a:buClr>
-              <a:buSzPts val="1400"/>
-              <a:buFont typeface="Roboto Mono"/>
-              <a:buNone/>
-              <a:defRPr sz="1400" b="0" i="0" u="none" strike="noStrike" cap="none">
-                <a:solidFill>
-                  <a:schemeClr val="dk1"/>
-                </a:solidFill>
-                <a:latin typeface="Roboto Mono"/>
-                <a:ea typeface="Roboto Mono"/>
-                <a:cs typeface="Roboto Mono"/>
-                <a:sym typeface="Roboto Mono"/>
-              </a:defRPr>
-            </a:lvl9pPr>
-          </a:lstStyle>
-          <a:p>
-            <a:r>
-              <a:rPr lang="fr-FR" sz="1800" b="1" dirty="0"/>
-              <a:t>Entrées : </a:t>
-            </a:r>
-          </a:p>
-          <a:p>
-            <a:r>
-              <a:rPr lang="fr-FR" b="1" dirty="0"/>
-              <a:t>A (32 bits)</a:t>
-            </a:r>
-            <a:r>
-              <a:rPr lang="fr-FR" dirty="0"/>
-              <a:t> : valeur venant d’un registre</a:t>
-            </a:r>
-          </a:p>
-          <a:p>
-            <a:r>
-              <a:rPr lang="fr-FR" b="1" dirty="0"/>
-              <a:t>B (32 bits)</a:t>
-            </a:r>
-            <a:r>
-              <a:rPr lang="fr-FR" dirty="0"/>
-              <a:t> : valeur venant d’un registre / immédiat</a:t>
-            </a:r>
-          </a:p>
-          <a:p>
-            <a:r>
-              <a:rPr lang="fr-FR" b="1" dirty="0"/>
-              <a:t>Paramètres</a:t>
-            </a:r>
-            <a:r>
-              <a:rPr lang="fr-FR" dirty="0"/>
-              <a:t> : type d’opération + décalage + retenue (si besoin)</a:t>
-            </a:r>
-          </a:p>
-          <a:p>
-            <a:pPr marL="0" indent="0"/>
-            <a:endParaRPr lang="fr-FR" dirty="0"/>
-          </a:p>
-          <a:p>
-            <a:pPr marL="0" indent="0"/>
-            <a:endParaRPr lang="fr-FR" dirty="0"/>
-          </a:p>
-        </p:txBody>
-      </p:sp>
-      <p:sp>
-        <p:nvSpPr>
-          <p:cNvPr id="3" name="Google Shape;271;p33">
-            <a:extLst>
-              <a:ext uri="{FF2B5EF4-FFF2-40B4-BE49-F238E27FC236}">
-                <a16:creationId xmlns:a16="http://schemas.microsoft.com/office/drawing/2014/main" id="{D32F9B50-898D-C48C-F30D-98CF679DFC2C}"/>
-              </a:ext>
-            </a:extLst>
-          </p:cNvPr>
-          <p:cNvSpPr txBox="1">
-            <a:spLocks/>
-          </p:cNvSpPr>
-          <p:nvPr/>
-        </p:nvSpPr>
-        <p:spPr>
-          <a:xfrm>
-            <a:off x="5111631" y="2743501"/>
-            <a:ext cx="6591296" cy="1218597"/>
-          </a:xfrm>
-          <a:prstGeom prst="rect">
-            <a:avLst/>
-          </a:prstGeom>
-          <a:noFill/>
-          <a:ln>
-            <a:noFill/>
-          </a:ln>
-        </p:spPr>
-        <p:txBody>
-          <a:bodyPr spcFirstLastPara="1" wrap="square" lIns="91425" tIns="91425" rIns="91425" bIns="91425" anchor="t" anchorCtr="0">
-            <a:noAutofit/>
-          </a:bodyPr>
-          <a:lstStyle>
-            <a:defPPr marR="0" lvl="0" algn="l" rtl="0">
-              <a:lnSpc>
-                <a:spcPct val="100000"/>
-              </a:lnSpc>
-              <a:spcBef>
-                <a:spcPts val="0"/>
-              </a:spcBef>
-              <a:spcAft>
-                <a:spcPts val="0"/>
-              </a:spcAft>
-            </a:defPPr>
-            <a:lvl1pPr marL="457200" marR="0" lvl="0" indent="-317500" algn="l" rtl="0">
-              <a:lnSpc>
-                <a:spcPct val="100000"/>
-              </a:lnSpc>
-              <a:spcBef>
-                <a:spcPts val="0"/>
-              </a:spcBef>
-              <a:spcAft>
-                <a:spcPts val="0"/>
-              </a:spcAft>
-              <a:buClr>
-                <a:schemeClr val="dk1"/>
-              </a:buClr>
-              <a:buSzPts val="1400"/>
-              <a:buFont typeface="Roboto Mono"/>
-              <a:buNone/>
-              <a:defRPr sz="1400" b="0" i="0" u="none" strike="noStrike" cap="none">
-                <a:solidFill>
-                  <a:schemeClr val="dk1"/>
-                </a:solidFill>
-                <a:latin typeface="Roboto Mono"/>
-                <a:ea typeface="Roboto Mono"/>
-                <a:cs typeface="Roboto Mono"/>
-                <a:sym typeface="Roboto Mono"/>
-              </a:defRPr>
-            </a:lvl1pPr>
-            <a:lvl2pPr marL="914400" marR="0" lvl="1" indent="-317500" algn="l" rtl="0">
-              <a:lnSpc>
-                <a:spcPct val="100000"/>
-              </a:lnSpc>
-              <a:spcBef>
-                <a:spcPts val="0"/>
-              </a:spcBef>
-              <a:spcAft>
-                <a:spcPts val="0"/>
-              </a:spcAft>
-              <a:buClr>
-                <a:schemeClr val="dk1"/>
-              </a:buClr>
-              <a:buSzPts val="1400"/>
-              <a:buFont typeface="Roboto Mono"/>
-              <a:buNone/>
-              <a:defRPr sz="1400" b="0" i="0" u="none" strike="noStrike" cap="none">
-                <a:solidFill>
-                  <a:schemeClr val="dk1"/>
-                </a:solidFill>
-                <a:latin typeface="Roboto Mono"/>
-                <a:ea typeface="Roboto Mono"/>
-                <a:cs typeface="Roboto Mono"/>
-                <a:sym typeface="Roboto Mono"/>
-              </a:defRPr>
-            </a:lvl2pPr>
-            <a:lvl3pPr marL="1371600" marR="0" lvl="2" indent="-317500" algn="l" rtl="0">
-              <a:lnSpc>
-                <a:spcPct val="100000"/>
-              </a:lnSpc>
-              <a:spcBef>
-                <a:spcPts val="0"/>
-              </a:spcBef>
-              <a:spcAft>
-                <a:spcPts val="0"/>
-              </a:spcAft>
-              <a:buClr>
-                <a:schemeClr val="dk1"/>
-              </a:buClr>
-              <a:buSzPts val="1400"/>
-              <a:buFont typeface="Roboto Mono"/>
-              <a:buNone/>
-              <a:defRPr sz="1400" b="0" i="0" u="none" strike="noStrike" cap="none">
-                <a:solidFill>
-                  <a:schemeClr val="dk1"/>
-                </a:solidFill>
-                <a:latin typeface="Roboto Mono"/>
-                <a:ea typeface="Roboto Mono"/>
-                <a:cs typeface="Roboto Mono"/>
-                <a:sym typeface="Roboto Mono"/>
-              </a:defRPr>
-            </a:lvl3pPr>
-            <a:lvl4pPr marL="1828800" marR="0" lvl="3" indent="-317500" algn="l" rtl="0">
-              <a:lnSpc>
-                <a:spcPct val="100000"/>
-              </a:lnSpc>
-              <a:spcBef>
-                <a:spcPts val="0"/>
-              </a:spcBef>
-              <a:spcAft>
-                <a:spcPts val="0"/>
-              </a:spcAft>
-              <a:buClr>
-                <a:schemeClr val="dk1"/>
-              </a:buClr>
-              <a:buSzPts val="1400"/>
-              <a:buFont typeface="Roboto Mono"/>
-              <a:buNone/>
-              <a:defRPr sz="1400" b="0" i="0" u="none" strike="noStrike" cap="none">
-                <a:solidFill>
-                  <a:schemeClr val="dk1"/>
-                </a:solidFill>
-                <a:latin typeface="Roboto Mono"/>
-                <a:ea typeface="Roboto Mono"/>
-                <a:cs typeface="Roboto Mono"/>
-                <a:sym typeface="Roboto Mono"/>
-              </a:defRPr>
-            </a:lvl4pPr>
-            <a:lvl5pPr marL="2286000" marR="0" lvl="4" indent="-317500" algn="l" rtl="0">
-              <a:lnSpc>
-                <a:spcPct val="100000"/>
-              </a:lnSpc>
-              <a:spcBef>
-                <a:spcPts val="0"/>
-              </a:spcBef>
-              <a:spcAft>
-                <a:spcPts val="0"/>
-              </a:spcAft>
-              <a:buClr>
-                <a:schemeClr val="dk1"/>
-              </a:buClr>
-              <a:buSzPts val="1400"/>
-              <a:buFont typeface="Roboto Mono"/>
-              <a:buNone/>
-              <a:defRPr sz="1400" b="0" i="0" u="none" strike="noStrike" cap="none">
-                <a:solidFill>
-                  <a:schemeClr val="dk1"/>
-                </a:solidFill>
-                <a:latin typeface="Roboto Mono"/>
-                <a:ea typeface="Roboto Mono"/>
-                <a:cs typeface="Roboto Mono"/>
-                <a:sym typeface="Roboto Mono"/>
-              </a:defRPr>
-            </a:lvl5pPr>
-            <a:lvl6pPr marL="2743200" marR="0" lvl="5" indent="-317500" algn="l" rtl="0">
-              <a:lnSpc>
-                <a:spcPct val="100000"/>
-              </a:lnSpc>
-              <a:spcBef>
-                <a:spcPts val="0"/>
-              </a:spcBef>
-              <a:spcAft>
-                <a:spcPts val="0"/>
-              </a:spcAft>
-              <a:buClr>
-                <a:schemeClr val="dk1"/>
-              </a:buClr>
-              <a:buSzPts val="1400"/>
-              <a:buFont typeface="Roboto Mono"/>
-              <a:buNone/>
-              <a:defRPr sz="1400" b="0" i="0" u="none" strike="noStrike" cap="none">
-                <a:solidFill>
-                  <a:schemeClr val="dk1"/>
-                </a:solidFill>
-                <a:latin typeface="Roboto Mono"/>
-                <a:ea typeface="Roboto Mono"/>
-                <a:cs typeface="Roboto Mono"/>
-                <a:sym typeface="Roboto Mono"/>
-              </a:defRPr>
-            </a:lvl6pPr>
-            <a:lvl7pPr marL="3200400" marR="0" lvl="6" indent="-317500" algn="l" rtl="0">
-              <a:lnSpc>
-                <a:spcPct val="100000"/>
-              </a:lnSpc>
-              <a:spcBef>
-                <a:spcPts val="0"/>
-              </a:spcBef>
-              <a:spcAft>
-                <a:spcPts val="0"/>
-              </a:spcAft>
-              <a:buClr>
-                <a:schemeClr val="dk1"/>
-              </a:buClr>
-              <a:buSzPts val="1400"/>
-              <a:buFont typeface="Roboto Mono"/>
-              <a:buNone/>
-              <a:defRPr sz="1400" b="0" i="0" u="none" strike="noStrike" cap="none">
-                <a:solidFill>
-                  <a:schemeClr val="dk1"/>
-                </a:solidFill>
-                <a:latin typeface="Roboto Mono"/>
-                <a:ea typeface="Roboto Mono"/>
-                <a:cs typeface="Roboto Mono"/>
-                <a:sym typeface="Roboto Mono"/>
-              </a:defRPr>
-            </a:lvl7pPr>
-            <a:lvl8pPr marL="3657600" marR="0" lvl="7" indent="-317500" algn="l" rtl="0">
-              <a:lnSpc>
-                <a:spcPct val="100000"/>
-              </a:lnSpc>
-              <a:spcBef>
-                <a:spcPts val="0"/>
-              </a:spcBef>
-              <a:spcAft>
-                <a:spcPts val="0"/>
-              </a:spcAft>
-              <a:buClr>
-                <a:schemeClr val="dk1"/>
-              </a:buClr>
-              <a:buSzPts val="1400"/>
-              <a:buFont typeface="Roboto Mono"/>
-              <a:buNone/>
-              <a:defRPr sz="1400" b="0" i="0" u="none" strike="noStrike" cap="none">
-                <a:solidFill>
-                  <a:schemeClr val="dk1"/>
-                </a:solidFill>
-                <a:latin typeface="Roboto Mono"/>
-                <a:ea typeface="Roboto Mono"/>
-                <a:cs typeface="Roboto Mono"/>
-                <a:sym typeface="Roboto Mono"/>
-              </a:defRPr>
-            </a:lvl8pPr>
-            <a:lvl9pPr marL="4114800" marR="0" lvl="8" indent="-317500" algn="l" rtl="0">
-              <a:lnSpc>
-                <a:spcPct val="100000"/>
-              </a:lnSpc>
-              <a:spcBef>
-                <a:spcPts val="0"/>
-              </a:spcBef>
-              <a:spcAft>
-                <a:spcPts val="0"/>
-              </a:spcAft>
-              <a:buClr>
-                <a:schemeClr val="dk1"/>
-              </a:buClr>
-              <a:buSzPts val="1400"/>
-              <a:buFont typeface="Roboto Mono"/>
-              <a:buNone/>
-              <a:defRPr sz="1400" b="0" i="0" u="none" strike="noStrike" cap="none">
-                <a:solidFill>
-                  <a:schemeClr val="dk1"/>
-                </a:solidFill>
-                <a:latin typeface="Roboto Mono"/>
-                <a:ea typeface="Roboto Mono"/>
-                <a:cs typeface="Roboto Mono"/>
-                <a:sym typeface="Roboto Mono"/>
-              </a:defRPr>
-            </a:lvl9pPr>
-          </a:lstStyle>
-          <a:p>
-            <a:r>
-              <a:rPr lang="fr-FR" sz="1800" b="1" dirty="0"/>
-              <a:t>Sorties : </a:t>
-            </a:r>
-          </a:p>
-          <a:p>
-            <a:r>
-              <a:rPr lang="fr-FR" b="1" dirty="0"/>
-              <a:t>Résultat (32 bits)</a:t>
-            </a:r>
-            <a:endParaRPr lang="fr-FR" dirty="0"/>
-          </a:p>
-          <a:p>
-            <a:r>
-              <a:rPr lang="fr-FR" b="1" dirty="0"/>
-              <a:t>Indicateurs NZCV</a:t>
-            </a:r>
-            <a:endParaRPr lang="fr-FR" dirty="0"/>
-          </a:p>
-          <a:p>
-            <a:pPr lvl="1"/>
-            <a:r>
-              <a:rPr lang="fr-FR" b="1" dirty="0"/>
-              <a:t>N</a:t>
-            </a:r>
-            <a:r>
-              <a:rPr lang="fr-FR" dirty="0"/>
-              <a:t> : résultat négatif</a:t>
-            </a:r>
-          </a:p>
-          <a:p>
-            <a:pPr lvl="1"/>
-            <a:r>
-              <a:rPr lang="fr-FR" b="1" dirty="0"/>
-              <a:t>Z</a:t>
-            </a:r>
-            <a:r>
-              <a:rPr lang="fr-FR" dirty="0"/>
-              <a:t> : résultat = 0</a:t>
-            </a:r>
-          </a:p>
-          <a:p>
-            <a:pPr lvl="1"/>
-            <a:r>
-              <a:rPr lang="fr-FR" b="1" dirty="0"/>
-              <a:t>C</a:t>
-            </a:r>
-            <a:r>
-              <a:rPr lang="fr-FR" dirty="0"/>
-              <a:t> : retenue (carry)</a:t>
-            </a:r>
-          </a:p>
-          <a:p>
-            <a:pPr lvl="1"/>
-            <a:r>
-              <a:rPr lang="fr-FR" b="1" dirty="0"/>
-              <a:t>V</a:t>
-            </a:r>
-            <a:r>
-              <a:rPr lang="fr-FR" dirty="0"/>
-              <a:t> : dépassement (</a:t>
-            </a:r>
-            <a:r>
-              <a:rPr lang="fr-FR" dirty="0" err="1"/>
-              <a:t>overflow</a:t>
-            </a:r>
-            <a:r>
-              <a:rPr lang="fr-FR" dirty="0"/>
-              <a:t>)</a:t>
             </a:r>
           </a:p>
         </p:txBody>

--- a/SoutenancePARM.pptx
+++ b/SoutenancePARM.pptx
@@ -5,67 +5,59 @@
     <p:sldMasterId id="2147483673" r:id="rId1"/>
   </p:sldMasterIdLst>
   <p:notesMasterIdLst>
-    <p:notesMasterId r:id="rId18"/>
+    <p:notesMasterId r:id="rId17"/>
   </p:notesMasterIdLst>
   <p:sldIdLst>
     <p:sldId id="256" r:id="rId2"/>
     <p:sldId id="257" r:id="rId3"/>
     <p:sldId id="293" r:id="rId4"/>
     <p:sldId id="263" r:id="rId5"/>
-    <p:sldId id="289" r:id="rId6"/>
-    <p:sldId id="290" r:id="rId7"/>
-    <p:sldId id="294" r:id="rId8"/>
-    <p:sldId id="262" r:id="rId9"/>
-    <p:sldId id="258" r:id="rId10"/>
-    <p:sldId id="259" r:id="rId11"/>
-    <p:sldId id="261" r:id="rId12"/>
-    <p:sldId id="291" r:id="rId13"/>
-    <p:sldId id="267" r:id="rId14"/>
-    <p:sldId id="260" r:id="rId15"/>
-    <p:sldId id="292" r:id="rId16"/>
-    <p:sldId id="268" r:id="rId17"/>
+    <p:sldId id="290" r:id="rId6"/>
+    <p:sldId id="294" r:id="rId7"/>
+    <p:sldId id="262" r:id="rId8"/>
+    <p:sldId id="258" r:id="rId9"/>
+    <p:sldId id="259" r:id="rId10"/>
+    <p:sldId id="261" r:id="rId11"/>
+    <p:sldId id="291" r:id="rId12"/>
+    <p:sldId id="267" r:id="rId13"/>
+    <p:sldId id="260" r:id="rId14"/>
+    <p:sldId id="292" r:id="rId15"/>
+    <p:sldId id="268" r:id="rId16"/>
   </p:sldIdLst>
   <p:sldSz cx="9144000" cy="5143500" type="screen16x9"/>
   <p:notesSz cx="6858000" cy="9144000"/>
   <p:embeddedFontLst>
     <p:embeddedFont>
-      <p:font typeface="Hanken Grotesk" panose="020B0604020202020204" charset="0"/>
-      <p:regular r:id="rId19"/>
-      <p:bold r:id="rId20"/>
-      <p:italic r:id="rId21"/>
-      <p:boldItalic r:id="rId22"/>
+      <p:font typeface="Hanken Grotesk" pitchFamily="2" charset="77"/>
+      <p:regular r:id="rId18"/>
+      <p:bold r:id="rId19"/>
+      <p:italic r:id="rId20"/>
+      <p:boldItalic r:id="rId21"/>
     </p:embeddedFont>
     <p:embeddedFont>
-      <p:font typeface="Inter" panose="020B0604020202020204" charset="0"/>
-      <p:regular r:id="rId23"/>
-      <p:bold r:id="rId24"/>
-      <p:italic r:id="rId25"/>
-      <p:boldItalic r:id="rId26"/>
+      <p:font typeface="Inter" panose="02000503000000020004"/>
+      <p:regular r:id="rId22"/>
+      <p:bold r:id="rId23"/>
+      <p:italic r:id="rId24"/>
+      <p:boldItalic r:id="rId25"/>
     </p:embeddedFont>
     <p:embeddedFont>
-      <p:font typeface="Open Sans" panose="020B0606030504020204" pitchFamily="34" charset="0"/>
-      <p:regular r:id="rId27"/>
-      <p:bold r:id="rId28"/>
-      <p:italic r:id="rId29"/>
-      <p:boldItalic r:id="rId30"/>
+      <p:font typeface="Raleway" pitchFamily="2" charset="77"/>
+      <p:regular r:id="rId26"/>
+      <p:bold r:id="rId27"/>
+      <p:italic r:id="rId28"/>
+      <p:boldItalic r:id="rId29"/>
     </p:embeddedFont>
     <p:embeddedFont>
-      <p:font typeface="Raleway" pitchFamily="2" charset="0"/>
-      <p:regular r:id="rId31"/>
-      <p:bold r:id="rId32"/>
-      <p:italic r:id="rId33"/>
-      <p:boldItalic r:id="rId34"/>
+      <p:font typeface="Roboto Mono" pitchFamily="49" charset="0"/>
+      <p:regular r:id="rId30"/>
+      <p:bold r:id="rId31"/>
+      <p:italic r:id="rId32"/>
+      <p:boldItalic r:id="rId33"/>
     </p:embeddedFont>
     <p:embeddedFont>
-      <p:font typeface="Roboto Mono" panose="00000009000000000000" pitchFamily="49" charset="0"/>
-      <p:regular r:id="rId35"/>
-      <p:bold r:id="rId36"/>
-      <p:italic r:id="rId37"/>
-      <p:boldItalic r:id="rId38"/>
-    </p:embeddedFont>
-    <p:embeddedFont>
-      <p:font typeface="VT323" panose="020B0604020202020204" charset="0"/>
-      <p:regular r:id="rId39"/>
+      <p:font typeface="VT323"/>
+      <p:regular r:id="rId34"/>
     </p:embeddedFont>
   </p:embeddedFontLst>
   <p:defaultTextStyle>
@@ -855,194 +847,6 @@
   <p:cSld>
     <p:spTree>
       <p:nvGrpSpPr>
-        <p:cNvPr id="1" name="Shape 245"/>
-        <p:cNvGrpSpPr/>
-        <p:nvPr/>
-      </p:nvGrpSpPr>
-      <p:grpSpPr>
-        <a:xfrm>
-          <a:off x="0" y="0"/>
-          <a:ext cx="0" cy="0"/>
-          <a:chOff x="0" y="0"/>
-          <a:chExt cx="0" cy="0"/>
-        </a:xfrm>
-      </p:grpSpPr>
-      <p:sp>
-        <p:nvSpPr>
-          <p:cNvPr id="246" name="Google Shape;246;ge1d838b627_4_19:notes"/>
-          <p:cNvSpPr>
-            <a:spLocks noGrp="1" noRot="1" noChangeAspect="1"/>
-          </p:cNvSpPr>
-          <p:nvPr>
-            <p:ph type="sldImg" idx="2"/>
-          </p:nvPr>
-        </p:nvSpPr>
-        <p:spPr>
-          <a:xfrm>
-            <a:off x="381000" y="685800"/>
-            <a:ext cx="6096000" cy="3429000"/>
-          </a:xfrm>
-          <a:custGeom>
-            <a:avLst/>
-            <a:gdLst/>
-            <a:ahLst/>
-            <a:cxnLst/>
-            <a:rect l="l" t="t" r="r" b="b"/>
-            <a:pathLst>
-              <a:path w="120000" h="120000" extrusionOk="0">
-                <a:moveTo>
-                  <a:pt x="0" y="0"/>
-                </a:moveTo>
-                <a:lnTo>
-                  <a:pt x="120000" y="0"/>
-                </a:lnTo>
-                <a:lnTo>
-                  <a:pt x="120000" y="120000"/>
-                </a:lnTo>
-                <a:lnTo>
-                  <a:pt x="0" y="120000"/>
-                </a:lnTo>
-                <a:close/>
-              </a:path>
-            </a:pathLst>
-          </a:custGeom>
-        </p:spPr>
-      </p:sp>
-      <p:sp>
-        <p:nvSpPr>
-          <p:cNvPr id="247" name="Google Shape;247;ge1d838b627_4_19:notes"/>
-          <p:cNvSpPr txBox="1">
-            <a:spLocks noGrp="1"/>
-          </p:cNvSpPr>
-          <p:nvPr>
-            <p:ph type="body" idx="1"/>
-          </p:nvPr>
-        </p:nvSpPr>
-        <p:spPr>
-          <a:xfrm>
-            <a:off x="685800" y="4343400"/>
-            <a:ext cx="5486400" cy="4114800"/>
-          </a:xfrm>
-          <a:prstGeom prst="rect">
-            <a:avLst/>
-          </a:prstGeom>
-        </p:spPr>
-        <p:txBody>
-          <a:bodyPr spcFirstLastPara="1" wrap="square" lIns="91425" tIns="91425" rIns="91425" bIns="91425" anchor="t" anchorCtr="0">
-            <a:noAutofit/>
-          </a:bodyPr>
-          <a:lstStyle/>
-          <a:p>
-            <a:pPr marL="158750" indent="0">
-              <a:buNone/>
-            </a:pPr>
-            <a:r>
-              <a:rPr lang="fr-FR" b="1" dirty="0"/>
-              <a:t>Supporté </a:t>
-            </a:r>
-          </a:p>
-          <a:p>
-            <a:r>
-              <a:rPr lang="fr-FR" dirty="0"/>
-              <a:t>Sous-ensemble d’instructions (celles de notre CPU)</a:t>
-            </a:r>
-          </a:p>
-          <a:p>
-            <a:r>
-              <a:rPr lang="fr-FR" b="1" dirty="0"/>
-              <a:t>Immédiats / offsets</a:t>
-            </a:r>
-            <a:r>
-              <a:rPr lang="fr-FR" dirty="0"/>
-              <a:t> dans les limites</a:t>
-            </a:r>
-          </a:p>
-          <a:p>
-            <a:r>
-              <a:rPr lang="fr-FR" b="1" dirty="0"/>
-              <a:t>Commentaires</a:t>
-            </a:r>
-            <a:r>
-              <a:rPr lang="fr-FR" dirty="0"/>
-              <a:t> ignorés</a:t>
-            </a:r>
-          </a:p>
-          <a:p>
-            <a:r>
-              <a:rPr lang="fr-FR" b="1" dirty="0"/>
-              <a:t>Labels + branches</a:t>
-            </a:r>
-            <a:r>
-              <a:rPr lang="fr-FR" dirty="0"/>
-              <a:t> (sauts)</a:t>
-            </a:r>
-          </a:p>
-          <a:p>
-            <a:pPr marL="158750" indent="0">
-              <a:buNone/>
-            </a:pPr>
-            <a:endParaRPr lang="fr-FR" dirty="0"/>
-          </a:p>
-          <a:p>
-            <a:pPr marL="158750" indent="0">
-              <a:buNone/>
-            </a:pPr>
-            <a:r>
-              <a:rPr lang="fr-FR" b="1" dirty="0"/>
-              <a:t>Vérifications </a:t>
-            </a:r>
-          </a:p>
-          <a:p>
-            <a:r>
-              <a:rPr lang="fr-FR" dirty="0"/>
-              <a:t>format d’instruction invalide</a:t>
-            </a:r>
-          </a:p>
-          <a:p>
-            <a:r>
-              <a:rPr lang="fr-FR" dirty="0"/>
-              <a:t>registre invalide</a:t>
-            </a:r>
-          </a:p>
-          <a:p>
-            <a:r>
-              <a:rPr lang="fr-FR" dirty="0"/>
-              <a:t>immédiat/offset trop grand</a:t>
-            </a:r>
-          </a:p>
-          <a:p>
-            <a:r>
-              <a:rPr lang="fr-FR" dirty="0"/>
-              <a:t>label inconnu</a:t>
-            </a:r>
-          </a:p>
-          <a:p>
-            <a:pPr marL="0" lvl="0" indent="0" algn="l" rtl="0">
-              <a:spcBef>
-                <a:spcPts val="0"/>
-              </a:spcBef>
-              <a:spcAft>
-                <a:spcPts val="0"/>
-              </a:spcAft>
-              <a:buNone/>
-            </a:pPr>
-            <a:endParaRPr dirty="0"/>
-          </a:p>
-        </p:txBody>
-      </p:sp>
-    </p:spTree>
-  </p:cSld>
-  <p:clrMapOvr>
-    <a:masterClrMapping/>
-  </p:clrMapOvr>
-</p:notes>
-</file>
-
-<file path=ppt/notesSlides/notesSlide11.xml><?xml version="1.0" encoding="utf-8"?>
-<p:notes xmlns:a="http://schemas.openxmlformats.org/drawingml/2006/main" xmlns:r="http://schemas.openxmlformats.org/officeDocument/2006/relationships" xmlns:p="http://schemas.openxmlformats.org/presentationml/2006/main" showMasterSp="0" showMasterPhAnim="0">
-  <p:cSld>
-    <p:spTree>
-      <p:nvGrpSpPr>
         <p:cNvPr id="1" name="Shape 266"/>
         <p:cNvGrpSpPr/>
         <p:nvPr/>
@@ -1142,7 +946,7 @@
 </p:notes>
 </file>
 
-<file path=ppt/notesSlides/notesSlide12.xml><?xml version="1.0" encoding="utf-8"?>
+<file path=ppt/notesSlides/notesSlide11.xml><?xml version="1.0" encoding="utf-8"?>
 <p:notes xmlns:a="http://schemas.openxmlformats.org/drawingml/2006/main" xmlns:r="http://schemas.openxmlformats.org/officeDocument/2006/relationships" xmlns:p="http://schemas.openxmlformats.org/presentationml/2006/main" showMasterSp="0" showMasterPhAnim="0">
   <p:cSld>
     <p:spTree>
@@ -1327,7 +1131,7 @@
 </p:notes>
 </file>
 
-<file path=ppt/notesSlides/notesSlide13.xml><?xml version="1.0" encoding="utf-8"?>
+<file path=ppt/notesSlides/notesSlide12.xml><?xml version="1.0" encoding="utf-8"?>
 <p:notes xmlns:a="http://schemas.openxmlformats.org/drawingml/2006/main" xmlns:r="http://schemas.openxmlformats.org/officeDocument/2006/relationships" xmlns:p="http://schemas.openxmlformats.org/presentationml/2006/main" showMasterSp="0" showMasterPhAnim="0">
   <p:cSld>
     <p:spTree>
@@ -1507,7 +1311,7 @@
 </p:notes>
 </file>
 
-<file path=ppt/notesSlides/notesSlide14.xml><?xml version="1.0" encoding="utf-8"?>
+<file path=ppt/notesSlides/notesSlide13.xml><?xml version="1.0" encoding="utf-8"?>
 <p:notes xmlns:a="http://schemas.openxmlformats.org/drawingml/2006/main" xmlns:r="http://schemas.openxmlformats.org/officeDocument/2006/relationships" xmlns:p="http://schemas.openxmlformats.org/presentationml/2006/main" showMasterSp="0" showMasterPhAnim="0">
   <p:cSld>
     <p:spTree>
@@ -1611,7 +1415,7 @@
 </p:notes>
 </file>
 
-<file path=ppt/notesSlides/notesSlide15.xml><?xml version="1.0" encoding="utf-8"?>
+<file path=ppt/notesSlides/notesSlide14.xml><?xml version="1.0" encoding="utf-8"?>
 <p:notes xmlns:a="http://schemas.openxmlformats.org/drawingml/2006/main" xmlns:r="http://schemas.openxmlformats.org/officeDocument/2006/relationships" xmlns:p="http://schemas.openxmlformats.org/presentationml/2006/main" showMasterSp="0" showMasterPhAnim="0">
   <p:cSld>
     <p:spTree>
@@ -1796,7 +1600,7 @@
 </p:notes>
 </file>
 
-<file path=ppt/notesSlides/notesSlide16.xml><?xml version="1.0" encoding="utf-8"?>
+<file path=ppt/notesSlides/notesSlide15.xml><?xml version="1.0" encoding="utf-8"?>
 <p:notes xmlns:a="http://schemas.openxmlformats.org/drawingml/2006/main" xmlns:r="http://schemas.openxmlformats.org/officeDocument/2006/relationships" xmlns:p="http://schemas.openxmlformats.org/presentationml/2006/main" showMasterSp="0" showMasterPhAnim="0">
   <p:cSld>
     <p:spTree>
@@ -2375,133 +2179,6 @@
         <p:cNvPr id="1" name="Shape 281">
           <a:extLst>
             <a:ext uri="{FF2B5EF4-FFF2-40B4-BE49-F238E27FC236}">
-              <a16:creationId xmlns:a16="http://schemas.microsoft.com/office/drawing/2014/main" id="{A8B6BCCB-C30F-EC7B-A39B-F2F4B74EA098}"/>
-            </a:ext>
-          </a:extLst>
-        </p:cNvPr>
-        <p:cNvGrpSpPr/>
-        <p:nvPr/>
-      </p:nvGrpSpPr>
-      <p:grpSpPr>
-        <a:xfrm>
-          <a:off x="0" y="0"/>
-          <a:ext cx="0" cy="0"/>
-          <a:chOff x="0" y="0"/>
-          <a:chExt cx="0" cy="0"/>
-        </a:xfrm>
-      </p:grpSpPr>
-      <p:sp>
-        <p:nvSpPr>
-          <p:cNvPr id="282" name="Google Shape;282;ge1d838b627_4_100:notes">
-            <a:extLst>
-              <a:ext uri="{FF2B5EF4-FFF2-40B4-BE49-F238E27FC236}">
-                <a16:creationId xmlns:a16="http://schemas.microsoft.com/office/drawing/2014/main" id="{98996BA7-B5ED-382A-54D0-453EF203CC62}"/>
-              </a:ext>
-            </a:extLst>
-          </p:cNvPr>
-          <p:cNvSpPr>
-            <a:spLocks noGrp="1" noRot="1" noChangeAspect="1"/>
-          </p:cNvSpPr>
-          <p:nvPr>
-            <p:ph type="sldImg" idx="2"/>
-          </p:nvPr>
-        </p:nvSpPr>
-        <p:spPr>
-          <a:xfrm>
-            <a:off x="381000" y="685800"/>
-            <a:ext cx="6096000" cy="3429000"/>
-          </a:xfrm>
-          <a:custGeom>
-            <a:avLst/>
-            <a:gdLst/>
-            <a:ahLst/>
-            <a:cxnLst/>
-            <a:rect l="l" t="t" r="r" b="b"/>
-            <a:pathLst>
-              <a:path w="120000" h="120000" extrusionOk="0">
-                <a:moveTo>
-                  <a:pt x="0" y="0"/>
-                </a:moveTo>
-                <a:lnTo>
-                  <a:pt x="120000" y="0"/>
-                </a:lnTo>
-                <a:lnTo>
-                  <a:pt x="120000" y="120000"/>
-                </a:lnTo>
-                <a:lnTo>
-                  <a:pt x="0" y="120000"/>
-                </a:lnTo>
-                <a:close/>
-              </a:path>
-            </a:pathLst>
-          </a:custGeom>
-        </p:spPr>
-      </p:sp>
-      <p:sp>
-        <p:nvSpPr>
-          <p:cNvPr id="283" name="Google Shape;283;ge1d838b627_4_100:notes">
-            <a:extLst>
-              <a:ext uri="{FF2B5EF4-FFF2-40B4-BE49-F238E27FC236}">
-                <a16:creationId xmlns:a16="http://schemas.microsoft.com/office/drawing/2014/main" id="{46652D8C-7ABE-460B-B613-3F4772B5F30B}"/>
-              </a:ext>
-            </a:extLst>
-          </p:cNvPr>
-          <p:cNvSpPr txBox="1">
-            <a:spLocks noGrp="1"/>
-          </p:cNvSpPr>
-          <p:nvPr>
-            <p:ph type="body" idx="1"/>
-          </p:nvPr>
-        </p:nvSpPr>
-        <p:spPr>
-          <a:xfrm>
-            <a:off x="685800" y="4343400"/>
-            <a:ext cx="5486400" cy="4114800"/>
-          </a:xfrm>
-          <a:prstGeom prst="rect">
-            <a:avLst/>
-          </a:prstGeom>
-        </p:spPr>
-        <p:txBody>
-          <a:bodyPr spcFirstLastPara="1" wrap="square" lIns="91425" tIns="91425" rIns="91425" bIns="91425" anchor="t" anchorCtr="0">
-            <a:noAutofit/>
-          </a:bodyPr>
-          <a:lstStyle/>
-          <a:p>
-            <a:pPr marL="0" lvl="0" indent="0" algn="l" rtl="0">
-              <a:spcBef>
-                <a:spcPts val="0"/>
-              </a:spcBef>
-              <a:spcAft>
-                <a:spcPts val="0"/>
-              </a:spcAft>
-              <a:buNone/>
-            </a:pPr>
-            <a:endParaRPr/>
-          </a:p>
-        </p:txBody>
-      </p:sp>
-    </p:spTree>
-    <p:extLst>
-      <p:ext uri="{BB962C8B-B14F-4D97-AF65-F5344CB8AC3E}">
-        <p14:creationId xmlns:p14="http://schemas.microsoft.com/office/powerpoint/2010/main" val="691461543"/>
-      </p:ext>
-    </p:extLst>
-  </p:cSld>
-  <p:clrMapOvr>
-    <a:masterClrMapping/>
-  </p:clrMapOvr>
-</p:notes>
-</file>
-
-<file path=ppt/notesSlides/notesSlide6.xml><?xml version="1.0" encoding="utf-8"?>
-<p:notes xmlns:a="http://schemas.openxmlformats.org/drawingml/2006/main" xmlns:r="http://schemas.openxmlformats.org/officeDocument/2006/relationships" xmlns:p="http://schemas.openxmlformats.org/presentationml/2006/main" showMasterSp="0" showMasterPhAnim="0">
-  <p:cSld>
-    <p:spTree>
-      <p:nvGrpSpPr>
-        <p:cNvPr id="1" name="Shape 281">
-          <a:extLst>
-            <a:ext uri="{FF2B5EF4-FFF2-40B4-BE49-F238E27FC236}">
               <a16:creationId xmlns:a16="http://schemas.microsoft.com/office/drawing/2014/main" id="{C8FEA8E7-CC18-435F-FE48-C50F36C8B903}"/>
             </a:ext>
           </a:extLst>
@@ -2621,7 +2298,7 @@
 </p:notes>
 </file>
 
-<file path=ppt/notesSlides/notesSlide7.xml><?xml version="1.0" encoding="utf-8"?>
+<file path=ppt/notesSlides/notesSlide6.xml><?xml version="1.0" encoding="utf-8"?>
 <p:notes xmlns:a="http://schemas.openxmlformats.org/drawingml/2006/main" xmlns:r="http://schemas.openxmlformats.org/officeDocument/2006/relationships" xmlns:p="http://schemas.openxmlformats.org/presentationml/2006/main" showMasterSp="0" showMasterPhAnim="0">
   <p:cSld>
     <p:spTree>
@@ -2748,7 +2425,7 @@
 </p:notes>
 </file>
 
-<file path=ppt/notesSlides/notesSlide8.xml><?xml version="1.0" encoding="utf-8"?>
+<file path=ppt/notesSlides/notesSlide7.xml><?xml version="1.0" encoding="utf-8"?>
 <p:notes xmlns:a="http://schemas.openxmlformats.org/drawingml/2006/main" xmlns:r="http://schemas.openxmlformats.org/officeDocument/2006/relationships" xmlns:p="http://schemas.openxmlformats.org/presentationml/2006/main" showMasterSp="0" showMasterPhAnim="0">
   <p:cSld>
     <p:spTree>
@@ -2852,7 +2529,7 @@
 </p:notes>
 </file>
 
-<file path=ppt/notesSlides/notesSlide9.xml><?xml version="1.0" encoding="utf-8"?>
+<file path=ppt/notesSlides/notesSlide8.xml><?xml version="1.0" encoding="utf-8"?>
 <p:notes xmlns:a="http://schemas.openxmlformats.org/drawingml/2006/main" xmlns:r="http://schemas.openxmlformats.org/officeDocument/2006/relationships" xmlns:p="http://schemas.openxmlformats.org/presentationml/2006/main" showMasterSp="0" showMasterPhAnim="0">
   <p:cSld>
     <p:spTree>
@@ -2981,6 +2658,194 @@
               <a:buNone/>
             </a:pPr>
             <a:endParaRPr lang="fr-FR" dirty="0"/>
+          </a:p>
+          <a:p>
+            <a:pPr marL="0" lvl="0" indent="0" algn="l" rtl="0">
+              <a:spcBef>
+                <a:spcPts val="0"/>
+              </a:spcBef>
+              <a:spcAft>
+                <a:spcPts val="0"/>
+              </a:spcAft>
+              <a:buNone/>
+            </a:pPr>
+            <a:endParaRPr dirty="0"/>
+          </a:p>
+        </p:txBody>
+      </p:sp>
+    </p:spTree>
+  </p:cSld>
+  <p:clrMapOvr>
+    <a:masterClrMapping/>
+  </p:clrMapOvr>
+</p:notes>
+</file>
+
+<file path=ppt/notesSlides/notesSlide9.xml><?xml version="1.0" encoding="utf-8"?>
+<p:notes xmlns:a="http://schemas.openxmlformats.org/drawingml/2006/main" xmlns:r="http://schemas.openxmlformats.org/officeDocument/2006/relationships" xmlns:p="http://schemas.openxmlformats.org/presentationml/2006/main" showMasterSp="0" showMasterPhAnim="0">
+  <p:cSld>
+    <p:spTree>
+      <p:nvGrpSpPr>
+        <p:cNvPr id="1" name="Shape 245"/>
+        <p:cNvGrpSpPr/>
+        <p:nvPr/>
+      </p:nvGrpSpPr>
+      <p:grpSpPr>
+        <a:xfrm>
+          <a:off x="0" y="0"/>
+          <a:ext cx="0" cy="0"/>
+          <a:chOff x="0" y="0"/>
+          <a:chExt cx="0" cy="0"/>
+        </a:xfrm>
+      </p:grpSpPr>
+      <p:sp>
+        <p:nvSpPr>
+          <p:cNvPr id="246" name="Google Shape;246;ge1d838b627_4_19:notes"/>
+          <p:cNvSpPr>
+            <a:spLocks noGrp="1" noRot="1" noChangeAspect="1"/>
+          </p:cNvSpPr>
+          <p:nvPr>
+            <p:ph type="sldImg" idx="2"/>
+          </p:nvPr>
+        </p:nvSpPr>
+        <p:spPr>
+          <a:xfrm>
+            <a:off x="381000" y="685800"/>
+            <a:ext cx="6096000" cy="3429000"/>
+          </a:xfrm>
+          <a:custGeom>
+            <a:avLst/>
+            <a:gdLst/>
+            <a:ahLst/>
+            <a:cxnLst/>
+            <a:rect l="l" t="t" r="r" b="b"/>
+            <a:pathLst>
+              <a:path w="120000" h="120000" extrusionOk="0">
+                <a:moveTo>
+                  <a:pt x="0" y="0"/>
+                </a:moveTo>
+                <a:lnTo>
+                  <a:pt x="120000" y="0"/>
+                </a:lnTo>
+                <a:lnTo>
+                  <a:pt x="120000" y="120000"/>
+                </a:lnTo>
+                <a:lnTo>
+                  <a:pt x="0" y="120000"/>
+                </a:lnTo>
+                <a:close/>
+              </a:path>
+            </a:pathLst>
+          </a:custGeom>
+        </p:spPr>
+      </p:sp>
+      <p:sp>
+        <p:nvSpPr>
+          <p:cNvPr id="247" name="Google Shape;247;ge1d838b627_4_19:notes"/>
+          <p:cNvSpPr txBox="1">
+            <a:spLocks noGrp="1"/>
+          </p:cNvSpPr>
+          <p:nvPr>
+            <p:ph type="body" idx="1"/>
+          </p:nvPr>
+        </p:nvSpPr>
+        <p:spPr>
+          <a:xfrm>
+            <a:off x="685800" y="4343400"/>
+            <a:ext cx="5486400" cy="4114800"/>
+          </a:xfrm>
+          <a:prstGeom prst="rect">
+            <a:avLst/>
+          </a:prstGeom>
+        </p:spPr>
+        <p:txBody>
+          <a:bodyPr spcFirstLastPara="1" wrap="square" lIns="91425" tIns="91425" rIns="91425" bIns="91425" anchor="t" anchorCtr="0">
+            <a:noAutofit/>
+          </a:bodyPr>
+          <a:lstStyle/>
+          <a:p>
+            <a:pPr marL="158750" indent="0">
+              <a:buNone/>
+            </a:pPr>
+            <a:r>
+              <a:rPr lang="fr-FR" b="1" dirty="0"/>
+              <a:t>Supporté </a:t>
+            </a:r>
+          </a:p>
+          <a:p>
+            <a:r>
+              <a:rPr lang="fr-FR" dirty="0"/>
+              <a:t>Sous-ensemble d’instructions (celles de notre CPU)</a:t>
+            </a:r>
+          </a:p>
+          <a:p>
+            <a:r>
+              <a:rPr lang="fr-FR" b="1" dirty="0"/>
+              <a:t>Immédiats / offsets</a:t>
+            </a:r>
+            <a:r>
+              <a:rPr lang="fr-FR" dirty="0"/>
+              <a:t> dans les limites</a:t>
+            </a:r>
+          </a:p>
+          <a:p>
+            <a:r>
+              <a:rPr lang="fr-FR" b="1" dirty="0"/>
+              <a:t>Commentaires</a:t>
+            </a:r>
+            <a:r>
+              <a:rPr lang="fr-FR" dirty="0"/>
+              <a:t> ignorés</a:t>
+            </a:r>
+          </a:p>
+          <a:p>
+            <a:r>
+              <a:rPr lang="fr-FR" b="1" dirty="0"/>
+              <a:t>Labels + branches</a:t>
+            </a:r>
+            <a:r>
+              <a:rPr lang="fr-FR" dirty="0"/>
+              <a:t> (sauts)</a:t>
+            </a:r>
+          </a:p>
+          <a:p>
+            <a:pPr marL="158750" indent="0">
+              <a:buNone/>
+            </a:pPr>
+            <a:endParaRPr lang="fr-FR" dirty="0"/>
+          </a:p>
+          <a:p>
+            <a:pPr marL="158750" indent="0">
+              <a:buNone/>
+            </a:pPr>
+            <a:r>
+              <a:rPr lang="fr-FR" b="1" dirty="0"/>
+              <a:t>Vérifications </a:t>
+            </a:r>
+          </a:p>
+          <a:p>
+            <a:r>
+              <a:rPr lang="fr-FR" dirty="0"/>
+              <a:t>format d’instruction invalide</a:t>
+            </a:r>
+          </a:p>
+          <a:p>
+            <a:r>
+              <a:rPr lang="fr-FR" dirty="0"/>
+              <a:t>registre invalide</a:t>
+            </a:r>
+          </a:p>
+          <a:p>
+            <a:r>
+              <a:rPr lang="fr-FR" dirty="0"/>
+              <a:t>immédiat/offset trop grand</a:t>
+            </a:r>
+          </a:p>
+          <a:p>
+            <a:r>
+              <a:rPr lang="fr-FR" dirty="0"/>
+              <a:t>label inconnu</a:t>
+            </a:r>
           </a:p>
           <a:p>
             <a:pPr marL="0" lvl="0" indent="0" algn="l" rtl="0">
@@ -14675,285 +14540,6 @@
   <p:cSld>
     <p:spTree>
       <p:nvGrpSpPr>
-        <p:cNvPr id="1" name="Shape 248"/>
-        <p:cNvGrpSpPr/>
-        <p:nvPr/>
-      </p:nvGrpSpPr>
-      <p:grpSpPr>
-        <a:xfrm>
-          <a:off x="0" y="0"/>
-          <a:ext cx="0" cy="0"/>
-          <a:chOff x="0" y="0"/>
-          <a:chExt cx="0" cy="0"/>
-        </a:xfrm>
-      </p:grpSpPr>
-      <p:sp>
-        <p:nvSpPr>
-          <p:cNvPr id="250" name="Google Shape;250;p31"/>
-          <p:cNvSpPr txBox="1">
-            <a:spLocks noGrp="1"/>
-          </p:cNvSpPr>
-          <p:nvPr>
-            <p:ph type="title"/>
-          </p:nvPr>
-        </p:nvSpPr>
-        <p:spPr>
-          <a:xfrm>
-            <a:off x="3789425" y="795800"/>
-            <a:ext cx="4547700" cy="1255500"/>
-          </a:xfrm>
-          <a:prstGeom prst="rect">
-            <a:avLst/>
-          </a:prstGeom>
-        </p:spPr>
-        <p:txBody>
-          <a:bodyPr spcFirstLastPara="1" wrap="square" lIns="91425" tIns="91425" rIns="91425" bIns="91425" anchor="t" anchorCtr="0">
-            <a:noAutofit/>
-          </a:bodyPr>
-          <a:lstStyle/>
-          <a:p>
-            <a:pPr lvl="0"/>
-            <a:r>
-              <a:rPr lang="fr-FR" dirty="0">
-                <a:hlinkClick r:id="rId3" action="ppaction://hlinkfile"/>
-              </a:rPr>
-              <a:t>Assembleur / Parseur</a:t>
-            </a:r>
-            <a:endParaRPr dirty="0"/>
-          </a:p>
-        </p:txBody>
-      </p:sp>
-      <p:sp>
-        <p:nvSpPr>
-          <p:cNvPr id="251" name="Google Shape;251;p31"/>
-          <p:cNvSpPr txBox="1">
-            <a:spLocks noGrp="1"/>
-          </p:cNvSpPr>
-          <p:nvPr>
-            <p:ph type="body" idx="1"/>
-          </p:nvPr>
-        </p:nvSpPr>
-        <p:spPr>
-          <a:xfrm>
-            <a:off x="3681375" y="1423550"/>
-            <a:ext cx="4940100" cy="2532600"/>
-          </a:xfrm>
-          <a:prstGeom prst="rect">
-            <a:avLst/>
-          </a:prstGeom>
-        </p:spPr>
-        <p:txBody>
-          <a:bodyPr spcFirstLastPara="1" wrap="square" lIns="91425" tIns="91425" rIns="91425" bIns="91425" anchor="t" anchorCtr="0">
-            <a:noAutofit/>
-          </a:bodyPr>
-          <a:lstStyle/>
-          <a:p>
-            <a:pPr marL="0" lvl="0" indent="0">
-              <a:buClr>
-                <a:srgbClr val="273D40"/>
-              </a:buClr>
-              <a:buSzPts val="600"/>
-              <a:buNone/>
-            </a:pPr>
-            <a:r>
-              <a:rPr lang="fr-FR" dirty="0"/>
-              <a:t>Transformer un programme assembleur en fichier ROM compatible </a:t>
-            </a:r>
-            <a:r>
-              <a:rPr lang="fr-FR" dirty="0" err="1"/>
-              <a:t>Logisim</a:t>
-            </a:r>
-            <a:r>
-              <a:rPr lang="fr-FR" dirty="0"/>
-              <a:t> pour exécuter sur notre CPU.</a:t>
-            </a:r>
-          </a:p>
-          <a:p>
-            <a:pPr marL="0" lvl="0" indent="0">
-              <a:buClr>
-                <a:srgbClr val="273D40"/>
-              </a:buClr>
-              <a:buSzPts val="600"/>
-              <a:buNone/>
-            </a:pPr>
-            <a:endParaRPr lang="fr-FR" dirty="0"/>
-          </a:p>
-          <a:p>
-            <a:r>
-              <a:rPr lang="fr-FR" dirty="0"/>
-              <a:t>Entrée : fichier .s (code assembleur)</a:t>
-            </a:r>
-          </a:p>
-          <a:p>
-            <a:r>
-              <a:rPr lang="fr-FR" dirty="0"/>
-              <a:t>Analyse : lecture ligne par ligne, découpage en </a:t>
-            </a:r>
-            <a:r>
-              <a:rPr lang="fr-FR" dirty="0" err="1"/>
-              <a:t>tokens</a:t>
-            </a:r>
-            <a:r>
-              <a:rPr lang="fr-FR" dirty="0"/>
-              <a:t>, gestion labels</a:t>
-            </a:r>
-          </a:p>
-          <a:p>
-            <a:r>
-              <a:rPr lang="fr-FR" dirty="0"/>
-              <a:t>Encodage : conversion en instructions 16 bits (et gestion des erreurs)</a:t>
-            </a:r>
-          </a:p>
-          <a:p>
-            <a:r>
-              <a:rPr lang="fr-FR" dirty="0"/>
-              <a:t>Sortie : fichier .</a:t>
-            </a:r>
-            <a:r>
-              <a:rPr lang="fr-FR" dirty="0" err="1"/>
-              <a:t>hex</a:t>
-            </a:r>
-            <a:r>
-              <a:rPr lang="fr-FR" dirty="0"/>
-              <a:t> </a:t>
-            </a:r>
-            <a:r>
-              <a:rPr lang="fr-FR" dirty="0" err="1"/>
-              <a:t>Logisim</a:t>
-            </a:r>
-            <a:endParaRPr lang="fr-FR" dirty="0"/>
-          </a:p>
-          <a:p>
-            <a:pPr marL="0" lvl="0" indent="0">
-              <a:buClr>
-                <a:srgbClr val="273D40"/>
-              </a:buClr>
-              <a:buSzPts val="600"/>
-              <a:buNone/>
-            </a:pPr>
-            <a:endParaRPr dirty="0"/>
-          </a:p>
-        </p:txBody>
-      </p:sp>
-      <p:grpSp>
-        <p:nvGrpSpPr>
-          <p:cNvPr id="252" name="Google Shape;252;p31"/>
-          <p:cNvGrpSpPr/>
-          <p:nvPr/>
-        </p:nvGrpSpPr>
-        <p:grpSpPr>
-          <a:xfrm>
-            <a:off x="511225" y="947025"/>
-            <a:ext cx="2971350" cy="265500"/>
-            <a:chOff x="511225" y="947025"/>
-            <a:chExt cx="2971350" cy="265500"/>
-          </a:xfrm>
-        </p:grpSpPr>
-        <p:pic>
-          <p:nvPicPr>
-            <p:cNvPr id="253" name="Google Shape;253;p31" title="Sin título-2.png"/>
-            <p:cNvPicPr preferRelativeResize="0"/>
-            <p:nvPr/>
-          </p:nvPicPr>
-          <p:blipFill rotWithShape="1">
-            <a:blip r:embed="rId4">
-              <a:alphaModFix/>
-            </a:blip>
-            <a:srcRect l="60127"/>
-            <a:stretch/>
-          </p:blipFill>
-          <p:spPr>
-            <a:xfrm>
-              <a:off x="512775" y="947025"/>
-              <a:ext cx="2969800" cy="265500"/>
-            </a:xfrm>
-            <a:prstGeom prst="rect">
-              <a:avLst/>
-            </a:prstGeom>
-            <a:noFill/>
-            <a:ln>
-              <a:noFill/>
-            </a:ln>
-          </p:spPr>
-        </p:pic>
-        <p:pic>
-          <p:nvPicPr>
-            <p:cNvPr id="254" name="Google Shape;254;p31" title="Sin título-2.png"/>
-            <p:cNvPicPr preferRelativeResize="0"/>
-            <p:nvPr/>
-          </p:nvPicPr>
-          <p:blipFill rotWithShape="1">
-            <a:blip r:embed="rId4">
-              <a:alphaModFix/>
-            </a:blip>
-            <a:srcRect l="60127"/>
-            <a:stretch/>
-          </p:blipFill>
-          <p:spPr>
-            <a:xfrm>
-              <a:off x="511225" y="947025"/>
-              <a:ext cx="2969800" cy="265500"/>
-            </a:xfrm>
-            <a:prstGeom prst="rect">
-              <a:avLst/>
-            </a:prstGeom>
-            <a:noFill/>
-            <a:ln>
-              <a:noFill/>
-            </a:ln>
-          </p:spPr>
-        </p:pic>
-      </p:grpSp>
-      <p:pic>
-        <p:nvPicPr>
-          <p:cNvPr id="7" name="Picture Placeholder 6">
-            <a:extLst>
-              <a:ext uri="{FF2B5EF4-FFF2-40B4-BE49-F238E27FC236}">
-                <a16:creationId xmlns:a16="http://schemas.microsoft.com/office/drawing/2014/main" id="{6B570875-A4C8-1D88-0204-82A4C3AC787D}"/>
-              </a:ext>
-            </a:extLst>
-          </p:cNvPr>
-          <p:cNvPicPr>
-            <a:picLocks noGrp="1" noChangeAspect="1"/>
-          </p:cNvPicPr>
-          <p:nvPr>
-            <p:ph type="pic" idx="2"/>
-          </p:nvPr>
-        </p:nvPicPr>
-        <p:blipFill>
-          <a:blip r:embed="rId5"/>
-          <a:srcRect l="187" r="187"/>
-          <a:stretch/>
-        </p:blipFill>
-        <p:spPr>
-          <a:prstGeom prst="rect">
-            <a:avLst/>
-          </a:prstGeom>
-          <a:noFill/>
-          <a:ln w="9525" cap="flat" cmpd="sng">
-            <a:solidFill>
-              <a:srgbClr val="707070"/>
-            </a:solidFill>
-            <a:prstDash val="solid"/>
-            <a:round/>
-            <a:headEnd type="none" w="sm" len="sm"/>
-            <a:tailEnd type="none" w="sm" len="sm"/>
-          </a:ln>
-        </p:spPr>
-      </p:pic>
-    </p:spTree>
-  </p:cSld>
-  <p:clrMapOvr>
-    <a:masterClrMapping/>
-  </p:clrMapOvr>
-</p:sld>
-</file>
-
-<file path=ppt/slides/slide11.xml><?xml version="1.0" encoding="utf-8"?>
-<p:sld xmlns:a="http://schemas.openxmlformats.org/drawingml/2006/main" xmlns:r="http://schemas.openxmlformats.org/officeDocument/2006/relationships" xmlns:p="http://schemas.openxmlformats.org/presentationml/2006/main">
-  <p:cSld>
-    <p:spTree>
-      <p:nvGrpSpPr>
         <p:cNvPr id="1" name="Shape 269"/>
         <p:cNvGrpSpPr/>
         <p:nvPr/>
@@ -15725,7 +15311,7 @@
 </p:sld>
 </file>
 
-<file path=ppt/slides/slide12.xml><?xml version="1.0" encoding="utf-8"?>
+<file path=ppt/slides/slide11.xml><?xml version="1.0" encoding="utf-8"?>
 <p:sld xmlns:a="http://schemas.openxmlformats.org/drawingml/2006/main" xmlns:r="http://schemas.openxmlformats.org/officeDocument/2006/relationships" xmlns:p="http://schemas.openxmlformats.org/presentationml/2006/main">
   <p:cSld>
     <p:spTree>
@@ -15968,7 +15554,7 @@
 </p:sld>
 </file>
 
-<file path=ppt/slides/slide13.xml><?xml version="1.0" encoding="utf-8"?>
+<file path=ppt/slides/slide12.xml><?xml version="1.0" encoding="utf-8"?>
 <p:sld xmlns:a="http://schemas.openxmlformats.org/drawingml/2006/main" xmlns:r="http://schemas.openxmlformats.org/officeDocument/2006/relationships" xmlns:p="http://schemas.openxmlformats.org/presentationml/2006/main">
   <p:cSld>
     <p:spTree>
@@ -16027,7 +15613,7 @@
         </p:nvSpPr>
         <p:spPr>
           <a:xfrm>
-            <a:off x="341850" y="3717724"/>
+            <a:off x="951637" y="1507573"/>
             <a:ext cx="2078077" cy="386700"/>
           </a:xfrm>
           <a:prstGeom prst="rect">
@@ -16085,7 +15671,7 @@
         </p:nvSpPr>
         <p:spPr>
           <a:xfrm>
-            <a:off x="2514476" y="3717724"/>
+            <a:off x="951637" y="2903310"/>
             <a:ext cx="2741015" cy="386700"/>
           </a:xfrm>
           <a:prstGeom prst="rect">
@@ -16131,302 +15717,6 @@
               <a:ea typeface="VT323"/>
               <a:cs typeface="VT323"/>
               <a:sym typeface="VT323"/>
-            </a:endParaRPr>
-          </a:p>
-        </p:txBody>
-      </p:sp>
-      <p:sp>
-        <p:nvSpPr>
-          <p:cNvPr id="354" name="Google Shape;354;p39"/>
-          <p:cNvSpPr txBox="1"/>
-          <p:nvPr/>
-        </p:nvSpPr>
-        <p:spPr>
-          <a:xfrm>
-            <a:off x="4572000" y="2074574"/>
-            <a:ext cx="4344300" cy="246600"/>
-          </a:xfrm>
-          <a:prstGeom prst="rect">
-            <a:avLst/>
-          </a:prstGeom>
-          <a:noFill/>
-          <a:ln>
-            <a:noFill/>
-          </a:ln>
-        </p:spPr>
-        <p:txBody>
-          <a:bodyPr spcFirstLastPara="1" wrap="square" lIns="91425" tIns="91425" rIns="91425" bIns="91425" anchor="ctr" anchorCtr="0">
-            <a:noAutofit/>
-          </a:bodyPr>
-          <a:lstStyle/>
-          <a:p>
-            <a:pPr marL="0" lvl="0" indent="0" algn="l" rtl="0">
-              <a:spcBef>
-                <a:spcPts val="0"/>
-              </a:spcBef>
-              <a:spcAft>
-                <a:spcPts val="0"/>
-              </a:spcAft>
-              <a:buNone/>
-            </a:pPr>
-            <a:r>
-              <a:rPr lang="en" sz="1000" b="1" u="sng" dirty="0">
-                <a:solidFill>
-                  <a:srgbClr val="C00000"/>
-                </a:solidFill>
-                <a:latin typeface="Roboto Mono"/>
-                <a:ea typeface="Roboto Mono"/>
-                <a:cs typeface="Roboto Mono"/>
-                <a:sym typeface="Roboto Mono"/>
-              </a:rPr>
-              <a:t>DEMANDER a chat de faire un graphe </a:t>
-            </a:r>
-            <a:endParaRPr sz="1000" b="1" u="sng" dirty="0">
-              <a:solidFill>
-                <a:srgbClr val="C00000"/>
-              </a:solidFill>
-              <a:latin typeface="Roboto Mono"/>
-              <a:ea typeface="Roboto Mono"/>
-              <a:cs typeface="Roboto Mono"/>
-              <a:sym typeface="Roboto Mono"/>
-            </a:endParaRPr>
-          </a:p>
-        </p:txBody>
-      </p:sp>
-      <p:sp>
-        <p:nvSpPr>
-          <p:cNvPr id="355" name="Google Shape;355;p39"/>
-          <p:cNvSpPr/>
-          <p:nvPr/>
-        </p:nvSpPr>
-        <p:spPr>
-          <a:xfrm>
-            <a:off x="424826" y="3563260"/>
-            <a:ext cx="389700" cy="100800"/>
-          </a:xfrm>
-          <a:prstGeom prst="rect">
-            <a:avLst/>
-          </a:prstGeom>
-          <a:solidFill>
-            <a:schemeClr val="dk1"/>
-          </a:solidFill>
-          <a:ln>
-            <a:noFill/>
-          </a:ln>
-        </p:spPr>
-        <p:txBody>
-          <a:bodyPr spcFirstLastPara="1" wrap="square" lIns="91425" tIns="91425" rIns="91425" bIns="91425" anchor="ctr" anchorCtr="0">
-            <a:noAutofit/>
-          </a:bodyPr>
-          <a:lstStyle/>
-          <a:p>
-            <a:pPr marL="0" lvl="0" indent="0" algn="ctr" rtl="0">
-              <a:spcBef>
-                <a:spcPts val="0"/>
-              </a:spcBef>
-              <a:spcAft>
-                <a:spcPts val="0"/>
-              </a:spcAft>
-              <a:buNone/>
-            </a:pPr>
-            <a:endParaRPr>
-              <a:latin typeface="Open Sans"/>
-              <a:ea typeface="Open Sans"/>
-              <a:cs typeface="Open Sans"/>
-              <a:sym typeface="Open Sans"/>
-            </a:endParaRPr>
-          </a:p>
-        </p:txBody>
-      </p:sp>
-      <p:sp>
-        <p:nvSpPr>
-          <p:cNvPr id="356" name="Google Shape;356;p39"/>
-          <p:cNvSpPr/>
-          <p:nvPr/>
-        </p:nvSpPr>
-        <p:spPr>
-          <a:xfrm>
-            <a:off x="2590676" y="3563260"/>
-            <a:ext cx="389700" cy="100800"/>
-          </a:xfrm>
-          <a:prstGeom prst="rect">
-            <a:avLst/>
-          </a:prstGeom>
-          <a:solidFill>
-            <a:schemeClr val="dk2"/>
-          </a:solidFill>
-          <a:ln>
-            <a:noFill/>
-          </a:ln>
-        </p:spPr>
-        <p:txBody>
-          <a:bodyPr spcFirstLastPara="1" wrap="square" lIns="91425" tIns="91425" rIns="91425" bIns="91425" anchor="ctr" anchorCtr="0">
-            <a:noAutofit/>
-          </a:bodyPr>
-          <a:lstStyle/>
-          <a:p>
-            <a:pPr marL="0" lvl="0" indent="0" algn="ctr" rtl="0">
-              <a:spcBef>
-                <a:spcPts val="0"/>
-              </a:spcBef>
-              <a:spcAft>
-                <a:spcPts val="0"/>
-              </a:spcAft>
-              <a:buNone/>
-            </a:pPr>
-            <a:endParaRPr>
-              <a:latin typeface="Open Sans"/>
-              <a:ea typeface="Open Sans"/>
-              <a:cs typeface="Open Sans"/>
-              <a:sym typeface="Open Sans"/>
-            </a:endParaRPr>
-          </a:p>
-        </p:txBody>
-      </p:sp>
-      <p:pic>
-        <p:nvPicPr>
-          <p:cNvPr id="357" name="Google Shape;357;p39" title="Chart">
-            <a:hlinkClick r:id="rId3"/>
-          </p:cNvPr>
-          <p:cNvPicPr preferRelativeResize="0"/>
-          <p:nvPr/>
-        </p:nvPicPr>
-        <p:blipFill>
-          <a:blip r:embed="rId4">
-            <a:alphaModFix/>
-          </a:blip>
-          <a:stretch>
-            <a:fillRect/>
-          </a:stretch>
-        </p:blipFill>
-        <p:spPr>
-          <a:xfrm>
-            <a:off x="424825" y="1320565"/>
-            <a:ext cx="3372301" cy="1456485"/>
-          </a:xfrm>
-          <a:prstGeom prst="rect">
-            <a:avLst/>
-          </a:prstGeom>
-          <a:noFill/>
-          <a:ln>
-            <a:noFill/>
-          </a:ln>
-        </p:spPr>
-      </p:pic>
-      <p:sp>
-        <p:nvSpPr>
-          <p:cNvPr id="2" name="Google Shape;352;p39">
-            <a:extLst>
-              <a:ext uri="{FF2B5EF4-FFF2-40B4-BE49-F238E27FC236}">
-                <a16:creationId xmlns:a16="http://schemas.microsoft.com/office/drawing/2014/main" id="{45FB7F7F-F4B0-797F-5B65-ACBC2C3FD4C4}"/>
-              </a:ext>
-            </a:extLst>
-          </p:cNvPr>
-          <p:cNvSpPr txBox="1"/>
-          <p:nvPr/>
-        </p:nvSpPr>
-        <p:spPr>
-          <a:xfrm>
-            <a:off x="5576330" y="3705392"/>
-            <a:ext cx="2741015" cy="671469"/>
-          </a:xfrm>
-          <a:prstGeom prst="rect">
-            <a:avLst/>
-          </a:prstGeom>
-          <a:noFill/>
-          <a:ln>
-            <a:noFill/>
-          </a:ln>
-        </p:spPr>
-        <p:txBody>
-          <a:bodyPr spcFirstLastPara="1" wrap="square" lIns="91425" tIns="91425" rIns="91425" bIns="91425" anchor="b" anchorCtr="0">
-            <a:noAutofit/>
-          </a:bodyPr>
-          <a:lstStyle/>
-          <a:p>
-            <a:pPr marL="0" lvl="0" indent="0" algn="l" rtl="0">
-              <a:spcBef>
-                <a:spcPts val="0"/>
-              </a:spcBef>
-              <a:spcAft>
-                <a:spcPts val="0"/>
-              </a:spcAft>
-              <a:buNone/>
-            </a:pPr>
-            <a:r>
-              <a:rPr lang="fr-FR" sz="2000" dirty="0">
-                <a:solidFill>
-                  <a:schemeClr val="dk1"/>
-                </a:solidFill>
-                <a:latin typeface="VT323"/>
-                <a:ea typeface="VT323"/>
-                <a:cs typeface="VT323"/>
-                <a:sym typeface="VT323"/>
-              </a:rPr>
-              <a:t>Tests d’intégration parseur/assembleur :</a:t>
-            </a:r>
-            <a:endParaRPr sz="2000" dirty="0">
-              <a:solidFill>
-                <a:schemeClr val="dk1"/>
-              </a:solidFill>
-              <a:latin typeface="VT323"/>
-              <a:ea typeface="VT323"/>
-              <a:cs typeface="VT323"/>
-              <a:sym typeface="VT323"/>
-            </a:endParaRPr>
-          </a:p>
-        </p:txBody>
-      </p:sp>
-      <p:sp>
-        <p:nvSpPr>
-          <p:cNvPr id="3" name="Google Shape;356;p39">
-            <a:extLst>
-              <a:ext uri="{FF2B5EF4-FFF2-40B4-BE49-F238E27FC236}">
-                <a16:creationId xmlns:a16="http://schemas.microsoft.com/office/drawing/2014/main" id="{D7656AAB-A8F1-5C81-7A9D-B2781D887EA7}"/>
-              </a:ext>
-            </a:extLst>
-          </p:cNvPr>
-          <p:cNvSpPr/>
-          <p:nvPr/>
-        </p:nvSpPr>
-        <p:spPr>
-          <a:xfrm>
-            <a:off x="5680239" y="3563260"/>
-            <a:ext cx="389700" cy="100800"/>
-          </a:xfrm>
-          <a:prstGeom prst="rect">
-            <a:avLst/>
-          </a:prstGeom>
-          <a:solidFill>
-            <a:schemeClr val="tx1">
-              <a:lumMod val="25000"/>
-              <a:lumOff val="75000"/>
-            </a:schemeClr>
-          </a:solidFill>
-          <a:ln>
-            <a:noFill/>
-          </a:ln>
-        </p:spPr>
-        <p:txBody>
-          <a:bodyPr spcFirstLastPara="1" wrap="square" lIns="91425" tIns="91425" rIns="91425" bIns="91425" anchor="ctr" anchorCtr="0">
-            <a:noAutofit/>
-          </a:bodyPr>
-          <a:lstStyle/>
-          <a:p>
-            <a:pPr marL="0" lvl="0" indent="0" algn="ctr" rtl="0">
-              <a:spcBef>
-                <a:spcPts val="0"/>
-              </a:spcBef>
-              <a:spcAft>
-                <a:spcPts val="0"/>
-              </a:spcAft>
-              <a:buNone/>
-            </a:pPr>
-            <a:endParaRPr>
-              <a:latin typeface="Open Sans"/>
-              <a:ea typeface="Open Sans"/>
-              <a:cs typeface="Open Sans"/>
-              <a:sym typeface="Open Sans"/>
             </a:endParaRPr>
           </a:p>
         </p:txBody>
@@ -16445,7 +15735,7 @@
         </p:nvSpPr>
         <p:spPr>
           <a:xfrm>
-            <a:off x="424826" y="4376861"/>
+            <a:off x="979737" y="3387391"/>
             <a:ext cx="4572000" cy="369332"/>
           </a:xfrm>
           <a:prstGeom prst="rect">
@@ -16463,7 +15753,7 @@
               <a:rPr lang="fr-FR" sz="1800" dirty="0">
                 <a:latin typeface="VT323" panose="020B0604020202020204" charset="0"/>
               </a:rPr>
-              <a:t>____%</a:t>
+              <a:t>91%</a:t>
             </a:r>
           </a:p>
         </p:txBody>
@@ -16482,7 +15772,7 @@
         </p:nvSpPr>
         <p:spPr>
           <a:xfrm>
-            <a:off x="2590676" y="4376861"/>
+            <a:off x="979737" y="2004108"/>
             <a:ext cx="2914197" cy="369332"/>
           </a:xfrm>
           <a:prstGeom prst="rect">
@@ -16500,48 +15790,41 @@
               <a:rPr lang="fr-FR" sz="1800" dirty="0">
                 <a:latin typeface="VT323" panose="020B0604020202020204" charset="0"/>
               </a:rPr>
-              <a:t>____%</a:t>
+              <a:t>98,9%</a:t>
             </a:r>
           </a:p>
         </p:txBody>
       </p:sp>
-      <p:sp>
-        <p:nvSpPr>
-          <p:cNvPr id="10" name="TextBox 9">
+      <p:pic>
+        <p:nvPicPr>
+          <p:cNvPr id="6" name="Image 5">
             <a:extLst>
               <a:ext uri="{FF2B5EF4-FFF2-40B4-BE49-F238E27FC236}">
-                <a16:creationId xmlns:a16="http://schemas.microsoft.com/office/drawing/2014/main" id="{32436F47-7AA3-BA94-5A8E-588B8093EBC2}"/>
+                <a16:creationId xmlns:a16="http://schemas.microsoft.com/office/drawing/2014/main" id="{0ED77EEB-6AFD-39B3-D2EF-061FABB60DCE}"/>
               </a:ext>
             </a:extLst>
           </p:cNvPr>
-          <p:cNvSpPr txBox="1"/>
+          <p:cNvPicPr>
+            <a:picLocks noChangeAspect="1"/>
+          </p:cNvPicPr>
           <p:nvPr/>
-        </p:nvSpPr>
+        </p:nvPicPr>
+        <p:blipFill>
+          <a:blip r:embed="rId3"/>
+          <a:stretch>
+            <a:fillRect/>
+          </a:stretch>
+        </p:blipFill>
         <p:spPr>
           <a:xfrm>
-            <a:off x="5576330" y="4376861"/>
-            <a:ext cx="4572000" cy="369332"/>
+            <a:off x="4750713" y="803844"/>
+            <a:ext cx="4147820" cy="3915320"/>
           </a:xfrm>
           <a:prstGeom prst="rect">
             <a:avLst/>
           </a:prstGeom>
-          <a:noFill/>
         </p:spPr>
-        <p:txBody>
-          <a:bodyPr wrap="square">
-            <a:spAutoFit/>
-          </a:bodyPr>
-          <a:lstStyle/>
-          <a:p>
-            <a:r>
-              <a:rPr lang="fr-FR" sz="1800" dirty="0">
-                <a:latin typeface="VT323" panose="020B0604020202020204" charset="0"/>
-              </a:rPr>
-              <a:t>____%</a:t>
-            </a:r>
-          </a:p>
-        </p:txBody>
-      </p:sp>
+      </p:pic>
     </p:spTree>
   </p:cSld>
   <p:clrMapOvr>
@@ -16550,7 +15833,7 @@
 </p:sld>
 </file>
 
-<file path=ppt/slides/slide14.xml><?xml version="1.0" encoding="utf-8"?>
+<file path=ppt/slides/slide13.xml><?xml version="1.0" encoding="utf-8"?>
 <p:sld xmlns:a="http://schemas.openxmlformats.org/drawingml/2006/main" xmlns:r="http://schemas.openxmlformats.org/officeDocument/2006/relationships" xmlns:p="http://schemas.openxmlformats.org/presentationml/2006/main">
   <p:cSld>
     <p:spTree>
@@ -16749,7 +16032,7 @@
 </p:sld>
 </file>
 
-<file path=ppt/slides/slide15.xml><?xml version="1.0" encoding="utf-8"?>
+<file path=ppt/slides/slide14.xml><?xml version="1.0" encoding="utf-8"?>
 <p:sld xmlns:a="http://schemas.openxmlformats.org/drawingml/2006/main" xmlns:r="http://schemas.openxmlformats.org/officeDocument/2006/relationships" xmlns:p="http://schemas.openxmlformats.org/presentationml/2006/main">
   <p:cSld>
     <p:spTree>
@@ -17486,7 +16769,7 @@
 </p:sld>
 </file>
 
-<file path=ppt/slides/slide16.xml><?xml version="1.0" encoding="utf-8"?>
+<file path=ppt/slides/slide15.xml><?xml version="1.0" encoding="utf-8"?>
 <p:sld xmlns:a="http://schemas.openxmlformats.org/drawingml/2006/main" xmlns:r="http://schemas.openxmlformats.org/officeDocument/2006/relationships" xmlns:p="http://schemas.openxmlformats.org/presentationml/2006/main">
   <p:cSld>
     <p:spTree>
@@ -19402,7 +18685,7 @@
                 <a:cs typeface="Inter"/>
                 <a:sym typeface="Inter"/>
               </a:rPr>
-              <a:t>Conditional</a:t>
+              <a:t>Chemin des données</a:t>
             </a:r>
           </a:p>
           <a:p>
@@ -19658,6 +18941,27 @@
               </a:rPr>
               <a:t>Assembleur</a:t>
             </a:r>
+          </a:p>
+          <a:p>
+            <a:pPr marL="171450" lvl="0" indent="-171450">
+              <a:spcAft>
+                <a:spcPts val="1600"/>
+              </a:spcAft>
+              <a:buFont typeface="Arial" panose="020B0604020202020204" pitchFamily="34" charset="0"/>
+              <a:buChar char="•"/>
+            </a:pPr>
+            <a:r>
+              <a:rPr lang="en-US" sz="1000" dirty="0">
+                <a:solidFill>
+                  <a:srgbClr val="191919"/>
+                </a:solidFill>
+                <a:latin typeface="Inter"/>
+                <a:ea typeface="Inter"/>
+                <a:cs typeface="Inter"/>
+                <a:sym typeface="Inter"/>
+              </a:rPr>
+              <a:t>Conditional</a:t>
+            </a:r>
             <a:endParaRPr sz="1000" dirty="0">
               <a:solidFill>
                 <a:srgbClr val="191919"/>
@@ -19854,6 +19158,33 @@
               <a:cs typeface="Inter"/>
               <a:sym typeface="Inter"/>
             </a:endParaRPr>
+          </a:p>
+          <a:p>
+            <a:pPr marL="171450" lvl="0" indent="-171450" rtl="0">
+              <a:lnSpc>
+                <a:spcPct val="115000"/>
+              </a:lnSpc>
+              <a:spcBef>
+                <a:spcPts val="0"/>
+              </a:spcBef>
+              <a:spcAft>
+                <a:spcPts val="1600"/>
+              </a:spcAft>
+              <a:buFont typeface="Arial" panose="020B0604020202020204" pitchFamily="34" charset="0"/>
+              <a:buChar char="•"/>
+            </a:pPr>
+            <a:r>
+              <a:rPr lang="fr-FR" sz="1000" dirty="0">
+                <a:solidFill>
+                  <a:srgbClr val="191919"/>
+                </a:solidFill>
+                <a:latin typeface="Inter"/>
+                <a:ea typeface="Inter"/>
+                <a:cs typeface="Inter"/>
+                <a:sym typeface="Inter"/>
+              </a:rPr>
+              <a:t>Tableau de synthèse</a:t>
+            </a:r>
           </a:p>
           <a:p>
             <a:pPr marL="171450" lvl="0" indent="-171450" rtl="0">
@@ -20412,322 +19743,6 @@
 </file>
 
 <file path=ppt/slides/slide5.xml><?xml version="1.0" encoding="utf-8"?>
-<p:sld xmlns:a="http://schemas.openxmlformats.org/drawingml/2006/main" xmlns:r="http://schemas.openxmlformats.org/officeDocument/2006/relationships" xmlns:p="http://schemas.openxmlformats.org/presentationml/2006/main">
-  <p:cSld>
-    <p:spTree>
-      <p:nvGrpSpPr>
-        <p:cNvPr id="1" name="Shape 284">
-          <a:extLst>
-            <a:ext uri="{FF2B5EF4-FFF2-40B4-BE49-F238E27FC236}">
-              <a16:creationId xmlns:a16="http://schemas.microsoft.com/office/drawing/2014/main" id="{D359AE4E-E2A7-4588-F402-BED40C8E8E57}"/>
-            </a:ext>
-          </a:extLst>
-        </p:cNvPr>
-        <p:cNvGrpSpPr/>
-        <p:nvPr/>
-      </p:nvGrpSpPr>
-      <p:grpSpPr>
-        <a:xfrm>
-          <a:off x="0" y="0"/>
-          <a:ext cx="0" cy="0"/>
-          <a:chOff x="0" y="0"/>
-          <a:chExt cx="0" cy="0"/>
-        </a:xfrm>
-      </p:grpSpPr>
-      <p:sp>
-        <p:nvSpPr>
-          <p:cNvPr id="285" name="Google Shape;285;p35">
-            <a:extLst>
-              <a:ext uri="{FF2B5EF4-FFF2-40B4-BE49-F238E27FC236}">
-                <a16:creationId xmlns:a16="http://schemas.microsoft.com/office/drawing/2014/main" id="{2EC59BBC-A093-5953-1410-7A1EA2E35409}"/>
-              </a:ext>
-            </a:extLst>
-          </p:cNvPr>
-          <p:cNvSpPr txBox="1">
-            <a:spLocks noGrp="1"/>
-          </p:cNvSpPr>
-          <p:nvPr>
-            <p:ph type="title" idx="6"/>
-          </p:nvPr>
-        </p:nvSpPr>
-        <p:spPr>
-          <a:xfrm>
-            <a:off x="341850" y="654800"/>
-            <a:ext cx="8249700" cy="602700"/>
-          </a:xfrm>
-          <a:prstGeom prst="rect">
-            <a:avLst/>
-          </a:prstGeom>
-        </p:spPr>
-        <p:txBody>
-          <a:bodyPr spcFirstLastPara="1" wrap="square" lIns="91425" tIns="91425" rIns="91425" bIns="91425" anchor="t" anchorCtr="0">
-            <a:noAutofit/>
-          </a:bodyPr>
-          <a:lstStyle/>
-          <a:p>
-            <a:r>
-              <a:rPr lang="fr-FR" b="1" dirty="0"/>
-              <a:t>Fonctionnement global (de bout en bout)</a:t>
-            </a:r>
-            <a:endParaRPr lang="fr-FR" dirty="0"/>
-          </a:p>
-        </p:txBody>
-      </p:sp>
-      <p:sp>
-        <p:nvSpPr>
-          <p:cNvPr id="286" name="Google Shape;286;p35">
-            <a:extLst>
-              <a:ext uri="{FF2B5EF4-FFF2-40B4-BE49-F238E27FC236}">
-                <a16:creationId xmlns:a16="http://schemas.microsoft.com/office/drawing/2014/main" id="{49C037BE-B2A4-126D-1944-A437AEFCF9F5}"/>
-              </a:ext>
-            </a:extLst>
-          </p:cNvPr>
-          <p:cNvSpPr txBox="1">
-            <a:spLocks noGrp="1"/>
-          </p:cNvSpPr>
-          <p:nvPr>
-            <p:ph type="subTitle" idx="1"/>
-          </p:nvPr>
-        </p:nvSpPr>
-        <p:spPr>
-          <a:xfrm>
-            <a:off x="335635" y="3657068"/>
-            <a:ext cx="4236365" cy="1036679"/>
-          </a:xfrm>
-          <a:prstGeom prst="rect">
-            <a:avLst/>
-          </a:prstGeom>
-        </p:spPr>
-        <p:txBody>
-          <a:bodyPr spcFirstLastPara="1" wrap="square" lIns="91425" tIns="91425" rIns="91425" bIns="91425" anchor="t" anchorCtr="0">
-            <a:noAutofit/>
-          </a:bodyPr>
-          <a:lstStyle/>
-          <a:p>
-            <a:pPr marL="0" lvl="0" indent="0" algn="l" rtl="0">
-              <a:spcBef>
-                <a:spcPts val="0"/>
-              </a:spcBef>
-              <a:spcAft>
-                <a:spcPts val="0"/>
-              </a:spcAft>
-              <a:buNone/>
-            </a:pPr>
-            <a:r>
-              <a:rPr lang="fr-FR" b="1" dirty="0"/>
-              <a:t>PC</a:t>
-            </a:r>
-            <a:r>
-              <a:rPr lang="fr-FR" dirty="0"/>
-              <a:t> (adresse instruction) → </a:t>
-            </a:r>
-            <a:r>
-              <a:rPr lang="fr-FR" b="1" dirty="0"/>
-              <a:t>ROM</a:t>
-            </a:r>
-          </a:p>
-          <a:p>
-            <a:pPr marL="0" lvl="0" indent="0" algn="l" rtl="0">
-              <a:spcBef>
-                <a:spcPts val="0"/>
-              </a:spcBef>
-              <a:spcAft>
-                <a:spcPts val="0"/>
-              </a:spcAft>
-              <a:buNone/>
-            </a:pPr>
-            <a:r>
-              <a:rPr lang="fr-FR" b="1" dirty="0"/>
-              <a:t>IR</a:t>
-            </a:r>
-            <a:r>
-              <a:rPr lang="fr-FR" dirty="0"/>
-              <a:t> (instruction) → </a:t>
-            </a:r>
-            <a:r>
-              <a:rPr lang="fr-FR" b="1" dirty="0"/>
-              <a:t>Décodeur / Contrôleur</a:t>
-            </a:r>
-          </a:p>
-          <a:p>
-            <a:pPr marL="0" lvl="0" indent="0" algn="l" rtl="0">
-              <a:spcBef>
-                <a:spcPts val="0"/>
-              </a:spcBef>
-              <a:spcAft>
-                <a:spcPts val="0"/>
-              </a:spcAft>
-              <a:buNone/>
-            </a:pPr>
-            <a:r>
-              <a:rPr lang="fr-FR" b="1" dirty="0"/>
-              <a:t>Banc de registres </a:t>
-            </a:r>
-            <a:r>
-              <a:rPr lang="fr-FR" dirty="0"/>
-              <a:t>→ </a:t>
-            </a:r>
-            <a:r>
-              <a:rPr lang="fr-FR" b="1" dirty="0"/>
-              <a:t>ALU</a:t>
-            </a:r>
-            <a:r>
-              <a:rPr lang="fr-FR" dirty="0"/>
-              <a:t> → </a:t>
-            </a:r>
-            <a:r>
-              <a:rPr lang="fr-FR" b="1" dirty="0" err="1"/>
-              <a:t>Writeback</a:t>
-            </a:r>
-            <a:endParaRPr lang="fr-FR" b="1" dirty="0"/>
-          </a:p>
-          <a:p>
-            <a:pPr marL="0" lvl="0" indent="0" algn="l" rtl="0">
-              <a:spcBef>
-                <a:spcPts val="0"/>
-              </a:spcBef>
-              <a:spcAft>
-                <a:spcPts val="0"/>
-              </a:spcAft>
-              <a:buNone/>
-            </a:pPr>
-            <a:r>
-              <a:rPr lang="fr-FR" b="1" dirty="0"/>
-              <a:t>Flags NZCV </a:t>
-            </a:r>
-            <a:r>
-              <a:rPr lang="fr-FR" dirty="0"/>
-              <a:t>(maj selon instruction)</a:t>
-            </a:r>
-          </a:p>
-          <a:p>
-            <a:pPr marL="0" lvl="0" indent="0" algn="l" rtl="0">
-              <a:spcBef>
-                <a:spcPts val="0"/>
-              </a:spcBef>
-              <a:spcAft>
-                <a:spcPts val="0"/>
-              </a:spcAft>
-              <a:buNone/>
-            </a:pPr>
-            <a:r>
-              <a:rPr lang="fr-FR" b="1" dirty="0"/>
-              <a:t>Interface</a:t>
-            </a:r>
-            <a:r>
-              <a:rPr lang="fr-FR" dirty="0"/>
-              <a:t> </a:t>
-            </a:r>
-            <a:r>
-              <a:rPr lang="fr-FR" b="1" dirty="0"/>
-              <a:t>RAM</a:t>
-            </a:r>
-            <a:r>
-              <a:rPr lang="fr-FR" dirty="0"/>
-              <a:t> (pour LDR/STR)</a:t>
-            </a:r>
-            <a:endParaRPr dirty="0"/>
-          </a:p>
-        </p:txBody>
-      </p:sp>
-      <p:sp>
-        <p:nvSpPr>
-          <p:cNvPr id="289" name="Google Shape;289;p35">
-            <a:extLst>
-              <a:ext uri="{FF2B5EF4-FFF2-40B4-BE49-F238E27FC236}">
-                <a16:creationId xmlns:a16="http://schemas.microsoft.com/office/drawing/2014/main" id="{9D0CFC3F-989F-CFFB-FCCA-7026B06FFBEB}"/>
-              </a:ext>
-            </a:extLst>
-          </p:cNvPr>
-          <p:cNvSpPr txBox="1">
-            <a:spLocks noGrp="1"/>
-          </p:cNvSpPr>
-          <p:nvPr>
-            <p:ph type="title"/>
-          </p:nvPr>
-        </p:nvSpPr>
-        <p:spPr>
-          <a:xfrm>
-            <a:off x="225472" y="3219866"/>
-            <a:ext cx="3792077" cy="289900"/>
-          </a:xfrm>
-          <a:prstGeom prst="rect">
-            <a:avLst/>
-          </a:prstGeom>
-        </p:spPr>
-        <p:txBody>
-          <a:bodyPr spcFirstLastPara="1" wrap="square" lIns="91425" tIns="91425" rIns="91425" bIns="91425" anchor="ctr" anchorCtr="0">
-            <a:noAutofit/>
-          </a:bodyPr>
-          <a:lstStyle/>
-          <a:p>
-            <a:pPr lvl="0"/>
-            <a:r>
-              <a:rPr lang="fr-FR" dirty="0">
-                <a:hlinkClick r:id="rId3" action="ppaction://hlinkfile"/>
-              </a:rPr>
-              <a:t>CPU</a:t>
-            </a:r>
-            <a:r>
-              <a:rPr lang="fr-FR" dirty="0"/>
-              <a:t> = </a:t>
-            </a:r>
-            <a:r>
-              <a:rPr lang="fr-FR" dirty="0" err="1"/>
-              <a:t>Datapath</a:t>
-            </a:r>
-            <a:r>
-              <a:rPr lang="fr-FR" dirty="0"/>
-              <a:t> + Contrôleur</a:t>
-            </a:r>
-            <a:endParaRPr dirty="0"/>
-          </a:p>
-        </p:txBody>
-      </p:sp>
-      <p:pic>
-        <p:nvPicPr>
-          <p:cNvPr id="3" name="Picture 2">
-            <a:extLst>
-              <a:ext uri="{FF2B5EF4-FFF2-40B4-BE49-F238E27FC236}">
-                <a16:creationId xmlns:a16="http://schemas.microsoft.com/office/drawing/2014/main" id="{7AA4A214-27D4-F50B-513D-2A39F5D68E6D}"/>
-              </a:ext>
-            </a:extLst>
-          </p:cNvPr>
-          <p:cNvPicPr>
-            <a:picLocks noChangeAspect="1"/>
-          </p:cNvPicPr>
-          <p:nvPr/>
-        </p:nvPicPr>
-        <p:blipFill>
-          <a:blip r:embed="rId4"/>
-          <a:stretch>
-            <a:fillRect/>
-          </a:stretch>
-        </p:blipFill>
-        <p:spPr>
-          <a:xfrm>
-            <a:off x="3619768" y="1413163"/>
-            <a:ext cx="5086428" cy="2140425"/>
-          </a:xfrm>
-          <a:prstGeom prst="rect">
-            <a:avLst/>
-          </a:prstGeom>
-        </p:spPr>
-      </p:pic>
-    </p:spTree>
-    <p:extLst>
-      <p:ext uri="{BB962C8B-B14F-4D97-AF65-F5344CB8AC3E}">
-        <p14:creationId xmlns:p14="http://schemas.microsoft.com/office/powerpoint/2010/main" val="3318269661"/>
-      </p:ext>
-    </p:extLst>
-  </p:cSld>
-  <p:clrMapOvr>
-    <a:masterClrMapping/>
-  </p:clrMapOvr>
-</p:sld>
-</file>
-
-<file path=ppt/slides/slide6.xml><?xml version="1.0" encoding="utf-8"?>
 <p:sld xmlns:a="http://schemas.openxmlformats.org/drawingml/2006/main" xmlns:r="http://schemas.openxmlformats.org/officeDocument/2006/relationships" xmlns:p="http://schemas.openxmlformats.org/presentationml/2006/main">
   <p:cSld>
     <p:spTree>
@@ -22238,7 +21253,7 @@
 </p:sld>
 </file>
 
-<file path=ppt/slides/slide7.xml><?xml version="1.0" encoding="utf-8"?>
+<file path=ppt/slides/slide6.xml><?xml version="1.0" encoding="utf-8"?>
 <p:sld xmlns:a="http://schemas.openxmlformats.org/drawingml/2006/main" xmlns:r="http://schemas.openxmlformats.org/officeDocument/2006/relationships" xmlns:p="http://schemas.openxmlformats.org/presentationml/2006/main">
   <p:cSld>
     <p:spTree>
@@ -22369,7 +21384,7 @@
 </p:sld>
 </file>
 
-<file path=ppt/slides/slide8.xml><?xml version="1.0" encoding="utf-8"?>
+<file path=ppt/slides/slide7.xml><?xml version="1.0" encoding="utf-8"?>
 <p:sld xmlns:a="http://schemas.openxmlformats.org/drawingml/2006/main" xmlns:r="http://schemas.openxmlformats.org/officeDocument/2006/relationships" xmlns:p="http://schemas.openxmlformats.org/presentationml/2006/main">
   <p:cSld>
     <p:spTree>
@@ -23411,7 +22426,7 @@
 </p:sld>
 </file>
 
-<file path=ppt/slides/slide9.xml><?xml version="1.0" encoding="utf-8"?>
+<file path=ppt/slides/slide8.xml><?xml version="1.0" encoding="utf-8"?>
 <p:sld xmlns:a="http://schemas.openxmlformats.org/drawingml/2006/main" xmlns:r="http://schemas.openxmlformats.org/officeDocument/2006/relationships" xmlns:p="http://schemas.openxmlformats.org/presentationml/2006/main">
   <p:cSld>
     <p:spTree>
@@ -24191,6 +23206,285 @@
           </a:p>
         </p:txBody>
       </p:sp>
+    </p:spTree>
+  </p:cSld>
+  <p:clrMapOvr>
+    <a:masterClrMapping/>
+  </p:clrMapOvr>
+</p:sld>
+</file>
+
+<file path=ppt/slides/slide9.xml><?xml version="1.0" encoding="utf-8"?>
+<p:sld xmlns:a="http://schemas.openxmlformats.org/drawingml/2006/main" xmlns:r="http://schemas.openxmlformats.org/officeDocument/2006/relationships" xmlns:p="http://schemas.openxmlformats.org/presentationml/2006/main">
+  <p:cSld>
+    <p:spTree>
+      <p:nvGrpSpPr>
+        <p:cNvPr id="1" name="Shape 248"/>
+        <p:cNvGrpSpPr/>
+        <p:nvPr/>
+      </p:nvGrpSpPr>
+      <p:grpSpPr>
+        <a:xfrm>
+          <a:off x="0" y="0"/>
+          <a:ext cx="0" cy="0"/>
+          <a:chOff x="0" y="0"/>
+          <a:chExt cx="0" cy="0"/>
+        </a:xfrm>
+      </p:grpSpPr>
+      <p:sp>
+        <p:nvSpPr>
+          <p:cNvPr id="250" name="Google Shape;250;p31"/>
+          <p:cNvSpPr txBox="1">
+            <a:spLocks noGrp="1"/>
+          </p:cNvSpPr>
+          <p:nvPr>
+            <p:ph type="title"/>
+          </p:nvPr>
+        </p:nvSpPr>
+        <p:spPr>
+          <a:xfrm>
+            <a:off x="3789425" y="795800"/>
+            <a:ext cx="4547700" cy="1255500"/>
+          </a:xfrm>
+          <a:prstGeom prst="rect">
+            <a:avLst/>
+          </a:prstGeom>
+        </p:spPr>
+        <p:txBody>
+          <a:bodyPr spcFirstLastPara="1" wrap="square" lIns="91425" tIns="91425" rIns="91425" bIns="91425" anchor="t" anchorCtr="0">
+            <a:noAutofit/>
+          </a:bodyPr>
+          <a:lstStyle/>
+          <a:p>
+            <a:pPr lvl="0"/>
+            <a:r>
+              <a:rPr lang="fr-FR" dirty="0">
+                <a:hlinkClick r:id="rId3" action="ppaction://hlinkfile"/>
+              </a:rPr>
+              <a:t>Assembleur / Parseur</a:t>
+            </a:r>
+            <a:endParaRPr dirty="0"/>
+          </a:p>
+        </p:txBody>
+      </p:sp>
+      <p:sp>
+        <p:nvSpPr>
+          <p:cNvPr id="251" name="Google Shape;251;p31"/>
+          <p:cNvSpPr txBox="1">
+            <a:spLocks noGrp="1"/>
+          </p:cNvSpPr>
+          <p:nvPr>
+            <p:ph type="body" idx="1"/>
+          </p:nvPr>
+        </p:nvSpPr>
+        <p:spPr>
+          <a:xfrm>
+            <a:off x="3681375" y="1423550"/>
+            <a:ext cx="4940100" cy="2532600"/>
+          </a:xfrm>
+          <a:prstGeom prst="rect">
+            <a:avLst/>
+          </a:prstGeom>
+        </p:spPr>
+        <p:txBody>
+          <a:bodyPr spcFirstLastPara="1" wrap="square" lIns="91425" tIns="91425" rIns="91425" bIns="91425" anchor="t" anchorCtr="0">
+            <a:noAutofit/>
+          </a:bodyPr>
+          <a:lstStyle/>
+          <a:p>
+            <a:pPr marL="0" lvl="0" indent="0">
+              <a:buClr>
+                <a:srgbClr val="273D40"/>
+              </a:buClr>
+              <a:buSzPts val="600"/>
+              <a:buNone/>
+            </a:pPr>
+            <a:r>
+              <a:rPr lang="fr-FR" dirty="0"/>
+              <a:t>Transformer un programme assembleur en fichier ROM compatible </a:t>
+            </a:r>
+            <a:r>
+              <a:rPr lang="fr-FR" dirty="0" err="1"/>
+              <a:t>Logisim</a:t>
+            </a:r>
+            <a:r>
+              <a:rPr lang="fr-FR" dirty="0"/>
+              <a:t> pour exécuter sur notre CPU.</a:t>
+            </a:r>
+          </a:p>
+          <a:p>
+            <a:pPr marL="0" lvl="0" indent="0">
+              <a:buClr>
+                <a:srgbClr val="273D40"/>
+              </a:buClr>
+              <a:buSzPts val="600"/>
+              <a:buNone/>
+            </a:pPr>
+            <a:endParaRPr lang="fr-FR" dirty="0"/>
+          </a:p>
+          <a:p>
+            <a:r>
+              <a:rPr lang="fr-FR" dirty="0"/>
+              <a:t>Entrée : fichier .s (code assembleur)</a:t>
+            </a:r>
+          </a:p>
+          <a:p>
+            <a:r>
+              <a:rPr lang="fr-FR" dirty="0"/>
+              <a:t>Analyse : lecture ligne par ligne, découpage en </a:t>
+            </a:r>
+            <a:r>
+              <a:rPr lang="fr-FR" dirty="0" err="1"/>
+              <a:t>tokens</a:t>
+            </a:r>
+            <a:r>
+              <a:rPr lang="fr-FR" dirty="0"/>
+              <a:t>, gestion labels</a:t>
+            </a:r>
+          </a:p>
+          <a:p>
+            <a:r>
+              <a:rPr lang="fr-FR" dirty="0"/>
+              <a:t>Encodage : conversion en instructions 16 bits (et gestion des erreurs)</a:t>
+            </a:r>
+          </a:p>
+          <a:p>
+            <a:r>
+              <a:rPr lang="fr-FR" dirty="0"/>
+              <a:t>Sortie : fichier .</a:t>
+            </a:r>
+            <a:r>
+              <a:rPr lang="fr-FR" dirty="0" err="1"/>
+              <a:t>hex</a:t>
+            </a:r>
+            <a:r>
+              <a:rPr lang="fr-FR" dirty="0"/>
+              <a:t> </a:t>
+            </a:r>
+            <a:r>
+              <a:rPr lang="fr-FR" dirty="0" err="1"/>
+              <a:t>Logisim</a:t>
+            </a:r>
+            <a:endParaRPr lang="fr-FR" dirty="0"/>
+          </a:p>
+          <a:p>
+            <a:pPr marL="0" lvl="0" indent="0">
+              <a:buClr>
+                <a:srgbClr val="273D40"/>
+              </a:buClr>
+              <a:buSzPts val="600"/>
+              <a:buNone/>
+            </a:pPr>
+            <a:endParaRPr dirty="0"/>
+          </a:p>
+        </p:txBody>
+      </p:sp>
+      <p:grpSp>
+        <p:nvGrpSpPr>
+          <p:cNvPr id="252" name="Google Shape;252;p31"/>
+          <p:cNvGrpSpPr/>
+          <p:nvPr/>
+        </p:nvGrpSpPr>
+        <p:grpSpPr>
+          <a:xfrm>
+            <a:off x="511225" y="947025"/>
+            <a:ext cx="2971350" cy="265500"/>
+            <a:chOff x="511225" y="947025"/>
+            <a:chExt cx="2971350" cy="265500"/>
+          </a:xfrm>
+        </p:grpSpPr>
+        <p:pic>
+          <p:nvPicPr>
+            <p:cNvPr id="253" name="Google Shape;253;p31" title="Sin título-2.png"/>
+            <p:cNvPicPr preferRelativeResize="0"/>
+            <p:nvPr/>
+          </p:nvPicPr>
+          <p:blipFill rotWithShape="1">
+            <a:blip r:embed="rId4">
+              <a:alphaModFix/>
+            </a:blip>
+            <a:srcRect l="60127"/>
+            <a:stretch/>
+          </p:blipFill>
+          <p:spPr>
+            <a:xfrm>
+              <a:off x="512775" y="947025"/>
+              <a:ext cx="2969800" cy="265500"/>
+            </a:xfrm>
+            <a:prstGeom prst="rect">
+              <a:avLst/>
+            </a:prstGeom>
+            <a:noFill/>
+            <a:ln>
+              <a:noFill/>
+            </a:ln>
+          </p:spPr>
+        </p:pic>
+        <p:pic>
+          <p:nvPicPr>
+            <p:cNvPr id="254" name="Google Shape;254;p31" title="Sin título-2.png"/>
+            <p:cNvPicPr preferRelativeResize="0"/>
+            <p:nvPr/>
+          </p:nvPicPr>
+          <p:blipFill rotWithShape="1">
+            <a:blip r:embed="rId4">
+              <a:alphaModFix/>
+            </a:blip>
+            <a:srcRect l="60127"/>
+            <a:stretch/>
+          </p:blipFill>
+          <p:spPr>
+            <a:xfrm>
+              <a:off x="511225" y="947025"/>
+              <a:ext cx="2969800" cy="265500"/>
+            </a:xfrm>
+            <a:prstGeom prst="rect">
+              <a:avLst/>
+            </a:prstGeom>
+            <a:noFill/>
+            <a:ln>
+              <a:noFill/>
+            </a:ln>
+          </p:spPr>
+        </p:pic>
+      </p:grpSp>
+      <p:pic>
+        <p:nvPicPr>
+          <p:cNvPr id="7" name="Picture Placeholder 6">
+            <a:extLst>
+              <a:ext uri="{FF2B5EF4-FFF2-40B4-BE49-F238E27FC236}">
+                <a16:creationId xmlns:a16="http://schemas.microsoft.com/office/drawing/2014/main" id="{6B570875-A4C8-1D88-0204-82A4C3AC787D}"/>
+              </a:ext>
+            </a:extLst>
+          </p:cNvPr>
+          <p:cNvPicPr>
+            <a:picLocks noGrp="1" noChangeAspect="1"/>
+          </p:cNvPicPr>
+          <p:nvPr>
+            <p:ph type="pic" idx="2"/>
+          </p:nvPr>
+        </p:nvPicPr>
+        <p:blipFill>
+          <a:blip r:embed="rId5"/>
+          <a:srcRect l="187" r="187"/>
+          <a:stretch/>
+        </p:blipFill>
+        <p:spPr>
+          <a:prstGeom prst="rect">
+            <a:avLst/>
+          </a:prstGeom>
+          <a:noFill/>
+          <a:ln w="9525" cap="flat" cmpd="sng">
+            <a:solidFill>
+              <a:srgbClr val="707070"/>
+            </a:solidFill>
+            <a:prstDash val="solid"/>
+            <a:round/>
+            <a:headEnd type="none" w="sm" len="sm"/>
+            <a:tailEnd type="none" w="sm" len="sm"/>
+          </a:ln>
+        </p:spPr>
+      </p:pic>
     </p:spTree>
   </p:cSld>
   <p:clrMapOvr>

--- a/SoutenancePARM.pptx
+++ b/SoutenancePARM.pptx
@@ -5,59 +5,58 @@
     <p:sldMasterId id="2147483673" r:id="rId1"/>
   </p:sldMasterIdLst>
   <p:notesMasterIdLst>
-    <p:notesMasterId r:id="rId17"/>
+    <p:notesMasterId r:id="rId16"/>
   </p:notesMasterIdLst>
   <p:sldIdLst>
     <p:sldId id="256" r:id="rId2"/>
     <p:sldId id="257" r:id="rId3"/>
     <p:sldId id="293" r:id="rId4"/>
     <p:sldId id="263" r:id="rId5"/>
-    <p:sldId id="290" r:id="rId6"/>
-    <p:sldId id="294" r:id="rId7"/>
-    <p:sldId id="262" r:id="rId8"/>
-    <p:sldId id="258" r:id="rId9"/>
-    <p:sldId id="259" r:id="rId10"/>
-    <p:sldId id="261" r:id="rId11"/>
-    <p:sldId id="291" r:id="rId12"/>
-    <p:sldId id="267" r:id="rId13"/>
-    <p:sldId id="260" r:id="rId14"/>
-    <p:sldId id="292" r:id="rId15"/>
-    <p:sldId id="268" r:id="rId16"/>
+    <p:sldId id="294" r:id="rId6"/>
+    <p:sldId id="262" r:id="rId7"/>
+    <p:sldId id="258" r:id="rId8"/>
+    <p:sldId id="259" r:id="rId9"/>
+    <p:sldId id="261" r:id="rId10"/>
+    <p:sldId id="291" r:id="rId11"/>
+    <p:sldId id="267" r:id="rId12"/>
+    <p:sldId id="260" r:id="rId13"/>
+    <p:sldId id="292" r:id="rId14"/>
+    <p:sldId id="268" r:id="rId15"/>
   </p:sldIdLst>
   <p:sldSz cx="9144000" cy="5143500" type="screen16x9"/>
   <p:notesSz cx="6858000" cy="9144000"/>
   <p:embeddedFontLst>
     <p:embeddedFont>
-      <p:font typeface="Hanken Grotesk" pitchFamily="2" charset="77"/>
-      <p:regular r:id="rId18"/>
-      <p:bold r:id="rId19"/>
-      <p:italic r:id="rId20"/>
-      <p:boldItalic r:id="rId21"/>
+      <p:font typeface="Hanken Grotesk" panose="020B0604020202020204" charset="0"/>
+      <p:regular r:id="rId17"/>
+      <p:bold r:id="rId18"/>
+      <p:italic r:id="rId19"/>
+      <p:boldItalic r:id="rId20"/>
     </p:embeddedFont>
     <p:embeddedFont>
-      <p:font typeface="Inter" panose="02000503000000020004"/>
-      <p:regular r:id="rId22"/>
-      <p:bold r:id="rId23"/>
-      <p:italic r:id="rId24"/>
-      <p:boldItalic r:id="rId25"/>
+      <p:font typeface="Inter" panose="020B0604020202020204" charset="0"/>
+      <p:regular r:id="rId21"/>
+      <p:bold r:id="rId22"/>
+      <p:italic r:id="rId23"/>
+      <p:boldItalic r:id="rId24"/>
     </p:embeddedFont>
     <p:embeddedFont>
-      <p:font typeface="Raleway" pitchFamily="2" charset="77"/>
-      <p:regular r:id="rId26"/>
-      <p:bold r:id="rId27"/>
-      <p:italic r:id="rId28"/>
-      <p:boldItalic r:id="rId29"/>
+      <p:font typeface="Raleway" pitchFamily="2" charset="0"/>
+      <p:regular r:id="rId25"/>
+      <p:bold r:id="rId26"/>
+      <p:italic r:id="rId27"/>
+      <p:boldItalic r:id="rId28"/>
     </p:embeddedFont>
     <p:embeddedFont>
-      <p:font typeface="Roboto Mono" pitchFamily="49" charset="0"/>
-      <p:regular r:id="rId30"/>
-      <p:bold r:id="rId31"/>
-      <p:italic r:id="rId32"/>
-      <p:boldItalic r:id="rId33"/>
+      <p:font typeface="Roboto Mono" panose="00000009000000000000" pitchFamily="49" charset="0"/>
+      <p:regular r:id="rId29"/>
+      <p:bold r:id="rId30"/>
+      <p:italic r:id="rId31"/>
+      <p:boldItalic r:id="rId32"/>
     </p:embeddedFont>
     <p:embeddedFont>
-      <p:font typeface="VT323"/>
-      <p:regular r:id="rId34"/>
+      <p:font typeface="VT323" panose="020B0604020202020204" charset="0"/>
+      <p:regular r:id="rId33"/>
     </p:embeddedFont>
   </p:embeddedFontLst>
   <p:defaultTextStyle>
@@ -847,110 +846,6 @@
   <p:cSld>
     <p:spTree>
       <p:nvGrpSpPr>
-        <p:cNvPr id="1" name="Shape 266"/>
-        <p:cNvGrpSpPr/>
-        <p:nvPr/>
-      </p:nvGrpSpPr>
-      <p:grpSpPr>
-        <a:xfrm>
-          <a:off x="0" y="0"/>
-          <a:ext cx="0" cy="0"/>
-          <a:chOff x="0" y="0"/>
-          <a:chExt cx="0" cy="0"/>
-        </a:xfrm>
-      </p:grpSpPr>
-      <p:sp>
-        <p:nvSpPr>
-          <p:cNvPr id="267" name="Google Shape;267;g33fb61485ab_0_110:notes"/>
-          <p:cNvSpPr>
-            <a:spLocks noGrp="1" noRot="1" noChangeAspect="1"/>
-          </p:cNvSpPr>
-          <p:nvPr>
-            <p:ph type="sldImg" idx="2"/>
-          </p:nvPr>
-        </p:nvSpPr>
-        <p:spPr>
-          <a:xfrm>
-            <a:off x="381000" y="685800"/>
-            <a:ext cx="6096000" cy="3429000"/>
-          </a:xfrm>
-          <a:custGeom>
-            <a:avLst/>
-            <a:gdLst/>
-            <a:ahLst/>
-            <a:cxnLst/>
-            <a:rect l="l" t="t" r="r" b="b"/>
-            <a:pathLst>
-              <a:path w="120000" h="120000" extrusionOk="0">
-                <a:moveTo>
-                  <a:pt x="0" y="0"/>
-                </a:moveTo>
-                <a:lnTo>
-                  <a:pt x="120000" y="0"/>
-                </a:lnTo>
-                <a:lnTo>
-                  <a:pt x="120000" y="120000"/>
-                </a:lnTo>
-                <a:lnTo>
-                  <a:pt x="0" y="120000"/>
-                </a:lnTo>
-                <a:close/>
-              </a:path>
-            </a:pathLst>
-          </a:custGeom>
-        </p:spPr>
-      </p:sp>
-      <p:sp>
-        <p:nvSpPr>
-          <p:cNvPr id="268" name="Google Shape;268;g33fb61485ab_0_110:notes"/>
-          <p:cNvSpPr txBox="1">
-            <a:spLocks noGrp="1"/>
-          </p:cNvSpPr>
-          <p:nvPr>
-            <p:ph type="body" idx="1"/>
-          </p:nvPr>
-        </p:nvSpPr>
-        <p:spPr>
-          <a:xfrm>
-            <a:off x="685800" y="4343400"/>
-            <a:ext cx="5486400" cy="4114800"/>
-          </a:xfrm>
-          <a:prstGeom prst="rect">
-            <a:avLst/>
-          </a:prstGeom>
-        </p:spPr>
-        <p:txBody>
-          <a:bodyPr spcFirstLastPara="1" wrap="square" lIns="91425" tIns="91425" rIns="91425" bIns="91425" anchor="t" anchorCtr="0">
-            <a:noAutofit/>
-          </a:bodyPr>
-          <a:lstStyle/>
-          <a:p>
-            <a:pPr marL="0" lvl="0" indent="0" algn="l" rtl="0">
-              <a:spcBef>
-                <a:spcPts val="0"/>
-              </a:spcBef>
-              <a:spcAft>
-                <a:spcPts val="0"/>
-              </a:spcAft>
-              <a:buNone/>
-            </a:pPr>
-            <a:endParaRPr/>
-          </a:p>
-        </p:txBody>
-      </p:sp>
-    </p:spTree>
-  </p:cSld>
-  <p:clrMapOvr>
-    <a:masterClrMapping/>
-  </p:clrMapOvr>
-</p:notes>
-</file>
-
-<file path=ppt/notesSlides/notesSlide11.xml><?xml version="1.0" encoding="utf-8"?>
-<p:notes xmlns:a="http://schemas.openxmlformats.org/drawingml/2006/main" xmlns:r="http://schemas.openxmlformats.org/officeDocument/2006/relationships" xmlns:p="http://schemas.openxmlformats.org/presentationml/2006/main" showMasterSp="0" showMasterPhAnim="0">
-  <p:cSld>
-    <p:spTree>
-      <p:nvGrpSpPr>
         <p:cNvPr id="1" name="Shape 266">
           <a:extLst>
             <a:ext uri="{FF2B5EF4-FFF2-40B4-BE49-F238E27FC236}">
@@ -1131,7 +1026,7 @@
 </p:notes>
 </file>
 
-<file path=ppt/notesSlides/notesSlide12.xml><?xml version="1.0" encoding="utf-8"?>
+<file path=ppt/notesSlides/notesSlide11.xml><?xml version="1.0" encoding="utf-8"?>
 <p:notes xmlns:a="http://schemas.openxmlformats.org/drawingml/2006/main" xmlns:r="http://schemas.openxmlformats.org/officeDocument/2006/relationships" xmlns:p="http://schemas.openxmlformats.org/presentationml/2006/main" showMasterSp="0" showMasterPhAnim="0">
   <p:cSld>
     <p:spTree>
@@ -1311,7 +1206,7 @@
 </p:notes>
 </file>
 
-<file path=ppt/notesSlides/notesSlide13.xml><?xml version="1.0" encoding="utf-8"?>
+<file path=ppt/notesSlides/notesSlide12.xml><?xml version="1.0" encoding="utf-8"?>
 <p:notes xmlns:a="http://schemas.openxmlformats.org/drawingml/2006/main" xmlns:r="http://schemas.openxmlformats.org/officeDocument/2006/relationships" xmlns:p="http://schemas.openxmlformats.org/presentationml/2006/main" showMasterSp="0" showMasterPhAnim="0">
   <p:cSld>
     <p:spTree>
@@ -1415,7 +1310,7 @@
 </p:notes>
 </file>
 
-<file path=ppt/notesSlides/notesSlide14.xml><?xml version="1.0" encoding="utf-8"?>
+<file path=ppt/notesSlides/notesSlide13.xml><?xml version="1.0" encoding="utf-8"?>
 <p:notes xmlns:a="http://schemas.openxmlformats.org/drawingml/2006/main" xmlns:r="http://schemas.openxmlformats.org/officeDocument/2006/relationships" xmlns:p="http://schemas.openxmlformats.org/presentationml/2006/main" showMasterSp="0" showMasterPhAnim="0">
   <p:cSld>
     <p:spTree>
@@ -1600,7 +1495,7 @@
 </p:notes>
 </file>
 
-<file path=ppt/notesSlides/notesSlide15.xml><?xml version="1.0" encoding="utf-8"?>
+<file path=ppt/notesSlides/notesSlide14.xml><?xml version="1.0" encoding="utf-8"?>
 <p:notes xmlns:a="http://schemas.openxmlformats.org/drawingml/2006/main" xmlns:r="http://schemas.openxmlformats.org/officeDocument/2006/relationships" xmlns:p="http://schemas.openxmlformats.org/presentationml/2006/main" showMasterSp="0" showMasterPhAnim="0">
   <p:cSld>
     <p:spTree>
@@ -1984,72 +1879,6 @@
               </a:spcAft>
               <a:buNone/>
             </a:pPr>
-            <a:r>
-              <a:rPr lang="fr-FR" b="1" dirty="0"/>
-              <a:t>ISA</a:t>
-            </a:r>
-            <a:r>
-              <a:rPr lang="fr-FR" dirty="0"/>
-              <a:t> = le “langage” du processeur : la liste des instructions qu’il comprend (ADD, SUB, LDR, STR, B…)</a:t>
-            </a:r>
-          </a:p>
-          <a:p>
-            <a:r>
-              <a:rPr lang="fr-FR" b="1" dirty="0" err="1"/>
-              <a:t>Thumb</a:t>
-            </a:r>
-            <a:r>
-              <a:rPr lang="fr-FR" b="1" dirty="0"/>
-              <a:t> 16 bits</a:t>
-            </a:r>
-            <a:r>
-              <a:rPr lang="fr-FR" dirty="0"/>
-              <a:t> = dans votre projet, </a:t>
-            </a:r>
-            <a:r>
-              <a:rPr lang="fr-FR" b="1" dirty="0"/>
-              <a:t>chaque instruction est codée sur 16 bits</a:t>
-            </a:r>
-            <a:r>
-              <a:rPr lang="fr-FR" dirty="0"/>
-              <a:t> (2 octets).</a:t>
-            </a:r>
-            <a:br>
-              <a:rPr lang="fr-FR" dirty="0"/>
-            </a:br>
-            <a:r>
-              <a:rPr lang="fr-FR" dirty="0"/>
-              <a:t>Donc en ROM, le programme est une suite de “mots” de 16 bits.</a:t>
-            </a:r>
-          </a:p>
-          <a:p>
-            <a:r>
-              <a:rPr lang="fr-FR" b="1" dirty="0"/>
-              <a:t>Données 32 bits</a:t>
-            </a:r>
-            <a:r>
-              <a:rPr lang="fr-FR" dirty="0"/>
-              <a:t> = les valeurs manipulées par le CPU (registres, ALU, résultats) sont sur </a:t>
-            </a:r>
-            <a:r>
-              <a:rPr lang="fr-FR" b="1" dirty="0"/>
-              <a:t>32 bits</a:t>
-            </a:r>
-            <a:r>
-              <a:rPr lang="fr-FR" dirty="0"/>
-              <a:t> (4 octets</a:t>
-            </a:r>
-          </a:p>
-          <a:p>
-            <a:pPr marL="0" lvl="0" indent="0" algn="l" rtl="0">
-              <a:spcBef>
-                <a:spcPts val="0"/>
-              </a:spcBef>
-              <a:spcAft>
-                <a:spcPts val="0"/>
-              </a:spcAft>
-              <a:buNone/>
-            </a:pPr>
             <a:endParaRPr dirty="0"/>
           </a:p>
         </p:txBody>
@@ -2172,133 +2001,6 @@
 </file>
 
 <file path=ppt/notesSlides/notesSlide5.xml><?xml version="1.0" encoding="utf-8"?>
-<p:notes xmlns:a="http://schemas.openxmlformats.org/drawingml/2006/main" xmlns:r="http://schemas.openxmlformats.org/officeDocument/2006/relationships" xmlns:p="http://schemas.openxmlformats.org/presentationml/2006/main" showMasterSp="0" showMasterPhAnim="0">
-  <p:cSld>
-    <p:spTree>
-      <p:nvGrpSpPr>
-        <p:cNvPr id="1" name="Shape 281">
-          <a:extLst>
-            <a:ext uri="{FF2B5EF4-FFF2-40B4-BE49-F238E27FC236}">
-              <a16:creationId xmlns:a16="http://schemas.microsoft.com/office/drawing/2014/main" id="{C8FEA8E7-CC18-435F-FE48-C50F36C8B903}"/>
-            </a:ext>
-          </a:extLst>
-        </p:cNvPr>
-        <p:cNvGrpSpPr/>
-        <p:nvPr/>
-      </p:nvGrpSpPr>
-      <p:grpSpPr>
-        <a:xfrm>
-          <a:off x="0" y="0"/>
-          <a:ext cx="0" cy="0"/>
-          <a:chOff x="0" y="0"/>
-          <a:chExt cx="0" cy="0"/>
-        </a:xfrm>
-      </p:grpSpPr>
-      <p:sp>
-        <p:nvSpPr>
-          <p:cNvPr id="282" name="Google Shape;282;ge1d838b627_4_100:notes">
-            <a:extLst>
-              <a:ext uri="{FF2B5EF4-FFF2-40B4-BE49-F238E27FC236}">
-                <a16:creationId xmlns:a16="http://schemas.microsoft.com/office/drawing/2014/main" id="{52606B51-58F8-846D-AA34-4E35B128850E}"/>
-              </a:ext>
-            </a:extLst>
-          </p:cNvPr>
-          <p:cNvSpPr>
-            <a:spLocks noGrp="1" noRot="1" noChangeAspect="1"/>
-          </p:cNvSpPr>
-          <p:nvPr>
-            <p:ph type="sldImg" idx="2"/>
-          </p:nvPr>
-        </p:nvSpPr>
-        <p:spPr>
-          <a:xfrm>
-            <a:off x="381000" y="685800"/>
-            <a:ext cx="6096000" cy="3429000"/>
-          </a:xfrm>
-          <a:custGeom>
-            <a:avLst/>
-            <a:gdLst/>
-            <a:ahLst/>
-            <a:cxnLst/>
-            <a:rect l="l" t="t" r="r" b="b"/>
-            <a:pathLst>
-              <a:path w="120000" h="120000" extrusionOk="0">
-                <a:moveTo>
-                  <a:pt x="0" y="0"/>
-                </a:moveTo>
-                <a:lnTo>
-                  <a:pt x="120000" y="0"/>
-                </a:lnTo>
-                <a:lnTo>
-                  <a:pt x="120000" y="120000"/>
-                </a:lnTo>
-                <a:lnTo>
-                  <a:pt x="0" y="120000"/>
-                </a:lnTo>
-                <a:close/>
-              </a:path>
-            </a:pathLst>
-          </a:custGeom>
-        </p:spPr>
-      </p:sp>
-      <p:sp>
-        <p:nvSpPr>
-          <p:cNvPr id="283" name="Google Shape;283;ge1d838b627_4_100:notes">
-            <a:extLst>
-              <a:ext uri="{FF2B5EF4-FFF2-40B4-BE49-F238E27FC236}">
-                <a16:creationId xmlns:a16="http://schemas.microsoft.com/office/drawing/2014/main" id="{E1DE884A-CB3F-EB0F-9CF4-6731D2508B33}"/>
-              </a:ext>
-            </a:extLst>
-          </p:cNvPr>
-          <p:cNvSpPr txBox="1">
-            <a:spLocks noGrp="1"/>
-          </p:cNvSpPr>
-          <p:nvPr>
-            <p:ph type="body" idx="1"/>
-          </p:nvPr>
-        </p:nvSpPr>
-        <p:spPr>
-          <a:xfrm>
-            <a:off x="685800" y="4343400"/>
-            <a:ext cx="5486400" cy="4114800"/>
-          </a:xfrm>
-          <a:prstGeom prst="rect">
-            <a:avLst/>
-          </a:prstGeom>
-        </p:spPr>
-        <p:txBody>
-          <a:bodyPr spcFirstLastPara="1" wrap="square" lIns="91425" tIns="91425" rIns="91425" bIns="91425" anchor="t" anchorCtr="0">
-            <a:noAutofit/>
-          </a:bodyPr>
-          <a:lstStyle/>
-          <a:p>
-            <a:pPr marL="0" lvl="0" indent="0" algn="l" rtl="0">
-              <a:spcBef>
-                <a:spcPts val="0"/>
-              </a:spcBef>
-              <a:spcAft>
-                <a:spcPts val="0"/>
-              </a:spcAft>
-              <a:buNone/>
-            </a:pPr>
-            <a:endParaRPr/>
-          </a:p>
-        </p:txBody>
-      </p:sp>
-    </p:spTree>
-    <p:extLst>
-      <p:ext uri="{BB962C8B-B14F-4D97-AF65-F5344CB8AC3E}">
-        <p14:creationId xmlns:p14="http://schemas.microsoft.com/office/powerpoint/2010/main" val="1371186092"/>
-      </p:ext>
-    </p:extLst>
-  </p:cSld>
-  <p:clrMapOvr>
-    <a:masterClrMapping/>
-  </p:clrMapOvr>
-</p:notes>
-</file>
-
-<file path=ppt/notesSlides/notesSlide6.xml><?xml version="1.0" encoding="utf-8"?>
 <p:notes xmlns:a="http://schemas.openxmlformats.org/drawingml/2006/main" xmlns:r="http://schemas.openxmlformats.org/officeDocument/2006/relationships" xmlns:p="http://schemas.openxmlformats.org/presentationml/2006/main" showMasterSp="0" showMasterPhAnim="0">
   <p:cSld>
     <p:spTree>
@@ -2425,7 +2127,7 @@
 </p:notes>
 </file>
 
-<file path=ppt/notesSlides/notesSlide7.xml><?xml version="1.0" encoding="utf-8"?>
+<file path=ppt/notesSlides/notesSlide6.xml><?xml version="1.0" encoding="utf-8"?>
 <p:notes xmlns:a="http://schemas.openxmlformats.org/drawingml/2006/main" xmlns:r="http://schemas.openxmlformats.org/officeDocument/2006/relationships" xmlns:p="http://schemas.openxmlformats.org/presentationml/2006/main" showMasterSp="0" showMasterPhAnim="0">
   <p:cSld>
     <p:spTree>
@@ -2529,7 +2231,7 @@
 </p:notes>
 </file>
 
-<file path=ppt/notesSlides/notesSlide8.xml><?xml version="1.0" encoding="utf-8"?>
+<file path=ppt/notesSlides/notesSlide7.xml><?xml version="1.0" encoding="utf-8"?>
 <p:notes xmlns:a="http://schemas.openxmlformats.org/drawingml/2006/main" xmlns:r="http://schemas.openxmlformats.org/officeDocument/2006/relationships" xmlns:p="http://schemas.openxmlformats.org/presentationml/2006/main" showMasterSp="0" showMasterPhAnim="0">
   <p:cSld>
     <p:spTree>
@@ -2612,6 +2314,39 @@
           </a:bodyPr>
           <a:lstStyle/>
           <a:p>
+            <a:pPr marL="158750" indent="0">
+              <a:buNone/>
+            </a:pPr>
+            <a:r>
+              <a:rPr lang="fr-FR" b="1" dirty="0"/>
+              <a:t>ISA</a:t>
+            </a:r>
+            <a:r>
+              <a:rPr lang="fr-FR" dirty="0"/>
+              <a:t> = </a:t>
+            </a:r>
+            <a:r>
+              <a:rPr lang="fr-FR" b="1" dirty="0"/>
+              <a:t>Instruction Set Architecture</a:t>
+            </a:r>
+            <a:r>
+              <a:rPr lang="fr-FR" dirty="0"/>
+              <a:t> (</a:t>
+            </a:r>
+            <a:r>
+              <a:rPr lang="fr-FR" i="1" dirty="0"/>
+              <a:t>architecture du jeu d’instructions</a:t>
+            </a:r>
+            <a:r>
+              <a:rPr lang="fr-FR" dirty="0"/>
+              <a:t>).</a:t>
+            </a:r>
+            <a:endParaRPr lang="fr-FR" b="1" dirty="0"/>
+          </a:p>
+          <a:p>
+            <a:endParaRPr lang="fr-FR" b="1" dirty="0"/>
+          </a:p>
+          <a:p>
             <a:r>
               <a:rPr lang="fr-FR" b="1" dirty="0"/>
               <a:t>Instructions codées sur 16 bits, données/ALU sur 32 bits.</a:t>
@@ -2652,6 +2387,325 @@
               <a:rPr lang="fr-FR" dirty="0"/>
               <a:t>« BL sert à appeler une fonction en sauvegardant l’adresse de retour ; notre projet ne gère que les branches simples, pas l’appel/retour. »</a:t>
             </a:r>
+          </a:p>
+          <a:p>
+            <a:endParaRPr lang="fr-FR" dirty="0"/>
+          </a:p>
+          <a:p>
+            <a:pPr marL="158750" indent="0">
+              <a:buNone/>
+            </a:pPr>
+            <a:r>
+              <a:rPr lang="fr-FR" b="1" dirty="0"/>
+              <a:t>Les 4 blocs = les 4 grandes familles</a:t>
+            </a:r>
+            <a:endParaRPr lang="fr-FR" dirty="0"/>
+          </a:p>
+          <a:p>
+            <a:pPr marL="158750" indent="0">
+              <a:buNone/>
+            </a:pPr>
+            <a:r>
+              <a:rPr lang="fr-FR" b="1" dirty="0"/>
+              <a:t>Déplacements &amp; arithmétique</a:t>
+            </a:r>
+            <a:r>
+              <a:rPr lang="fr-FR" dirty="0"/>
+              <a:t> :</a:t>
+            </a:r>
+          </a:p>
+          <a:p>
+            <a:r>
+              <a:rPr lang="fr-FR" dirty="0"/>
+              <a:t>“On a les bases pour calculer : </a:t>
+            </a:r>
+            <a:r>
+              <a:rPr lang="fr-FR" sz="1100" b="0" i="0" u="none" strike="noStrike" cap="none" dirty="0">
+                <a:solidFill>
+                  <a:srgbClr val="000000"/>
+                </a:solidFill>
+                <a:latin typeface="Arial"/>
+                <a:ea typeface="Arial"/>
+                <a:cs typeface="Arial"/>
+                <a:sym typeface="Arial"/>
+              </a:rPr>
+              <a:t>MOV</a:t>
+            </a:r>
+            <a:r>
+              <a:rPr lang="fr-FR" dirty="0"/>
+              <a:t> immédiat, </a:t>
+            </a:r>
+            <a:r>
+              <a:rPr lang="fr-FR" sz="1100" b="0" i="0" u="none" strike="noStrike" cap="none" dirty="0">
+                <a:solidFill>
+                  <a:srgbClr val="000000"/>
+                </a:solidFill>
+                <a:latin typeface="Arial"/>
+                <a:ea typeface="Arial"/>
+                <a:cs typeface="Arial"/>
+                <a:sym typeface="Arial"/>
+              </a:rPr>
+              <a:t>ADD/SUB</a:t>
+            </a:r>
+            <a:r>
+              <a:rPr lang="fr-FR" dirty="0"/>
+              <a:t>, et les décalages </a:t>
+            </a:r>
+            <a:r>
+              <a:rPr lang="fr-FR" sz="1100" b="0" i="0" u="none" strike="noStrike" cap="none" dirty="0">
+                <a:solidFill>
+                  <a:srgbClr val="000000"/>
+                </a:solidFill>
+                <a:latin typeface="Arial"/>
+                <a:ea typeface="Arial"/>
+                <a:cs typeface="Arial"/>
+                <a:sym typeface="Arial"/>
+              </a:rPr>
+              <a:t>LSL/LSR/ASR</a:t>
+            </a:r>
+            <a:r>
+              <a:rPr lang="fr-FR" dirty="0"/>
+              <a:t>. </a:t>
+            </a:r>
+            <a:r>
+              <a:rPr lang="fr-FR" sz="1100" b="0" i="0" u="none" strike="noStrike" cap="none" dirty="0">
+                <a:solidFill>
+                  <a:srgbClr val="000000"/>
+                </a:solidFill>
+                <a:latin typeface="Arial"/>
+                <a:ea typeface="Arial"/>
+                <a:cs typeface="Arial"/>
+                <a:sym typeface="Arial"/>
+              </a:rPr>
+              <a:t>CMP</a:t>
+            </a:r>
+            <a:r>
+              <a:rPr lang="fr-FR" dirty="0"/>
+              <a:t> sert à poser les flags pour les branches.”</a:t>
+            </a:r>
+          </a:p>
+          <a:p>
+            <a:pPr marL="158750" indent="0">
+              <a:buNone/>
+            </a:pPr>
+            <a:r>
+              <a:rPr lang="fr-FR" b="1" dirty="0"/>
+              <a:t>Traitement logique/ALU</a:t>
+            </a:r>
+            <a:r>
+              <a:rPr lang="fr-FR" dirty="0"/>
+              <a:t> :</a:t>
+            </a:r>
+          </a:p>
+          <a:p>
+            <a:r>
+              <a:rPr lang="fr-FR" dirty="0"/>
+              <a:t>“On supporte les opérations logiques (</a:t>
+            </a:r>
+            <a:r>
+              <a:rPr lang="fr-FR" sz="1100" b="0" i="0" u="none" strike="noStrike" cap="none" dirty="0">
+                <a:solidFill>
+                  <a:srgbClr val="000000"/>
+                </a:solidFill>
+                <a:latin typeface="Arial"/>
+                <a:ea typeface="Arial"/>
+                <a:cs typeface="Arial"/>
+                <a:sym typeface="Arial"/>
+              </a:rPr>
+              <a:t>AND/ORR/EOR</a:t>
+            </a:r>
+            <a:r>
+              <a:rPr lang="fr-FR" dirty="0"/>
+              <a:t>), et celles avec retenue (</a:t>
+            </a:r>
+            <a:r>
+              <a:rPr lang="fr-FR" sz="1100" b="0" i="0" u="none" strike="noStrike" cap="none" dirty="0">
+                <a:solidFill>
+                  <a:srgbClr val="000000"/>
+                </a:solidFill>
+                <a:latin typeface="Arial"/>
+                <a:ea typeface="Arial"/>
+                <a:cs typeface="Arial"/>
+                <a:sym typeface="Arial"/>
+              </a:rPr>
+              <a:t>ADC/SBC</a:t>
+            </a:r>
+            <a:r>
+              <a:rPr lang="fr-FR" dirty="0"/>
+              <a:t>) + tests (</a:t>
+            </a:r>
+            <a:r>
+              <a:rPr lang="fr-FR" sz="1100" b="0" i="0" u="none" strike="noStrike" cap="none" dirty="0">
+                <a:solidFill>
+                  <a:srgbClr val="000000"/>
+                </a:solidFill>
+                <a:latin typeface="Arial"/>
+                <a:ea typeface="Arial"/>
+                <a:cs typeface="Arial"/>
+                <a:sym typeface="Arial"/>
+              </a:rPr>
+              <a:t>TST/CMN</a:t>
+            </a:r>
+            <a:r>
+              <a:rPr lang="fr-FR" dirty="0"/>
+              <a:t>). </a:t>
+            </a:r>
+            <a:r>
+              <a:rPr lang="fr-FR" sz="1100" b="0" i="0" u="none" strike="noStrike" cap="none" dirty="0">
+                <a:solidFill>
+                  <a:srgbClr val="000000"/>
+                </a:solidFill>
+                <a:latin typeface="Arial"/>
+                <a:ea typeface="Arial"/>
+                <a:cs typeface="Arial"/>
+                <a:sym typeface="Arial"/>
+              </a:rPr>
+              <a:t>MUL</a:t>
+            </a:r>
+            <a:r>
+              <a:rPr lang="fr-FR" dirty="0"/>
+              <a:t> dépend si on l’a implémenté.”</a:t>
+            </a:r>
+          </a:p>
+          <a:p>
+            <a:pPr marL="158750" indent="0">
+              <a:buNone/>
+            </a:pPr>
+            <a:r>
+              <a:rPr lang="fr-FR" b="1" dirty="0"/>
+              <a:t>Mémoire (pile)</a:t>
+            </a:r>
+            <a:r>
+              <a:rPr lang="fr-FR" dirty="0"/>
+              <a:t> :</a:t>
+            </a:r>
+          </a:p>
+          <a:p>
+            <a:r>
+              <a:rPr lang="fr-FR" dirty="0"/>
+              <a:t>“La RAM est utilisée </a:t>
+            </a:r>
+            <a:r>
+              <a:rPr lang="fr-FR" b="1" dirty="0"/>
+              <a:t>via la pile</a:t>
+            </a:r>
+            <a:r>
+              <a:rPr lang="fr-FR" dirty="0"/>
+              <a:t> : </a:t>
+            </a:r>
+            <a:r>
+              <a:rPr lang="fr-FR" sz="1100" b="0" i="0" u="none" strike="noStrike" cap="none" dirty="0">
+                <a:solidFill>
+                  <a:srgbClr val="000000"/>
+                </a:solidFill>
+                <a:latin typeface="Arial"/>
+                <a:ea typeface="Arial"/>
+                <a:cs typeface="Arial"/>
+                <a:sym typeface="Arial"/>
+              </a:rPr>
+              <a:t>LDR/STR</a:t>
+            </a:r>
+            <a:r>
+              <a:rPr lang="fr-FR" dirty="0"/>
+              <a:t> en </a:t>
+            </a:r>
+            <a:r>
+              <a:rPr lang="fr-FR" sz="1100" b="0" i="0" u="none" strike="noStrike" cap="none" dirty="0">
+                <a:solidFill>
+                  <a:srgbClr val="000000"/>
+                </a:solidFill>
+                <a:latin typeface="Arial"/>
+                <a:ea typeface="Arial"/>
+                <a:cs typeface="Arial"/>
+                <a:sym typeface="Arial"/>
+              </a:rPr>
+              <a:t>SP + offset</a:t>
+            </a:r>
+            <a:r>
+              <a:rPr lang="fr-FR" dirty="0"/>
+              <a:t>. Donc les variables locales du C sont stockées sur la pile, et on simplifie l’adressage.”</a:t>
+            </a:r>
+            <a:br>
+              <a:rPr lang="fr-FR" dirty="0"/>
+            </a:br>
+            <a:r>
+              <a:rPr lang="fr-FR" dirty="0"/>
+              <a:t>(si tu veux) &gt; “On a un accès mémoire qui peut prendre </a:t>
+            </a:r>
+            <a:r>
+              <a:rPr lang="fr-FR" b="1" dirty="0"/>
+              <a:t>2 cycles</a:t>
+            </a:r>
+            <a:r>
+              <a:rPr lang="fr-FR" dirty="0"/>
+              <a:t> dans notre design.”</a:t>
+            </a:r>
+          </a:p>
+          <a:p>
+            <a:pPr marL="158750" indent="0">
+              <a:buNone/>
+            </a:pPr>
+            <a:r>
+              <a:rPr lang="fr-FR" b="1" dirty="0"/>
+              <a:t>Branchements</a:t>
+            </a:r>
+            <a:r>
+              <a:rPr lang="fr-FR" dirty="0"/>
+              <a:t> :</a:t>
+            </a:r>
+          </a:p>
+          <a:p>
+            <a:r>
+              <a:rPr lang="fr-FR" dirty="0"/>
+              <a:t>“On a les branchements </a:t>
+            </a:r>
+            <a:r>
+              <a:rPr lang="fr-FR" b="1" dirty="0"/>
+              <a:t>conditionnels</a:t>
+            </a:r>
+            <a:r>
+              <a:rPr lang="fr-FR" dirty="0"/>
+              <a:t> basés sur NZCV, avec un offset signé. Et on </a:t>
+            </a:r>
+            <a:r>
+              <a:rPr lang="fr-FR" b="1" dirty="0"/>
+              <a:t>n’a pas </a:t>
+            </a:r>
+            <a:r>
+              <a:rPr lang="fr-FR" sz="1100" b="1" i="0" u="none" strike="noStrike" cap="none" dirty="0">
+                <a:solidFill>
+                  <a:srgbClr val="000000"/>
+                </a:solidFill>
+                <a:latin typeface="Arial"/>
+                <a:ea typeface="Arial"/>
+                <a:cs typeface="Arial"/>
+                <a:sym typeface="Arial"/>
+              </a:rPr>
+              <a:t>BL</a:t>
+            </a:r>
+            <a:r>
+              <a:rPr lang="fr-FR" dirty="0"/>
+              <a:t>, donc pas d’appels de fonction : tout le code reste dans </a:t>
+            </a:r>
+            <a:r>
+              <a:rPr lang="fr-FR" sz="1100" b="0" i="0" u="none" strike="noStrike" cap="none" dirty="0">
+                <a:solidFill>
+                  <a:srgbClr val="000000"/>
+                </a:solidFill>
+                <a:latin typeface="Arial"/>
+                <a:ea typeface="Arial"/>
+                <a:cs typeface="Arial"/>
+                <a:sym typeface="Arial"/>
+              </a:rPr>
+              <a:t>run()</a:t>
+            </a:r>
+            <a:r>
+              <a:rPr lang="fr-FR" dirty="0"/>
+              <a:t>.”</a:t>
+            </a:r>
+          </a:p>
+          <a:p>
+            <a:endParaRPr lang="fr-FR" dirty="0"/>
           </a:p>
           <a:p>
             <a:pPr marL="158750" indent="0">
@@ -2681,7 +2735,7 @@
 </p:notes>
 </file>
 
-<file path=ppt/notesSlides/notesSlide9.xml><?xml version="1.0" encoding="utf-8"?>
+<file path=ppt/notesSlides/notesSlide8.xml><?xml version="1.0" encoding="utf-8"?>
 <p:notes xmlns:a="http://schemas.openxmlformats.org/drawingml/2006/main" xmlns:r="http://schemas.openxmlformats.org/officeDocument/2006/relationships" xmlns:p="http://schemas.openxmlformats.org/presentationml/2006/main" showMasterSp="0" showMasterPhAnim="0">
   <p:cSld>
     <p:spTree>
@@ -2858,6 +2912,110 @@
               <a:buNone/>
             </a:pPr>
             <a:endParaRPr dirty="0"/>
+          </a:p>
+        </p:txBody>
+      </p:sp>
+    </p:spTree>
+  </p:cSld>
+  <p:clrMapOvr>
+    <a:masterClrMapping/>
+  </p:clrMapOvr>
+</p:notes>
+</file>
+
+<file path=ppt/notesSlides/notesSlide9.xml><?xml version="1.0" encoding="utf-8"?>
+<p:notes xmlns:a="http://schemas.openxmlformats.org/drawingml/2006/main" xmlns:r="http://schemas.openxmlformats.org/officeDocument/2006/relationships" xmlns:p="http://schemas.openxmlformats.org/presentationml/2006/main" showMasterSp="0" showMasterPhAnim="0">
+  <p:cSld>
+    <p:spTree>
+      <p:nvGrpSpPr>
+        <p:cNvPr id="1" name="Shape 266"/>
+        <p:cNvGrpSpPr/>
+        <p:nvPr/>
+      </p:nvGrpSpPr>
+      <p:grpSpPr>
+        <a:xfrm>
+          <a:off x="0" y="0"/>
+          <a:ext cx="0" cy="0"/>
+          <a:chOff x="0" y="0"/>
+          <a:chExt cx="0" cy="0"/>
+        </a:xfrm>
+      </p:grpSpPr>
+      <p:sp>
+        <p:nvSpPr>
+          <p:cNvPr id="267" name="Google Shape;267;g33fb61485ab_0_110:notes"/>
+          <p:cNvSpPr>
+            <a:spLocks noGrp="1" noRot="1" noChangeAspect="1"/>
+          </p:cNvSpPr>
+          <p:nvPr>
+            <p:ph type="sldImg" idx="2"/>
+          </p:nvPr>
+        </p:nvSpPr>
+        <p:spPr>
+          <a:xfrm>
+            <a:off x="381000" y="685800"/>
+            <a:ext cx="6096000" cy="3429000"/>
+          </a:xfrm>
+          <a:custGeom>
+            <a:avLst/>
+            <a:gdLst/>
+            <a:ahLst/>
+            <a:cxnLst/>
+            <a:rect l="l" t="t" r="r" b="b"/>
+            <a:pathLst>
+              <a:path w="120000" h="120000" extrusionOk="0">
+                <a:moveTo>
+                  <a:pt x="0" y="0"/>
+                </a:moveTo>
+                <a:lnTo>
+                  <a:pt x="120000" y="0"/>
+                </a:lnTo>
+                <a:lnTo>
+                  <a:pt x="120000" y="120000"/>
+                </a:lnTo>
+                <a:lnTo>
+                  <a:pt x="0" y="120000"/>
+                </a:lnTo>
+                <a:close/>
+              </a:path>
+            </a:pathLst>
+          </a:custGeom>
+        </p:spPr>
+      </p:sp>
+      <p:sp>
+        <p:nvSpPr>
+          <p:cNvPr id="268" name="Google Shape;268;g33fb61485ab_0_110:notes"/>
+          <p:cNvSpPr txBox="1">
+            <a:spLocks noGrp="1"/>
+          </p:cNvSpPr>
+          <p:nvPr>
+            <p:ph type="body" idx="1"/>
+          </p:nvPr>
+        </p:nvSpPr>
+        <p:spPr>
+          <a:xfrm>
+            <a:off x="685800" y="4343400"/>
+            <a:ext cx="5486400" cy="4114800"/>
+          </a:xfrm>
+          <a:prstGeom prst="rect">
+            <a:avLst/>
+          </a:prstGeom>
+        </p:spPr>
+        <p:txBody>
+          <a:bodyPr spcFirstLastPara="1" wrap="square" lIns="91425" tIns="91425" rIns="91425" bIns="91425" anchor="t" anchorCtr="0">
+            <a:noAutofit/>
+          </a:bodyPr>
+          <a:lstStyle/>
+          <a:p>
+            <a:pPr marL="0" lvl="0" indent="0" algn="l" rtl="0">
+              <a:spcBef>
+                <a:spcPts val="0"/>
+              </a:spcBef>
+              <a:spcAft>
+                <a:spcPts val="0"/>
+              </a:spcAft>
+              <a:buNone/>
+            </a:pPr>
+            <a:endParaRPr/>
           </a:p>
         </p:txBody>
       </p:sp>
@@ -14540,782 +14698,6 @@
   <p:cSld>
     <p:spTree>
       <p:nvGrpSpPr>
-        <p:cNvPr id="1" name="Shape 269"/>
-        <p:cNvGrpSpPr/>
-        <p:nvPr/>
-      </p:nvGrpSpPr>
-      <p:grpSpPr>
-        <a:xfrm>
-          <a:off x="0" y="0"/>
-          <a:ext cx="0" cy="0"/>
-          <a:chOff x="0" y="0"/>
-          <a:chExt cx="0" cy="0"/>
-        </a:xfrm>
-      </p:grpSpPr>
-      <p:sp>
-        <p:nvSpPr>
-          <p:cNvPr id="270" name="Google Shape;270;p33"/>
-          <p:cNvSpPr txBox="1">
-            <a:spLocks noGrp="1"/>
-          </p:cNvSpPr>
-          <p:nvPr>
-            <p:ph type="title"/>
-          </p:nvPr>
-        </p:nvSpPr>
-        <p:spPr>
-          <a:xfrm>
-            <a:off x="679225" y="794675"/>
-            <a:ext cx="7866600" cy="698400"/>
-          </a:xfrm>
-          <a:prstGeom prst="rect">
-            <a:avLst/>
-          </a:prstGeom>
-        </p:spPr>
-        <p:txBody>
-          <a:bodyPr spcFirstLastPara="1" wrap="square" lIns="91425" tIns="91425" rIns="91425" bIns="91425" anchor="t" anchorCtr="0">
-            <a:noAutofit/>
-          </a:bodyPr>
-          <a:lstStyle/>
-          <a:p>
-            <a:pPr lvl="0"/>
-            <a:r>
-              <a:rPr lang="fr-FR" dirty="0"/>
-              <a:t>ALU + Indicateurs (NZCV)</a:t>
-            </a:r>
-            <a:endParaRPr dirty="0"/>
-          </a:p>
-        </p:txBody>
-      </p:sp>
-      <p:sp>
-        <p:nvSpPr>
-          <p:cNvPr id="271" name="Google Shape;271;p33"/>
-          <p:cNvSpPr txBox="1">
-            <a:spLocks noGrp="1"/>
-          </p:cNvSpPr>
-          <p:nvPr>
-            <p:ph type="subTitle" idx="1"/>
-          </p:nvPr>
-        </p:nvSpPr>
-        <p:spPr>
-          <a:xfrm>
-            <a:off x="1338122" y="1576805"/>
-            <a:ext cx="6688278" cy="602977"/>
-          </a:xfrm>
-          <a:prstGeom prst="rect">
-            <a:avLst/>
-          </a:prstGeom>
-        </p:spPr>
-        <p:txBody>
-          <a:bodyPr spcFirstLastPara="1" wrap="square" lIns="91425" tIns="91425" rIns="91425" bIns="91425" anchor="t" anchorCtr="0">
-            <a:noAutofit/>
-          </a:bodyPr>
-          <a:lstStyle/>
-          <a:p>
-            <a:pPr marL="0" lvl="0" indent="0"/>
-            <a:r>
-              <a:rPr lang="fr-FR" dirty="0"/>
-              <a:t>L’ALU fait les calculs (arithmétique, logique, décalages) et met à jour les indicateurs.</a:t>
-            </a:r>
-          </a:p>
-          <a:p>
-            <a:pPr marL="0" lvl="0" indent="0"/>
-            <a:endParaRPr lang="fr-FR" dirty="0"/>
-          </a:p>
-          <a:p>
-            <a:pPr marL="0" lvl="0" indent="0"/>
-            <a:endParaRPr dirty="0"/>
-          </a:p>
-        </p:txBody>
-      </p:sp>
-      <p:sp>
-        <p:nvSpPr>
-          <p:cNvPr id="2" name="Google Shape;271;p33">
-            <a:extLst>
-              <a:ext uri="{FF2B5EF4-FFF2-40B4-BE49-F238E27FC236}">
-                <a16:creationId xmlns:a16="http://schemas.microsoft.com/office/drawing/2014/main" id="{B5EFA36F-1575-04DF-E09D-2D35FDA5DA60}"/>
-              </a:ext>
-            </a:extLst>
-          </p:cNvPr>
-          <p:cNvSpPr txBox="1">
-            <a:spLocks/>
-          </p:cNvSpPr>
-          <p:nvPr/>
-        </p:nvSpPr>
-        <p:spPr>
-          <a:xfrm>
-            <a:off x="455474" y="2642203"/>
-            <a:ext cx="4226787" cy="1218597"/>
-          </a:xfrm>
-          <a:prstGeom prst="rect">
-            <a:avLst/>
-          </a:prstGeom>
-          <a:noFill/>
-          <a:ln>
-            <a:noFill/>
-          </a:ln>
-        </p:spPr>
-        <p:txBody>
-          <a:bodyPr spcFirstLastPara="1" wrap="square" lIns="91425" tIns="91425" rIns="91425" bIns="91425" anchor="t" anchorCtr="0">
-            <a:noAutofit/>
-          </a:bodyPr>
-          <a:lstStyle>
-            <a:defPPr marR="0" lvl="0" algn="l" rtl="0">
-              <a:lnSpc>
-                <a:spcPct val="100000"/>
-              </a:lnSpc>
-              <a:spcBef>
-                <a:spcPts val="0"/>
-              </a:spcBef>
-              <a:spcAft>
-                <a:spcPts val="0"/>
-              </a:spcAft>
-            </a:defPPr>
-            <a:lvl1pPr marL="457200" marR="0" lvl="0" indent="-317500" algn="l" rtl="0">
-              <a:lnSpc>
-                <a:spcPct val="100000"/>
-              </a:lnSpc>
-              <a:spcBef>
-                <a:spcPts val="0"/>
-              </a:spcBef>
-              <a:spcAft>
-                <a:spcPts val="0"/>
-              </a:spcAft>
-              <a:buClr>
-                <a:schemeClr val="dk1"/>
-              </a:buClr>
-              <a:buSzPts val="1400"/>
-              <a:buFont typeface="Roboto Mono"/>
-              <a:buNone/>
-              <a:defRPr sz="1400" b="0" i="0" u="none" strike="noStrike" cap="none">
-                <a:solidFill>
-                  <a:schemeClr val="dk1"/>
-                </a:solidFill>
-                <a:latin typeface="Roboto Mono"/>
-                <a:ea typeface="Roboto Mono"/>
-                <a:cs typeface="Roboto Mono"/>
-                <a:sym typeface="Roboto Mono"/>
-              </a:defRPr>
-            </a:lvl1pPr>
-            <a:lvl2pPr marL="914400" marR="0" lvl="1" indent="-317500" algn="l" rtl="0">
-              <a:lnSpc>
-                <a:spcPct val="100000"/>
-              </a:lnSpc>
-              <a:spcBef>
-                <a:spcPts val="0"/>
-              </a:spcBef>
-              <a:spcAft>
-                <a:spcPts val="0"/>
-              </a:spcAft>
-              <a:buClr>
-                <a:schemeClr val="dk1"/>
-              </a:buClr>
-              <a:buSzPts val="1400"/>
-              <a:buFont typeface="Roboto Mono"/>
-              <a:buNone/>
-              <a:defRPr sz="1400" b="0" i="0" u="none" strike="noStrike" cap="none">
-                <a:solidFill>
-                  <a:schemeClr val="dk1"/>
-                </a:solidFill>
-                <a:latin typeface="Roboto Mono"/>
-                <a:ea typeface="Roboto Mono"/>
-                <a:cs typeface="Roboto Mono"/>
-                <a:sym typeface="Roboto Mono"/>
-              </a:defRPr>
-            </a:lvl2pPr>
-            <a:lvl3pPr marL="1371600" marR="0" lvl="2" indent="-317500" algn="l" rtl="0">
-              <a:lnSpc>
-                <a:spcPct val="100000"/>
-              </a:lnSpc>
-              <a:spcBef>
-                <a:spcPts val="0"/>
-              </a:spcBef>
-              <a:spcAft>
-                <a:spcPts val="0"/>
-              </a:spcAft>
-              <a:buClr>
-                <a:schemeClr val="dk1"/>
-              </a:buClr>
-              <a:buSzPts val="1400"/>
-              <a:buFont typeface="Roboto Mono"/>
-              <a:buNone/>
-              <a:defRPr sz="1400" b="0" i="0" u="none" strike="noStrike" cap="none">
-                <a:solidFill>
-                  <a:schemeClr val="dk1"/>
-                </a:solidFill>
-                <a:latin typeface="Roboto Mono"/>
-                <a:ea typeface="Roboto Mono"/>
-                <a:cs typeface="Roboto Mono"/>
-                <a:sym typeface="Roboto Mono"/>
-              </a:defRPr>
-            </a:lvl3pPr>
-            <a:lvl4pPr marL="1828800" marR="0" lvl="3" indent="-317500" algn="l" rtl="0">
-              <a:lnSpc>
-                <a:spcPct val="100000"/>
-              </a:lnSpc>
-              <a:spcBef>
-                <a:spcPts val="0"/>
-              </a:spcBef>
-              <a:spcAft>
-                <a:spcPts val="0"/>
-              </a:spcAft>
-              <a:buClr>
-                <a:schemeClr val="dk1"/>
-              </a:buClr>
-              <a:buSzPts val="1400"/>
-              <a:buFont typeface="Roboto Mono"/>
-              <a:buNone/>
-              <a:defRPr sz="1400" b="0" i="0" u="none" strike="noStrike" cap="none">
-                <a:solidFill>
-                  <a:schemeClr val="dk1"/>
-                </a:solidFill>
-                <a:latin typeface="Roboto Mono"/>
-                <a:ea typeface="Roboto Mono"/>
-                <a:cs typeface="Roboto Mono"/>
-                <a:sym typeface="Roboto Mono"/>
-              </a:defRPr>
-            </a:lvl4pPr>
-            <a:lvl5pPr marL="2286000" marR="0" lvl="4" indent="-317500" algn="l" rtl="0">
-              <a:lnSpc>
-                <a:spcPct val="100000"/>
-              </a:lnSpc>
-              <a:spcBef>
-                <a:spcPts val="0"/>
-              </a:spcBef>
-              <a:spcAft>
-                <a:spcPts val="0"/>
-              </a:spcAft>
-              <a:buClr>
-                <a:schemeClr val="dk1"/>
-              </a:buClr>
-              <a:buSzPts val="1400"/>
-              <a:buFont typeface="Roboto Mono"/>
-              <a:buNone/>
-              <a:defRPr sz="1400" b="0" i="0" u="none" strike="noStrike" cap="none">
-                <a:solidFill>
-                  <a:schemeClr val="dk1"/>
-                </a:solidFill>
-                <a:latin typeface="Roboto Mono"/>
-                <a:ea typeface="Roboto Mono"/>
-                <a:cs typeface="Roboto Mono"/>
-                <a:sym typeface="Roboto Mono"/>
-              </a:defRPr>
-            </a:lvl5pPr>
-            <a:lvl6pPr marL="2743200" marR="0" lvl="5" indent="-317500" algn="l" rtl="0">
-              <a:lnSpc>
-                <a:spcPct val="100000"/>
-              </a:lnSpc>
-              <a:spcBef>
-                <a:spcPts val="0"/>
-              </a:spcBef>
-              <a:spcAft>
-                <a:spcPts val="0"/>
-              </a:spcAft>
-              <a:buClr>
-                <a:schemeClr val="dk1"/>
-              </a:buClr>
-              <a:buSzPts val="1400"/>
-              <a:buFont typeface="Roboto Mono"/>
-              <a:buNone/>
-              <a:defRPr sz="1400" b="0" i="0" u="none" strike="noStrike" cap="none">
-                <a:solidFill>
-                  <a:schemeClr val="dk1"/>
-                </a:solidFill>
-                <a:latin typeface="Roboto Mono"/>
-                <a:ea typeface="Roboto Mono"/>
-                <a:cs typeface="Roboto Mono"/>
-                <a:sym typeface="Roboto Mono"/>
-              </a:defRPr>
-            </a:lvl6pPr>
-            <a:lvl7pPr marL="3200400" marR="0" lvl="6" indent="-317500" algn="l" rtl="0">
-              <a:lnSpc>
-                <a:spcPct val="100000"/>
-              </a:lnSpc>
-              <a:spcBef>
-                <a:spcPts val="0"/>
-              </a:spcBef>
-              <a:spcAft>
-                <a:spcPts val="0"/>
-              </a:spcAft>
-              <a:buClr>
-                <a:schemeClr val="dk1"/>
-              </a:buClr>
-              <a:buSzPts val="1400"/>
-              <a:buFont typeface="Roboto Mono"/>
-              <a:buNone/>
-              <a:defRPr sz="1400" b="0" i="0" u="none" strike="noStrike" cap="none">
-                <a:solidFill>
-                  <a:schemeClr val="dk1"/>
-                </a:solidFill>
-                <a:latin typeface="Roboto Mono"/>
-                <a:ea typeface="Roboto Mono"/>
-                <a:cs typeface="Roboto Mono"/>
-                <a:sym typeface="Roboto Mono"/>
-              </a:defRPr>
-            </a:lvl7pPr>
-            <a:lvl8pPr marL="3657600" marR="0" lvl="7" indent="-317500" algn="l" rtl="0">
-              <a:lnSpc>
-                <a:spcPct val="100000"/>
-              </a:lnSpc>
-              <a:spcBef>
-                <a:spcPts val="0"/>
-              </a:spcBef>
-              <a:spcAft>
-                <a:spcPts val="0"/>
-              </a:spcAft>
-              <a:buClr>
-                <a:schemeClr val="dk1"/>
-              </a:buClr>
-              <a:buSzPts val="1400"/>
-              <a:buFont typeface="Roboto Mono"/>
-              <a:buNone/>
-              <a:defRPr sz="1400" b="0" i="0" u="none" strike="noStrike" cap="none">
-                <a:solidFill>
-                  <a:schemeClr val="dk1"/>
-                </a:solidFill>
-                <a:latin typeface="Roboto Mono"/>
-                <a:ea typeface="Roboto Mono"/>
-                <a:cs typeface="Roboto Mono"/>
-                <a:sym typeface="Roboto Mono"/>
-              </a:defRPr>
-            </a:lvl8pPr>
-            <a:lvl9pPr marL="4114800" marR="0" lvl="8" indent="-317500" algn="l" rtl="0">
-              <a:lnSpc>
-                <a:spcPct val="100000"/>
-              </a:lnSpc>
-              <a:spcBef>
-                <a:spcPts val="0"/>
-              </a:spcBef>
-              <a:spcAft>
-                <a:spcPts val="0"/>
-              </a:spcAft>
-              <a:buClr>
-                <a:schemeClr val="dk1"/>
-              </a:buClr>
-              <a:buSzPts val="1400"/>
-              <a:buFont typeface="Roboto Mono"/>
-              <a:buNone/>
-              <a:defRPr sz="1400" b="0" i="0" u="none" strike="noStrike" cap="none">
-                <a:solidFill>
-                  <a:schemeClr val="dk1"/>
-                </a:solidFill>
-                <a:latin typeface="Roboto Mono"/>
-                <a:ea typeface="Roboto Mono"/>
-                <a:cs typeface="Roboto Mono"/>
-                <a:sym typeface="Roboto Mono"/>
-              </a:defRPr>
-            </a:lvl9pPr>
-          </a:lstStyle>
-          <a:p>
-            <a:r>
-              <a:rPr lang="fr-FR" sz="1800" b="1" dirty="0"/>
-              <a:t>Entrées : </a:t>
-            </a:r>
-          </a:p>
-          <a:p>
-            <a:r>
-              <a:rPr lang="fr-FR" b="1" dirty="0"/>
-              <a:t>A (32 bits)</a:t>
-            </a:r>
-            <a:r>
-              <a:rPr lang="fr-FR" dirty="0"/>
-              <a:t> : valeur venant d’un registre</a:t>
-            </a:r>
-          </a:p>
-          <a:p>
-            <a:r>
-              <a:rPr lang="fr-FR" b="1" dirty="0"/>
-              <a:t>B (32 bits)</a:t>
-            </a:r>
-            <a:r>
-              <a:rPr lang="fr-FR" dirty="0"/>
-              <a:t> : valeur venant d’un registre / immédiat</a:t>
-            </a:r>
-          </a:p>
-          <a:p>
-            <a:r>
-              <a:rPr lang="fr-FR" b="1" dirty="0"/>
-              <a:t>Paramètres</a:t>
-            </a:r>
-            <a:r>
-              <a:rPr lang="fr-FR" dirty="0"/>
-              <a:t> : type d’opération + décalage + retenue (si besoin)</a:t>
-            </a:r>
-          </a:p>
-          <a:p>
-            <a:pPr marL="0" indent="0"/>
-            <a:endParaRPr lang="fr-FR" dirty="0"/>
-          </a:p>
-          <a:p>
-            <a:pPr marL="0" indent="0"/>
-            <a:endParaRPr lang="fr-FR" dirty="0"/>
-          </a:p>
-        </p:txBody>
-      </p:sp>
-      <p:sp>
-        <p:nvSpPr>
-          <p:cNvPr id="3" name="Google Shape;271;p33">
-            <a:extLst>
-              <a:ext uri="{FF2B5EF4-FFF2-40B4-BE49-F238E27FC236}">
-                <a16:creationId xmlns:a16="http://schemas.microsoft.com/office/drawing/2014/main" id="{D32F9B50-898D-C48C-F30D-98CF679DFC2C}"/>
-              </a:ext>
-            </a:extLst>
-          </p:cNvPr>
-          <p:cNvSpPr txBox="1">
-            <a:spLocks/>
-          </p:cNvSpPr>
-          <p:nvPr/>
-        </p:nvSpPr>
-        <p:spPr>
-          <a:xfrm>
-            <a:off x="5111631" y="2743501"/>
-            <a:ext cx="6591296" cy="1218597"/>
-          </a:xfrm>
-          <a:prstGeom prst="rect">
-            <a:avLst/>
-          </a:prstGeom>
-          <a:noFill/>
-          <a:ln>
-            <a:noFill/>
-          </a:ln>
-        </p:spPr>
-        <p:txBody>
-          <a:bodyPr spcFirstLastPara="1" wrap="square" lIns="91425" tIns="91425" rIns="91425" bIns="91425" anchor="t" anchorCtr="0">
-            <a:noAutofit/>
-          </a:bodyPr>
-          <a:lstStyle>
-            <a:defPPr marR="0" lvl="0" algn="l" rtl="0">
-              <a:lnSpc>
-                <a:spcPct val="100000"/>
-              </a:lnSpc>
-              <a:spcBef>
-                <a:spcPts val="0"/>
-              </a:spcBef>
-              <a:spcAft>
-                <a:spcPts val="0"/>
-              </a:spcAft>
-            </a:defPPr>
-            <a:lvl1pPr marL="457200" marR="0" lvl="0" indent="-317500" algn="l" rtl="0">
-              <a:lnSpc>
-                <a:spcPct val="100000"/>
-              </a:lnSpc>
-              <a:spcBef>
-                <a:spcPts val="0"/>
-              </a:spcBef>
-              <a:spcAft>
-                <a:spcPts val="0"/>
-              </a:spcAft>
-              <a:buClr>
-                <a:schemeClr val="dk1"/>
-              </a:buClr>
-              <a:buSzPts val="1400"/>
-              <a:buFont typeface="Roboto Mono"/>
-              <a:buNone/>
-              <a:defRPr sz="1400" b="0" i="0" u="none" strike="noStrike" cap="none">
-                <a:solidFill>
-                  <a:schemeClr val="dk1"/>
-                </a:solidFill>
-                <a:latin typeface="Roboto Mono"/>
-                <a:ea typeface="Roboto Mono"/>
-                <a:cs typeface="Roboto Mono"/>
-                <a:sym typeface="Roboto Mono"/>
-              </a:defRPr>
-            </a:lvl1pPr>
-            <a:lvl2pPr marL="914400" marR="0" lvl="1" indent="-317500" algn="l" rtl="0">
-              <a:lnSpc>
-                <a:spcPct val="100000"/>
-              </a:lnSpc>
-              <a:spcBef>
-                <a:spcPts val="0"/>
-              </a:spcBef>
-              <a:spcAft>
-                <a:spcPts val="0"/>
-              </a:spcAft>
-              <a:buClr>
-                <a:schemeClr val="dk1"/>
-              </a:buClr>
-              <a:buSzPts val="1400"/>
-              <a:buFont typeface="Roboto Mono"/>
-              <a:buNone/>
-              <a:defRPr sz="1400" b="0" i="0" u="none" strike="noStrike" cap="none">
-                <a:solidFill>
-                  <a:schemeClr val="dk1"/>
-                </a:solidFill>
-                <a:latin typeface="Roboto Mono"/>
-                <a:ea typeface="Roboto Mono"/>
-                <a:cs typeface="Roboto Mono"/>
-                <a:sym typeface="Roboto Mono"/>
-              </a:defRPr>
-            </a:lvl2pPr>
-            <a:lvl3pPr marL="1371600" marR="0" lvl="2" indent="-317500" algn="l" rtl="0">
-              <a:lnSpc>
-                <a:spcPct val="100000"/>
-              </a:lnSpc>
-              <a:spcBef>
-                <a:spcPts val="0"/>
-              </a:spcBef>
-              <a:spcAft>
-                <a:spcPts val="0"/>
-              </a:spcAft>
-              <a:buClr>
-                <a:schemeClr val="dk1"/>
-              </a:buClr>
-              <a:buSzPts val="1400"/>
-              <a:buFont typeface="Roboto Mono"/>
-              <a:buNone/>
-              <a:defRPr sz="1400" b="0" i="0" u="none" strike="noStrike" cap="none">
-                <a:solidFill>
-                  <a:schemeClr val="dk1"/>
-                </a:solidFill>
-                <a:latin typeface="Roboto Mono"/>
-                <a:ea typeface="Roboto Mono"/>
-                <a:cs typeface="Roboto Mono"/>
-                <a:sym typeface="Roboto Mono"/>
-              </a:defRPr>
-            </a:lvl3pPr>
-            <a:lvl4pPr marL="1828800" marR="0" lvl="3" indent="-317500" algn="l" rtl="0">
-              <a:lnSpc>
-                <a:spcPct val="100000"/>
-              </a:lnSpc>
-              <a:spcBef>
-                <a:spcPts val="0"/>
-              </a:spcBef>
-              <a:spcAft>
-                <a:spcPts val="0"/>
-              </a:spcAft>
-              <a:buClr>
-                <a:schemeClr val="dk1"/>
-              </a:buClr>
-              <a:buSzPts val="1400"/>
-              <a:buFont typeface="Roboto Mono"/>
-              <a:buNone/>
-              <a:defRPr sz="1400" b="0" i="0" u="none" strike="noStrike" cap="none">
-                <a:solidFill>
-                  <a:schemeClr val="dk1"/>
-                </a:solidFill>
-                <a:latin typeface="Roboto Mono"/>
-                <a:ea typeface="Roboto Mono"/>
-                <a:cs typeface="Roboto Mono"/>
-                <a:sym typeface="Roboto Mono"/>
-              </a:defRPr>
-            </a:lvl4pPr>
-            <a:lvl5pPr marL="2286000" marR="0" lvl="4" indent="-317500" algn="l" rtl="0">
-              <a:lnSpc>
-                <a:spcPct val="100000"/>
-              </a:lnSpc>
-              <a:spcBef>
-                <a:spcPts val="0"/>
-              </a:spcBef>
-              <a:spcAft>
-                <a:spcPts val="0"/>
-              </a:spcAft>
-              <a:buClr>
-                <a:schemeClr val="dk1"/>
-              </a:buClr>
-              <a:buSzPts val="1400"/>
-              <a:buFont typeface="Roboto Mono"/>
-              <a:buNone/>
-              <a:defRPr sz="1400" b="0" i="0" u="none" strike="noStrike" cap="none">
-                <a:solidFill>
-                  <a:schemeClr val="dk1"/>
-                </a:solidFill>
-                <a:latin typeface="Roboto Mono"/>
-                <a:ea typeface="Roboto Mono"/>
-                <a:cs typeface="Roboto Mono"/>
-                <a:sym typeface="Roboto Mono"/>
-              </a:defRPr>
-            </a:lvl5pPr>
-            <a:lvl6pPr marL="2743200" marR="0" lvl="5" indent="-317500" algn="l" rtl="0">
-              <a:lnSpc>
-                <a:spcPct val="100000"/>
-              </a:lnSpc>
-              <a:spcBef>
-                <a:spcPts val="0"/>
-              </a:spcBef>
-              <a:spcAft>
-                <a:spcPts val="0"/>
-              </a:spcAft>
-              <a:buClr>
-                <a:schemeClr val="dk1"/>
-              </a:buClr>
-              <a:buSzPts val="1400"/>
-              <a:buFont typeface="Roboto Mono"/>
-              <a:buNone/>
-              <a:defRPr sz="1400" b="0" i="0" u="none" strike="noStrike" cap="none">
-                <a:solidFill>
-                  <a:schemeClr val="dk1"/>
-                </a:solidFill>
-                <a:latin typeface="Roboto Mono"/>
-                <a:ea typeface="Roboto Mono"/>
-                <a:cs typeface="Roboto Mono"/>
-                <a:sym typeface="Roboto Mono"/>
-              </a:defRPr>
-            </a:lvl6pPr>
-            <a:lvl7pPr marL="3200400" marR="0" lvl="6" indent="-317500" algn="l" rtl="0">
-              <a:lnSpc>
-                <a:spcPct val="100000"/>
-              </a:lnSpc>
-              <a:spcBef>
-                <a:spcPts val="0"/>
-              </a:spcBef>
-              <a:spcAft>
-                <a:spcPts val="0"/>
-              </a:spcAft>
-              <a:buClr>
-                <a:schemeClr val="dk1"/>
-              </a:buClr>
-              <a:buSzPts val="1400"/>
-              <a:buFont typeface="Roboto Mono"/>
-              <a:buNone/>
-              <a:defRPr sz="1400" b="0" i="0" u="none" strike="noStrike" cap="none">
-                <a:solidFill>
-                  <a:schemeClr val="dk1"/>
-                </a:solidFill>
-                <a:latin typeface="Roboto Mono"/>
-                <a:ea typeface="Roboto Mono"/>
-                <a:cs typeface="Roboto Mono"/>
-                <a:sym typeface="Roboto Mono"/>
-              </a:defRPr>
-            </a:lvl7pPr>
-            <a:lvl8pPr marL="3657600" marR="0" lvl="7" indent="-317500" algn="l" rtl="0">
-              <a:lnSpc>
-                <a:spcPct val="100000"/>
-              </a:lnSpc>
-              <a:spcBef>
-                <a:spcPts val="0"/>
-              </a:spcBef>
-              <a:spcAft>
-                <a:spcPts val="0"/>
-              </a:spcAft>
-              <a:buClr>
-                <a:schemeClr val="dk1"/>
-              </a:buClr>
-              <a:buSzPts val="1400"/>
-              <a:buFont typeface="Roboto Mono"/>
-              <a:buNone/>
-              <a:defRPr sz="1400" b="0" i="0" u="none" strike="noStrike" cap="none">
-                <a:solidFill>
-                  <a:schemeClr val="dk1"/>
-                </a:solidFill>
-                <a:latin typeface="Roboto Mono"/>
-                <a:ea typeface="Roboto Mono"/>
-                <a:cs typeface="Roboto Mono"/>
-                <a:sym typeface="Roboto Mono"/>
-              </a:defRPr>
-            </a:lvl8pPr>
-            <a:lvl9pPr marL="4114800" marR="0" lvl="8" indent="-317500" algn="l" rtl="0">
-              <a:lnSpc>
-                <a:spcPct val="100000"/>
-              </a:lnSpc>
-              <a:spcBef>
-                <a:spcPts val="0"/>
-              </a:spcBef>
-              <a:spcAft>
-                <a:spcPts val="0"/>
-              </a:spcAft>
-              <a:buClr>
-                <a:schemeClr val="dk1"/>
-              </a:buClr>
-              <a:buSzPts val="1400"/>
-              <a:buFont typeface="Roboto Mono"/>
-              <a:buNone/>
-              <a:defRPr sz="1400" b="0" i="0" u="none" strike="noStrike" cap="none">
-                <a:solidFill>
-                  <a:schemeClr val="dk1"/>
-                </a:solidFill>
-                <a:latin typeface="Roboto Mono"/>
-                <a:ea typeface="Roboto Mono"/>
-                <a:cs typeface="Roboto Mono"/>
-                <a:sym typeface="Roboto Mono"/>
-              </a:defRPr>
-            </a:lvl9pPr>
-          </a:lstStyle>
-          <a:p>
-            <a:r>
-              <a:rPr lang="fr-FR" sz="1800" b="1" dirty="0"/>
-              <a:t>Sorties : </a:t>
-            </a:r>
-          </a:p>
-          <a:p>
-            <a:r>
-              <a:rPr lang="fr-FR" b="1" dirty="0"/>
-              <a:t>Résultat (32 bits)</a:t>
-            </a:r>
-            <a:endParaRPr lang="fr-FR" dirty="0"/>
-          </a:p>
-          <a:p>
-            <a:r>
-              <a:rPr lang="fr-FR" b="1" dirty="0"/>
-              <a:t>Indicateurs NZCV</a:t>
-            </a:r>
-            <a:endParaRPr lang="fr-FR" dirty="0"/>
-          </a:p>
-          <a:p>
-            <a:pPr lvl="1"/>
-            <a:r>
-              <a:rPr lang="fr-FR" b="1" dirty="0"/>
-              <a:t>N</a:t>
-            </a:r>
-            <a:r>
-              <a:rPr lang="fr-FR" dirty="0"/>
-              <a:t> : résultat négatif</a:t>
-            </a:r>
-          </a:p>
-          <a:p>
-            <a:pPr lvl="1"/>
-            <a:r>
-              <a:rPr lang="fr-FR" b="1" dirty="0"/>
-              <a:t>Z</a:t>
-            </a:r>
-            <a:r>
-              <a:rPr lang="fr-FR" dirty="0"/>
-              <a:t> : résultat = 0</a:t>
-            </a:r>
-          </a:p>
-          <a:p>
-            <a:pPr lvl="1"/>
-            <a:r>
-              <a:rPr lang="fr-FR" b="1" dirty="0"/>
-              <a:t>C</a:t>
-            </a:r>
-            <a:r>
-              <a:rPr lang="fr-FR" dirty="0"/>
-              <a:t> : retenue (carry)</a:t>
-            </a:r>
-          </a:p>
-          <a:p>
-            <a:pPr lvl="1"/>
-            <a:r>
-              <a:rPr lang="fr-FR" b="1" dirty="0"/>
-              <a:t>V</a:t>
-            </a:r>
-            <a:r>
-              <a:rPr lang="fr-FR" dirty="0"/>
-              <a:t> : dépassement (</a:t>
-            </a:r>
-            <a:r>
-              <a:rPr lang="fr-FR" dirty="0" err="1"/>
-              <a:t>overflow</a:t>
-            </a:r>
-            <a:r>
-              <a:rPr lang="fr-FR" dirty="0"/>
-              <a:t>)</a:t>
-            </a:r>
-          </a:p>
-        </p:txBody>
-      </p:sp>
-    </p:spTree>
-  </p:cSld>
-  <p:clrMapOvr>
-    <a:masterClrMapping/>
-  </p:clrMapOvr>
-</p:sld>
-</file>
-
-<file path=ppt/slides/slide11.xml><?xml version="1.0" encoding="utf-8"?>
-<p:sld xmlns:a="http://schemas.openxmlformats.org/drawingml/2006/main" xmlns:r="http://schemas.openxmlformats.org/officeDocument/2006/relationships" xmlns:p="http://schemas.openxmlformats.org/presentationml/2006/main">
-  <p:cSld>
-    <p:spTree>
-      <p:nvGrpSpPr>
         <p:cNvPr id="1" name="Shape 269">
           <a:extLst>
             <a:ext uri="{FF2B5EF4-FFF2-40B4-BE49-F238E27FC236}">
@@ -15554,7 +14936,7 @@
 </p:sld>
 </file>
 
-<file path=ppt/slides/slide12.xml><?xml version="1.0" encoding="utf-8"?>
+<file path=ppt/slides/slide11.xml><?xml version="1.0" encoding="utf-8"?>
 <p:sld xmlns:a="http://schemas.openxmlformats.org/drawingml/2006/main" xmlns:r="http://schemas.openxmlformats.org/officeDocument/2006/relationships" xmlns:p="http://schemas.openxmlformats.org/presentationml/2006/main">
   <p:cSld>
     <p:spTree>
@@ -15833,7 +15215,7 @@
 </p:sld>
 </file>
 
-<file path=ppt/slides/slide13.xml><?xml version="1.0" encoding="utf-8"?>
+<file path=ppt/slides/slide12.xml><?xml version="1.0" encoding="utf-8"?>
 <p:sld xmlns:a="http://schemas.openxmlformats.org/drawingml/2006/main" xmlns:r="http://schemas.openxmlformats.org/officeDocument/2006/relationships" xmlns:p="http://schemas.openxmlformats.org/presentationml/2006/main">
   <p:cSld>
     <p:spTree>
@@ -16032,7 +15414,7 @@
 </p:sld>
 </file>
 
-<file path=ppt/slides/slide14.xml><?xml version="1.0" encoding="utf-8"?>
+<file path=ppt/slides/slide13.xml><?xml version="1.0" encoding="utf-8"?>
 <p:sld xmlns:a="http://schemas.openxmlformats.org/drawingml/2006/main" xmlns:r="http://schemas.openxmlformats.org/officeDocument/2006/relationships" xmlns:p="http://schemas.openxmlformats.org/presentationml/2006/main">
   <p:cSld>
     <p:spTree>
@@ -16769,7 +16151,7 @@
 </p:sld>
 </file>
 
-<file path=ppt/slides/slide15.xml><?xml version="1.0" encoding="utf-8"?>
+<file path=ppt/slides/slide14.xml><?xml version="1.0" encoding="utf-8"?>
 <p:sld xmlns:a="http://schemas.openxmlformats.org/drawingml/2006/main" xmlns:r="http://schemas.openxmlformats.org/officeDocument/2006/relationships" xmlns:p="http://schemas.openxmlformats.org/presentationml/2006/main">
   <p:cSld>
     <p:spTree>
@@ -19750,1517 +19132,6 @@
         <p:cNvPr id="1" name="Shape 284">
           <a:extLst>
             <a:ext uri="{FF2B5EF4-FFF2-40B4-BE49-F238E27FC236}">
-              <a16:creationId xmlns:a16="http://schemas.microsoft.com/office/drawing/2014/main" id="{8BB4945D-981F-ABE4-AD4F-DBA9D5A042C0}"/>
-            </a:ext>
-          </a:extLst>
-        </p:cNvPr>
-        <p:cNvGrpSpPr/>
-        <p:nvPr/>
-      </p:nvGrpSpPr>
-      <p:grpSpPr>
-        <a:xfrm>
-          <a:off x="0" y="0"/>
-          <a:ext cx="0" cy="0"/>
-          <a:chOff x="0" y="0"/>
-          <a:chExt cx="0" cy="0"/>
-        </a:xfrm>
-      </p:grpSpPr>
-      <p:sp>
-        <p:nvSpPr>
-          <p:cNvPr id="285" name="Google Shape;285;p35">
-            <a:extLst>
-              <a:ext uri="{FF2B5EF4-FFF2-40B4-BE49-F238E27FC236}">
-                <a16:creationId xmlns:a16="http://schemas.microsoft.com/office/drawing/2014/main" id="{12E668FB-7C70-80AE-6973-C7C72BAA13C6}"/>
-              </a:ext>
-            </a:extLst>
-          </p:cNvPr>
-          <p:cNvSpPr txBox="1">
-            <a:spLocks noGrp="1"/>
-          </p:cNvSpPr>
-          <p:nvPr>
-            <p:ph type="title" idx="6"/>
-          </p:nvPr>
-        </p:nvSpPr>
-        <p:spPr>
-          <a:xfrm>
-            <a:off x="341850" y="654800"/>
-            <a:ext cx="8249700" cy="602700"/>
-          </a:xfrm>
-          <a:prstGeom prst="rect">
-            <a:avLst/>
-          </a:prstGeom>
-        </p:spPr>
-        <p:txBody>
-          <a:bodyPr spcFirstLastPara="1" wrap="square" lIns="91425" tIns="91425" rIns="91425" bIns="91425" anchor="t" anchorCtr="0">
-            <a:noAutofit/>
-          </a:bodyPr>
-          <a:lstStyle/>
-          <a:p>
-            <a:r>
-              <a:rPr lang="fr-FR" b="1" dirty="0"/>
-              <a:t>Fonctionnement global (de bout en bout)</a:t>
-            </a:r>
-            <a:endParaRPr lang="fr-FR" dirty="0"/>
-          </a:p>
-        </p:txBody>
-      </p:sp>
-      <p:sp>
-        <p:nvSpPr>
-          <p:cNvPr id="286" name="Google Shape;286;p35">
-            <a:extLst>
-              <a:ext uri="{FF2B5EF4-FFF2-40B4-BE49-F238E27FC236}">
-                <a16:creationId xmlns:a16="http://schemas.microsoft.com/office/drawing/2014/main" id="{2E3F9ACF-5243-EB58-9D5E-965D7E5F133C}"/>
-              </a:ext>
-            </a:extLst>
-          </p:cNvPr>
-          <p:cNvSpPr txBox="1">
-            <a:spLocks noGrp="1"/>
-          </p:cNvSpPr>
-          <p:nvPr>
-            <p:ph type="subTitle" idx="1"/>
-          </p:nvPr>
-        </p:nvSpPr>
-        <p:spPr>
-          <a:xfrm>
-            <a:off x="138651" y="2429013"/>
-            <a:ext cx="5883458" cy="1193870"/>
-          </a:xfrm>
-          <a:prstGeom prst="rect">
-            <a:avLst/>
-          </a:prstGeom>
-        </p:spPr>
-        <p:txBody>
-          <a:bodyPr spcFirstLastPara="1" wrap="square" lIns="91425" tIns="91425" rIns="91425" bIns="91425" anchor="t" anchorCtr="0">
-            <a:noAutofit/>
-          </a:bodyPr>
-          <a:lstStyle/>
-          <a:p>
-            <a:r>
-              <a:rPr lang="fr-FR" b="1" dirty="0" err="1"/>
-              <a:t>Fetch</a:t>
-            </a:r>
-            <a:r>
-              <a:rPr lang="fr-FR" dirty="0"/>
-              <a:t> : PC lit ROM, IR reçoit l’instruction</a:t>
-            </a:r>
-          </a:p>
-          <a:p>
-            <a:r>
-              <a:rPr lang="fr-FR" b="1" dirty="0" err="1"/>
-              <a:t>Decode</a:t>
-            </a:r>
-            <a:r>
-              <a:rPr lang="fr-FR" dirty="0"/>
-              <a:t> : contrôle des </a:t>
-            </a:r>
-            <a:r>
-              <a:rPr lang="fr-FR" dirty="0" err="1"/>
-              <a:t>mux</a:t>
-            </a:r>
-            <a:r>
-              <a:rPr lang="fr-FR" dirty="0"/>
-              <a:t> / </a:t>
-            </a:r>
-            <a:r>
-              <a:rPr lang="fr-FR" dirty="0" err="1"/>
-              <a:t>write</a:t>
-            </a:r>
-            <a:r>
-              <a:rPr lang="fr-FR" dirty="0"/>
-              <a:t> enable / type d’opération</a:t>
-            </a:r>
-          </a:p>
-          <a:p>
-            <a:r>
-              <a:rPr lang="fr-FR" b="1" dirty="0" err="1"/>
-              <a:t>Execute</a:t>
-            </a:r>
-            <a:r>
-              <a:rPr lang="fr-FR" dirty="0"/>
-              <a:t> : ALU calcule résultat + flags</a:t>
-            </a:r>
-          </a:p>
-          <a:p>
-            <a:r>
-              <a:rPr lang="fr-FR" b="1" dirty="0"/>
-              <a:t>Memory</a:t>
-            </a:r>
-            <a:r>
-              <a:rPr lang="fr-FR" dirty="0"/>
-              <a:t> (si LDR/STR) : accès RAM</a:t>
-            </a:r>
-          </a:p>
-          <a:p>
-            <a:r>
-              <a:rPr lang="fr-FR" b="1" dirty="0" err="1"/>
-              <a:t>Writeback</a:t>
-            </a:r>
-            <a:r>
-              <a:rPr lang="fr-FR" dirty="0"/>
-              <a:t> : écrit registre / PC / SP</a:t>
-            </a:r>
-          </a:p>
-        </p:txBody>
-      </p:sp>
-      <p:sp>
-        <p:nvSpPr>
-          <p:cNvPr id="289" name="Google Shape;289;p35">
-            <a:extLst>
-              <a:ext uri="{FF2B5EF4-FFF2-40B4-BE49-F238E27FC236}">
-                <a16:creationId xmlns:a16="http://schemas.microsoft.com/office/drawing/2014/main" id="{FC29C00F-2CBE-7999-7A3F-27A475896D80}"/>
-              </a:ext>
-            </a:extLst>
-          </p:cNvPr>
-          <p:cNvSpPr txBox="1">
-            <a:spLocks noGrp="1"/>
-          </p:cNvSpPr>
-          <p:nvPr>
-            <p:ph type="title"/>
-          </p:nvPr>
-        </p:nvSpPr>
-        <p:spPr>
-          <a:xfrm>
-            <a:off x="369610" y="1919386"/>
-            <a:ext cx="3792077" cy="289900"/>
-          </a:xfrm>
-          <a:prstGeom prst="rect">
-            <a:avLst/>
-          </a:prstGeom>
-        </p:spPr>
-        <p:txBody>
-          <a:bodyPr spcFirstLastPara="1" wrap="square" lIns="91425" tIns="91425" rIns="91425" bIns="91425" anchor="ctr" anchorCtr="0">
-            <a:noAutofit/>
-          </a:bodyPr>
-          <a:lstStyle/>
-          <a:p>
-            <a:pPr lvl="0"/>
-            <a:r>
-              <a:rPr lang="fr-FR" dirty="0"/>
-              <a:t>Cycle (simplifié)</a:t>
-            </a:r>
-            <a:endParaRPr dirty="0"/>
-          </a:p>
-        </p:txBody>
-      </p:sp>
-      <p:sp>
-        <p:nvSpPr>
-          <p:cNvPr id="3" name="Google Shape;286;p35">
-            <a:extLst>
-              <a:ext uri="{FF2B5EF4-FFF2-40B4-BE49-F238E27FC236}">
-                <a16:creationId xmlns:a16="http://schemas.microsoft.com/office/drawing/2014/main" id="{8BCCD014-0C8B-B8BF-F111-0B0A87DFF085}"/>
-              </a:ext>
-            </a:extLst>
-          </p:cNvPr>
-          <p:cNvSpPr txBox="1">
-            <a:spLocks/>
-          </p:cNvSpPr>
-          <p:nvPr/>
-        </p:nvSpPr>
-        <p:spPr>
-          <a:xfrm>
-            <a:off x="0" y="4527687"/>
-            <a:ext cx="4193309" cy="318210"/>
-          </a:xfrm>
-          <a:prstGeom prst="rect">
-            <a:avLst/>
-          </a:prstGeom>
-          <a:noFill/>
-          <a:ln>
-            <a:noFill/>
-          </a:ln>
-        </p:spPr>
-        <p:txBody>
-          <a:bodyPr spcFirstLastPara="1" wrap="square" lIns="91425" tIns="91425" rIns="91425" bIns="91425" anchor="t" anchorCtr="0">
-            <a:noAutofit/>
-          </a:bodyPr>
-          <a:lstStyle>
-            <a:defPPr marR="0" lvl="0" algn="l" rtl="0">
-              <a:lnSpc>
-                <a:spcPct val="100000"/>
-              </a:lnSpc>
-              <a:spcBef>
-                <a:spcPts val="0"/>
-              </a:spcBef>
-              <a:spcAft>
-                <a:spcPts val="0"/>
-              </a:spcAft>
-            </a:defPPr>
-            <a:lvl1pPr marL="457200" marR="0" lvl="0" indent="-317500" algn="l" rtl="0">
-              <a:lnSpc>
-                <a:spcPct val="100000"/>
-              </a:lnSpc>
-              <a:spcBef>
-                <a:spcPts val="0"/>
-              </a:spcBef>
-              <a:spcAft>
-                <a:spcPts val="0"/>
-              </a:spcAft>
-              <a:buClr>
-                <a:schemeClr val="dk1"/>
-              </a:buClr>
-              <a:buSzPts val="1400"/>
-              <a:buFont typeface="Roboto Mono"/>
-              <a:buNone/>
-              <a:defRPr sz="1200" b="0" i="0" u="none" strike="noStrike" cap="none">
-                <a:solidFill>
-                  <a:schemeClr val="dk1"/>
-                </a:solidFill>
-                <a:latin typeface="Roboto Mono"/>
-                <a:ea typeface="Roboto Mono"/>
-                <a:cs typeface="Roboto Mono"/>
-                <a:sym typeface="Roboto Mono"/>
-              </a:defRPr>
-            </a:lvl1pPr>
-            <a:lvl2pPr marL="914400" marR="0" lvl="1" indent="-317500" algn="ctr" rtl="0">
-              <a:lnSpc>
-                <a:spcPct val="100000"/>
-              </a:lnSpc>
-              <a:spcBef>
-                <a:spcPts val="0"/>
-              </a:spcBef>
-              <a:spcAft>
-                <a:spcPts val="0"/>
-              </a:spcAft>
-              <a:buClr>
-                <a:schemeClr val="dk1"/>
-              </a:buClr>
-              <a:buSzPts val="1400"/>
-              <a:buFont typeface="Roboto Mono"/>
-              <a:buNone/>
-              <a:defRPr sz="1400" b="0" i="0" u="none" strike="noStrike" cap="none">
-                <a:solidFill>
-                  <a:schemeClr val="dk1"/>
-                </a:solidFill>
-                <a:latin typeface="Roboto Mono"/>
-                <a:ea typeface="Roboto Mono"/>
-                <a:cs typeface="Roboto Mono"/>
-                <a:sym typeface="Roboto Mono"/>
-              </a:defRPr>
-            </a:lvl2pPr>
-            <a:lvl3pPr marL="1371600" marR="0" lvl="2" indent="-317500" algn="ctr" rtl="0">
-              <a:lnSpc>
-                <a:spcPct val="100000"/>
-              </a:lnSpc>
-              <a:spcBef>
-                <a:spcPts val="0"/>
-              </a:spcBef>
-              <a:spcAft>
-                <a:spcPts val="0"/>
-              </a:spcAft>
-              <a:buClr>
-                <a:schemeClr val="dk1"/>
-              </a:buClr>
-              <a:buSzPts val="1400"/>
-              <a:buFont typeface="Roboto Mono"/>
-              <a:buNone/>
-              <a:defRPr sz="1400" b="0" i="0" u="none" strike="noStrike" cap="none">
-                <a:solidFill>
-                  <a:schemeClr val="dk1"/>
-                </a:solidFill>
-                <a:latin typeface="Roboto Mono"/>
-                <a:ea typeface="Roboto Mono"/>
-                <a:cs typeface="Roboto Mono"/>
-                <a:sym typeface="Roboto Mono"/>
-              </a:defRPr>
-            </a:lvl3pPr>
-            <a:lvl4pPr marL="1828800" marR="0" lvl="3" indent="-317500" algn="ctr" rtl="0">
-              <a:lnSpc>
-                <a:spcPct val="100000"/>
-              </a:lnSpc>
-              <a:spcBef>
-                <a:spcPts val="0"/>
-              </a:spcBef>
-              <a:spcAft>
-                <a:spcPts val="0"/>
-              </a:spcAft>
-              <a:buClr>
-                <a:schemeClr val="dk1"/>
-              </a:buClr>
-              <a:buSzPts val="1400"/>
-              <a:buFont typeface="Roboto Mono"/>
-              <a:buNone/>
-              <a:defRPr sz="1400" b="0" i="0" u="none" strike="noStrike" cap="none">
-                <a:solidFill>
-                  <a:schemeClr val="dk1"/>
-                </a:solidFill>
-                <a:latin typeface="Roboto Mono"/>
-                <a:ea typeface="Roboto Mono"/>
-                <a:cs typeface="Roboto Mono"/>
-                <a:sym typeface="Roboto Mono"/>
-              </a:defRPr>
-            </a:lvl4pPr>
-            <a:lvl5pPr marL="2286000" marR="0" lvl="4" indent="-317500" algn="ctr" rtl="0">
-              <a:lnSpc>
-                <a:spcPct val="100000"/>
-              </a:lnSpc>
-              <a:spcBef>
-                <a:spcPts val="0"/>
-              </a:spcBef>
-              <a:spcAft>
-                <a:spcPts val="0"/>
-              </a:spcAft>
-              <a:buClr>
-                <a:schemeClr val="dk1"/>
-              </a:buClr>
-              <a:buSzPts val="1400"/>
-              <a:buFont typeface="Roboto Mono"/>
-              <a:buNone/>
-              <a:defRPr sz="1400" b="0" i="0" u="none" strike="noStrike" cap="none">
-                <a:solidFill>
-                  <a:schemeClr val="dk1"/>
-                </a:solidFill>
-                <a:latin typeface="Roboto Mono"/>
-                <a:ea typeface="Roboto Mono"/>
-                <a:cs typeface="Roboto Mono"/>
-                <a:sym typeface="Roboto Mono"/>
-              </a:defRPr>
-            </a:lvl5pPr>
-            <a:lvl6pPr marL="2743200" marR="0" lvl="5" indent="-317500" algn="ctr" rtl="0">
-              <a:lnSpc>
-                <a:spcPct val="100000"/>
-              </a:lnSpc>
-              <a:spcBef>
-                <a:spcPts val="0"/>
-              </a:spcBef>
-              <a:spcAft>
-                <a:spcPts val="0"/>
-              </a:spcAft>
-              <a:buClr>
-                <a:schemeClr val="dk1"/>
-              </a:buClr>
-              <a:buSzPts val="1400"/>
-              <a:buFont typeface="Roboto Mono"/>
-              <a:buNone/>
-              <a:defRPr sz="1400" b="0" i="0" u="none" strike="noStrike" cap="none">
-                <a:solidFill>
-                  <a:schemeClr val="dk1"/>
-                </a:solidFill>
-                <a:latin typeface="Roboto Mono"/>
-                <a:ea typeface="Roboto Mono"/>
-                <a:cs typeface="Roboto Mono"/>
-                <a:sym typeface="Roboto Mono"/>
-              </a:defRPr>
-            </a:lvl6pPr>
-            <a:lvl7pPr marL="3200400" marR="0" lvl="6" indent="-317500" algn="ctr" rtl="0">
-              <a:lnSpc>
-                <a:spcPct val="100000"/>
-              </a:lnSpc>
-              <a:spcBef>
-                <a:spcPts val="0"/>
-              </a:spcBef>
-              <a:spcAft>
-                <a:spcPts val="0"/>
-              </a:spcAft>
-              <a:buClr>
-                <a:schemeClr val="dk1"/>
-              </a:buClr>
-              <a:buSzPts val="1400"/>
-              <a:buFont typeface="Roboto Mono"/>
-              <a:buNone/>
-              <a:defRPr sz="1400" b="0" i="0" u="none" strike="noStrike" cap="none">
-                <a:solidFill>
-                  <a:schemeClr val="dk1"/>
-                </a:solidFill>
-                <a:latin typeface="Roboto Mono"/>
-                <a:ea typeface="Roboto Mono"/>
-                <a:cs typeface="Roboto Mono"/>
-                <a:sym typeface="Roboto Mono"/>
-              </a:defRPr>
-            </a:lvl7pPr>
-            <a:lvl8pPr marL="3657600" marR="0" lvl="7" indent="-317500" algn="ctr" rtl="0">
-              <a:lnSpc>
-                <a:spcPct val="100000"/>
-              </a:lnSpc>
-              <a:spcBef>
-                <a:spcPts val="0"/>
-              </a:spcBef>
-              <a:spcAft>
-                <a:spcPts val="0"/>
-              </a:spcAft>
-              <a:buClr>
-                <a:schemeClr val="dk1"/>
-              </a:buClr>
-              <a:buSzPts val="1400"/>
-              <a:buFont typeface="Roboto Mono"/>
-              <a:buNone/>
-              <a:defRPr sz="1400" b="0" i="0" u="none" strike="noStrike" cap="none">
-                <a:solidFill>
-                  <a:schemeClr val="dk1"/>
-                </a:solidFill>
-                <a:latin typeface="Roboto Mono"/>
-                <a:ea typeface="Roboto Mono"/>
-                <a:cs typeface="Roboto Mono"/>
-                <a:sym typeface="Roboto Mono"/>
-              </a:defRPr>
-            </a:lvl8pPr>
-            <a:lvl9pPr marL="4114800" marR="0" lvl="8" indent="-317500" algn="ctr" rtl="0">
-              <a:lnSpc>
-                <a:spcPct val="100000"/>
-              </a:lnSpc>
-              <a:spcBef>
-                <a:spcPts val="0"/>
-              </a:spcBef>
-              <a:spcAft>
-                <a:spcPts val="0"/>
-              </a:spcAft>
-              <a:buClr>
-                <a:schemeClr val="dk1"/>
-              </a:buClr>
-              <a:buSzPts val="1400"/>
-              <a:buFont typeface="Roboto Mono"/>
-              <a:buNone/>
-              <a:defRPr sz="1400" b="0" i="0" u="none" strike="noStrike" cap="none">
-                <a:solidFill>
-                  <a:schemeClr val="dk1"/>
-                </a:solidFill>
-                <a:latin typeface="Roboto Mono"/>
-                <a:ea typeface="Roboto Mono"/>
-                <a:cs typeface="Roboto Mono"/>
-                <a:sym typeface="Roboto Mono"/>
-              </a:defRPr>
-            </a:lvl9pPr>
-          </a:lstStyle>
-          <a:p>
-            <a:r>
-              <a:rPr lang="fr-FR" sz="900" b="1" dirty="0"/>
-              <a:t>LDR/STR = 2 cycles</a:t>
-            </a:r>
-            <a:r>
-              <a:rPr lang="fr-FR" sz="900" dirty="0"/>
-              <a:t>, le reste </a:t>
-            </a:r>
-            <a:r>
-              <a:rPr lang="fr-FR" sz="900" b="1" dirty="0"/>
-              <a:t>= 1 cycle</a:t>
-            </a:r>
-            <a:endParaRPr lang="fr-FR" sz="900" dirty="0"/>
-          </a:p>
-        </p:txBody>
-      </p:sp>
-      <p:sp>
-        <p:nvSpPr>
-          <p:cNvPr id="9" name="Rectangle: Rounded Corners 8">
-            <a:extLst>
-              <a:ext uri="{FF2B5EF4-FFF2-40B4-BE49-F238E27FC236}">
-                <a16:creationId xmlns:a16="http://schemas.microsoft.com/office/drawing/2014/main" id="{253A8EAE-949A-265A-54CC-CA1CF72EE12B}"/>
-              </a:ext>
-            </a:extLst>
-          </p:cNvPr>
-          <p:cNvSpPr/>
-          <p:nvPr/>
-        </p:nvSpPr>
-        <p:spPr>
-          <a:xfrm>
-            <a:off x="6123709" y="1257500"/>
-            <a:ext cx="2660073" cy="568813"/>
-          </a:xfrm>
-          <a:prstGeom prst="roundRect">
-            <a:avLst/>
-          </a:prstGeom>
-        </p:spPr>
-        <p:style>
-          <a:lnRef idx="2">
-            <a:schemeClr val="accent1">
-              <a:shade val="15000"/>
-            </a:schemeClr>
-          </a:lnRef>
-          <a:fillRef idx="1">
-            <a:schemeClr val="accent1"/>
-          </a:fillRef>
-          <a:effectRef idx="0">
-            <a:schemeClr val="accent1"/>
-          </a:effectRef>
-          <a:fontRef idx="minor">
-            <a:schemeClr val="lt1"/>
-          </a:fontRef>
-        </p:style>
-        <p:txBody>
-          <a:bodyPr rtlCol="0" anchor="ctr"/>
-          <a:lstStyle/>
-          <a:p>
-            <a:pPr algn="ctr"/>
-            <a:r>
-              <a:rPr lang="en-GB" sz="1300" b="1" dirty="0">
-                <a:solidFill>
-                  <a:schemeClr val="tx1"/>
-                </a:solidFill>
-                <a:latin typeface="Roboto Mono" panose="00000009000000000000" pitchFamily="49" charset="0"/>
-                <a:ea typeface="Roboto Mono" panose="00000009000000000000" pitchFamily="49" charset="0"/>
-              </a:rPr>
-              <a:t>1) Lire instruction</a:t>
-            </a:r>
-          </a:p>
-          <a:p>
-            <a:pPr algn="ctr"/>
-            <a:r>
-              <a:rPr lang="en-GB" sz="800" dirty="0">
-                <a:solidFill>
-                  <a:schemeClr val="tx1"/>
-                </a:solidFill>
-                <a:latin typeface="Roboto Mono" panose="00000009000000000000" pitchFamily="49" charset="0"/>
-                <a:ea typeface="Roboto Mono" panose="00000009000000000000" pitchFamily="49" charset="0"/>
-              </a:rPr>
-              <a:t>Lire la </a:t>
-            </a:r>
-            <a:r>
-              <a:rPr lang="en-GB" sz="800" dirty="0" err="1">
-                <a:solidFill>
-                  <a:schemeClr val="tx1"/>
-                </a:solidFill>
-                <a:latin typeface="Roboto Mono" panose="00000009000000000000" pitchFamily="49" charset="0"/>
-                <a:ea typeface="Roboto Mono" panose="00000009000000000000" pitchFamily="49" charset="0"/>
-              </a:rPr>
-              <a:t>prochaine</a:t>
-            </a:r>
-            <a:r>
-              <a:rPr lang="en-GB" sz="800" dirty="0">
-                <a:solidFill>
-                  <a:schemeClr val="tx1"/>
-                </a:solidFill>
-                <a:latin typeface="Roboto Mono" panose="00000009000000000000" pitchFamily="49" charset="0"/>
-                <a:ea typeface="Roboto Mono" panose="00000009000000000000" pitchFamily="49" charset="0"/>
-              </a:rPr>
-              <a:t> </a:t>
-            </a:r>
-            <a:r>
-              <a:rPr lang="en-GB" sz="800" dirty="0" err="1">
-                <a:solidFill>
-                  <a:schemeClr val="tx1"/>
-                </a:solidFill>
-                <a:latin typeface="Roboto Mono" panose="00000009000000000000" pitchFamily="49" charset="0"/>
-                <a:ea typeface="Roboto Mono" panose="00000009000000000000" pitchFamily="49" charset="0"/>
-              </a:rPr>
-              <a:t>ligne</a:t>
-            </a:r>
-            <a:r>
-              <a:rPr lang="en-GB" sz="800" dirty="0">
-                <a:solidFill>
-                  <a:schemeClr val="tx1"/>
-                </a:solidFill>
-                <a:latin typeface="Roboto Mono" panose="00000009000000000000" pitchFamily="49" charset="0"/>
-                <a:ea typeface="Roboto Mono" panose="00000009000000000000" pitchFamily="49" charset="0"/>
-              </a:rPr>
-              <a:t> du programme</a:t>
-            </a:r>
-            <a:endParaRPr lang="fr-FR" sz="800" dirty="0">
-              <a:solidFill>
-                <a:schemeClr val="tx1"/>
-              </a:solidFill>
-              <a:latin typeface="Roboto Mono" panose="00000009000000000000" pitchFamily="49" charset="0"/>
-              <a:ea typeface="Roboto Mono" panose="00000009000000000000" pitchFamily="49" charset="0"/>
-            </a:endParaRPr>
-          </a:p>
-        </p:txBody>
-      </p:sp>
-      <p:sp>
-        <p:nvSpPr>
-          <p:cNvPr id="10" name="Rectangle: Rounded Corners 9">
-            <a:extLst>
-              <a:ext uri="{FF2B5EF4-FFF2-40B4-BE49-F238E27FC236}">
-                <a16:creationId xmlns:a16="http://schemas.microsoft.com/office/drawing/2014/main" id="{894A07C8-B4E2-60A5-FCA5-6ACED70E5A19}"/>
-              </a:ext>
-            </a:extLst>
-          </p:cNvPr>
-          <p:cNvSpPr/>
-          <p:nvPr/>
-        </p:nvSpPr>
-        <p:spPr>
-          <a:xfrm>
-            <a:off x="6123709" y="1893810"/>
-            <a:ext cx="2660073" cy="668177"/>
-          </a:xfrm>
-          <a:prstGeom prst="roundRect">
-            <a:avLst/>
-          </a:prstGeom>
-        </p:spPr>
-        <p:style>
-          <a:lnRef idx="2">
-            <a:schemeClr val="accent1">
-              <a:shade val="15000"/>
-            </a:schemeClr>
-          </a:lnRef>
-          <a:fillRef idx="1">
-            <a:schemeClr val="accent1"/>
-          </a:fillRef>
-          <a:effectRef idx="0">
-            <a:schemeClr val="accent1"/>
-          </a:effectRef>
-          <a:fontRef idx="minor">
-            <a:schemeClr val="lt1"/>
-          </a:fontRef>
-        </p:style>
-        <p:txBody>
-          <a:bodyPr rtlCol="0" anchor="ctr"/>
-          <a:lstStyle/>
-          <a:p>
-            <a:pPr algn="ctr"/>
-            <a:r>
-              <a:rPr lang="en-GB" sz="1300" b="1" dirty="0">
-                <a:solidFill>
-                  <a:schemeClr val="tx1"/>
-                </a:solidFill>
-                <a:latin typeface="Roboto Mono" panose="00000009000000000000" pitchFamily="49" charset="0"/>
-                <a:ea typeface="Roboto Mono" panose="00000009000000000000" pitchFamily="49" charset="0"/>
-              </a:rPr>
-              <a:t>2) </a:t>
-            </a:r>
-            <a:r>
-              <a:rPr lang="en-GB" sz="1300" b="1" dirty="0" err="1">
-                <a:solidFill>
-                  <a:schemeClr val="tx1"/>
-                </a:solidFill>
-                <a:latin typeface="Roboto Mono" panose="00000009000000000000" pitchFamily="49" charset="0"/>
-                <a:ea typeface="Roboto Mono" panose="00000009000000000000" pitchFamily="49" charset="0"/>
-              </a:rPr>
-              <a:t>Comprendre</a:t>
-            </a:r>
-            <a:r>
-              <a:rPr lang="en-GB" sz="1300" b="1" dirty="0">
-                <a:solidFill>
-                  <a:schemeClr val="tx1"/>
-                </a:solidFill>
-                <a:latin typeface="Roboto Mono" panose="00000009000000000000" pitchFamily="49" charset="0"/>
-                <a:ea typeface="Roboto Mono" panose="00000009000000000000" pitchFamily="49" charset="0"/>
-              </a:rPr>
-              <a:t> + </a:t>
-            </a:r>
-            <a:r>
-              <a:rPr lang="en-GB" sz="1300" b="1" dirty="0" err="1">
-                <a:solidFill>
-                  <a:schemeClr val="tx1"/>
-                </a:solidFill>
-                <a:latin typeface="Roboto Mono" panose="00000009000000000000" pitchFamily="49" charset="0"/>
-                <a:ea typeface="Roboto Mono" panose="00000009000000000000" pitchFamily="49" charset="0"/>
-              </a:rPr>
-              <a:t>préparer</a:t>
-            </a:r>
-            <a:endParaRPr lang="en-GB" sz="1300" b="1" dirty="0">
-              <a:solidFill>
-                <a:schemeClr val="tx1"/>
-              </a:solidFill>
-              <a:latin typeface="Roboto Mono" panose="00000009000000000000" pitchFamily="49" charset="0"/>
-              <a:ea typeface="Roboto Mono" panose="00000009000000000000" pitchFamily="49" charset="0"/>
-            </a:endParaRPr>
-          </a:p>
-          <a:p>
-            <a:pPr algn="ctr"/>
-            <a:r>
-              <a:rPr lang="en-GB" sz="800" dirty="0" err="1">
-                <a:solidFill>
-                  <a:schemeClr val="tx1"/>
-                </a:solidFill>
-                <a:latin typeface="Roboto Mono" panose="00000009000000000000" pitchFamily="49" charset="0"/>
-                <a:ea typeface="Roboto Mono" panose="00000009000000000000" pitchFamily="49" charset="0"/>
-              </a:rPr>
-              <a:t>Choisir</a:t>
-            </a:r>
-            <a:r>
-              <a:rPr lang="en-GB" sz="800" dirty="0">
-                <a:solidFill>
-                  <a:schemeClr val="tx1"/>
-                </a:solidFill>
-                <a:latin typeface="Roboto Mono" panose="00000009000000000000" pitchFamily="49" charset="0"/>
-                <a:ea typeface="Roboto Mono" panose="00000009000000000000" pitchFamily="49" charset="0"/>
-              </a:rPr>
-              <a:t> </a:t>
-            </a:r>
-            <a:r>
-              <a:rPr lang="en-GB" sz="800" dirty="0" err="1">
-                <a:solidFill>
-                  <a:schemeClr val="tx1"/>
-                </a:solidFill>
-                <a:latin typeface="Roboto Mono" panose="00000009000000000000" pitchFamily="49" charset="0"/>
-                <a:ea typeface="Roboto Mono" panose="00000009000000000000" pitchFamily="49" charset="0"/>
-              </a:rPr>
-              <a:t>l’action</a:t>
-            </a:r>
-            <a:r>
-              <a:rPr lang="en-GB" sz="800" dirty="0">
-                <a:solidFill>
-                  <a:schemeClr val="tx1"/>
-                </a:solidFill>
-                <a:latin typeface="Roboto Mono" panose="00000009000000000000" pitchFamily="49" charset="0"/>
-                <a:ea typeface="Roboto Mono" panose="00000009000000000000" pitchFamily="49" charset="0"/>
-              </a:rPr>
-              <a:t>, les </a:t>
-            </a:r>
-            <a:r>
-              <a:rPr lang="en-GB" sz="800" dirty="0" err="1">
-                <a:solidFill>
-                  <a:schemeClr val="tx1"/>
-                </a:solidFill>
-                <a:latin typeface="Roboto Mono" panose="00000009000000000000" pitchFamily="49" charset="0"/>
-                <a:ea typeface="Roboto Mono" panose="00000009000000000000" pitchFamily="49" charset="0"/>
-              </a:rPr>
-              <a:t>registres</a:t>
-            </a:r>
-            <a:r>
-              <a:rPr lang="en-GB" sz="800" dirty="0">
-                <a:solidFill>
-                  <a:schemeClr val="tx1"/>
-                </a:solidFill>
-                <a:latin typeface="Roboto Mono" panose="00000009000000000000" pitchFamily="49" charset="0"/>
-                <a:ea typeface="Roboto Mono" panose="00000009000000000000" pitchFamily="49" charset="0"/>
-              </a:rPr>
-              <a:t> et les chemins internes</a:t>
-            </a:r>
-            <a:endParaRPr lang="fr-FR" sz="1000" dirty="0">
-              <a:solidFill>
-                <a:schemeClr val="tx1"/>
-              </a:solidFill>
-              <a:latin typeface="Roboto Mono" panose="00000009000000000000" pitchFamily="49" charset="0"/>
-              <a:ea typeface="Roboto Mono" panose="00000009000000000000" pitchFamily="49" charset="0"/>
-            </a:endParaRPr>
-          </a:p>
-        </p:txBody>
-      </p:sp>
-      <p:sp>
-        <p:nvSpPr>
-          <p:cNvPr id="11" name="Rectangle: Rounded Corners 10">
-            <a:extLst>
-              <a:ext uri="{FF2B5EF4-FFF2-40B4-BE49-F238E27FC236}">
-                <a16:creationId xmlns:a16="http://schemas.microsoft.com/office/drawing/2014/main" id="{D56CF90A-642F-503A-3214-7FB56E4A380B}"/>
-              </a:ext>
-            </a:extLst>
-          </p:cNvPr>
-          <p:cNvSpPr/>
-          <p:nvPr/>
-        </p:nvSpPr>
-        <p:spPr>
-          <a:xfrm>
-            <a:off x="6123709" y="2660554"/>
-            <a:ext cx="2660073" cy="637108"/>
-          </a:xfrm>
-          <a:prstGeom prst="roundRect">
-            <a:avLst/>
-          </a:prstGeom>
-        </p:spPr>
-        <p:style>
-          <a:lnRef idx="2">
-            <a:schemeClr val="accent1">
-              <a:shade val="15000"/>
-            </a:schemeClr>
-          </a:lnRef>
-          <a:fillRef idx="1">
-            <a:schemeClr val="accent1"/>
-          </a:fillRef>
-          <a:effectRef idx="0">
-            <a:schemeClr val="accent1"/>
-          </a:effectRef>
-          <a:fontRef idx="minor">
-            <a:schemeClr val="lt1"/>
-          </a:fontRef>
-        </p:style>
-        <p:txBody>
-          <a:bodyPr rtlCol="0" anchor="ctr"/>
-          <a:lstStyle/>
-          <a:p>
-            <a:pPr algn="ctr"/>
-            <a:r>
-              <a:rPr lang="en-GB" b="1" dirty="0">
-                <a:solidFill>
-                  <a:schemeClr val="tx1"/>
-                </a:solidFill>
-                <a:latin typeface="Roboto Mono" panose="00000009000000000000" pitchFamily="49" charset="0"/>
-                <a:ea typeface="Roboto Mono" panose="00000009000000000000" pitchFamily="49" charset="0"/>
-              </a:rPr>
-              <a:t>3) </a:t>
-            </a:r>
-            <a:r>
-              <a:rPr lang="en-GB" b="1" dirty="0" err="1">
-                <a:solidFill>
-                  <a:schemeClr val="tx1"/>
-                </a:solidFill>
-                <a:latin typeface="Roboto Mono" panose="00000009000000000000" pitchFamily="49" charset="0"/>
-                <a:ea typeface="Roboto Mono" panose="00000009000000000000" pitchFamily="49" charset="0"/>
-              </a:rPr>
-              <a:t>Calculer</a:t>
-            </a:r>
-            <a:endParaRPr lang="en-GB" b="1" dirty="0">
-              <a:solidFill>
-                <a:schemeClr val="tx1"/>
-              </a:solidFill>
-              <a:latin typeface="Roboto Mono" panose="00000009000000000000" pitchFamily="49" charset="0"/>
-              <a:ea typeface="Roboto Mono" panose="00000009000000000000" pitchFamily="49" charset="0"/>
-            </a:endParaRPr>
-          </a:p>
-          <a:p>
-            <a:pPr algn="ctr"/>
-            <a:r>
-              <a:rPr lang="en-GB" sz="800" dirty="0">
-                <a:solidFill>
-                  <a:schemeClr val="tx1"/>
-                </a:solidFill>
-                <a:latin typeface="Roboto Mono" panose="00000009000000000000" pitchFamily="49" charset="0"/>
-                <a:ea typeface="Roboto Mono" panose="00000009000000000000" pitchFamily="49" charset="0"/>
-              </a:rPr>
-              <a:t>Faire </a:t>
-            </a:r>
-            <a:r>
-              <a:rPr lang="en-GB" sz="800" dirty="0" err="1">
-                <a:solidFill>
-                  <a:schemeClr val="tx1"/>
-                </a:solidFill>
-                <a:latin typeface="Roboto Mono" panose="00000009000000000000" pitchFamily="49" charset="0"/>
-                <a:ea typeface="Roboto Mono" panose="00000009000000000000" pitchFamily="49" charset="0"/>
-              </a:rPr>
-              <a:t>l’operation</a:t>
-            </a:r>
-            <a:r>
-              <a:rPr lang="en-GB" sz="800" dirty="0">
-                <a:solidFill>
-                  <a:schemeClr val="tx1"/>
-                </a:solidFill>
-                <a:latin typeface="Roboto Mono" panose="00000009000000000000" pitchFamily="49" charset="0"/>
-                <a:ea typeface="Roboto Mono" panose="00000009000000000000" pitchFamily="49" charset="0"/>
-              </a:rPr>
-              <a:t> + </a:t>
-            </a:r>
-            <a:r>
-              <a:rPr lang="en-GB" sz="800" dirty="0" err="1">
-                <a:solidFill>
-                  <a:schemeClr val="tx1"/>
-                </a:solidFill>
-                <a:latin typeface="Roboto Mono" panose="00000009000000000000" pitchFamily="49" charset="0"/>
-                <a:ea typeface="Roboto Mono" panose="00000009000000000000" pitchFamily="49" charset="0"/>
-              </a:rPr>
-              <a:t>mettre</a:t>
-            </a:r>
-            <a:r>
-              <a:rPr lang="en-GB" sz="800" dirty="0">
-                <a:solidFill>
-                  <a:schemeClr val="tx1"/>
-                </a:solidFill>
-                <a:latin typeface="Roboto Mono" panose="00000009000000000000" pitchFamily="49" charset="0"/>
-                <a:ea typeface="Roboto Mono" panose="00000009000000000000" pitchFamily="49" charset="0"/>
-              </a:rPr>
-              <a:t> a jour les </a:t>
-            </a:r>
-            <a:r>
-              <a:rPr lang="en-GB" sz="800" dirty="0" err="1">
-                <a:solidFill>
-                  <a:schemeClr val="tx1"/>
-                </a:solidFill>
-                <a:latin typeface="Roboto Mono" panose="00000009000000000000" pitchFamily="49" charset="0"/>
-                <a:ea typeface="Roboto Mono" panose="00000009000000000000" pitchFamily="49" charset="0"/>
-              </a:rPr>
-              <a:t>indicateurs</a:t>
-            </a:r>
-            <a:r>
-              <a:rPr lang="en-GB" sz="800" dirty="0">
-                <a:solidFill>
-                  <a:schemeClr val="tx1"/>
-                </a:solidFill>
-                <a:latin typeface="Roboto Mono" panose="00000009000000000000" pitchFamily="49" charset="0"/>
-                <a:ea typeface="Roboto Mono" panose="00000009000000000000" pitchFamily="49" charset="0"/>
-              </a:rPr>
-              <a:t> (0, </a:t>
-            </a:r>
-            <a:r>
-              <a:rPr lang="en-GB" sz="800" dirty="0" err="1">
-                <a:solidFill>
-                  <a:schemeClr val="tx1"/>
-                </a:solidFill>
-                <a:latin typeface="Roboto Mono" panose="00000009000000000000" pitchFamily="49" charset="0"/>
-                <a:ea typeface="Roboto Mono" panose="00000009000000000000" pitchFamily="49" charset="0"/>
-              </a:rPr>
-              <a:t>négatif</a:t>
-            </a:r>
-            <a:r>
-              <a:rPr lang="en-GB" sz="800" dirty="0">
-                <a:solidFill>
-                  <a:schemeClr val="tx1"/>
-                </a:solidFill>
-                <a:latin typeface="Roboto Mono" panose="00000009000000000000" pitchFamily="49" charset="0"/>
-                <a:ea typeface="Roboto Mono" panose="00000009000000000000" pitchFamily="49" charset="0"/>
-              </a:rPr>
-              <a:t>, etc)</a:t>
-            </a:r>
-            <a:endParaRPr lang="fr-FR" sz="800" dirty="0">
-              <a:solidFill>
-                <a:schemeClr val="tx1"/>
-              </a:solidFill>
-              <a:latin typeface="Roboto Mono" panose="00000009000000000000" pitchFamily="49" charset="0"/>
-              <a:ea typeface="Roboto Mono" panose="00000009000000000000" pitchFamily="49" charset="0"/>
-            </a:endParaRPr>
-          </a:p>
-        </p:txBody>
-      </p:sp>
-      <p:sp>
-        <p:nvSpPr>
-          <p:cNvPr id="12" name="Rectangle: Rounded Corners 11">
-            <a:extLst>
-              <a:ext uri="{FF2B5EF4-FFF2-40B4-BE49-F238E27FC236}">
-                <a16:creationId xmlns:a16="http://schemas.microsoft.com/office/drawing/2014/main" id="{AF1DBB0D-176A-4BB4-D116-726163C126C4}"/>
-              </a:ext>
-            </a:extLst>
-          </p:cNvPr>
-          <p:cNvSpPr/>
-          <p:nvPr/>
-        </p:nvSpPr>
-        <p:spPr>
-          <a:xfrm>
-            <a:off x="6123709" y="3396228"/>
-            <a:ext cx="2660073" cy="636310"/>
-          </a:xfrm>
-          <a:prstGeom prst="roundRect">
-            <a:avLst/>
-          </a:prstGeom>
-        </p:spPr>
-        <p:style>
-          <a:lnRef idx="2">
-            <a:schemeClr val="accent1">
-              <a:shade val="15000"/>
-            </a:schemeClr>
-          </a:lnRef>
-          <a:fillRef idx="1">
-            <a:schemeClr val="accent1"/>
-          </a:fillRef>
-          <a:effectRef idx="0">
-            <a:schemeClr val="accent1"/>
-          </a:effectRef>
-          <a:fontRef idx="minor">
-            <a:schemeClr val="lt1"/>
-          </a:fontRef>
-        </p:style>
-        <p:txBody>
-          <a:bodyPr rtlCol="0" anchor="ctr"/>
-          <a:lstStyle/>
-          <a:p>
-            <a:pPr algn="ctr"/>
-            <a:r>
-              <a:rPr lang="en-GB" sz="1200" b="1" dirty="0">
-                <a:solidFill>
-                  <a:schemeClr val="tx1"/>
-                </a:solidFill>
-                <a:latin typeface="Roboto Mono" panose="00000009000000000000" pitchFamily="49" charset="0"/>
-                <a:ea typeface="Roboto Mono" panose="00000009000000000000" pitchFamily="49" charset="0"/>
-              </a:rPr>
-              <a:t>4) </a:t>
-            </a:r>
-            <a:r>
-              <a:rPr lang="en-GB" sz="1200" b="1" dirty="0" err="1">
-                <a:solidFill>
-                  <a:schemeClr val="tx1"/>
-                </a:solidFill>
-                <a:latin typeface="Roboto Mono" panose="00000009000000000000" pitchFamily="49" charset="0"/>
-                <a:ea typeface="Roboto Mono" panose="00000009000000000000" pitchFamily="49" charset="0"/>
-              </a:rPr>
-              <a:t>Mémoire</a:t>
-            </a:r>
-            <a:r>
-              <a:rPr lang="en-GB" sz="1200" b="1" dirty="0">
-                <a:solidFill>
-                  <a:schemeClr val="tx1"/>
-                </a:solidFill>
-                <a:latin typeface="Roboto Mono" panose="00000009000000000000" pitchFamily="49" charset="0"/>
-                <a:ea typeface="Roboto Mono" panose="00000009000000000000" pitchFamily="49" charset="0"/>
-              </a:rPr>
-              <a:t> (</a:t>
-            </a:r>
-            <a:r>
-              <a:rPr lang="en-GB" sz="1200" b="1" dirty="0" err="1">
-                <a:solidFill>
-                  <a:schemeClr val="tx1"/>
-                </a:solidFill>
-                <a:latin typeface="Roboto Mono" panose="00000009000000000000" pitchFamily="49" charset="0"/>
-                <a:ea typeface="Roboto Mono" panose="00000009000000000000" pitchFamily="49" charset="0"/>
-              </a:rPr>
-              <a:t>si</a:t>
-            </a:r>
-            <a:r>
-              <a:rPr lang="en-GB" sz="1200" b="1" dirty="0">
-                <a:solidFill>
-                  <a:schemeClr val="tx1"/>
-                </a:solidFill>
-                <a:latin typeface="Roboto Mono" panose="00000009000000000000" pitchFamily="49" charset="0"/>
-                <a:ea typeface="Roboto Mono" panose="00000009000000000000" pitchFamily="49" charset="0"/>
-              </a:rPr>
-              <a:t> necessaire)</a:t>
-            </a:r>
-          </a:p>
-          <a:p>
-            <a:pPr algn="ctr"/>
-            <a:r>
-              <a:rPr lang="en-GB" sz="800" dirty="0">
-                <a:solidFill>
-                  <a:schemeClr val="tx1"/>
-                </a:solidFill>
-                <a:latin typeface="Roboto Mono" panose="00000009000000000000" pitchFamily="49" charset="0"/>
-                <a:ea typeface="Roboto Mono" panose="00000009000000000000" pitchFamily="49" charset="0"/>
-              </a:rPr>
-              <a:t>Lire/</a:t>
-            </a:r>
-            <a:r>
-              <a:rPr lang="en-GB" sz="800" dirty="0" err="1">
-                <a:solidFill>
-                  <a:schemeClr val="tx1"/>
-                </a:solidFill>
-                <a:latin typeface="Roboto Mono" panose="00000009000000000000" pitchFamily="49" charset="0"/>
-                <a:ea typeface="Roboto Mono" panose="00000009000000000000" pitchFamily="49" charset="0"/>
-              </a:rPr>
-              <a:t>écrire</a:t>
-            </a:r>
-            <a:r>
-              <a:rPr lang="en-GB" sz="800" dirty="0">
-                <a:solidFill>
-                  <a:schemeClr val="tx1"/>
-                </a:solidFill>
-                <a:latin typeface="Roboto Mono" panose="00000009000000000000" pitchFamily="49" charset="0"/>
-                <a:ea typeface="Roboto Mono" panose="00000009000000000000" pitchFamily="49" charset="0"/>
-              </a:rPr>
-              <a:t> la </a:t>
-            </a:r>
-            <a:r>
-              <a:rPr lang="en-GB" sz="800" dirty="0" err="1">
-                <a:solidFill>
-                  <a:schemeClr val="tx1"/>
-                </a:solidFill>
-                <a:latin typeface="Roboto Mono" panose="00000009000000000000" pitchFamily="49" charset="0"/>
-                <a:ea typeface="Roboto Mono" panose="00000009000000000000" pitchFamily="49" charset="0"/>
-              </a:rPr>
-              <a:t>mémoire</a:t>
-            </a:r>
-            <a:r>
-              <a:rPr lang="en-GB" sz="800" dirty="0">
-                <a:solidFill>
-                  <a:schemeClr val="tx1"/>
-                </a:solidFill>
-                <a:latin typeface="Roboto Mono" panose="00000009000000000000" pitchFamily="49" charset="0"/>
-                <a:ea typeface="Roboto Mono" panose="00000009000000000000" pitchFamily="49" charset="0"/>
-              </a:rPr>
-              <a:t> des données (</a:t>
-            </a:r>
-            <a:r>
-              <a:rPr lang="en-GB" sz="800" dirty="0" err="1">
-                <a:solidFill>
-                  <a:schemeClr val="tx1"/>
-                </a:solidFill>
-                <a:latin typeface="Roboto Mono" panose="00000009000000000000" pitchFamily="49" charset="0"/>
-                <a:ea typeface="Roboto Mono" panose="00000009000000000000" pitchFamily="49" charset="0"/>
-              </a:rPr>
-              <a:t>seulement</a:t>
-            </a:r>
-            <a:r>
-              <a:rPr lang="en-GB" sz="800" dirty="0">
-                <a:solidFill>
-                  <a:schemeClr val="tx1"/>
-                </a:solidFill>
-                <a:latin typeface="Roboto Mono" panose="00000009000000000000" pitchFamily="49" charset="0"/>
-                <a:ea typeface="Roboto Mono" panose="00000009000000000000" pitchFamily="49" charset="0"/>
-              </a:rPr>
-              <a:t> pour charger/stocker</a:t>
-            </a:r>
-            <a:r>
-              <a:rPr lang="en-GB" sz="900" dirty="0">
-                <a:solidFill>
-                  <a:schemeClr val="tx1"/>
-                </a:solidFill>
-                <a:latin typeface="Roboto Mono" panose="00000009000000000000" pitchFamily="49" charset="0"/>
-                <a:ea typeface="Roboto Mono" panose="00000009000000000000" pitchFamily="49" charset="0"/>
-              </a:rPr>
-              <a:t>)</a:t>
-            </a:r>
-            <a:endParaRPr lang="fr-FR" sz="900" dirty="0">
-              <a:solidFill>
-                <a:schemeClr val="tx1"/>
-              </a:solidFill>
-              <a:latin typeface="Roboto Mono" panose="00000009000000000000" pitchFamily="49" charset="0"/>
-              <a:ea typeface="Roboto Mono" panose="00000009000000000000" pitchFamily="49" charset="0"/>
-            </a:endParaRPr>
-          </a:p>
-        </p:txBody>
-      </p:sp>
-      <p:sp>
-        <p:nvSpPr>
-          <p:cNvPr id="13" name="Rectangle: Rounded Corners 12">
-            <a:extLst>
-              <a:ext uri="{FF2B5EF4-FFF2-40B4-BE49-F238E27FC236}">
-                <a16:creationId xmlns:a16="http://schemas.microsoft.com/office/drawing/2014/main" id="{53621D16-0767-6AD7-D670-A6ABC6AB8DFE}"/>
-              </a:ext>
-            </a:extLst>
-          </p:cNvPr>
-          <p:cNvSpPr/>
-          <p:nvPr/>
-        </p:nvSpPr>
-        <p:spPr>
-          <a:xfrm>
-            <a:off x="6123709" y="4131902"/>
-            <a:ext cx="2660073" cy="635512"/>
-          </a:xfrm>
-          <a:prstGeom prst="roundRect">
-            <a:avLst/>
-          </a:prstGeom>
-        </p:spPr>
-        <p:style>
-          <a:lnRef idx="2">
-            <a:schemeClr val="accent1">
-              <a:shade val="15000"/>
-            </a:schemeClr>
-          </a:lnRef>
-          <a:fillRef idx="1">
-            <a:schemeClr val="accent1"/>
-          </a:fillRef>
-          <a:effectRef idx="0">
-            <a:schemeClr val="accent1"/>
-          </a:effectRef>
-          <a:fontRef idx="minor">
-            <a:schemeClr val="lt1"/>
-          </a:fontRef>
-        </p:style>
-        <p:txBody>
-          <a:bodyPr rtlCol="0" anchor="ctr"/>
-          <a:lstStyle/>
-          <a:p>
-            <a:pPr algn="ctr"/>
-            <a:r>
-              <a:rPr lang="en-GB" sz="1200" b="1" dirty="0">
-                <a:solidFill>
-                  <a:schemeClr val="tx1"/>
-                </a:solidFill>
-                <a:latin typeface="Roboto Mono" panose="00000009000000000000" pitchFamily="49" charset="0"/>
-                <a:ea typeface="Roboto Mono" panose="00000009000000000000" pitchFamily="49" charset="0"/>
-              </a:rPr>
-              <a:t>5) Enregister le </a:t>
-            </a:r>
-            <a:r>
-              <a:rPr lang="en-GB" sz="1200" b="1" dirty="0" err="1">
-                <a:solidFill>
-                  <a:schemeClr val="tx1"/>
-                </a:solidFill>
-                <a:latin typeface="Roboto Mono" panose="00000009000000000000" pitchFamily="49" charset="0"/>
-                <a:ea typeface="Roboto Mono" panose="00000009000000000000" pitchFamily="49" charset="0"/>
-              </a:rPr>
-              <a:t>résultat</a:t>
-            </a:r>
-            <a:r>
-              <a:rPr lang="en-GB" sz="1200" b="1" dirty="0">
-                <a:solidFill>
-                  <a:schemeClr val="tx1"/>
-                </a:solidFill>
-                <a:latin typeface="Roboto Mono" panose="00000009000000000000" pitchFamily="49" charset="0"/>
-                <a:ea typeface="Roboto Mono" panose="00000009000000000000" pitchFamily="49" charset="0"/>
-              </a:rPr>
-              <a:t> </a:t>
-            </a:r>
-          </a:p>
-          <a:p>
-            <a:pPr algn="ctr"/>
-            <a:r>
-              <a:rPr lang="en-GB" sz="700" dirty="0" err="1">
-                <a:solidFill>
-                  <a:schemeClr val="tx1"/>
-                </a:solidFill>
-                <a:latin typeface="Roboto Mono" panose="00000009000000000000" pitchFamily="49" charset="0"/>
-                <a:ea typeface="Roboto Mono" panose="00000009000000000000" pitchFamily="49" charset="0"/>
-              </a:rPr>
-              <a:t>Ecrire</a:t>
-            </a:r>
-            <a:r>
-              <a:rPr lang="en-GB" sz="700" dirty="0">
-                <a:solidFill>
-                  <a:schemeClr val="tx1"/>
-                </a:solidFill>
-                <a:latin typeface="Roboto Mono" panose="00000009000000000000" pitchFamily="49" charset="0"/>
-                <a:ea typeface="Roboto Mono" panose="00000009000000000000" pitchFamily="49" charset="0"/>
-              </a:rPr>
-              <a:t> dans un </a:t>
-            </a:r>
-            <a:r>
-              <a:rPr lang="en-GB" sz="700" dirty="0" err="1">
-                <a:solidFill>
-                  <a:schemeClr val="tx1"/>
-                </a:solidFill>
-                <a:latin typeface="Roboto Mono" panose="00000009000000000000" pitchFamily="49" charset="0"/>
-                <a:ea typeface="Roboto Mono" panose="00000009000000000000" pitchFamily="49" charset="0"/>
-              </a:rPr>
-              <a:t>registre</a:t>
-            </a:r>
-            <a:r>
-              <a:rPr lang="en-GB" sz="700" dirty="0">
-                <a:solidFill>
-                  <a:schemeClr val="tx1"/>
-                </a:solidFill>
-                <a:latin typeface="Roboto Mono" panose="00000009000000000000" pitchFamily="49" charset="0"/>
-                <a:ea typeface="Roboto Mono" panose="00000009000000000000" pitchFamily="49" charset="0"/>
-              </a:rPr>
-              <a:t> </a:t>
-            </a:r>
-            <a:r>
-              <a:rPr lang="en-GB" sz="700" dirty="0" err="1">
-                <a:solidFill>
-                  <a:schemeClr val="tx1"/>
-                </a:solidFill>
-                <a:latin typeface="Roboto Mono" panose="00000009000000000000" pitchFamily="49" charset="0"/>
-                <a:ea typeface="Roboto Mono" panose="00000009000000000000" pitchFamily="49" charset="0"/>
-              </a:rPr>
-              <a:t>ou</a:t>
-            </a:r>
-            <a:r>
-              <a:rPr lang="en-GB" sz="700" dirty="0">
-                <a:solidFill>
-                  <a:schemeClr val="tx1"/>
-                </a:solidFill>
-                <a:latin typeface="Roboto Mono" panose="00000009000000000000" pitchFamily="49" charset="0"/>
-                <a:ea typeface="Roboto Mono" panose="00000009000000000000" pitchFamily="49" charset="0"/>
-              </a:rPr>
-              <a:t> changer la suite du programme </a:t>
-            </a:r>
-            <a:r>
-              <a:rPr lang="en-GB" sz="700" dirty="0" err="1">
-                <a:solidFill>
-                  <a:schemeClr val="tx1"/>
-                </a:solidFill>
-                <a:latin typeface="Roboto Mono" panose="00000009000000000000" pitchFamily="49" charset="0"/>
-                <a:ea typeface="Roboto Mono" panose="00000009000000000000" pitchFamily="49" charset="0"/>
-              </a:rPr>
-              <a:t>ou</a:t>
-            </a:r>
-            <a:r>
-              <a:rPr lang="en-GB" sz="700" dirty="0">
-                <a:solidFill>
-                  <a:schemeClr val="tx1"/>
-                </a:solidFill>
-                <a:latin typeface="Roboto Mono" panose="00000009000000000000" pitchFamily="49" charset="0"/>
-                <a:ea typeface="Roboto Mono" panose="00000009000000000000" pitchFamily="49" charset="0"/>
-              </a:rPr>
-              <a:t> </a:t>
-            </a:r>
-            <a:r>
-              <a:rPr lang="en-GB" sz="700" dirty="0" err="1">
-                <a:solidFill>
-                  <a:schemeClr val="tx1"/>
-                </a:solidFill>
-                <a:latin typeface="Roboto Mono" panose="00000009000000000000" pitchFamily="49" charset="0"/>
-                <a:ea typeface="Roboto Mono" panose="00000009000000000000" pitchFamily="49" charset="0"/>
-              </a:rPr>
-              <a:t>mettre</a:t>
-            </a:r>
-            <a:r>
-              <a:rPr lang="en-GB" sz="700" dirty="0">
-                <a:solidFill>
-                  <a:schemeClr val="tx1"/>
-                </a:solidFill>
-                <a:latin typeface="Roboto Mono" panose="00000009000000000000" pitchFamily="49" charset="0"/>
-                <a:ea typeface="Roboto Mono" panose="00000009000000000000" pitchFamily="49" charset="0"/>
-              </a:rPr>
-              <a:t> à jour la pile</a:t>
-            </a:r>
-            <a:endParaRPr lang="fr-FR" sz="700" dirty="0">
-              <a:solidFill>
-                <a:schemeClr val="tx1"/>
-              </a:solidFill>
-              <a:latin typeface="Roboto Mono" panose="00000009000000000000" pitchFamily="49" charset="0"/>
-              <a:ea typeface="Roboto Mono" panose="00000009000000000000" pitchFamily="49" charset="0"/>
-            </a:endParaRPr>
-          </a:p>
-        </p:txBody>
-      </p:sp>
-      <p:cxnSp>
-        <p:nvCxnSpPr>
-          <p:cNvPr id="15" name="Straight Arrow Connector 14">
-            <a:extLst>
-              <a:ext uri="{FF2B5EF4-FFF2-40B4-BE49-F238E27FC236}">
-                <a16:creationId xmlns:a16="http://schemas.microsoft.com/office/drawing/2014/main" id="{91A1A809-2C4C-DBA9-8A49-59BE46B38A14}"/>
-              </a:ext>
-            </a:extLst>
-          </p:cNvPr>
-          <p:cNvCxnSpPr>
-            <a:cxnSpLocks/>
-            <a:stCxn id="9" idx="2"/>
-            <a:endCxn id="10" idx="0"/>
-          </p:cNvCxnSpPr>
-          <p:nvPr/>
-        </p:nvCxnSpPr>
-        <p:spPr>
-          <a:xfrm>
-            <a:off x="7453746" y="1826313"/>
-            <a:ext cx="0" cy="67497"/>
-          </a:xfrm>
-          <a:prstGeom prst="straightConnector1">
-            <a:avLst/>
-          </a:prstGeom>
-          <a:ln>
-            <a:solidFill>
-              <a:schemeClr val="tx1"/>
-            </a:solidFill>
-            <a:tailEnd type="triangle"/>
-          </a:ln>
-        </p:spPr>
-        <p:style>
-          <a:lnRef idx="1">
-            <a:schemeClr val="accent1"/>
-          </a:lnRef>
-          <a:fillRef idx="0">
-            <a:schemeClr val="accent1"/>
-          </a:fillRef>
-          <a:effectRef idx="0">
-            <a:schemeClr val="accent1"/>
-          </a:effectRef>
-          <a:fontRef idx="minor">
-            <a:schemeClr val="tx1"/>
-          </a:fontRef>
-        </p:style>
-      </p:cxnSp>
-      <p:cxnSp>
-        <p:nvCxnSpPr>
-          <p:cNvPr id="16" name="Straight Arrow Connector 15">
-            <a:extLst>
-              <a:ext uri="{FF2B5EF4-FFF2-40B4-BE49-F238E27FC236}">
-                <a16:creationId xmlns:a16="http://schemas.microsoft.com/office/drawing/2014/main" id="{9B446714-15EC-F590-A9EE-362747F35080}"/>
-              </a:ext>
-            </a:extLst>
-          </p:cNvPr>
-          <p:cNvCxnSpPr>
-            <a:cxnSpLocks/>
-            <a:stCxn id="10" idx="2"/>
-            <a:endCxn id="11" idx="0"/>
-          </p:cNvCxnSpPr>
-          <p:nvPr/>
-        </p:nvCxnSpPr>
-        <p:spPr>
-          <a:xfrm>
-            <a:off x="7453746" y="2561987"/>
-            <a:ext cx="0" cy="98567"/>
-          </a:xfrm>
-          <a:prstGeom prst="straightConnector1">
-            <a:avLst/>
-          </a:prstGeom>
-          <a:ln>
-            <a:solidFill>
-              <a:schemeClr val="tx1"/>
-            </a:solidFill>
-            <a:tailEnd type="triangle"/>
-          </a:ln>
-        </p:spPr>
-        <p:style>
-          <a:lnRef idx="1">
-            <a:schemeClr val="accent1"/>
-          </a:lnRef>
-          <a:fillRef idx="0">
-            <a:schemeClr val="accent1"/>
-          </a:fillRef>
-          <a:effectRef idx="0">
-            <a:schemeClr val="accent1"/>
-          </a:effectRef>
-          <a:fontRef idx="minor">
-            <a:schemeClr val="tx1"/>
-          </a:fontRef>
-        </p:style>
-      </p:cxnSp>
-      <p:cxnSp>
-        <p:nvCxnSpPr>
-          <p:cNvPr id="22" name="Straight Arrow Connector 21">
-            <a:extLst>
-              <a:ext uri="{FF2B5EF4-FFF2-40B4-BE49-F238E27FC236}">
-                <a16:creationId xmlns:a16="http://schemas.microsoft.com/office/drawing/2014/main" id="{F4261E29-4DC3-6E8C-792F-69F59C474495}"/>
-              </a:ext>
-            </a:extLst>
-          </p:cNvPr>
-          <p:cNvCxnSpPr>
-            <a:cxnSpLocks/>
-            <a:stCxn id="11" idx="2"/>
-            <a:endCxn id="12" idx="0"/>
-          </p:cNvCxnSpPr>
-          <p:nvPr/>
-        </p:nvCxnSpPr>
-        <p:spPr>
-          <a:xfrm>
-            <a:off x="7453746" y="3297662"/>
-            <a:ext cx="0" cy="98566"/>
-          </a:xfrm>
-          <a:prstGeom prst="straightConnector1">
-            <a:avLst/>
-          </a:prstGeom>
-          <a:ln>
-            <a:solidFill>
-              <a:schemeClr val="tx1"/>
-            </a:solidFill>
-            <a:tailEnd type="triangle"/>
-          </a:ln>
-        </p:spPr>
-        <p:style>
-          <a:lnRef idx="1">
-            <a:schemeClr val="accent1"/>
-          </a:lnRef>
-          <a:fillRef idx="0">
-            <a:schemeClr val="accent1"/>
-          </a:fillRef>
-          <a:effectRef idx="0">
-            <a:schemeClr val="accent1"/>
-          </a:effectRef>
-          <a:fontRef idx="minor">
-            <a:schemeClr val="tx1"/>
-          </a:fontRef>
-        </p:style>
-      </p:cxnSp>
-      <p:cxnSp>
-        <p:nvCxnSpPr>
-          <p:cNvPr id="25" name="Straight Arrow Connector 24">
-            <a:extLst>
-              <a:ext uri="{FF2B5EF4-FFF2-40B4-BE49-F238E27FC236}">
-                <a16:creationId xmlns:a16="http://schemas.microsoft.com/office/drawing/2014/main" id="{3B9CC5F0-A852-D9A5-AC90-DA9F8D5CB4FA}"/>
-              </a:ext>
-            </a:extLst>
-          </p:cNvPr>
-          <p:cNvCxnSpPr>
-            <a:cxnSpLocks/>
-            <a:stCxn id="12" idx="2"/>
-            <a:endCxn id="13" idx="0"/>
-          </p:cNvCxnSpPr>
-          <p:nvPr/>
-        </p:nvCxnSpPr>
-        <p:spPr>
-          <a:xfrm>
-            <a:off x="7453746" y="4032538"/>
-            <a:ext cx="0" cy="99364"/>
-          </a:xfrm>
-          <a:prstGeom prst="straightConnector1">
-            <a:avLst/>
-          </a:prstGeom>
-          <a:ln>
-            <a:solidFill>
-              <a:schemeClr val="tx1"/>
-            </a:solidFill>
-            <a:tailEnd type="triangle"/>
-          </a:ln>
-        </p:spPr>
-        <p:style>
-          <a:lnRef idx="1">
-            <a:schemeClr val="accent1"/>
-          </a:lnRef>
-          <a:fillRef idx="0">
-            <a:schemeClr val="accent1"/>
-          </a:fillRef>
-          <a:effectRef idx="0">
-            <a:schemeClr val="accent1"/>
-          </a:effectRef>
-          <a:fontRef idx="minor">
-            <a:schemeClr val="tx1"/>
-          </a:fontRef>
-        </p:style>
-      </p:cxnSp>
-    </p:spTree>
-    <p:extLst>
-      <p:ext uri="{BB962C8B-B14F-4D97-AF65-F5344CB8AC3E}">
-        <p14:creationId xmlns:p14="http://schemas.microsoft.com/office/powerpoint/2010/main" val="3065881242"/>
-      </p:ext>
-    </p:extLst>
-  </p:cSld>
-  <p:clrMapOvr>
-    <a:masterClrMapping/>
-  </p:clrMapOvr>
-</p:sld>
-</file>
-
-<file path=ppt/slides/slide6.xml><?xml version="1.0" encoding="utf-8"?>
-<p:sld xmlns:a="http://schemas.openxmlformats.org/drawingml/2006/main" xmlns:r="http://schemas.openxmlformats.org/officeDocument/2006/relationships" xmlns:p="http://schemas.openxmlformats.org/presentationml/2006/main">
-  <p:cSld>
-    <p:spTree>
-      <p:nvGrpSpPr>
-        <p:cNvPr id="1" name="Shape 284">
-          <a:extLst>
-            <a:ext uri="{FF2B5EF4-FFF2-40B4-BE49-F238E27FC236}">
               <a16:creationId xmlns:a16="http://schemas.microsoft.com/office/drawing/2014/main" id="{EF0C759D-D405-5DB0-1B23-4E19D11D4A65}"/>
             </a:ext>
           </a:extLst>
@@ -21384,7 +19255,7 @@
 </p:sld>
 </file>
 
-<file path=ppt/slides/slide7.xml><?xml version="1.0" encoding="utf-8"?>
+<file path=ppt/slides/slide6.xml><?xml version="1.0" encoding="utf-8"?>
 <p:sld xmlns:a="http://schemas.openxmlformats.org/drawingml/2006/main" xmlns:r="http://schemas.openxmlformats.org/officeDocument/2006/relationships" xmlns:p="http://schemas.openxmlformats.org/presentationml/2006/main">
   <p:cSld>
     <p:spTree>
@@ -22426,7 +20297,7 @@
 </p:sld>
 </file>
 
-<file path=ppt/slides/slide8.xml><?xml version="1.0" encoding="utf-8"?>
+<file path=ppt/slides/slide7.xml><?xml version="1.0" encoding="utf-8"?>
 <p:sld xmlns:a="http://schemas.openxmlformats.org/drawingml/2006/main" xmlns:r="http://schemas.openxmlformats.org/officeDocument/2006/relationships" xmlns:p="http://schemas.openxmlformats.org/presentationml/2006/main">
   <p:cSld>
     <p:spTree>
@@ -23171,39 +21042,6 @@
               <a:t>TST / CMN</a:t>
             </a:r>
           </a:p>
-          <a:p>
-            <a:pPr algn="ctr"/>
-            <a:r>
-              <a:rPr lang="fr-FR" dirty="0">
-                <a:solidFill>
-                  <a:schemeClr val="tx1"/>
-                </a:solidFill>
-                <a:latin typeface="Roboto Mono" panose="00000009000000000000" pitchFamily="49" charset="0"/>
-                <a:ea typeface="Roboto Mono" panose="00000009000000000000" pitchFamily="49" charset="0"/>
-              </a:rPr>
-              <a:t>MUL (si </a:t>
-            </a:r>
-            <a:r>
-              <a:rPr lang="fr-FR" dirty="0" err="1">
-                <a:solidFill>
-                  <a:schemeClr val="tx1"/>
-                </a:solidFill>
-                <a:latin typeface="Roboto Mono" panose="00000009000000000000" pitchFamily="49" charset="0"/>
-                <a:ea typeface="Roboto Mono" panose="00000009000000000000" pitchFamily="49" charset="0"/>
-              </a:rPr>
-              <a:t>impl</a:t>
-            </a:r>
-            <a:r>
-              <a:rPr lang="fr-FR" dirty="0">
-                <a:solidFill>
-                  <a:schemeClr val="tx1"/>
-                </a:solidFill>
-                <a:latin typeface="Roboto Mono" panose="00000009000000000000" pitchFamily="49" charset="0"/>
-                <a:ea typeface="Roboto Mono" panose="00000009000000000000" pitchFamily="49" charset="0"/>
-              </a:rPr>
-              <a:t>.)</a:t>
-            </a:r>
-          </a:p>
         </p:txBody>
       </p:sp>
     </p:spTree>
@@ -23214,7 +21052,7 @@
 </p:sld>
 </file>
 
-<file path=ppt/slides/slide9.xml><?xml version="1.0" encoding="utf-8"?>
+<file path=ppt/slides/slide8.xml><?xml version="1.0" encoding="utf-8"?>
 <p:sld xmlns:a="http://schemas.openxmlformats.org/drawingml/2006/main" xmlns:r="http://schemas.openxmlformats.org/officeDocument/2006/relationships" xmlns:p="http://schemas.openxmlformats.org/presentationml/2006/main">
   <p:cSld>
     <p:spTree>
@@ -23485,6 +21323,782 @@
           </a:ln>
         </p:spPr>
       </p:pic>
+    </p:spTree>
+  </p:cSld>
+  <p:clrMapOvr>
+    <a:masterClrMapping/>
+  </p:clrMapOvr>
+</p:sld>
+</file>
+
+<file path=ppt/slides/slide9.xml><?xml version="1.0" encoding="utf-8"?>
+<p:sld xmlns:a="http://schemas.openxmlformats.org/drawingml/2006/main" xmlns:r="http://schemas.openxmlformats.org/officeDocument/2006/relationships" xmlns:p="http://schemas.openxmlformats.org/presentationml/2006/main">
+  <p:cSld>
+    <p:spTree>
+      <p:nvGrpSpPr>
+        <p:cNvPr id="1" name="Shape 269"/>
+        <p:cNvGrpSpPr/>
+        <p:nvPr/>
+      </p:nvGrpSpPr>
+      <p:grpSpPr>
+        <a:xfrm>
+          <a:off x="0" y="0"/>
+          <a:ext cx="0" cy="0"/>
+          <a:chOff x="0" y="0"/>
+          <a:chExt cx="0" cy="0"/>
+        </a:xfrm>
+      </p:grpSpPr>
+      <p:sp>
+        <p:nvSpPr>
+          <p:cNvPr id="270" name="Google Shape;270;p33"/>
+          <p:cNvSpPr txBox="1">
+            <a:spLocks noGrp="1"/>
+          </p:cNvSpPr>
+          <p:nvPr>
+            <p:ph type="title"/>
+          </p:nvPr>
+        </p:nvSpPr>
+        <p:spPr>
+          <a:xfrm>
+            <a:off x="679225" y="794675"/>
+            <a:ext cx="7866600" cy="698400"/>
+          </a:xfrm>
+          <a:prstGeom prst="rect">
+            <a:avLst/>
+          </a:prstGeom>
+        </p:spPr>
+        <p:txBody>
+          <a:bodyPr spcFirstLastPara="1" wrap="square" lIns="91425" tIns="91425" rIns="91425" bIns="91425" anchor="t" anchorCtr="0">
+            <a:noAutofit/>
+          </a:bodyPr>
+          <a:lstStyle/>
+          <a:p>
+            <a:pPr lvl="0"/>
+            <a:r>
+              <a:rPr lang="fr-FR" dirty="0"/>
+              <a:t>ALU + Indicateurs (NZCV)</a:t>
+            </a:r>
+            <a:endParaRPr dirty="0"/>
+          </a:p>
+        </p:txBody>
+      </p:sp>
+      <p:sp>
+        <p:nvSpPr>
+          <p:cNvPr id="271" name="Google Shape;271;p33"/>
+          <p:cNvSpPr txBox="1">
+            <a:spLocks noGrp="1"/>
+          </p:cNvSpPr>
+          <p:nvPr>
+            <p:ph type="subTitle" idx="1"/>
+          </p:nvPr>
+        </p:nvSpPr>
+        <p:spPr>
+          <a:xfrm>
+            <a:off x="1338122" y="1576805"/>
+            <a:ext cx="6688278" cy="602977"/>
+          </a:xfrm>
+          <a:prstGeom prst="rect">
+            <a:avLst/>
+          </a:prstGeom>
+        </p:spPr>
+        <p:txBody>
+          <a:bodyPr spcFirstLastPara="1" wrap="square" lIns="91425" tIns="91425" rIns="91425" bIns="91425" anchor="t" anchorCtr="0">
+            <a:noAutofit/>
+          </a:bodyPr>
+          <a:lstStyle/>
+          <a:p>
+            <a:pPr marL="0" lvl="0" indent="0"/>
+            <a:r>
+              <a:rPr lang="fr-FR" dirty="0"/>
+              <a:t>L’ALU fait les calculs (arithmétique, logique, décalages) et met à jour les indicateurs.</a:t>
+            </a:r>
+          </a:p>
+          <a:p>
+            <a:pPr marL="0" lvl="0" indent="0"/>
+            <a:endParaRPr lang="fr-FR" dirty="0"/>
+          </a:p>
+          <a:p>
+            <a:pPr marL="0" lvl="0" indent="0"/>
+            <a:endParaRPr dirty="0"/>
+          </a:p>
+        </p:txBody>
+      </p:sp>
+      <p:sp>
+        <p:nvSpPr>
+          <p:cNvPr id="2" name="Google Shape;271;p33">
+            <a:extLst>
+              <a:ext uri="{FF2B5EF4-FFF2-40B4-BE49-F238E27FC236}">
+                <a16:creationId xmlns:a16="http://schemas.microsoft.com/office/drawing/2014/main" id="{B5EFA36F-1575-04DF-E09D-2D35FDA5DA60}"/>
+              </a:ext>
+            </a:extLst>
+          </p:cNvPr>
+          <p:cNvSpPr txBox="1">
+            <a:spLocks/>
+          </p:cNvSpPr>
+          <p:nvPr/>
+        </p:nvSpPr>
+        <p:spPr>
+          <a:xfrm>
+            <a:off x="455474" y="2642203"/>
+            <a:ext cx="4226787" cy="1218597"/>
+          </a:xfrm>
+          <a:prstGeom prst="rect">
+            <a:avLst/>
+          </a:prstGeom>
+          <a:noFill/>
+          <a:ln>
+            <a:noFill/>
+          </a:ln>
+        </p:spPr>
+        <p:txBody>
+          <a:bodyPr spcFirstLastPara="1" wrap="square" lIns="91425" tIns="91425" rIns="91425" bIns="91425" anchor="t" anchorCtr="0">
+            <a:noAutofit/>
+          </a:bodyPr>
+          <a:lstStyle>
+            <a:defPPr marR="0" lvl="0" algn="l" rtl="0">
+              <a:lnSpc>
+                <a:spcPct val="100000"/>
+              </a:lnSpc>
+              <a:spcBef>
+                <a:spcPts val="0"/>
+              </a:spcBef>
+              <a:spcAft>
+                <a:spcPts val="0"/>
+              </a:spcAft>
+            </a:defPPr>
+            <a:lvl1pPr marL="457200" marR="0" lvl="0" indent="-317500" algn="l" rtl="0">
+              <a:lnSpc>
+                <a:spcPct val="100000"/>
+              </a:lnSpc>
+              <a:spcBef>
+                <a:spcPts val="0"/>
+              </a:spcBef>
+              <a:spcAft>
+                <a:spcPts val="0"/>
+              </a:spcAft>
+              <a:buClr>
+                <a:schemeClr val="dk1"/>
+              </a:buClr>
+              <a:buSzPts val="1400"/>
+              <a:buFont typeface="Roboto Mono"/>
+              <a:buNone/>
+              <a:defRPr sz="1400" b="0" i="0" u="none" strike="noStrike" cap="none">
+                <a:solidFill>
+                  <a:schemeClr val="dk1"/>
+                </a:solidFill>
+                <a:latin typeface="Roboto Mono"/>
+                <a:ea typeface="Roboto Mono"/>
+                <a:cs typeface="Roboto Mono"/>
+                <a:sym typeface="Roboto Mono"/>
+              </a:defRPr>
+            </a:lvl1pPr>
+            <a:lvl2pPr marL="914400" marR="0" lvl="1" indent="-317500" algn="l" rtl="0">
+              <a:lnSpc>
+                <a:spcPct val="100000"/>
+              </a:lnSpc>
+              <a:spcBef>
+                <a:spcPts val="0"/>
+              </a:spcBef>
+              <a:spcAft>
+                <a:spcPts val="0"/>
+              </a:spcAft>
+              <a:buClr>
+                <a:schemeClr val="dk1"/>
+              </a:buClr>
+              <a:buSzPts val="1400"/>
+              <a:buFont typeface="Roboto Mono"/>
+              <a:buNone/>
+              <a:defRPr sz="1400" b="0" i="0" u="none" strike="noStrike" cap="none">
+                <a:solidFill>
+                  <a:schemeClr val="dk1"/>
+                </a:solidFill>
+                <a:latin typeface="Roboto Mono"/>
+                <a:ea typeface="Roboto Mono"/>
+                <a:cs typeface="Roboto Mono"/>
+                <a:sym typeface="Roboto Mono"/>
+              </a:defRPr>
+            </a:lvl2pPr>
+            <a:lvl3pPr marL="1371600" marR="0" lvl="2" indent="-317500" algn="l" rtl="0">
+              <a:lnSpc>
+                <a:spcPct val="100000"/>
+              </a:lnSpc>
+              <a:spcBef>
+                <a:spcPts val="0"/>
+              </a:spcBef>
+              <a:spcAft>
+                <a:spcPts val="0"/>
+              </a:spcAft>
+              <a:buClr>
+                <a:schemeClr val="dk1"/>
+              </a:buClr>
+              <a:buSzPts val="1400"/>
+              <a:buFont typeface="Roboto Mono"/>
+              <a:buNone/>
+              <a:defRPr sz="1400" b="0" i="0" u="none" strike="noStrike" cap="none">
+                <a:solidFill>
+                  <a:schemeClr val="dk1"/>
+                </a:solidFill>
+                <a:latin typeface="Roboto Mono"/>
+                <a:ea typeface="Roboto Mono"/>
+                <a:cs typeface="Roboto Mono"/>
+                <a:sym typeface="Roboto Mono"/>
+              </a:defRPr>
+            </a:lvl3pPr>
+            <a:lvl4pPr marL="1828800" marR="0" lvl="3" indent="-317500" algn="l" rtl="0">
+              <a:lnSpc>
+                <a:spcPct val="100000"/>
+              </a:lnSpc>
+              <a:spcBef>
+                <a:spcPts val="0"/>
+              </a:spcBef>
+              <a:spcAft>
+                <a:spcPts val="0"/>
+              </a:spcAft>
+              <a:buClr>
+                <a:schemeClr val="dk1"/>
+              </a:buClr>
+              <a:buSzPts val="1400"/>
+              <a:buFont typeface="Roboto Mono"/>
+              <a:buNone/>
+              <a:defRPr sz="1400" b="0" i="0" u="none" strike="noStrike" cap="none">
+                <a:solidFill>
+                  <a:schemeClr val="dk1"/>
+                </a:solidFill>
+                <a:latin typeface="Roboto Mono"/>
+                <a:ea typeface="Roboto Mono"/>
+                <a:cs typeface="Roboto Mono"/>
+                <a:sym typeface="Roboto Mono"/>
+              </a:defRPr>
+            </a:lvl4pPr>
+            <a:lvl5pPr marL="2286000" marR="0" lvl="4" indent="-317500" algn="l" rtl="0">
+              <a:lnSpc>
+                <a:spcPct val="100000"/>
+              </a:lnSpc>
+              <a:spcBef>
+                <a:spcPts val="0"/>
+              </a:spcBef>
+              <a:spcAft>
+                <a:spcPts val="0"/>
+              </a:spcAft>
+              <a:buClr>
+                <a:schemeClr val="dk1"/>
+              </a:buClr>
+              <a:buSzPts val="1400"/>
+              <a:buFont typeface="Roboto Mono"/>
+              <a:buNone/>
+              <a:defRPr sz="1400" b="0" i="0" u="none" strike="noStrike" cap="none">
+                <a:solidFill>
+                  <a:schemeClr val="dk1"/>
+                </a:solidFill>
+                <a:latin typeface="Roboto Mono"/>
+                <a:ea typeface="Roboto Mono"/>
+                <a:cs typeface="Roboto Mono"/>
+                <a:sym typeface="Roboto Mono"/>
+              </a:defRPr>
+            </a:lvl5pPr>
+            <a:lvl6pPr marL="2743200" marR="0" lvl="5" indent="-317500" algn="l" rtl="0">
+              <a:lnSpc>
+                <a:spcPct val="100000"/>
+              </a:lnSpc>
+              <a:spcBef>
+                <a:spcPts val="0"/>
+              </a:spcBef>
+              <a:spcAft>
+                <a:spcPts val="0"/>
+              </a:spcAft>
+              <a:buClr>
+                <a:schemeClr val="dk1"/>
+              </a:buClr>
+              <a:buSzPts val="1400"/>
+              <a:buFont typeface="Roboto Mono"/>
+              <a:buNone/>
+              <a:defRPr sz="1400" b="0" i="0" u="none" strike="noStrike" cap="none">
+                <a:solidFill>
+                  <a:schemeClr val="dk1"/>
+                </a:solidFill>
+                <a:latin typeface="Roboto Mono"/>
+                <a:ea typeface="Roboto Mono"/>
+                <a:cs typeface="Roboto Mono"/>
+                <a:sym typeface="Roboto Mono"/>
+              </a:defRPr>
+            </a:lvl6pPr>
+            <a:lvl7pPr marL="3200400" marR="0" lvl="6" indent="-317500" algn="l" rtl="0">
+              <a:lnSpc>
+                <a:spcPct val="100000"/>
+              </a:lnSpc>
+              <a:spcBef>
+                <a:spcPts val="0"/>
+              </a:spcBef>
+              <a:spcAft>
+                <a:spcPts val="0"/>
+              </a:spcAft>
+              <a:buClr>
+                <a:schemeClr val="dk1"/>
+              </a:buClr>
+              <a:buSzPts val="1400"/>
+              <a:buFont typeface="Roboto Mono"/>
+              <a:buNone/>
+              <a:defRPr sz="1400" b="0" i="0" u="none" strike="noStrike" cap="none">
+                <a:solidFill>
+                  <a:schemeClr val="dk1"/>
+                </a:solidFill>
+                <a:latin typeface="Roboto Mono"/>
+                <a:ea typeface="Roboto Mono"/>
+                <a:cs typeface="Roboto Mono"/>
+                <a:sym typeface="Roboto Mono"/>
+              </a:defRPr>
+            </a:lvl7pPr>
+            <a:lvl8pPr marL="3657600" marR="0" lvl="7" indent="-317500" algn="l" rtl="0">
+              <a:lnSpc>
+                <a:spcPct val="100000"/>
+              </a:lnSpc>
+              <a:spcBef>
+                <a:spcPts val="0"/>
+              </a:spcBef>
+              <a:spcAft>
+                <a:spcPts val="0"/>
+              </a:spcAft>
+              <a:buClr>
+                <a:schemeClr val="dk1"/>
+              </a:buClr>
+              <a:buSzPts val="1400"/>
+              <a:buFont typeface="Roboto Mono"/>
+              <a:buNone/>
+              <a:defRPr sz="1400" b="0" i="0" u="none" strike="noStrike" cap="none">
+                <a:solidFill>
+                  <a:schemeClr val="dk1"/>
+                </a:solidFill>
+                <a:latin typeface="Roboto Mono"/>
+                <a:ea typeface="Roboto Mono"/>
+                <a:cs typeface="Roboto Mono"/>
+                <a:sym typeface="Roboto Mono"/>
+              </a:defRPr>
+            </a:lvl8pPr>
+            <a:lvl9pPr marL="4114800" marR="0" lvl="8" indent="-317500" algn="l" rtl="0">
+              <a:lnSpc>
+                <a:spcPct val="100000"/>
+              </a:lnSpc>
+              <a:spcBef>
+                <a:spcPts val="0"/>
+              </a:spcBef>
+              <a:spcAft>
+                <a:spcPts val="0"/>
+              </a:spcAft>
+              <a:buClr>
+                <a:schemeClr val="dk1"/>
+              </a:buClr>
+              <a:buSzPts val="1400"/>
+              <a:buFont typeface="Roboto Mono"/>
+              <a:buNone/>
+              <a:defRPr sz="1400" b="0" i="0" u="none" strike="noStrike" cap="none">
+                <a:solidFill>
+                  <a:schemeClr val="dk1"/>
+                </a:solidFill>
+                <a:latin typeface="Roboto Mono"/>
+                <a:ea typeface="Roboto Mono"/>
+                <a:cs typeface="Roboto Mono"/>
+                <a:sym typeface="Roboto Mono"/>
+              </a:defRPr>
+            </a:lvl9pPr>
+          </a:lstStyle>
+          <a:p>
+            <a:r>
+              <a:rPr lang="fr-FR" sz="1800" b="1" dirty="0"/>
+              <a:t>Entrées : </a:t>
+            </a:r>
+          </a:p>
+          <a:p>
+            <a:r>
+              <a:rPr lang="fr-FR" b="1" dirty="0"/>
+              <a:t>A (32 bits)</a:t>
+            </a:r>
+            <a:r>
+              <a:rPr lang="fr-FR" dirty="0"/>
+              <a:t> : valeur venant d’un registre</a:t>
+            </a:r>
+          </a:p>
+          <a:p>
+            <a:r>
+              <a:rPr lang="fr-FR" b="1" dirty="0"/>
+              <a:t>B (32 bits)</a:t>
+            </a:r>
+            <a:r>
+              <a:rPr lang="fr-FR" dirty="0"/>
+              <a:t> : valeur venant d’un registre / immédiat</a:t>
+            </a:r>
+          </a:p>
+          <a:p>
+            <a:r>
+              <a:rPr lang="fr-FR" b="1" dirty="0"/>
+              <a:t>Paramètres</a:t>
+            </a:r>
+            <a:r>
+              <a:rPr lang="fr-FR" dirty="0"/>
+              <a:t> : type d’opération + décalage + retenue (si besoin)</a:t>
+            </a:r>
+          </a:p>
+          <a:p>
+            <a:pPr marL="0" indent="0"/>
+            <a:endParaRPr lang="fr-FR" dirty="0"/>
+          </a:p>
+          <a:p>
+            <a:pPr marL="0" indent="0"/>
+            <a:endParaRPr lang="fr-FR" dirty="0"/>
+          </a:p>
+        </p:txBody>
+      </p:sp>
+      <p:sp>
+        <p:nvSpPr>
+          <p:cNvPr id="3" name="Google Shape;271;p33">
+            <a:extLst>
+              <a:ext uri="{FF2B5EF4-FFF2-40B4-BE49-F238E27FC236}">
+                <a16:creationId xmlns:a16="http://schemas.microsoft.com/office/drawing/2014/main" id="{D32F9B50-898D-C48C-F30D-98CF679DFC2C}"/>
+              </a:ext>
+            </a:extLst>
+          </p:cNvPr>
+          <p:cNvSpPr txBox="1">
+            <a:spLocks/>
+          </p:cNvSpPr>
+          <p:nvPr/>
+        </p:nvSpPr>
+        <p:spPr>
+          <a:xfrm>
+            <a:off x="5111631" y="2743501"/>
+            <a:ext cx="6591296" cy="1218597"/>
+          </a:xfrm>
+          <a:prstGeom prst="rect">
+            <a:avLst/>
+          </a:prstGeom>
+          <a:noFill/>
+          <a:ln>
+            <a:noFill/>
+          </a:ln>
+        </p:spPr>
+        <p:txBody>
+          <a:bodyPr spcFirstLastPara="1" wrap="square" lIns="91425" tIns="91425" rIns="91425" bIns="91425" anchor="t" anchorCtr="0">
+            <a:noAutofit/>
+          </a:bodyPr>
+          <a:lstStyle>
+            <a:defPPr marR="0" lvl="0" algn="l" rtl="0">
+              <a:lnSpc>
+                <a:spcPct val="100000"/>
+              </a:lnSpc>
+              <a:spcBef>
+                <a:spcPts val="0"/>
+              </a:spcBef>
+              <a:spcAft>
+                <a:spcPts val="0"/>
+              </a:spcAft>
+            </a:defPPr>
+            <a:lvl1pPr marL="457200" marR="0" lvl="0" indent="-317500" algn="l" rtl="0">
+              <a:lnSpc>
+                <a:spcPct val="100000"/>
+              </a:lnSpc>
+              <a:spcBef>
+                <a:spcPts val="0"/>
+              </a:spcBef>
+              <a:spcAft>
+                <a:spcPts val="0"/>
+              </a:spcAft>
+              <a:buClr>
+                <a:schemeClr val="dk1"/>
+              </a:buClr>
+              <a:buSzPts val="1400"/>
+              <a:buFont typeface="Roboto Mono"/>
+              <a:buNone/>
+              <a:defRPr sz="1400" b="0" i="0" u="none" strike="noStrike" cap="none">
+                <a:solidFill>
+                  <a:schemeClr val="dk1"/>
+                </a:solidFill>
+                <a:latin typeface="Roboto Mono"/>
+                <a:ea typeface="Roboto Mono"/>
+                <a:cs typeface="Roboto Mono"/>
+                <a:sym typeface="Roboto Mono"/>
+              </a:defRPr>
+            </a:lvl1pPr>
+            <a:lvl2pPr marL="914400" marR="0" lvl="1" indent="-317500" algn="l" rtl="0">
+              <a:lnSpc>
+                <a:spcPct val="100000"/>
+              </a:lnSpc>
+              <a:spcBef>
+                <a:spcPts val="0"/>
+              </a:spcBef>
+              <a:spcAft>
+                <a:spcPts val="0"/>
+              </a:spcAft>
+              <a:buClr>
+                <a:schemeClr val="dk1"/>
+              </a:buClr>
+              <a:buSzPts val="1400"/>
+              <a:buFont typeface="Roboto Mono"/>
+              <a:buNone/>
+              <a:defRPr sz="1400" b="0" i="0" u="none" strike="noStrike" cap="none">
+                <a:solidFill>
+                  <a:schemeClr val="dk1"/>
+                </a:solidFill>
+                <a:latin typeface="Roboto Mono"/>
+                <a:ea typeface="Roboto Mono"/>
+                <a:cs typeface="Roboto Mono"/>
+                <a:sym typeface="Roboto Mono"/>
+              </a:defRPr>
+            </a:lvl2pPr>
+            <a:lvl3pPr marL="1371600" marR="0" lvl="2" indent="-317500" algn="l" rtl="0">
+              <a:lnSpc>
+                <a:spcPct val="100000"/>
+              </a:lnSpc>
+              <a:spcBef>
+                <a:spcPts val="0"/>
+              </a:spcBef>
+              <a:spcAft>
+                <a:spcPts val="0"/>
+              </a:spcAft>
+              <a:buClr>
+                <a:schemeClr val="dk1"/>
+              </a:buClr>
+              <a:buSzPts val="1400"/>
+              <a:buFont typeface="Roboto Mono"/>
+              <a:buNone/>
+              <a:defRPr sz="1400" b="0" i="0" u="none" strike="noStrike" cap="none">
+                <a:solidFill>
+                  <a:schemeClr val="dk1"/>
+                </a:solidFill>
+                <a:latin typeface="Roboto Mono"/>
+                <a:ea typeface="Roboto Mono"/>
+                <a:cs typeface="Roboto Mono"/>
+                <a:sym typeface="Roboto Mono"/>
+              </a:defRPr>
+            </a:lvl3pPr>
+            <a:lvl4pPr marL="1828800" marR="0" lvl="3" indent="-317500" algn="l" rtl="0">
+              <a:lnSpc>
+                <a:spcPct val="100000"/>
+              </a:lnSpc>
+              <a:spcBef>
+                <a:spcPts val="0"/>
+              </a:spcBef>
+              <a:spcAft>
+                <a:spcPts val="0"/>
+              </a:spcAft>
+              <a:buClr>
+                <a:schemeClr val="dk1"/>
+              </a:buClr>
+              <a:buSzPts val="1400"/>
+              <a:buFont typeface="Roboto Mono"/>
+              <a:buNone/>
+              <a:defRPr sz="1400" b="0" i="0" u="none" strike="noStrike" cap="none">
+                <a:solidFill>
+                  <a:schemeClr val="dk1"/>
+                </a:solidFill>
+                <a:latin typeface="Roboto Mono"/>
+                <a:ea typeface="Roboto Mono"/>
+                <a:cs typeface="Roboto Mono"/>
+                <a:sym typeface="Roboto Mono"/>
+              </a:defRPr>
+            </a:lvl4pPr>
+            <a:lvl5pPr marL="2286000" marR="0" lvl="4" indent="-317500" algn="l" rtl="0">
+              <a:lnSpc>
+                <a:spcPct val="100000"/>
+              </a:lnSpc>
+              <a:spcBef>
+                <a:spcPts val="0"/>
+              </a:spcBef>
+              <a:spcAft>
+                <a:spcPts val="0"/>
+              </a:spcAft>
+              <a:buClr>
+                <a:schemeClr val="dk1"/>
+              </a:buClr>
+              <a:buSzPts val="1400"/>
+              <a:buFont typeface="Roboto Mono"/>
+              <a:buNone/>
+              <a:defRPr sz="1400" b="0" i="0" u="none" strike="noStrike" cap="none">
+                <a:solidFill>
+                  <a:schemeClr val="dk1"/>
+                </a:solidFill>
+                <a:latin typeface="Roboto Mono"/>
+                <a:ea typeface="Roboto Mono"/>
+                <a:cs typeface="Roboto Mono"/>
+                <a:sym typeface="Roboto Mono"/>
+              </a:defRPr>
+            </a:lvl5pPr>
+            <a:lvl6pPr marL="2743200" marR="0" lvl="5" indent="-317500" algn="l" rtl="0">
+              <a:lnSpc>
+                <a:spcPct val="100000"/>
+              </a:lnSpc>
+              <a:spcBef>
+                <a:spcPts val="0"/>
+              </a:spcBef>
+              <a:spcAft>
+                <a:spcPts val="0"/>
+              </a:spcAft>
+              <a:buClr>
+                <a:schemeClr val="dk1"/>
+              </a:buClr>
+              <a:buSzPts val="1400"/>
+              <a:buFont typeface="Roboto Mono"/>
+              <a:buNone/>
+              <a:defRPr sz="1400" b="0" i="0" u="none" strike="noStrike" cap="none">
+                <a:solidFill>
+                  <a:schemeClr val="dk1"/>
+                </a:solidFill>
+                <a:latin typeface="Roboto Mono"/>
+                <a:ea typeface="Roboto Mono"/>
+                <a:cs typeface="Roboto Mono"/>
+                <a:sym typeface="Roboto Mono"/>
+              </a:defRPr>
+            </a:lvl6pPr>
+            <a:lvl7pPr marL="3200400" marR="0" lvl="6" indent="-317500" algn="l" rtl="0">
+              <a:lnSpc>
+                <a:spcPct val="100000"/>
+              </a:lnSpc>
+              <a:spcBef>
+                <a:spcPts val="0"/>
+              </a:spcBef>
+              <a:spcAft>
+                <a:spcPts val="0"/>
+              </a:spcAft>
+              <a:buClr>
+                <a:schemeClr val="dk1"/>
+              </a:buClr>
+              <a:buSzPts val="1400"/>
+              <a:buFont typeface="Roboto Mono"/>
+              <a:buNone/>
+              <a:defRPr sz="1400" b="0" i="0" u="none" strike="noStrike" cap="none">
+                <a:solidFill>
+                  <a:schemeClr val="dk1"/>
+                </a:solidFill>
+                <a:latin typeface="Roboto Mono"/>
+                <a:ea typeface="Roboto Mono"/>
+                <a:cs typeface="Roboto Mono"/>
+                <a:sym typeface="Roboto Mono"/>
+              </a:defRPr>
+            </a:lvl7pPr>
+            <a:lvl8pPr marL="3657600" marR="0" lvl="7" indent="-317500" algn="l" rtl="0">
+              <a:lnSpc>
+                <a:spcPct val="100000"/>
+              </a:lnSpc>
+              <a:spcBef>
+                <a:spcPts val="0"/>
+              </a:spcBef>
+              <a:spcAft>
+                <a:spcPts val="0"/>
+              </a:spcAft>
+              <a:buClr>
+                <a:schemeClr val="dk1"/>
+              </a:buClr>
+              <a:buSzPts val="1400"/>
+              <a:buFont typeface="Roboto Mono"/>
+              <a:buNone/>
+              <a:defRPr sz="1400" b="0" i="0" u="none" strike="noStrike" cap="none">
+                <a:solidFill>
+                  <a:schemeClr val="dk1"/>
+                </a:solidFill>
+                <a:latin typeface="Roboto Mono"/>
+                <a:ea typeface="Roboto Mono"/>
+                <a:cs typeface="Roboto Mono"/>
+                <a:sym typeface="Roboto Mono"/>
+              </a:defRPr>
+            </a:lvl8pPr>
+            <a:lvl9pPr marL="4114800" marR="0" lvl="8" indent="-317500" algn="l" rtl="0">
+              <a:lnSpc>
+                <a:spcPct val="100000"/>
+              </a:lnSpc>
+              <a:spcBef>
+                <a:spcPts val="0"/>
+              </a:spcBef>
+              <a:spcAft>
+                <a:spcPts val="0"/>
+              </a:spcAft>
+              <a:buClr>
+                <a:schemeClr val="dk1"/>
+              </a:buClr>
+              <a:buSzPts val="1400"/>
+              <a:buFont typeface="Roboto Mono"/>
+              <a:buNone/>
+              <a:defRPr sz="1400" b="0" i="0" u="none" strike="noStrike" cap="none">
+                <a:solidFill>
+                  <a:schemeClr val="dk1"/>
+                </a:solidFill>
+                <a:latin typeface="Roboto Mono"/>
+                <a:ea typeface="Roboto Mono"/>
+                <a:cs typeface="Roboto Mono"/>
+                <a:sym typeface="Roboto Mono"/>
+              </a:defRPr>
+            </a:lvl9pPr>
+          </a:lstStyle>
+          <a:p>
+            <a:r>
+              <a:rPr lang="fr-FR" sz="1800" b="1" dirty="0"/>
+              <a:t>Sorties : </a:t>
+            </a:r>
+          </a:p>
+          <a:p>
+            <a:r>
+              <a:rPr lang="fr-FR" b="1" dirty="0"/>
+              <a:t>Résultat (32 bits)</a:t>
+            </a:r>
+            <a:endParaRPr lang="fr-FR" dirty="0"/>
+          </a:p>
+          <a:p>
+            <a:r>
+              <a:rPr lang="fr-FR" b="1" dirty="0"/>
+              <a:t>Indicateurs NZCV</a:t>
+            </a:r>
+            <a:endParaRPr lang="fr-FR" dirty="0"/>
+          </a:p>
+          <a:p>
+            <a:pPr lvl="1"/>
+            <a:r>
+              <a:rPr lang="fr-FR" b="1" dirty="0"/>
+              <a:t>N</a:t>
+            </a:r>
+            <a:r>
+              <a:rPr lang="fr-FR" dirty="0"/>
+              <a:t> : résultat négatif</a:t>
+            </a:r>
+          </a:p>
+          <a:p>
+            <a:pPr lvl="1"/>
+            <a:r>
+              <a:rPr lang="fr-FR" b="1" dirty="0"/>
+              <a:t>Z</a:t>
+            </a:r>
+            <a:r>
+              <a:rPr lang="fr-FR" dirty="0"/>
+              <a:t> : résultat = 0</a:t>
+            </a:r>
+          </a:p>
+          <a:p>
+            <a:pPr lvl="1"/>
+            <a:r>
+              <a:rPr lang="fr-FR" b="1" dirty="0"/>
+              <a:t>C</a:t>
+            </a:r>
+            <a:r>
+              <a:rPr lang="fr-FR" dirty="0"/>
+              <a:t> : retenue (carry)</a:t>
+            </a:r>
+          </a:p>
+          <a:p>
+            <a:pPr lvl="1"/>
+            <a:r>
+              <a:rPr lang="fr-FR" b="1" dirty="0"/>
+              <a:t>V</a:t>
+            </a:r>
+            <a:r>
+              <a:rPr lang="fr-FR" dirty="0"/>
+              <a:t> : dépassement (</a:t>
+            </a:r>
+            <a:r>
+              <a:rPr lang="fr-FR" dirty="0" err="1"/>
+              <a:t>overflow</a:t>
+            </a:r>
+            <a:r>
+              <a:rPr lang="fr-FR" dirty="0"/>
+              <a:t>)</a:t>
+            </a:r>
+          </a:p>
+        </p:txBody>
+      </p:sp>
     </p:spTree>
   </p:cSld>
   <p:clrMapOvr>
